--- a/Presentation.pptx
+++ b/Presentation.pptx
@@ -18805,7 +18805,7 @@
         <p:spPr>
           <a:xfrm>
             <a:off x="1273175" y="549275"/>
-            <a:ext cx="3534799" cy="523180"/>
+            <a:ext cx="3534799" cy="738623"/>
           </a:xfrm>
           <a:prstGeom prst="rect">
             <a:avLst/>
@@ -18869,6 +18869,29 @@
                 <a:sym typeface="Roboto"/>
               </a:rPr>
               <a:t>Department of Information Engineering</a:t>
+            </a:r>
+            <a:br>
+              <a:rPr lang="en-US" dirty="0">
+                <a:solidFill>
+                  <a:schemeClr val="lt1"/>
+                </a:solidFill>
+                <a:latin typeface="Roboto"/>
+                <a:ea typeface="Roboto"/>
+                <a:cs typeface="Roboto"/>
+                <a:sym typeface="Roboto"/>
+              </a:rPr>
+            </a:br>
+            <a:r>
+              <a:rPr lang="en-US" dirty="0">
+                <a:solidFill>
+                  <a:schemeClr val="lt1"/>
+                </a:solidFill>
+                <a:latin typeface="Roboto"/>
+                <a:ea typeface="Roboto"/>
+                <a:cs typeface="Roboto"/>
+                <a:sym typeface="Roboto"/>
+              </a:rPr>
+              <a:t>Artificial Intelligence and Data Engineering</a:t>
             </a:r>
             <a:endParaRPr lang="en-US" sz="1400" b="0" i="0" u="none" strike="noStrike" cap="none" noProof="0" dirty="0">
               <a:solidFill>
@@ -19135,6 +19158,53 @@
           <a:ln>
             <a:noFill/>
           </a:ln>
+        </p:spPr>
+      </p:pic>
+      <p:pic>
+        <p:nvPicPr>
+          <p:cNvPr id="1026" name="Picture 2" descr="Unipi • 120g">
+            <a:extLst>
+              <a:ext uri="{FF2B5EF4-FFF2-40B4-BE49-F238E27FC236}">
+                <a16:creationId xmlns:a16="http://schemas.microsoft.com/office/drawing/2014/main" id="{6C8A607F-ABE9-7285-F0AF-3EFF3BA839FF}"/>
+              </a:ext>
+            </a:extLst>
+          </p:cNvPr>
+          <p:cNvPicPr>
+            <a:picLocks noChangeAspect="1" noChangeArrowheads="1"/>
+          </p:cNvPicPr>
+          <p:nvPr/>
+        </p:nvPicPr>
+        <p:blipFill>
+          <a:blip r:embed="rId5">
+            <a:extLst>
+              <a:ext uri="{28A0092B-C50C-407E-A947-70E740481C1C}">
+                <a14:useLocalDpi xmlns:a14="http://schemas.microsoft.com/office/drawing/2010/main" val="0"/>
+              </a:ext>
+            </a:extLst>
+          </a:blip>
+          <a:srcRect/>
+          <a:stretch>
+            <a:fillRect/>
+          </a:stretch>
+        </p:blipFill>
+        <p:spPr bwMode="auto">
+          <a:xfrm>
+            <a:off x="10511294" y="5161725"/>
+            <a:ext cx="1680706" cy="1680706"/>
+          </a:xfrm>
+          <a:prstGeom prst="rect">
+            <a:avLst/>
+          </a:prstGeom>
+          <a:noFill/>
+          <a:extLst>
+            <a:ext uri="{909E8E84-426E-40DD-AFC4-6F175D3DCCD1}">
+              <a14:hiddenFill xmlns:a14="http://schemas.microsoft.com/office/drawing/2010/main">
+                <a:solidFill>
+                  <a:srgbClr val="FFFFFF"/>
+                </a:solidFill>
+              </a14:hiddenFill>
+            </a:ext>
+          </a:extLst>
         </p:spPr>
       </p:pic>
     </p:spTree>
@@ -19519,7 +19589,31 @@
                 <a:cs typeface="Roboto"/>
                 <a:sym typeface="Roboto"/>
               </a:rPr>
-              <a:t>This phase involves building the dataset from the original ADNI files. All the preprocessing operations that prevent data leakage from the train dataset to the test dataset are implemented. In fact, it is precisely here that we split the ADNIMERGE.csv dataset into train and test datasets.</a:t>
+              <a:t>This phase involves building the dataset from the original ADNI files. All the preprocessing operations that prevent data leakage from the </a:t>
+            </a:r>
+            <a:r>
+              <a:rPr lang="en-US" sz="1800" dirty="0">
+                <a:solidFill>
+                  <a:schemeClr val="dk1"/>
+                </a:solidFill>
+                <a:latin typeface="Roboto"/>
+                <a:ea typeface="Roboto"/>
+                <a:cs typeface="Roboto"/>
+                <a:sym typeface="Roboto"/>
+              </a:rPr>
+              <a:t>training</a:t>
+            </a:r>
+            <a:r>
+              <a:rPr lang="en-US" sz="1800" noProof="0" dirty="0">
+                <a:solidFill>
+                  <a:schemeClr val="dk1"/>
+                </a:solidFill>
+                <a:latin typeface="Roboto"/>
+                <a:ea typeface="Roboto"/>
+                <a:cs typeface="Roboto"/>
+                <a:sym typeface="Roboto"/>
+              </a:rPr>
+              <a:t> dataset to the testing dataset are implemented. In fact, it is precisely here that we split the ADNIMERGE.csv dataset into train and test datasets.</a:t>
             </a:r>
           </a:p>
         </p:txBody>
@@ -19644,7 +19738,55 @@
                 <a:cs typeface="Roboto"/>
                 <a:sym typeface="Roboto"/>
               </a:rPr>
-              <a:t>This phase involves transforming the dataset to make it suitable for machine learning. These operations would risk data leakage if evaluated on the entire dataset. Therefore, they are performed on the train dataset, and the test dataset is modified accordingly to make it consistent, before evaluating the models built on the train. It is divided into </a:t>
+              <a:t>This phase involves transforming the dataset to make it suitable for Machine </a:t>
+            </a:r>
+            <a:r>
+              <a:rPr lang="en-US" sz="1800" dirty="0">
+                <a:solidFill>
+                  <a:schemeClr val="dk1"/>
+                </a:solidFill>
+                <a:latin typeface="Roboto"/>
+                <a:ea typeface="Roboto"/>
+                <a:cs typeface="Roboto"/>
+                <a:sym typeface="Roboto"/>
+              </a:rPr>
+              <a:t>L</a:t>
+            </a:r>
+            <a:r>
+              <a:rPr lang="en-US" sz="1800" noProof="0" dirty="0">
+                <a:solidFill>
+                  <a:schemeClr val="dk1"/>
+                </a:solidFill>
+                <a:latin typeface="Roboto"/>
+                <a:ea typeface="Roboto"/>
+                <a:cs typeface="Roboto"/>
+                <a:sym typeface="Roboto"/>
+              </a:rPr>
+              <a:t>earning. These operations would risk </a:t>
+            </a:r>
+            <a:r>
+              <a:rPr lang="en-US" sz="1800" i="1" noProof="0" dirty="0">
+                <a:solidFill>
+                  <a:schemeClr val="dk1"/>
+                </a:solidFill>
+                <a:latin typeface="Roboto"/>
+                <a:ea typeface="Roboto"/>
+                <a:cs typeface="Roboto"/>
+                <a:sym typeface="Roboto"/>
+              </a:rPr>
+              <a:t>data leakage </a:t>
+            </a:r>
+            <a:r>
+              <a:rPr lang="en-US" sz="1800" noProof="0" dirty="0">
+                <a:solidFill>
+                  <a:schemeClr val="dk1"/>
+                </a:solidFill>
+                <a:latin typeface="Roboto"/>
+                <a:ea typeface="Roboto"/>
+                <a:cs typeface="Roboto"/>
+                <a:sym typeface="Roboto"/>
+              </a:rPr>
+              <a:t>if evaluated on the entire dataset. Therefore, they are performed on the train dataset, and the test dataset is modified accordingly to make it consistent, before evaluating the models built on the train. It is divided into </a:t>
             </a:r>
             <a:r>
               <a:rPr lang="en-US" sz="1800" i="1" noProof="0" dirty="0">
@@ -20270,7 +20412,7 @@
         </p:spPr>
         <p:txBody>
           <a:bodyPr spcFirstLastPara="1" wrap="square" lIns="91425" tIns="45700" rIns="91425" bIns="45700" anchor="t" anchorCtr="0">
-            <a:normAutofit lnSpcReduction="10000"/>
+            <a:normAutofit fontScale="92500" lnSpcReduction="10000"/>
           </a:bodyPr>
           <a:lstStyle/>
           <a:p>
@@ -20290,7 +20432,23 @@
                 <a:cs typeface="Roboto"/>
                 <a:sym typeface="Roboto"/>
               </a:rPr>
-              <a:t>SMC (Subjective Memory Concern) subjects were realigned with DX and finally reclassified as CN, since subjective perception is not predictable from objective data.</a:t>
+              <a:t>SMC (Subjective Memory Concern) subjects were realigned with DX and finally reclassified as CN, </a:t>
+            </a:r>
+            <a:r>
+              <a:rPr lang="en-US" noProof="0" dirty="0"/>
+              <a:t>ensuring consistency with objectively defined diagnostic categories</a:t>
+            </a:r>
+            <a:r>
+              <a:rPr lang="en-US" noProof="0" dirty="0">
+                <a:solidFill>
+                  <a:schemeClr val="dk1"/>
+                </a:solidFill>
+                <a:latin typeface="Roboto"/>
+                <a:ea typeface="Roboto"/>
+                <a:cs typeface="Roboto"/>
+                <a:sym typeface="Roboto"/>
+              </a:rPr>
+              <a:t>.</a:t>
             </a:r>
             <a:endParaRPr lang="en-US" noProof="0" dirty="0"/>
           </a:p>
@@ -22361,7 +22519,7 @@
             </a:br>
             <a:r>
               <a:rPr lang="en-US" sz="2400" noProof="0" dirty="0"/>
-              <a:t>Convert almost all cognitive scales and age from float to int, correcting for approximations due to imputation or format errors.</a:t>
+              <a:t>Converted nearly all cognitive scales and age from float to int, correcting approximations to imputation or format errors.</a:t>
             </a:r>
             <a:endParaRPr lang="en-US" sz="3200" noProof="0" dirty="0"/>
           </a:p>
@@ -23168,7 +23326,7 @@
               <a:buChar char="•"/>
             </a:pPr>
             <a:r>
-              <a:rPr lang="en-US" sz="1800" b="1" dirty="0">
+              <a:rPr lang="en-US" sz="1800" b="1" noProof="0" dirty="0">
                 <a:solidFill>
                   <a:schemeClr val="dk1"/>
                 </a:solidFill>
@@ -23180,7 +23338,7 @@
               <a:t>Univariate Analysis: </a:t>
             </a:r>
             <a:r>
-              <a:rPr lang="en-US" sz="1800" dirty="0">
+              <a:rPr lang="en-US" sz="1800" noProof="0" dirty="0">
                 <a:solidFill>
                   <a:schemeClr val="dk1"/>
                 </a:solidFill>
@@ -23192,7 +23350,7 @@
               <a:t>use </a:t>
             </a:r>
             <a:r>
-              <a:rPr lang="en-US" sz="1800" i="1" dirty="0">
+              <a:rPr lang="en-US" sz="1800" i="1" noProof="0" dirty="0">
                 <a:solidFill>
                   <a:schemeClr val="dk1"/>
                 </a:solidFill>
@@ -23204,7 +23362,7 @@
               <a:t>IQR</a:t>
             </a:r>
             <a:r>
-              <a:rPr lang="en-US" sz="1800" dirty="0">
+              <a:rPr lang="en-US" sz="1800" noProof="0" dirty="0">
                 <a:solidFill>
                   <a:schemeClr val="dk1"/>
                 </a:solidFill>
@@ -23216,7 +23374,7 @@
               <a:t> and </a:t>
             </a:r>
             <a:r>
-              <a:rPr lang="en-US" sz="1800" i="1" dirty="0">
+              <a:rPr lang="en-US" sz="1800" i="1" noProof="0" dirty="0">
                 <a:solidFill>
                   <a:schemeClr val="dk1"/>
                 </a:solidFill>
@@ -23228,7 +23386,7 @@
               <a:t>Z-score</a:t>
             </a:r>
             <a:r>
-              <a:rPr lang="en-US" sz="1800" dirty="0">
+              <a:rPr lang="en-US" sz="1800" noProof="0" dirty="0">
                 <a:solidFill>
                   <a:schemeClr val="dk1"/>
                 </a:solidFill>
@@ -23250,7 +23408,7 @@
               <a:buChar char="•"/>
             </a:pPr>
             <a:r>
-              <a:rPr lang="en-US" sz="1800" b="1" dirty="0">
+              <a:rPr lang="en-US" sz="1800" b="1" noProof="0" dirty="0">
                 <a:solidFill>
                   <a:schemeClr val="dk1"/>
                 </a:solidFill>
@@ -23262,7 +23420,7 @@
               <a:t>Multivariate Analysis: </a:t>
             </a:r>
             <a:r>
-              <a:rPr lang="en-US" sz="1800" dirty="0">
+              <a:rPr lang="en-US" sz="1800" noProof="0" dirty="0">
                 <a:solidFill>
                   <a:schemeClr val="dk1"/>
                 </a:solidFill>
@@ -23284,7 +23442,7 @@
               <a:buChar char="•"/>
             </a:pPr>
             <a:r>
-              <a:rPr lang="en-US" sz="1800" b="1" dirty="0">
+              <a:rPr lang="en-US" sz="1800" b="1" noProof="0" dirty="0">
                 <a:solidFill>
                   <a:schemeClr val="dk1"/>
                 </a:solidFill>
@@ -23296,7 +23454,7 @@
               <a:t>Problematic outlier removal: </a:t>
             </a:r>
             <a:r>
-              <a:rPr lang="en-US" sz="1800" dirty="0">
+              <a:rPr lang="en-US" sz="1800" noProof="0" dirty="0">
                 <a:solidFill>
                   <a:schemeClr val="dk1"/>
                 </a:solidFill>
@@ -23307,15 +23465,6 @@
               </a:rPr>
               <a:t>high unlikely values ​are replaced with the mean by class.</a:t>
             </a:r>
-            <a:endParaRPr lang="en-US" sz="1800" noProof="0" dirty="0">
-              <a:solidFill>
-                <a:schemeClr val="dk1"/>
-              </a:solidFill>
-              <a:latin typeface="Roboto"/>
-              <a:ea typeface="Roboto"/>
-              <a:cs typeface="Roboto"/>
-              <a:sym typeface="Roboto"/>
-            </a:endParaRPr>
           </a:p>
         </p:txBody>
       </p:sp>
@@ -23657,62 +23806,61 @@
               <a:buSzPts val="2000"/>
             </a:pPr>
             <a:r>
-              <a:rPr lang="en-US" sz="1900" b="1" dirty="0"/>
+              <a:rPr lang="en-US" sz="1900" b="1" noProof="0" dirty="0"/>
               <a:t>Univariate Analysis</a:t>
             </a:r>
             <a:r>
-              <a:rPr lang="en-US" sz="1900" dirty="0"/>
+              <a:rPr lang="en-US" sz="1900" noProof="0" dirty="0"/>
               <a:t> takes a </a:t>
             </a:r>
             <a:r>
-              <a:rPr lang="en-US" sz="1900" b="1" dirty="0"/>
+              <a:rPr lang="en-US" sz="1900" b="1" noProof="0" dirty="0"/>
               <a:t>single feature</a:t>
             </a:r>
             <a:r>
-              <a:rPr lang="en-US" sz="1900" dirty="0"/>
+              <a:rPr lang="en-US" sz="1900" noProof="0" dirty="0"/>
               <a:t> from the dataset and uses the parametric </a:t>
             </a:r>
             <a:r>
-              <a:rPr lang="en-US" sz="1900" b="1" dirty="0"/>
+              <a:rPr lang="en-US" sz="1900" b="1" noProof="0" dirty="0"/>
               <a:t>IQR</a:t>
             </a:r>
             <a:r>
-              <a:rPr lang="en-US" sz="1900" dirty="0"/>
+              <a:rPr lang="en-US" sz="1900" noProof="0" dirty="0"/>
               <a:t> and </a:t>
             </a:r>
             <a:r>
-              <a:rPr lang="en-US" sz="1900" b="1" dirty="0"/>
+              <a:rPr lang="en-US" sz="1900" b="1" noProof="0" dirty="0"/>
               <a:t>Z-score threshold</a:t>
             </a:r>
             <a:r>
-              <a:rPr lang="en-US" sz="1900" dirty="0"/>
+              <a:rPr lang="en-US" sz="1900" noProof="0" dirty="0"/>
               <a:t>. It combines the indices reported by both and builds a summary table for each index with a value, IQR flag, Z-score flag, and a score that is the sum of the two flags (0, 1, or 2). </a:t>
             </a:r>
             <a:r>
-              <a:rPr lang="en-US" sz="1900" b="1" dirty="0"/>
+              <a:rPr lang="en-US" sz="1900" b="1" noProof="0" dirty="0"/>
               <a:t>Points with a score of 2 are considered "robust" univariate outliers</a:t>
             </a:r>
             <a:r>
-              <a:rPr lang="en-US" sz="1900" dirty="0"/>
+              <a:rPr lang="en-US" sz="1900" noProof="0" dirty="0"/>
               <a:t>. </a:t>
             </a:r>
             <a:r>
-              <a:rPr lang="en-US" sz="1900" b="1" dirty="0"/>
+              <a:rPr lang="en-US" sz="1900" b="1" noProof="0" dirty="0"/>
               <a:t>Those with a score of 1 are considered weaker signals</a:t>
             </a:r>
             <a:r>
-              <a:rPr lang="en-US" sz="1900" dirty="0"/>
+              <a:rPr lang="en-US" sz="1900" noProof="0" dirty="0"/>
               <a:t>. </a:t>
             </a:r>
             <a:r>
-              <a:rPr lang="en-US" sz="1900" b="1" dirty="0"/>
+              <a:rPr lang="en-US" sz="1900" b="1" noProof="0" dirty="0"/>
               <a:t>All are evaluated on a case-by-case basis in the notebook</a:t>
             </a:r>
             <a:r>
-              <a:rPr lang="en-US" sz="1900" dirty="0"/>
+              <a:rPr lang="en-US" sz="1900" noProof="0" dirty="0"/>
               <a:t>.</a:t>
             </a:r>
-            <a:endParaRPr lang="en-US" sz="1900" noProof="0" dirty="0"/>
           </a:p>
         </p:txBody>
       </p:sp>
@@ -24195,74 +24343,81 @@
               <a:buSzPts val="2000"/>
             </a:pPr>
             <a:r>
+              <a:rPr lang="en-US" sz="2000" b="1" noProof="0" dirty="0"/>
+              <a:t>Multivariate analysis </a:t>
+            </a:r>
+            <a:r>
+              <a:rPr lang="en-US" sz="2000" noProof="0" dirty="0"/>
+              <a:t>works on a group of features. The data is first scaled using a </a:t>
+            </a:r>
+            <a:r>
+              <a:rPr lang="en-US" sz="2000" b="1" noProof="0" dirty="0"/>
+              <a:t>RobustScaler</a:t>
+            </a:r>
+            <a:r>
+              <a:rPr lang="en-US" sz="2000" noProof="0" dirty="0"/>
+              <a:t>. The function calls </a:t>
+            </a:r>
+            <a:r>
+              <a:rPr lang="en-US" sz="2000" b="1" noProof="0" dirty="0"/>
+              <a:t>LOF</a:t>
+            </a:r>
+            <a:r>
+              <a:rPr lang="en-US" sz="2000" noProof="0" dirty="0"/>
+              <a:t> (saving the </a:t>
+            </a:r>
+            <a:r>
+              <a:rPr lang="en-US" sz="2000" b="1" noProof="0" dirty="0"/>
+              <a:t>LOF scores</a:t>
+            </a:r>
+            <a:r>
+              <a:rPr lang="en-US" sz="2000" noProof="0" dirty="0"/>
+              <a:t>, where a higher score indicates greater local anomaly) and </a:t>
+            </a:r>
+            <a:r>
+              <a:rPr lang="en-US" sz="2000" b="1" noProof="0" dirty="0"/>
+              <a:t>DBSCAN</a:t>
+            </a:r>
+            <a:r>
+              <a:rPr lang="en-US" sz="2000" noProof="0" dirty="0"/>
+              <a:t> (points </a:t>
+            </a:r>
+            <a:r>
+              <a:rPr lang="en-US" sz="2000" b="1" noProof="0" dirty="0"/>
+              <a:t>labeled −1</a:t>
+            </a:r>
+            <a:r>
+              <a:rPr lang="en-US" sz="2000" noProof="0" dirty="0"/>
+              <a:t> are considered noise). It aggregates the indices returned by LOF and DBSCAN, calculates a LOF/DBSCAN flag and a </a:t>
+            </a:r>
+            <a:r>
+              <a:rPr lang="en-US" sz="2000" b="1" noProof="0" dirty="0"/>
+              <a:t>score for each index </a:t>
+            </a:r>
+            <a:r>
+              <a:rPr lang="en-US" sz="2000" noProof="0" dirty="0"/>
+              <a:t>(always 0, 1, or 2, given by the sum of the flags), </a:t>
+            </a:r>
+            <a:r>
+              <a:rPr lang="en-US" sz="2000" b="1" noProof="0" dirty="0"/>
+              <a:t>stores the maximum LOF_score </a:t>
+            </a:r>
+            <a:r>
+              <a:rPr lang="en-US" sz="2000" noProof="0" dirty="0"/>
+              <a:t>among the tested configurations, and builds a summary. </a:t>
+            </a:r>
+            <a:r>
+              <a:rPr lang="en-US" sz="2000" b="1" noProof="0" dirty="0"/>
+              <a:t>Only points reported by both methods and with a LOF_score above 2 are considered </a:t>
+            </a:r>
+            <a:r>
               <a:rPr lang="en-US" sz="2000" b="1" dirty="0"/>
-              <a:t>Multivariate analysis </a:t>
-            </a:r>
-            <a:r>
-              <a:rPr lang="en-US" sz="2000" dirty="0"/>
-              <a:t>works on a group of features. The data is first scaled using a </a:t>
-            </a:r>
-            <a:r>
-              <a:rPr lang="en-US" sz="2000" b="1" dirty="0"/>
-              <a:t>RobustScaler</a:t>
-            </a:r>
-            <a:r>
-              <a:rPr lang="en-US" sz="2000" dirty="0"/>
-              <a:t>. The function calls </a:t>
-            </a:r>
-            <a:r>
-              <a:rPr lang="en-US" sz="2000" b="1" dirty="0"/>
-              <a:t>LOF</a:t>
-            </a:r>
-            <a:r>
-              <a:rPr lang="en-US" sz="2000" dirty="0"/>
-              <a:t> (saving the </a:t>
-            </a:r>
-            <a:r>
-              <a:rPr lang="en-US" sz="2000" b="1" dirty="0"/>
-              <a:t>LOF scores</a:t>
-            </a:r>
-            <a:r>
-              <a:rPr lang="en-US" sz="2000" dirty="0"/>
-              <a:t>, where a higher score indicates greater local anomaly) and </a:t>
-            </a:r>
-            <a:r>
-              <a:rPr lang="en-US" sz="2000" b="1" dirty="0"/>
-              <a:t>DBSCAN</a:t>
-            </a:r>
-            <a:r>
-              <a:rPr lang="en-US" sz="2000" dirty="0"/>
-              <a:t> (points </a:t>
-            </a:r>
-            <a:r>
-              <a:rPr lang="en-US" sz="2000" b="1" dirty="0"/>
-              <a:t>labeled −1</a:t>
-            </a:r>
-            <a:r>
-              <a:rPr lang="en-US" sz="2000" dirty="0"/>
-              <a:t> are considered noise). It aggregates the indices returned by LOF and DBSCAN, calculates a LOF/DBSCAN flag and a </a:t>
-            </a:r>
-            <a:r>
-              <a:rPr lang="en-US" sz="2000" b="1" dirty="0"/>
-              <a:t>score for each index </a:t>
-            </a:r>
-            <a:r>
-              <a:rPr lang="en-US" sz="2000" dirty="0"/>
-              <a:t>(always 0, 1, or 2, given by the sum of the flags), </a:t>
-            </a:r>
-            <a:r>
-              <a:rPr lang="en-US" sz="2000" b="1" dirty="0"/>
-              <a:t>stores the maximum LOF_score </a:t>
-            </a:r>
-            <a:r>
-              <a:rPr lang="en-US" sz="2000" dirty="0"/>
-              <a:t>among the tested configurations, and builds a summary. </a:t>
-            </a:r>
-            <a:r>
-              <a:rPr lang="en-US" sz="2000" b="1" dirty="0"/>
-              <a:t>Only points reported by both methods and with a LOF_score above 2 are considered "extreme“.</a:t>
-            </a:r>
-            <a:endParaRPr lang="en-US" sz="2000" b="1" noProof="0" dirty="0"/>
+              <a:t>outlier worthy of analysis</a:t>
+            </a:r>
+            <a:r>
+              <a:rPr lang="en-US" sz="2000" b="1" noProof="0" dirty="0"/>
+              <a:t>.</a:t>
+            </a:r>
           </a:p>
         </p:txBody>
       </p:sp>
@@ -24401,7 +24556,7 @@
         </p:spPr>
         <p:txBody>
           <a:bodyPr spcFirstLastPara="1" wrap="square" lIns="91425" tIns="45700" rIns="91425" bIns="45700" anchor="t" anchorCtr="0">
-            <a:normAutofit lnSpcReduction="10000"/>
+            <a:normAutofit fontScale="92500" lnSpcReduction="10000"/>
           </a:bodyPr>
           <a:lstStyle/>
           <a:p>
@@ -24414,7 +24569,7 @@
               <a:buChar char="•"/>
             </a:pPr>
             <a:r>
-              <a:rPr lang="en-US" sz="2000" b="1" dirty="0">
+              <a:rPr lang="en-US" sz="2000" b="1" noProof="0" dirty="0">
                 <a:solidFill>
                   <a:schemeClr val="dk1"/>
                 </a:solidFill>
@@ -24426,7 +24581,7 @@
               <a:t>Removal of redundant features: </a:t>
             </a:r>
             <a:r>
-              <a:rPr lang="en-US" sz="2000" i="1" dirty="0">
+              <a:rPr lang="en-US" sz="2000" i="1" noProof="0" dirty="0">
                 <a:solidFill>
                   <a:schemeClr val="dk1"/>
                 </a:solidFill>
@@ -24438,7 +24593,7 @@
               <a:t>ADAS11</a:t>
             </a:r>
             <a:r>
-              <a:rPr lang="en-US" sz="2000" dirty="0">
+              <a:rPr lang="en-US" sz="2000" noProof="0" dirty="0">
                 <a:solidFill>
                   <a:schemeClr val="dk1"/>
                 </a:solidFill>
@@ -24450,7 +24605,7 @@
               <a:t>, </a:t>
             </a:r>
             <a:r>
-              <a:rPr lang="en-US" sz="2000" i="1" dirty="0">
+              <a:rPr lang="en-US" sz="2000" i="1" noProof="0" dirty="0">
                 <a:solidFill>
                   <a:schemeClr val="dk1"/>
                 </a:solidFill>
@@ -24462,7 +24617,7 @@
               <a:t>ADASQ4</a:t>
             </a:r>
             <a:r>
-              <a:rPr lang="en-US" sz="2000" dirty="0">
+              <a:rPr lang="en-US" sz="2000" noProof="0" dirty="0">
                 <a:solidFill>
                   <a:schemeClr val="dk1"/>
                 </a:solidFill>
@@ -24474,7 +24629,7 @@
               <a:t>, </a:t>
             </a:r>
             <a:r>
-              <a:rPr lang="en-US" sz="2000" i="1" dirty="0">
+              <a:rPr lang="en-US" sz="2000" i="1" noProof="0" dirty="0">
                 <a:solidFill>
                   <a:schemeClr val="dk1"/>
                 </a:solidFill>
@@ -24486,7 +24641,7 @@
               <a:t>EcogPtTotal</a:t>
             </a:r>
             <a:r>
-              <a:rPr lang="en-US" sz="2000" dirty="0">
+              <a:rPr lang="en-US" sz="2000" noProof="0" dirty="0">
                 <a:solidFill>
                   <a:schemeClr val="dk1"/>
                 </a:solidFill>
@@ -24498,7 +24653,7 @@
               <a:t>, </a:t>
             </a:r>
             <a:r>
-              <a:rPr lang="en-US" sz="2000" i="1" dirty="0">
+              <a:rPr lang="en-US" sz="2000" i="1" noProof="0" dirty="0">
                 <a:solidFill>
                   <a:schemeClr val="dk1"/>
                 </a:solidFill>
@@ -24510,7 +24665,7 @@
               <a:t>EcogSPTotal</a:t>
             </a:r>
             <a:r>
-              <a:rPr lang="en-US" sz="2000" dirty="0">
+              <a:rPr lang="en-US" sz="2000" noProof="0" dirty="0">
                 <a:solidFill>
                   <a:schemeClr val="dk1"/>
                 </a:solidFill>
@@ -24522,7 +24677,7 @@
               <a:t>, </a:t>
             </a:r>
             <a:r>
-              <a:rPr lang="en-US" sz="2000" i="1" dirty="0">
+              <a:rPr lang="en-US" sz="2000" i="1" noProof="0" dirty="0">
                 <a:solidFill>
                   <a:schemeClr val="dk1"/>
                 </a:solidFill>
@@ -24534,7 +24689,7 @@
               <a:t>mPACCtrailsB</a:t>
             </a:r>
             <a:r>
-              <a:rPr lang="en-US" sz="2000" dirty="0">
+              <a:rPr lang="en-US" sz="2000" noProof="0" dirty="0">
                 <a:solidFill>
                   <a:schemeClr val="dk1"/>
                 </a:solidFill>
@@ -24546,7 +24701,7 @@
               <a:t>, and </a:t>
             </a:r>
             <a:r>
-              <a:rPr lang="en-US" sz="2000" i="1" dirty="0">
+              <a:rPr lang="en-US" sz="2000" i="1" noProof="0" dirty="0">
                 <a:solidFill>
                   <a:schemeClr val="dk1"/>
                 </a:solidFill>
@@ -24558,7 +24713,7 @@
               <a:t>TAU</a:t>
             </a:r>
             <a:r>
-              <a:rPr lang="en-US" sz="2000" dirty="0">
+              <a:rPr lang="en-US" sz="2000" noProof="0" dirty="0">
                 <a:solidFill>
                   <a:schemeClr val="dk1"/>
                 </a:solidFill>
@@ -24579,126 +24734,6 @@
               <a:buFont typeface="Arial"/>
               <a:buChar char="•"/>
             </a:pPr>
-            <a:r>
-              <a:rPr lang="en-US" sz="2000" b="1" dirty="0">
-                <a:solidFill>
-                  <a:schemeClr val="dk1"/>
-                </a:solidFill>
-                <a:latin typeface="Roboto"/>
-                <a:ea typeface="Roboto"/>
-                <a:cs typeface="Roboto"/>
-                <a:sym typeface="Roboto"/>
-              </a:rPr>
-              <a:t>Attribute Subset Selection: </a:t>
-            </a:r>
-            <a:r>
-              <a:rPr lang="en-US" sz="2000" dirty="0">
-                <a:solidFill>
-                  <a:schemeClr val="dk1"/>
-                </a:solidFill>
-                <a:latin typeface="Roboto"/>
-                <a:ea typeface="Roboto"/>
-                <a:cs typeface="Roboto"/>
-                <a:sym typeface="Roboto"/>
-              </a:rPr>
-              <a:t>Four complementary methods were used: </a:t>
-            </a:r>
-            <a:r>
-              <a:rPr lang="en-US" sz="2000" i="1" dirty="0">
-                <a:solidFill>
-                  <a:schemeClr val="dk1"/>
-                </a:solidFill>
-                <a:latin typeface="Roboto"/>
-                <a:ea typeface="Roboto"/>
-                <a:cs typeface="Roboto"/>
-                <a:sym typeface="Roboto"/>
-              </a:rPr>
-              <a:t>Pearson correlation </a:t>
-            </a:r>
-            <a:r>
-              <a:rPr lang="en-US" sz="2000" dirty="0">
-                <a:solidFill>
-                  <a:schemeClr val="dk1"/>
-                </a:solidFill>
-                <a:latin typeface="Roboto"/>
-                <a:ea typeface="Roboto"/>
-                <a:cs typeface="Roboto"/>
-                <a:sym typeface="Roboto"/>
-              </a:rPr>
-              <a:t>(|r|≥0.6), </a:t>
-            </a:r>
-            <a:r>
-              <a:rPr lang="en-US" sz="2000" i="1" dirty="0">
-                <a:solidFill>
-                  <a:schemeClr val="dk1"/>
-                </a:solidFill>
-                <a:latin typeface="Roboto"/>
-                <a:ea typeface="Roboto"/>
-                <a:cs typeface="Roboto"/>
-                <a:sym typeface="Roboto"/>
-              </a:rPr>
-              <a:t>Mutual Information</a:t>
-            </a:r>
-            <a:r>
-              <a:rPr lang="en-US" sz="2000" dirty="0">
-                <a:solidFill>
-                  <a:schemeClr val="dk1"/>
-                </a:solidFill>
-                <a:latin typeface="Roboto"/>
-                <a:ea typeface="Roboto"/>
-                <a:cs typeface="Roboto"/>
-                <a:sym typeface="Roboto"/>
-              </a:rPr>
-              <a:t> (top 25), </a:t>
-            </a:r>
-            <a:r>
-              <a:rPr lang="en-US" sz="2000" i="1" dirty="0">
-                <a:solidFill>
-                  <a:schemeClr val="dk1"/>
-                </a:solidFill>
-                <a:latin typeface="Roboto"/>
-                <a:ea typeface="Roboto"/>
-                <a:cs typeface="Roboto"/>
-                <a:sym typeface="Roboto"/>
-              </a:rPr>
-              <a:t>SelectKBest</a:t>
-            </a:r>
-            <a:r>
-              <a:rPr lang="en-US" sz="2000" dirty="0">
-                <a:solidFill>
-                  <a:schemeClr val="dk1"/>
-                </a:solidFill>
-                <a:latin typeface="Roboto"/>
-                <a:ea typeface="Roboto"/>
-                <a:cs typeface="Roboto"/>
-                <a:sym typeface="Roboto"/>
-              </a:rPr>
-              <a:t> (Kruskal–Wallis, k=25), and </a:t>
-            </a:r>
-            <a:r>
-              <a:rPr lang="en-US" sz="2000" i="1" dirty="0">
-                <a:solidFill>
-                  <a:schemeClr val="dk1"/>
-                </a:solidFill>
-                <a:latin typeface="Roboto"/>
-                <a:ea typeface="Roboto"/>
-                <a:cs typeface="Roboto"/>
-                <a:sym typeface="Roboto"/>
-              </a:rPr>
-              <a:t>RFE</a:t>
-            </a:r>
-            <a:r>
-              <a:rPr lang="en-US" sz="2000" dirty="0">
-                <a:solidFill>
-                  <a:schemeClr val="dk1"/>
-                </a:solidFill>
-                <a:latin typeface="Roboto"/>
-                <a:ea typeface="Roboto"/>
-                <a:cs typeface="Roboto"/>
-                <a:sym typeface="Roboto"/>
-              </a:rPr>
-              <a:t> (with Random Forest) to capture linear, nonlinear, univariate, and model-based relationships. For each method, a list of top features was obtained and the number of occurrences of each was counted. Variables selected by at least three methods were retained as “core” variables because they were more robust and less dependent on a single criterion. Additionally, some clinical variables deemed important for interpretability were deliberately preserved.</a:t>
-            </a:r>
             <a:endParaRPr lang="en-US" sz="2000" noProof="0" dirty="0">
               <a:solidFill>
                 <a:schemeClr val="dk1"/>
@@ -24708,6 +24743,148 @@
               <a:cs typeface="Roboto"/>
               <a:sym typeface="Roboto"/>
             </a:endParaRPr>
+          </a:p>
+          <a:p>
+            <a:pPr marL="228600" lvl="0" indent="-228600">
+              <a:buClr>
+                <a:schemeClr val="dk1"/>
+              </a:buClr>
+              <a:buSzPts val="2000"/>
+              <a:buFont typeface="Arial"/>
+              <a:buChar char="•"/>
+            </a:pPr>
+            <a:r>
+              <a:rPr lang="en-US" sz="2000" b="1" noProof="0" dirty="0">
+                <a:solidFill>
+                  <a:schemeClr val="dk1"/>
+                </a:solidFill>
+                <a:latin typeface="Roboto"/>
+                <a:ea typeface="Roboto"/>
+                <a:cs typeface="Roboto"/>
+                <a:sym typeface="Roboto"/>
+              </a:rPr>
+              <a:t>Attribute Subset Selection: </a:t>
+            </a:r>
+            <a:r>
+              <a:rPr lang="en-US" sz="2000" noProof="0" dirty="0">
+                <a:solidFill>
+                  <a:schemeClr val="dk1"/>
+                </a:solidFill>
+                <a:latin typeface="Roboto"/>
+                <a:ea typeface="Roboto"/>
+                <a:cs typeface="Roboto"/>
+                <a:sym typeface="Roboto"/>
+              </a:rPr>
+              <a:t>Four complementary methods were used: </a:t>
+            </a:r>
+            <a:r>
+              <a:rPr lang="en-US" sz="2000" i="1" noProof="0" dirty="0">
+                <a:solidFill>
+                  <a:schemeClr val="dk1"/>
+                </a:solidFill>
+                <a:latin typeface="Roboto"/>
+                <a:ea typeface="Roboto"/>
+                <a:cs typeface="Roboto"/>
+                <a:sym typeface="Roboto"/>
+              </a:rPr>
+              <a:t>Pearson correlation </a:t>
+            </a:r>
+            <a:r>
+              <a:rPr lang="en-US" sz="2000" noProof="0" dirty="0">
+                <a:solidFill>
+                  <a:schemeClr val="dk1"/>
+                </a:solidFill>
+                <a:latin typeface="Roboto"/>
+                <a:ea typeface="Roboto"/>
+                <a:cs typeface="Roboto"/>
+                <a:sym typeface="Roboto"/>
+              </a:rPr>
+              <a:t>(|r|≥0.6), </a:t>
+            </a:r>
+            <a:r>
+              <a:rPr lang="en-US" sz="2000" i="1" noProof="0" dirty="0">
+                <a:solidFill>
+                  <a:schemeClr val="dk1"/>
+                </a:solidFill>
+                <a:latin typeface="Roboto"/>
+                <a:ea typeface="Roboto"/>
+                <a:cs typeface="Roboto"/>
+                <a:sym typeface="Roboto"/>
+              </a:rPr>
+              <a:t>Mutual Information</a:t>
+            </a:r>
+            <a:r>
+              <a:rPr lang="en-US" sz="2000" noProof="0" dirty="0">
+                <a:solidFill>
+                  <a:schemeClr val="dk1"/>
+                </a:solidFill>
+                <a:latin typeface="Roboto"/>
+                <a:ea typeface="Roboto"/>
+                <a:cs typeface="Roboto"/>
+                <a:sym typeface="Roboto"/>
+              </a:rPr>
+              <a:t> (top 25), </a:t>
+            </a:r>
+            <a:r>
+              <a:rPr lang="en-US" sz="2000" i="1" noProof="0" dirty="0" err="1">
+                <a:solidFill>
+                  <a:schemeClr val="dk1"/>
+                </a:solidFill>
+                <a:latin typeface="Roboto"/>
+                <a:ea typeface="Roboto"/>
+                <a:cs typeface="Roboto"/>
+                <a:sym typeface="Roboto"/>
+              </a:rPr>
+              <a:t>SelectKBest</a:t>
+            </a:r>
+            <a:r>
+              <a:rPr lang="en-US" sz="2000" noProof="0" dirty="0">
+                <a:solidFill>
+                  <a:schemeClr val="dk1"/>
+                </a:solidFill>
+                <a:latin typeface="Roboto"/>
+                <a:ea typeface="Roboto"/>
+                <a:cs typeface="Roboto"/>
+                <a:sym typeface="Roboto"/>
+              </a:rPr>
+              <a:t> (Kruskal–Wallis, k=25), and </a:t>
+            </a:r>
+            <a:r>
+              <a:rPr lang="en-US" sz="2000" i="1" noProof="0" dirty="0">
+                <a:solidFill>
+                  <a:schemeClr val="dk1"/>
+                </a:solidFill>
+                <a:latin typeface="Roboto"/>
+                <a:ea typeface="Roboto"/>
+                <a:cs typeface="Roboto"/>
+                <a:sym typeface="Roboto"/>
+              </a:rPr>
+              <a:t>RFE</a:t>
+            </a:r>
+            <a:r>
+              <a:rPr lang="en-US" sz="2000" dirty="0">
+                <a:solidFill>
+                  <a:schemeClr val="dk1"/>
+                </a:solidFill>
+                <a:latin typeface="Roboto"/>
+                <a:ea typeface="Roboto"/>
+                <a:cs typeface="Roboto"/>
+                <a:sym typeface="Roboto"/>
+              </a:rPr>
+              <a:t> (Recursive Feature Elimination with </a:t>
+            </a:r>
+            <a:r>
+              <a:rPr lang="en-US" sz="2000" noProof="0" dirty="0">
+                <a:solidFill>
+                  <a:schemeClr val="dk1"/>
+                </a:solidFill>
+                <a:latin typeface="Roboto"/>
+                <a:ea typeface="Roboto"/>
+                <a:cs typeface="Roboto"/>
+                <a:sym typeface="Roboto"/>
+              </a:rPr>
+              <a:t>Random Forest) to capture linear, nonlinear, univariate, and model-based relationships. For each method, a list of top features was obtained and the number of occurrences of each was counted. Variables selected by at least three methods were retained as “core” variables because they were more robust and less dependent on a single criterion. Additionally, some clinical variables deemed important for interpretability were deliberately preserved.</a:t>
+            </a:r>
           </a:p>
           <a:p>
             <a:pPr marL="228600" lvl="0" indent="-228600">
@@ -24875,8 +25052,8 @@
         </p:blipFill>
         <p:spPr bwMode="auto">
           <a:xfrm>
-            <a:off x="0" y="4870580"/>
-            <a:ext cx="12192000" cy="1987420"/>
+            <a:off x="0" y="4963886"/>
+            <a:ext cx="12192000" cy="1894114"/>
           </a:xfrm>
           <a:prstGeom prst="rect">
             <a:avLst/>
@@ -25180,18 +25357,13 @@
           <a:lstStyle/>
           <a:p>
             <a:r>
-              <a:rPr lang="en-US" sz="3200" dirty="0">
+              <a:rPr lang="en-US" sz="3200" noProof="0" dirty="0">
                 <a:latin typeface="Roboto" panose="02000000000000000000" pitchFamily="2" charset="0"/>
                 <a:ea typeface="Roboto" panose="02000000000000000000" pitchFamily="2" charset="0"/>
                 <a:cs typeface="Roboto" panose="02000000000000000000" pitchFamily="2" charset="0"/>
               </a:rPr>
-              <a:t>We selected this classification models:</a:t>
-            </a:r>
-            <a:endParaRPr lang="en-US" sz="3200" noProof="0" dirty="0">
-              <a:latin typeface="Roboto" panose="02000000000000000000" pitchFamily="2" charset="0"/>
-              <a:ea typeface="Roboto" panose="02000000000000000000" pitchFamily="2" charset="0"/>
-              <a:cs typeface="Roboto" panose="02000000000000000000" pitchFamily="2" charset="0"/>
-            </a:endParaRPr>
+              <a:t>We selected the following classification models:</a:t>
+            </a:r>
           </a:p>
           <a:p>
             <a:pPr marL="285750" lvl="2" indent="-285750">
@@ -25199,7 +25371,7 @@
               <a:buChar char="•"/>
             </a:pPr>
             <a:r>
-              <a:rPr lang="en-US" sz="3200" b="1" dirty="0">
+              <a:rPr lang="en-US" sz="3200" b="1" noProof="0" dirty="0">
                 <a:latin typeface="Roboto" panose="02000000000000000000" pitchFamily="2" charset="0"/>
                 <a:ea typeface="Roboto" panose="02000000000000000000" pitchFamily="2" charset="0"/>
                 <a:cs typeface="Roboto" panose="02000000000000000000" pitchFamily="2" charset="0"/>
@@ -25227,7 +25399,7 @@
               <a:buChar char="•"/>
             </a:pPr>
             <a:r>
-              <a:rPr lang="en-US" sz="3200" b="1" dirty="0">
+              <a:rPr lang="en-US" sz="3200" b="1" noProof="0" dirty="0">
                 <a:latin typeface="Roboto" panose="02000000000000000000" pitchFamily="2" charset="0"/>
                 <a:ea typeface="Roboto" panose="02000000000000000000" pitchFamily="2" charset="0"/>
                 <a:cs typeface="Roboto" panose="02000000000000000000" pitchFamily="2" charset="0"/>
@@ -25255,7 +25427,7 @@
               <a:buChar char="•"/>
             </a:pPr>
             <a:r>
-              <a:rPr lang="en-US" sz="3200" b="1" dirty="0">
+              <a:rPr lang="en-US" sz="3200" b="1" noProof="0" dirty="0">
                 <a:latin typeface="Roboto" panose="02000000000000000000" pitchFamily="2" charset="0"/>
                 <a:ea typeface="Roboto" panose="02000000000000000000" pitchFamily="2" charset="0"/>
                 <a:cs typeface="Roboto" panose="02000000000000000000" pitchFamily="2" charset="0"/>
@@ -25283,7 +25455,7 @@
               <a:buChar char="•"/>
             </a:pPr>
             <a:r>
-              <a:rPr lang="en-US" sz="3200" b="1" dirty="0">
+              <a:rPr lang="en-US" sz="3200" b="1" noProof="0" dirty="0">
                 <a:latin typeface="Roboto" panose="02000000000000000000" pitchFamily="2" charset="0"/>
                 <a:ea typeface="Roboto" panose="02000000000000000000" pitchFamily="2" charset="0"/>
                 <a:cs typeface="Roboto" panose="02000000000000000000" pitchFamily="2" charset="0"/>
@@ -25302,21 +25474,8 @@
                 <a:ea typeface="Roboto" panose="02000000000000000000" pitchFamily="2" charset="0"/>
                 <a:cs typeface="Roboto" panose="02000000000000000000" pitchFamily="2" charset="0"/>
               </a:rPr>
-              <a:t>Baggin</a:t>
-            </a:r>
-            <a:r>
-              <a:rPr lang="en-US" sz="3200" b="1" dirty="0">
-                <a:latin typeface="Roboto" panose="02000000000000000000" pitchFamily="2" charset="0"/>
-                <a:ea typeface="Roboto" panose="02000000000000000000" pitchFamily="2" charset="0"/>
-                <a:cs typeface="Roboto" panose="02000000000000000000" pitchFamily="2" charset="0"/>
-              </a:rPr>
-              <a:t>g</a:t>
-            </a:r>
-            <a:endParaRPr lang="en-US" sz="3200" b="1" noProof="0" dirty="0">
-              <a:latin typeface="Roboto" panose="02000000000000000000" pitchFamily="2" charset="0"/>
-              <a:ea typeface="Roboto" panose="02000000000000000000" pitchFamily="2" charset="0"/>
-              <a:cs typeface="Roboto" panose="02000000000000000000" pitchFamily="2" charset="0"/>
-            </a:endParaRPr>
+              <a:t>Bagging</a:t>
+            </a:r>
           </a:p>
         </p:txBody>
       </p:sp>
@@ -25444,7 +25603,7 @@
               <a:t>Classificatio</a:t>
             </a:r>
             <a:r>
-              <a:rPr lang="en-US" dirty="0">
+              <a:rPr lang="en-US" noProof="0" dirty="0">
                 <a:solidFill>
                   <a:schemeClr val="accent1"/>
                 </a:solidFill>
@@ -26259,7 +26418,7 @@
           <a:p>
             <a:pPr lvl="0"/>
             <a:r>
-              <a:rPr lang="en-US" sz="2000" dirty="0">
+              <a:rPr lang="en-US" sz="2000" noProof="0" dirty="0">
                 <a:solidFill>
                   <a:schemeClr val="lt1"/>
                 </a:solidFill>
@@ -26587,25 +26746,14 @@
           </a:bodyPr>
           <a:lstStyle/>
           <a:p>
-            <a:pPr marL="0" marR="0" lvl="0" indent="0" algn="l" rtl="0">
-              <a:lnSpc>
-                <a:spcPct val="100000"/>
-              </a:lnSpc>
-              <a:spcBef>
-                <a:spcPts val="0"/>
-              </a:spcBef>
-              <a:spcAft>
-                <a:spcPts val="0"/>
-              </a:spcAft>
+            <a:pPr lvl="0">
               <a:buClr>
                 <a:schemeClr val="dk1"/>
               </a:buClr>
               <a:buSzPts val="2000"/>
-              <a:buFont typeface="Arial"/>
-              <a:buNone/>
             </a:pPr>
             <a:r>
-              <a:rPr lang="en-US" sz="2000" u="none" strike="noStrike" cap="none" noProof="0" dirty="0">
+              <a:rPr lang="en-US" sz="2000" noProof="0" dirty="0">
                 <a:solidFill>
                   <a:schemeClr val="dk1"/>
                 </a:solidFill>
@@ -26614,7 +26762,7 @@
                 <a:cs typeface="Roboto"/>
                 <a:sym typeface="Roboto"/>
               </a:rPr>
-              <a:t>To overcome the class imbalance we use in combination: </a:t>
+              <a:t>To overcome class imbalance, we used a combination of:</a:t>
             </a:r>
             <a:endParaRPr lang="en-US" noProof="0" dirty="0"/>
           </a:p>
@@ -26631,7 +26779,7 @@
               <a:buChar char="•"/>
             </a:pPr>
             <a:r>
-              <a:rPr lang="en-US" sz="2000" b="1" dirty="0">
+              <a:rPr lang="en-US" sz="2000" b="1" noProof="0" dirty="0">
                 <a:solidFill>
                   <a:schemeClr val="dk1"/>
                 </a:solidFill>
@@ -26643,7 +26791,7 @@
               <a:t>Random Under-Sampling </a:t>
             </a:r>
             <a:r>
-              <a:rPr lang="en-US" sz="2000" dirty="0">
+              <a:rPr lang="en-US" sz="2000" noProof="0" dirty="0">
                 <a:solidFill>
                   <a:schemeClr val="dk1"/>
                 </a:solidFill>
@@ -26668,7 +26816,7 @@
               <a:buChar char="•"/>
             </a:pPr>
             <a:r>
-              <a:rPr lang="en-US" sz="2000" b="1" dirty="0">
+              <a:rPr lang="en-US" sz="2000" b="1" noProof="0" dirty="0">
                 <a:solidFill>
                   <a:schemeClr val="dk1"/>
                 </a:solidFill>
@@ -26677,10 +26825,10 @@
                 <a:cs typeface="Roboto"/>
                 <a:sym typeface="Roboto"/>
               </a:rPr>
-              <a:t>Synthetic Minority Over-sampling Technique for Nominal and Continuous features </a:t>
-            </a:r>
-            <a:r>
-              <a:rPr lang="en-US" sz="2000" dirty="0">
+              <a:t>Synthetic Minority Over-Sampling Technique for Nominal and Continuous features </a:t>
+            </a:r>
+            <a:r>
+              <a:rPr lang="en-US" sz="2000" noProof="0" dirty="0">
                 <a:solidFill>
                   <a:schemeClr val="dk1"/>
                 </a:solidFill>
@@ -26691,15 +26839,6 @@
               </a:rPr>
               <a:t>(SMOTENC) to generate new synthetic examples of the minority classes (EMCI and AD). </a:t>
             </a:r>
-            <a:endParaRPr lang="en-US" sz="2000" noProof="0" dirty="0">
-              <a:solidFill>
-                <a:schemeClr val="dk1"/>
-              </a:solidFill>
-              <a:latin typeface="Roboto"/>
-              <a:ea typeface="Roboto"/>
-              <a:cs typeface="Roboto"/>
-              <a:sym typeface="Roboto"/>
-            </a:endParaRPr>
           </a:p>
         </p:txBody>
       </p:sp>
@@ -26834,7 +26973,7 @@
               <a:buSzPts val="3200"/>
             </a:pPr>
             <a:r>
-              <a:rPr lang="en-US" sz="3200" b="1" dirty="0">
+              <a:rPr lang="en-US" sz="3200" b="1" noProof="0" dirty="0">
                 <a:solidFill>
                   <a:schemeClr val="lt1"/>
                 </a:solidFill>
@@ -26843,31 +26982,7 @@
                 <a:cs typeface="Roboto Medium"/>
                 <a:sym typeface="Roboto Medium"/>
               </a:rPr>
-              <a:t>The problem with CDRSB</a:t>
-            </a:r>
-            <a:r>
-              <a:rPr lang="en-US" sz="3200" b="1">
-                <a:solidFill>
-                  <a:schemeClr val="lt1"/>
-                </a:solidFill>
-                <a:latin typeface="Roboto Medium"/>
-                <a:ea typeface="Roboto Medium"/>
-                <a:cs typeface="Roboto Medium"/>
-                <a:sym typeface="Roboto Medium"/>
-              </a:rPr>
-              <a:t>, LDELTOTAL, and </a:t>
-            </a:r>
-            <a:r>
-              <a:rPr lang="en-US" sz="3200" b="1" dirty="0">
-                <a:solidFill>
-                  <a:schemeClr val="lt1"/>
-                </a:solidFill>
-                <a:latin typeface="Roboto Medium"/>
-                <a:ea typeface="Roboto Medium"/>
-                <a:cs typeface="Roboto Medium"/>
-                <a:sym typeface="Roboto Medium"/>
-              </a:rPr>
-              <a:t>mPACCdigit</a:t>
+              <a:t>The problem with CDRSB, LDELTOTAL, and mPACCdigit</a:t>
             </a:r>
             <a:endParaRPr lang="en-US" noProof="0" dirty="0"/>
           </a:p>
@@ -26909,227 +27024,235 @@
               <a:buChar char="•"/>
             </a:pPr>
             <a:r>
+              <a:rPr lang="en-US" sz="2000" noProof="0" dirty="0">
+                <a:latin typeface="Roboto" panose="02000000000000000000" pitchFamily="2" charset="0"/>
+                <a:ea typeface="Roboto" panose="02000000000000000000" pitchFamily="2" charset="0"/>
+                <a:cs typeface="Roboto" panose="02000000000000000000" pitchFamily="2" charset="0"/>
+              </a:rPr>
+              <a:t>The </a:t>
+            </a:r>
+            <a:r>
+              <a:rPr lang="en-US" sz="2000" b="1" noProof="0" dirty="0">
+                <a:latin typeface="Roboto" panose="02000000000000000000" pitchFamily="2" charset="0"/>
+                <a:ea typeface="Roboto" panose="02000000000000000000" pitchFamily="2" charset="0"/>
+                <a:cs typeface="Roboto" panose="02000000000000000000" pitchFamily="2" charset="0"/>
+              </a:rPr>
+              <a:t>CDRSB</a:t>
+            </a:r>
+            <a:r>
+              <a:rPr lang="en-US" sz="2000" noProof="0" dirty="0">
+                <a:latin typeface="Roboto" panose="02000000000000000000" pitchFamily="2" charset="0"/>
+                <a:ea typeface="Roboto" panose="02000000000000000000" pitchFamily="2" charset="0"/>
+                <a:cs typeface="Roboto" panose="02000000000000000000" pitchFamily="2" charset="0"/>
+              </a:rPr>
+              <a:t>, </a:t>
+            </a:r>
+            <a:r>
+              <a:rPr lang="en-US" sz="2000" b="1" noProof="0" dirty="0">
+                <a:latin typeface="Roboto" panose="02000000000000000000" pitchFamily="2" charset="0"/>
+                <a:ea typeface="Roboto" panose="02000000000000000000" pitchFamily="2" charset="0"/>
+                <a:cs typeface="Roboto" panose="02000000000000000000" pitchFamily="2" charset="0"/>
+              </a:rPr>
+              <a:t>LDELTOTAL</a:t>
+            </a:r>
+            <a:r>
+              <a:rPr lang="en-US" sz="2000" noProof="0" dirty="0">
+                <a:latin typeface="Roboto" panose="02000000000000000000" pitchFamily="2" charset="0"/>
+                <a:ea typeface="Roboto" panose="02000000000000000000" pitchFamily="2" charset="0"/>
+                <a:cs typeface="Roboto" panose="02000000000000000000" pitchFamily="2" charset="0"/>
+              </a:rPr>
+              <a:t>, and </a:t>
+            </a:r>
+            <a:r>
+              <a:rPr lang="en-US" sz="2000" b="1" noProof="0" dirty="0">
+                <a:latin typeface="Roboto" panose="02000000000000000000" pitchFamily="2" charset="0"/>
+                <a:ea typeface="Roboto" panose="02000000000000000000" pitchFamily="2" charset="0"/>
+                <a:cs typeface="Roboto" panose="02000000000000000000" pitchFamily="2" charset="0"/>
+              </a:rPr>
+              <a:t>mPACCdigit</a:t>
+            </a:r>
+            <a:r>
+              <a:rPr lang="en-US" sz="2000" noProof="0" dirty="0">
+                <a:latin typeface="Roboto" panose="02000000000000000000" pitchFamily="2" charset="0"/>
+                <a:ea typeface="Roboto" panose="02000000000000000000" pitchFamily="2" charset="0"/>
+                <a:cs typeface="Roboto" panose="02000000000000000000" pitchFamily="2" charset="0"/>
+              </a:rPr>
+              <a:t> cognitive scores show significantly higher predictive power than other variables.</a:t>
+            </a:r>
+          </a:p>
+          <a:p>
+            <a:pPr marL="342900" indent="-342900">
+              <a:buFont typeface="Arial" panose="020B0604020202020204" pitchFamily="34" charset="0"/>
+              <a:buChar char="•"/>
+            </a:pPr>
+            <a:endParaRPr lang="en-US" sz="2000" noProof="0" dirty="0">
+              <a:latin typeface="Roboto" panose="02000000000000000000" pitchFamily="2" charset="0"/>
+              <a:ea typeface="Roboto" panose="02000000000000000000" pitchFamily="2" charset="0"/>
+              <a:cs typeface="Roboto" panose="02000000000000000000" pitchFamily="2" charset="0"/>
+            </a:endParaRPr>
+          </a:p>
+          <a:p>
+            <a:pPr marL="342900" indent="-342900">
+              <a:buFont typeface="Arial" panose="020B0604020202020204" pitchFamily="34" charset="0"/>
+              <a:buChar char="•"/>
+            </a:pPr>
+            <a:r>
+              <a:rPr lang="en-US" sz="2000" noProof="0" dirty="0">
+                <a:latin typeface="Roboto" panose="02000000000000000000" pitchFamily="2" charset="0"/>
+                <a:ea typeface="Roboto" panose="02000000000000000000" pitchFamily="2" charset="0"/>
+                <a:cs typeface="Roboto" panose="02000000000000000000" pitchFamily="2" charset="0"/>
+              </a:rPr>
+              <a:t>This </a:t>
+            </a:r>
+            <a:r>
+              <a:rPr lang="en-US" sz="2000" b="1" noProof="0" dirty="0">
+                <a:latin typeface="Roboto" panose="02000000000000000000" pitchFamily="2" charset="0"/>
+                <a:ea typeface="Roboto" panose="02000000000000000000" pitchFamily="2" charset="0"/>
+                <a:cs typeface="Roboto" panose="02000000000000000000" pitchFamily="2" charset="0"/>
+              </a:rPr>
+              <a:t>can improve model accuracy</a:t>
+            </a:r>
+            <a:r>
+              <a:rPr lang="en-US" sz="2000" noProof="0" dirty="0">
+                <a:latin typeface="Roboto" panose="02000000000000000000" pitchFamily="2" charset="0"/>
+                <a:ea typeface="Roboto" panose="02000000000000000000" pitchFamily="2" charset="0"/>
+                <a:cs typeface="Roboto" panose="02000000000000000000" pitchFamily="2" charset="0"/>
+              </a:rPr>
+              <a:t>, but creates the </a:t>
+            </a:r>
+            <a:r>
+              <a:rPr lang="en-US" sz="2000" b="1" noProof="0" dirty="0">
+                <a:latin typeface="Roboto" panose="02000000000000000000" pitchFamily="2" charset="0"/>
+                <a:ea typeface="Roboto" panose="02000000000000000000" pitchFamily="2" charset="0"/>
+                <a:cs typeface="Roboto" panose="02000000000000000000" pitchFamily="2" charset="0"/>
+              </a:rPr>
+              <a:t>risk of feature dominance</a:t>
+            </a:r>
+            <a:r>
+              <a:rPr lang="en-US" sz="2000" noProof="0" dirty="0">
+                <a:latin typeface="Roboto" panose="02000000000000000000" pitchFamily="2" charset="0"/>
+                <a:ea typeface="Roboto" panose="02000000000000000000" pitchFamily="2" charset="0"/>
+                <a:cs typeface="Roboto" panose="02000000000000000000" pitchFamily="2" charset="0"/>
+              </a:rPr>
+              <a:t>, where a few variables excessively influence predictions.</a:t>
+            </a:r>
+          </a:p>
+          <a:p>
+            <a:pPr marL="342900" indent="-342900">
+              <a:buFont typeface="Arial" panose="020B0604020202020204" pitchFamily="34" charset="0"/>
+              <a:buChar char="•"/>
+            </a:pPr>
+            <a:endParaRPr lang="en-US" sz="2000" noProof="0" dirty="0">
+              <a:latin typeface="Roboto" panose="02000000000000000000" pitchFamily="2" charset="0"/>
+              <a:ea typeface="Roboto" panose="02000000000000000000" pitchFamily="2" charset="0"/>
+              <a:cs typeface="Roboto" panose="02000000000000000000" pitchFamily="2" charset="0"/>
+            </a:endParaRPr>
+          </a:p>
+          <a:p>
+            <a:pPr marL="342900" indent="-342900">
+              <a:buFont typeface="Arial" panose="020B0604020202020204" pitchFamily="34" charset="0"/>
+              <a:buChar char="•"/>
+            </a:pPr>
+            <a:r>
+              <a:rPr lang="en-US" sz="2000" noProof="0" dirty="0">
+                <a:latin typeface="Roboto" panose="02000000000000000000" pitchFamily="2" charset="0"/>
+                <a:ea typeface="Roboto" panose="02000000000000000000" pitchFamily="2" charset="0"/>
+                <a:cs typeface="Roboto" panose="02000000000000000000" pitchFamily="2" charset="0"/>
+              </a:rPr>
+              <a:t>This imbalance can cause </a:t>
+            </a:r>
+            <a:r>
+              <a:rPr lang="en-US" sz="2000" b="1" noProof="0" dirty="0">
+                <a:latin typeface="Roboto" panose="02000000000000000000" pitchFamily="2" charset="0"/>
+                <a:ea typeface="Roboto" panose="02000000000000000000" pitchFamily="2" charset="0"/>
+                <a:cs typeface="Roboto" panose="02000000000000000000" pitchFamily="2" charset="0"/>
+              </a:rPr>
+              <a:t>local overfitting</a:t>
+            </a:r>
+            <a:r>
+              <a:rPr lang="en-US" sz="2000" noProof="0" dirty="0">
+                <a:latin typeface="Roboto" panose="02000000000000000000" pitchFamily="2" charset="0"/>
+                <a:ea typeface="Roboto" panose="02000000000000000000" pitchFamily="2" charset="0"/>
+                <a:cs typeface="Roboto" panose="02000000000000000000" pitchFamily="2" charset="0"/>
+              </a:rPr>
+              <a:t>: excellent performance on ADNI but possible loss of accuracy on external or more heterogeneous populations.</a:t>
+            </a:r>
+          </a:p>
+          <a:p>
+            <a:pPr marL="342900" indent="-342900">
+              <a:buFont typeface="Arial" panose="020B0604020202020204" pitchFamily="34" charset="0"/>
+              <a:buChar char="•"/>
+            </a:pPr>
+            <a:endParaRPr lang="en-US" sz="2000" noProof="0" dirty="0">
+              <a:latin typeface="Roboto" panose="02000000000000000000" pitchFamily="2" charset="0"/>
+              <a:ea typeface="Roboto" panose="02000000000000000000" pitchFamily="2" charset="0"/>
+              <a:cs typeface="Roboto" panose="02000000000000000000" pitchFamily="2" charset="0"/>
+            </a:endParaRPr>
+          </a:p>
+          <a:p>
+            <a:pPr marL="342900" indent="-342900">
+              <a:buFont typeface="Arial" panose="020B0604020202020204" pitchFamily="34" charset="0"/>
+              <a:buChar char="•"/>
+            </a:pPr>
+            <a:r>
+              <a:rPr lang="en-US" sz="2000" noProof="0" dirty="0">
+                <a:latin typeface="Roboto" panose="02000000000000000000" pitchFamily="2" charset="0"/>
+                <a:ea typeface="Roboto" panose="02000000000000000000" pitchFamily="2" charset="0"/>
+                <a:cs typeface="Roboto" panose="02000000000000000000" pitchFamily="2" charset="0"/>
+              </a:rPr>
+              <a:t>It is not possible to definitively determine whether these variables </a:t>
+            </a:r>
+            <a:r>
+              <a:rPr lang="en-US" sz="2000" b="1" noProof="0" dirty="0">
+                <a:latin typeface="Roboto" panose="02000000000000000000" pitchFamily="2" charset="0"/>
+                <a:ea typeface="Roboto" panose="02000000000000000000" pitchFamily="2" charset="0"/>
+                <a:cs typeface="Roboto" panose="02000000000000000000" pitchFamily="2" charset="0"/>
+              </a:rPr>
+              <a:t>are simply very strong predictors of Alzheimer's disease diagnosis</a:t>
+            </a:r>
+            <a:r>
+              <a:rPr lang="en-US" sz="2000" noProof="0" dirty="0">
+                <a:latin typeface="Roboto" panose="02000000000000000000" pitchFamily="2" charset="0"/>
+                <a:ea typeface="Roboto" panose="02000000000000000000" pitchFamily="2" charset="0"/>
+                <a:cs typeface="Roboto" panose="02000000000000000000" pitchFamily="2" charset="0"/>
+              </a:rPr>
+              <a:t>.</a:t>
+            </a:r>
+          </a:p>
+          <a:p>
+            <a:pPr marL="342900" indent="-342900">
+              <a:buFont typeface="Arial" panose="020B0604020202020204" pitchFamily="34" charset="0"/>
+              <a:buChar char="•"/>
+            </a:pPr>
+            <a:endParaRPr lang="en-US" sz="2000" noProof="0" dirty="0">
+              <a:latin typeface="Roboto" panose="02000000000000000000" pitchFamily="2" charset="0"/>
+              <a:ea typeface="Roboto" panose="02000000000000000000" pitchFamily="2" charset="0"/>
+              <a:cs typeface="Roboto" panose="02000000000000000000" pitchFamily="2" charset="0"/>
+            </a:endParaRPr>
+          </a:p>
+          <a:p>
+            <a:pPr marL="342900" indent="-342900">
+              <a:buFont typeface="Arial" panose="020B0604020202020204" pitchFamily="34" charset="0"/>
+              <a:buChar char="•"/>
+            </a:pPr>
+            <a:r>
               <a:rPr lang="en-US" sz="2000" dirty="0">
                 <a:latin typeface="Roboto" panose="02000000000000000000" pitchFamily="2" charset="0"/>
                 <a:ea typeface="Roboto" panose="02000000000000000000" pitchFamily="2" charset="0"/>
                 <a:cs typeface="Roboto" panose="02000000000000000000" pitchFamily="2" charset="0"/>
               </a:rPr>
-              <a:t>The </a:t>
-            </a:r>
-            <a:r>
-              <a:rPr lang="en-US" sz="2000" b="1" dirty="0">
+              <a:t>We divided the pipeline into datasets</a:t>
+            </a:r>
+            <a:r>
+              <a:rPr lang="en-US" sz="2000" noProof="0" dirty="0">
                 <a:latin typeface="Roboto" panose="02000000000000000000" pitchFamily="2" charset="0"/>
                 <a:ea typeface="Roboto" panose="02000000000000000000" pitchFamily="2" charset="0"/>
                 <a:cs typeface="Roboto" panose="02000000000000000000" pitchFamily="2" charset="0"/>
               </a:rPr>
-              <a:t>CDRSB</a:t>
-            </a:r>
-            <a:r>
-              <a:rPr lang="en-US" sz="2000" dirty="0">
-                <a:latin typeface="Roboto" panose="02000000000000000000" pitchFamily="2" charset="0"/>
-                <a:ea typeface="Roboto" panose="02000000000000000000" pitchFamily="2" charset="0"/>
-                <a:cs typeface="Roboto" panose="02000000000000000000" pitchFamily="2" charset="0"/>
-              </a:rPr>
-              <a:t>, </a:t>
-            </a:r>
-            <a:r>
-              <a:rPr lang="en-US" sz="2000" b="1" dirty="0">
-                <a:latin typeface="Roboto" panose="02000000000000000000" pitchFamily="2" charset="0"/>
-                <a:ea typeface="Roboto" panose="02000000000000000000" pitchFamily="2" charset="0"/>
-                <a:cs typeface="Roboto" panose="02000000000000000000" pitchFamily="2" charset="0"/>
-              </a:rPr>
-              <a:t>LDELTOTAL</a:t>
-            </a:r>
-            <a:r>
-              <a:rPr lang="en-US" sz="2000" dirty="0">
-                <a:latin typeface="Roboto" panose="02000000000000000000" pitchFamily="2" charset="0"/>
-                <a:ea typeface="Roboto" panose="02000000000000000000" pitchFamily="2" charset="0"/>
-                <a:cs typeface="Roboto" panose="02000000000000000000" pitchFamily="2" charset="0"/>
-              </a:rPr>
-              <a:t>, and </a:t>
-            </a:r>
-            <a:r>
-              <a:rPr lang="en-US" sz="2000" b="1" dirty="0">
-                <a:latin typeface="Roboto" panose="02000000000000000000" pitchFamily="2" charset="0"/>
-                <a:ea typeface="Roboto" panose="02000000000000000000" pitchFamily="2" charset="0"/>
-                <a:cs typeface="Roboto" panose="02000000000000000000" pitchFamily="2" charset="0"/>
-              </a:rPr>
-              <a:t>mPACCdigit</a:t>
-            </a:r>
-            <a:r>
-              <a:rPr lang="en-US" sz="2000" dirty="0">
-                <a:latin typeface="Roboto" panose="02000000000000000000" pitchFamily="2" charset="0"/>
-                <a:ea typeface="Roboto" panose="02000000000000000000" pitchFamily="2" charset="0"/>
-                <a:cs typeface="Roboto" panose="02000000000000000000" pitchFamily="2" charset="0"/>
-              </a:rPr>
-              <a:t> cognitive scores show significantly higher predictive power than other variables.</a:t>
-            </a:r>
-          </a:p>
-          <a:p>
-            <a:pPr marL="342900" indent="-342900">
-              <a:buFont typeface="Arial" panose="020B0604020202020204" pitchFamily="34" charset="0"/>
-              <a:buChar char="•"/>
-            </a:pPr>
-            <a:endParaRPr lang="en-US" sz="2000" dirty="0">
-              <a:latin typeface="Roboto" panose="02000000000000000000" pitchFamily="2" charset="0"/>
-              <a:ea typeface="Roboto" panose="02000000000000000000" pitchFamily="2" charset="0"/>
-              <a:cs typeface="Roboto" panose="02000000000000000000" pitchFamily="2" charset="0"/>
-            </a:endParaRPr>
-          </a:p>
-          <a:p>
-            <a:pPr marL="342900" indent="-342900">
-              <a:buFont typeface="Arial" panose="020B0604020202020204" pitchFamily="34" charset="0"/>
-              <a:buChar char="•"/>
-            </a:pPr>
-            <a:r>
-              <a:rPr lang="en-US" sz="2000" dirty="0">
-                <a:latin typeface="Roboto" panose="02000000000000000000" pitchFamily="2" charset="0"/>
-                <a:ea typeface="Roboto" panose="02000000000000000000" pitchFamily="2" charset="0"/>
-                <a:cs typeface="Roboto" panose="02000000000000000000" pitchFamily="2" charset="0"/>
-              </a:rPr>
-              <a:t>This </a:t>
-            </a:r>
-            <a:r>
-              <a:rPr lang="en-US" sz="2000" b="1" dirty="0">
-                <a:latin typeface="Roboto" panose="02000000000000000000" pitchFamily="2" charset="0"/>
-                <a:ea typeface="Roboto" panose="02000000000000000000" pitchFamily="2" charset="0"/>
-                <a:cs typeface="Roboto" panose="02000000000000000000" pitchFamily="2" charset="0"/>
-              </a:rPr>
-              <a:t>can improve model accuracy</a:t>
-            </a:r>
-            <a:r>
-              <a:rPr lang="en-US" sz="2000" dirty="0">
-                <a:latin typeface="Roboto" panose="02000000000000000000" pitchFamily="2" charset="0"/>
-                <a:ea typeface="Roboto" panose="02000000000000000000" pitchFamily="2" charset="0"/>
-                <a:cs typeface="Roboto" panose="02000000000000000000" pitchFamily="2" charset="0"/>
-              </a:rPr>
-              <a:t>, but creates the </a:t>
-            </a:r>
-            <a:r>
-              <a:rPr lang="en-US" sz="2000" b="1" dirty="0">
-                <a:latin typeface="Roboto" panose="02000000000000000000" pitchFamily="2" charset="0"/>
-                <a:ea typeface="Roboto" panose="02000000000000000000" pitchFamily="2" charset="0"/>
-                <a:cs typeface="Roboto" panose="02000000000000000000" pitchFamily="2" charset="0"/>
-              </a:rPr>
-              <a:t>risk of feature dominance</a:t>
-            </a:r>
-            <a:r>
-              <a:rPr lang="en-US" sz="2000" dirty="0">
-                <a:latin typeface="Roboto" panose="02000000000000000000" pitchFamily="2" charset="0"/>
-                <a:ea typeface="Roboto" panose="02000000000000000000" pitchFamily="2" charset="0"/>
-                <a:cs typeface="Roboto" panose="02000000000000000000" pitchFamily="2" charset="0"/>
-              </a:rPr>
-              <a:t>, where a few variables excessively influence predictions.</a:t>
-            </a:r>
-          </a:p>
-          <a:p>
-            <a:pPr marL="342900" indent="-342900">
-              <a:buFont typeface="Arial" panose="020B0604020202020204" pitchFamily="34" charset="0"/>
-              <a:buChar char="•"/>
-            </a:pPr>
-            <a:endParaRPr lang="en-US" sz="2000" dirty="0">
-              <a:latin typeface="Roboto" panose="02000000000000000000" pitchFamily="2" charset="0"/>
-              <a:ea typeface="Roboto" panose="02000000000000000000" pitchFamily="2" charset="0"/>
-              <a:cs typeface="Roboto" panose="02000000000000000000" pitchFamily="2" charset="0"/>
-            </a:endParaRPr>
-          </a:p>
-          <a:p>
-            <a:pPr marL="342900" indent="-342900">
-              <a:buFont typeface="Arial" panose="020B0604020202020204" pitchFamily="34" charset="0"/>
-              <a:buChar char="•"/>
-            </a:pPr>
-            <a:r>
-              <a:rPr lang="en-US" sz="2000" dirty="0">
-                <a:latin typeface="Roboto" panose="02000000000000000000" pitchFamily="2" charset="0"/>
-                <a:ea typeface="Roboto" panose="02000000000000000000" pitchFamily="2" charset="0"/>
-                <a:cs typeface="Roboto" panose="02000000000000000000" pitchFamily="2" charset="0"/>
-              </a:rPr>
-              <a:t>This imbalance can cause </a:t>
-            </a:r>
-            <a:r>
-              <a:rPr lang="en-US" sz="2000" b="1" dirty="0">
-                <a:latin typeface="Roboto" panose="02000000000000000000" pitchFamily="2" charset="0"/>
-                <a:ea typeface="Roboto" panose="02000000000000000000" pitchFamily="2" charset="0"/>
-                <a:cs typeface="Roboto" panose="02000000000000000000" pitchFamily="2" charset="0"/>
-              </a:rPr>
-              <a:t>local overfitting</a:t>
-            </a:r>
-            <a:r>
-              <a:rPr lang="en-US" sz="2000" dirty="0">
-                <a:latin typeface="Roboto" panose="02000000000000000000" pitchFamily="2" charset="0"/>
-                <a:ea typeface="Roboto" panose="02000000000000000000" pitchFamily="2" charset="0"/>
-                <a:cs typeface="Roboto" panose="02000000000000000000" pitchFamily="2" charset="0"/>
-              </a:rPr>
-              <a:t>: excellent performance on ADNI but possible loss of accuracy on external or more heterogeneous populations.</a:t>
-            </a:r>
-          </a:p>
-          <a:p>
-            <a:pPr marL="342900" indent="-342900">
-              <a:buFont typeface="Arial" panose="020B0604020202020204" pitchFamily="34" charset="0"/>
-              <a:buChar char="•"/>
-            </a:pPr>
-            <a:endParaRPr lang="en-US" sz="2000" dirty="0">
-              <a:latin typeface="Roboto" panose="02000000000000000000" pitchFamily="2" charset="0"/>
-              <a:ea typeface="Roboto" panose="02000000000000000000" pitchFamily="2" charset="0"/>
-              <a:cs typeface="Roboto" panose="02000000000000000000" pitchFamily="2" charset="0"/>
-            </a:endParaRPr>
-          </a:p>
-          <a:p>
-            <a:pPr marL="342900" indent="-342900">
-              <a:buFont typeface="Arial" panose="020B0604020202020204" pitchFamily="34" charset="0"/>
-              <a:buChar char="•"/>
-            </a:pPr>
-            <a:r>
-              <a:rPr lang="en-US" sz="2000" dirty="0">
-                <a:latin typeface="Roboto" panose="02000000000000000000" pitchFamily="2" charset="0"/>
-                <a:ea typeface="Roboto" panose="02000000000000000000" pitchFamily="2" charset="0"/>
-                <a:cs typeface="Roboto" panose="02000000000000000000" pitchFamily="2" charset="0"/>
-              </a:rPr>
-              <a:t>It is not possible to definitively determine whether these variables </a:t>
-            </a:r>
-            <a:r>
-              <a:rPr lang="en-US" sz="2000" b="1" dirty="0">
-                <a:latin typeface="Roboto" panose="02000000000000000000" pitchFamily="2" charset="0"/>
-                <a:ea typeface="Roboto" panose="02000000000000000000" pitchFamily="2" charset="0"/>
-                <a:cs typeface="Roboto" panose="02000000000000000000" pitchFamily="2" charset="0"/>
-              </a:rPr>
-              <a:t>are simply very strong predictors of Alzheimer's disease diagnosis</a:t>
-            </a:r>
-            <a:r>
-              <a:rPr lang="en-US" sz="2000" dirty="0">
-                <a:latin typeface="Roboto" panose="02000000000000000000" pitchFamily="2" charset="0"/>
-                <a:ea typeface="Roboto" panose="02000000000000000000" pitchFamily="2" charset="0"/>
-                <a:cs typeface="Roboto" panose="02000000000000000000" pitchFamily="2" charset="0"/>
-              </a:rPr>
-              <a:t>.</a:t>
-            </a:r>
-          </a:p>
-          <a:p>
-            <a:pPr marL="342900" indent="-342900">
-              <a:buFont typeface="Arial" panose="020B0604020202020204" pitchFamily="34" charset="0"/>
-              <a:buChar char="•"/>
-            </a:pPr>
-            <a:endParaRPr lang="en-US" sz="2000" dirty="0">
-              <a:latin typeface="Roboto" panose="02000000000000000000" pitchFamily="2" charset="0"/>
-              <a:ea typeface="Roboto" panose="02000000000000000000" pitchFamily="2" charset="0"/>
-              <a:cs typeface="Roboto" panose="02000000000000000000" pitchFamily="2" charset="0"/>
-            </a:endParaRPr>
-          </a:p>
-          <a:p>
-            <a:pPr marL="342900" indent="-342900">
-              <a:buFont typeface="Arial" panose="020B0604020202020204" pitchFamily="34" charset="0"/>
-              <a:buChar char="•"/>
-            </a:pPr>
-            <a:r>
-              <a:rPr lang="en-US" sz="2000" dirty="0">
-                <a:latin typeface="Roboto" panose="02000000000000000000" pitchFamily="2" charset="0"/>
-                <a:ea typeface="Roboto" panose="02000000000000000000" pitchFamily="2" charset="0"/>
-                <a:cs typeface="Roboto" panose="02000000000000000000" pitchFamily="2" charset="0"/>
-              </a:rPr>
-              <a:t>We divided the pipeline in dataset </a:t>
-            </a:r>
-            <a:r>
-              <a:rPr lang="en-US" sz="2000" b="1" dirty="0">
+              <a:t> </a:t>
+            </a:r>
+            <a:r>
+              <a:rPr lang="en-US" sz="2000" b="1" noProof="0" dirty="0">
                 <a:latin typeface="Roboto" panose="02000000000000000000" pitchFamily="2" charset="0"/>
                 <a:ea typeface="Roboto" panose="02000000000000000000" pitchFamily="2" charset="0"/>
                 <a:cs typeface="Roboto" panose="02000000000000000000" pitchFamily="2" charset="0"/>
@@ -27137,7 +27260,7 @@
               <a:t>with</a:t>
             </a:r>
             <a:r>
-              <a:rPr lang="en-US" sz="2000" dirty="0">
+              <a:rPr lang="en-US" sz="2000" noProof="0" dirty="0">
                 <a:latin typeface="Roboto" panose="02000000000000000000" pitchFamily="2" charset="0"/>
                 <a:ea typeface="Roboto" panose="02000000000000000000" pitchFamily="2" charset="0"/>
                 <a:cs typeface="Roboto" panose="02000000000000000000" pitchFamily="2" charset="0"/>
@@ -27145,7 +27268,7 @@
               <a:t> CDRSB, LDELTOTAL and mPACCdigit and </a:t>
             </a:r>
             <a:r>
-              <a:rPr lang="en-US" sz="2000" b="1" dirty="0">
+              <a:rPr lang="en-US" sz="2000" b="1" noProof="0" dirty="0">
                 <a:latin typeface="Roboto" panose="02000000000000000000" pitchFamily="2" charset="0"/>
                 <a:ea typeface="Roboto" panose="02000000000000000000" pitchFamily="2" charset="0"/>
                 <a:cs typeface="Roboto" panose="02000000000000000000" pitchFamily="2" charset="0"/>
@@ -27153,7 +27276,7 @@
               <a:t>without</a:t>
             </a:r>
             <a:r>
-              <a:rPr lang="en-US" sz="2000" dirty="0">
+              <a:rPr lang="en-US" sz="2000" noProof="0" dirty="0">
                 <a:latin typeface="Roboto" panose="02000000000000000000" pitchFamily="2" charset="0"/>
                 <a:ea typeface="Roboto" panose="02000000000000000000" pitchFamily="2" charset="0"/>
                 <a:cs typeface="Roboto" panose="02000000000000000000" pitchFamily="2" charset="0"/>
@@ -27298,7 +27421,7 @@
               <a:t>Classificatio</a:t>
             </a:r>
             <a:r>
-              <a:rPr lang="en-US" dirty="0">
+              <a:rPr lang="en-US" noProof="0" dirty="0">
                 <a:solidFill>
                   <a:schemeClr val="accent1"/>
                 </a:solidFill>
@@ -27462,7 +27585,7 @@
               <a:buSzPts val="2000"/>
             </a:pPr>
             <a:r>
-              <a:rPr lang="en-US" sz="2000" b="1" dirty="0">
+              <a:rPr lang="en-US" sz="2000" b="1" noProof="0" dirty="0">
                 <a:solidFill>
                   <a:schemeClr val="tx2">
                     <a:lumMod val="50000"/>
@@ -27475,7 +27598,7 @@
               </a:rPr>
               <a:t>Dataset with Sampling and with CDRSB, LDELTOTAL, and mPACCdigit  </a:t>
             </a:r>
-            <a:endParaRPr lang="en-US" sz="2000" dirty="0">
+            <a:endParaRPr lang="en-US" sz="2000" noProof="0" dirty="0">
               <a:solidFill>
                 <a:schemeClr val="tx2">
                   <a:lumMod val="50000"/>
@@ -27526,7 +27649,7 @@
               <a:buSzPts val="2000"/>
             </a:pPr>
             <a:r>
-              <a:rPr lang="en-US" sz="2000" b="1" dirty="0">
+              <a:rPr lang="en-US" sz="2000" b="1" noProof="0" dirty="0">
                 <a:solidFill>
                   <a:schemeClr val="tx2">
                     <a:lumMod val="50000"/>
@@ -27539,7 +27662,7 @@
               </a:rPr>
               <a:t>Dataset without Sampling and without CDRSB, LDELTOTAL, and mPACCdigit  </a:t>
             </a:r>
-            <a:endParaRPr lang="en-US" sz="2000" dirty="0">
+            <a:endParaRPr lang="en-US" sz="2000" noProof="0" dirty="0">
               <a:solidFill>
                 <a:schemeClr val="tx2">
                   <a:lumMod val="50000"/>
@@ -27590,7 +27713,7 @@
               <a:buSzPts val="2000"/>
             </a:pPr>
             <a:r>
-              <a:rPr lang="en-US" sz="2000" b="1" dirty="0">
+              <a:rPr lang="en-US" sz="2000" b="1" noProof="0" dirty="0">
                 <a:solidFill>
                   <a:schemeClr val="tx2">
                     <a:lumMod val="50000"/>
@@ -27603,7 +27726,7 @@
               </a:rPr>
               <a:t>Dataset with Sampling and without CDRSB, LDELTOTAL, and mPACCdigit  </a:t>
             </a:r>
-            <a:endParaRPr lang="en-US" sz="2000" dirty="0">
+            <a:endParaRPr lang="en-US" sz="2000" noProof="0" dirty="0">
               <a:solidFill>
                 <a:schemeClr val="tx2">
                   <a:lumMod val="50000"/>
@@ -27723,21 +27846,7 @@
                 <a:cs typeface="Roboto Medium"/>
                 <a:sym typeface="Roboto Medium"/>
               </a:rPr>
-              <a:t>Dataset</a:t>
-            </a:r>
-            <a:r>
-              <a:rPr lang="en-US" sz="2000" b="1" dirty="0">
-                <a:solidFill>
-                  <a:schemeClr val="tx2">
-                    <a:lumMod val="50000"/>
-                  </a:schemeClr>
-                </a:solidFill>
-                <a:latin typeface="Roboto Medium"/>
-                <a:ea typeface="Roboto Medium"/>
-                <a:cs typeface="Roboto Medium"/>
-                <a:sym typeface="Roboto Medium"/>
-              </a:rPr>
-              <a:t> without Sampling and with CDRSB, LDELTOTAL, and mPACCdigit  </a:t>
+              <a:t>Dataset without Sampling and with CDRSB, LDELTOTAL, and mPACCdigit  </a:t>
             </a:r>
             <a:endParaRPr lang="en-US" noProof="0" dirty="0">
               <a:solidFill>
@@ -27873,7 +27982,7 @@
               <a:t>Classificatio</a:t>
             </a:r>
             <a:r>
-              <a:rPr lang="en-US" dirty="0">
+              <a:rPr lang="en-US" noProof="0" dirty="0">
                 <a:solidFill>
                   <a:schemeClr val="accent1"/>
                 </a:solidFill>
@@ -27934,7 +28043,7 @@
               <a:buSzPts val="2000"/>
             </a:pPr>
             <a:r>
-              <a:rPr lang="en-US" sz="2000" dirty="0">
+              <a:rPr lang="en-US" sz="2000" noProof="0" dirty="0">
                 <a:solidFill>
                   <a:schemeClr val="dk1"/>
                 </a:solidFill>
@@ -27945,15 +28054,6 @@
               </a:rPr>
               <a:t>All subsequent operations will be the same, but will be executed separately within 4 distinct pipelines, corresponding to the 4 types of datasets generated.</a:t>
             </a:r>
-            <a:endParaRPr lang="en-US" sz="2000" noProof="0" dirty="0">
-              <a:solidFill>
-                <a:schemeClr val="dk1"/>
-              </a:solidFill>
-              <a:latin typeface="Roboto"/>
-              <a:ea typeface="Roboto"/>
-              <a:cs typeface="Roboto"/>
-              <a:sym typeface="Roboto"/>
-            </a:endParaRPr>
           </a:p>
         </p:txBody>
       </p:sp>
@@ -28248,7 +28348,7 @@
               <a:buSzPts val="3200"/>
             </a:pPr>
             <a:r>
-              <a:rPr lang="en-US" sz="3200" b="1" dirty="0">
+              <a:rPr lang="en-US" sz="3200" b="1" noProof="0" dirty="0">
                 <a:solidFill>
                   <a:schemeClr val="dk2"/>
                 </a:solidFill>
@@ -28379,7 +28479,7 @@
                 <a:cs typeface="Roboto Medium"/>
                 <a:sym typeface="Roboto Medium"/>
               </a:rPr>
-              <a:t>Models Building</a:t>
+              <a:t>Model Building</a:t>
             </a:r>
             <a:endParaRPr lang="en-US" noProof="0" dirty="0"/>
           </a:p>
@@ -28423,7 +28523,7 @@
               <a:buSzPts val="1400"/>
             </a:pPr>
             <a:r>
-              <a:rPr lang="en-US" dirty="0">
+              <a:rPr lang="en-US" noProof="0" dirty="0">
                 <a:solidFill>
                   <a:schemeClr val="dk1"/>
                 </a:solidFill>
@@ -28587,7 +28687,7 @@
         </p:spPr>
         <p:txBody>
           <a:bodyPr spcFirstLastPara="1" wrap="square" lIns="91425" tIns="45700" rIns="91425" bIns="45700" anchor="t" anchorCtr="0">
-            <a:normAutofit/>
+            <a:normAutofit lnSpcReduction="10000"/>
           </a:bodyPr>
           <a:lstStyle/>
           <a:p>
@@ -28607,7 +28707,91 @@
                 <a:cs typeface="Roboto"/>
                 <a:sym typeface="Roboto"/>
               </a:rPr>
-              <a:t>Used SHAP Summary Plots on all models to see which features were most important overall and by class. Built trees and rules for Decision Trees.</a:t>
+              <a:t>We used </a:t>
+            </a:r>
+            <a:r>
+              <a:rPr lang="en-US" i="1" dirty="0">
+                <a:solidFill>
+                  <a:schemeClr val="dk1"/>
+                </a:solidFill>
+                <a:latin typeface="Roboto"/>
+                <a:ea typeface="Roboto"/>
+                <a:cs typeface="Roboto"/>
+                <a:sym typeface="Roboto"/>
+              </a:rPr>
+              <a:t>SHAP Summary Plots</a:t>
+            </a:r>
+            <a:r>
+              <a:rPr lang="en-US" dirty="0">
+                <a:solidFill>
+                  <a:schemeClr val="dk1"/>
+                </a:solidFill>
+                <a:latin typeface="Roboto"/>
+                <a:ea typeface="Roboto"/>
+                <a:cs typeface="Roboto"/>
+                <a:sym typeface="Roboto"/>
+              </a:rPr>
+              <a:t> on all models to identify which features were most important </a:t>
+            </a:r>
+            <a:r>
+              <a:rPr lang="en-US" noProof="0" dirty="0">
+                <a:solidFill>
+                  <a:schemeClr val="dk1"/>
+                </a:solidFill>
+                <a:latin typeface="Roboto"/>
+                <a:ea typeface="Roboto"/>
+                <a:cs typeface="Roboto"/>
+                <a:sym typeface="Roboto"/>
+              </a:rPr>
+              <a:t>overall and by class. Built </a:t>
+            </a:r>
+            <a:r>
+              <a:rPr lang="en-US" i="1" noProof="0" dirty="0">
+                <a:solidFill>
+                  <a:schemeClr val="dk1"/>
+                </a:solidFill>
+                <a:latin typeface="Roboto"/>
+                <a:ea typeface="Roboto"/>
+                <a:cs typeface="Roboto"/>
+                <a:sym typeface="Roboto"/>
+              </a:rPr>
+              <a:t>trees</a:t>
+            </a:r>
+            <a:r>
+              <a:rPr lang="en-US" noProof="0" dirty="0">
+                <a:solidFill>
+                  <a:schemeClr val="dk1"/>
+                </a:solidFill>
+                <a:latin typeface="Roboto"/>
+                <a:ea typeface="Roboto"/>
+                <a:cs typeface="Roboto"/>
+                <a:sym typeface="Roboto"/>
+              </a:rPr>
+              <a:t> and </a:t>
+            </a:r>
+            <a:r>
+              <a:rPr lang="en-US" i="1" noProof="0" dirty="0">
+                <a:solidFill>
+                  <a:schemeClr val="dk1"/>
+                </a:solidFill>
+                <a:latin typeface="Roboto"/>
+                <a:ea typeface="Roboto"/>
+                <a:cs typeface="Roboto"/>
+                <a:sym typeface="Roboto"/>
+              </a:rPr>
+              <a:t>rules</a:t>
+            </a:r>
+            <a:r>
+              <a:rPr lang="en-US" noProof="0" dirty="0">
+                <a:solidFill>
+                  <a:schemeClr val="dk1"/>
+                </a:solidFill>
+                <a:latin typeface="Roboto"/>
+                <a:ea typeface="Roboto"/>
+                <a:cs typeface="Roboto"/>
+                <a:sym typeface="Roboto"/>
+              </a:rPr>
+              <a:t> for Decision Trees.</a:t>
             </a:r>
             <a:endParaRPr lang="en-US" noProof="0" dirty="0"/>
           </a:p>
@@ -28773,7 +28957,7 @@
               <a:buSzPts val="1400"/>
             </a:pPr>
             <a:r>
-              <a:rPr lang="en-US" dirty="0">
+              <a:rPr lang="en-US" noProof="0" dirty="0">
                 <a:solidFill>
                   <a:schemeClr val="dk1"/>
                 </a:solidFill>
@@ -28782,9 +28966,21 @@
                 <a:cs typeface="Roboto"/>
                 <a:sym typeface="Roboto"/>
               </a:rPr>
-              <a:t>We evaluated the models on the train dataset, using 5-fold cross-validation, and on the test dataset, as well as using the explainability results. The evaluations primarily considered the statistics on the test dataset.</a:t>
-            </a:r>
-            <a:endParaRPr lang="en-US" noProof="0" dirty="0"/>
+              <a:t>We evaluated the models on the train dataset, using 5-fold cross-validation, and on the test dataset, as well as using the explainability results. </a:t>
+            </a:r>
+            <a:r>
+              <a:rPr lang="en-US" i="1" noProof="0" dirty="0">
+                <a:solidFill>
+                  <a:schemeClr val="dk1"/>
+                </a:solidFill>
+                <a:latin typeface="Roboto"/>
+                <a:ea typeface="Roboto"/>
+                <a:cs typeface="Roboto"/>
+                <a:sym typeface="Roboto"/>
+              </a:rPr>
+              <a:t>The evaluations primarily considered the statistics on the test dataset.</a:t>
+            </a:r>
+            <a:endParaRPr lang="en-US" i="1" noProof="0" dirty="0"/>
           </a:p>
         </p:txBody>
       </p:sp>
@@ -28895,7 +29091,7 @@
               <a:buNone/>
             </a:pPr>
             <a:r>
-              <a:rPr lang="en-US" sz="2000" b="1" dirty="0">
+              <a:rPr lang="en-US" sz="2000" b="1" noProof="0" dirty="0">
                 <a:solidFill>
                   <a:schemeClr val="dk2"/>
                 </a:solidFill>
@@ -28948,7 +29144,7 @@
               <a:buSzPts val="1400"/>
             </a:pPr>
             <a:r>
-              <a:rPr lang="en-US" dirty="0">
+              <a:rPr lang="en-US" noProof="0" dirty="0">
                 <a:solidFill>
                   <a:schemeClr val="dk1"/>
                 </a:solidFill>
@@ -29087,7 +29283,7 @@
               <a:t>Classificatio</a:t>
             </a:r>
             <a:r>
-              <a:rPr lang="en-US" dirty="0">
+              <a:rPr lang="en-US" noProof="0" dirty="0">
                 <a:solidFill>
                   <a:schemeClr val="accent1"/>
                 </a:solidFill>
@@ -29334,7 +29530,7 @@
               <a:t>Classificatio</a:t>
             </a:r>
             <a:r>
-              <a:rPr lang="en-US" dirty="0">
+              <a:rPr lang="en-US" noProof="0" dirty="0">
                 <a:solidFill>
                   <a:schemeClr val="accent1"/>
                 </a:solidFill>
@@ -29488,7 +29684,7 @@
           <p:nvPr>
             <p:extLst>
               <p:ext uri="{D42A27DB-BD31-4B8C-83A1-F6EECF244321}">
-                <p14:modId xmlns:p14="http://schemas.microsoft.com/office/powerpoint/2010/main" val="4139707569"/>
+                <p14:modId xmlns:p14="http://schemas.microsoft.com/office/powerpoint/2010/main" val="3667663015"/>
               </p:ext>
             </p:extLst>
           </p:nvPr>
@@ -29570,7 +29766,18 @@
                       <a:pPr algn="r" fontAlgn="ctr">
                         <a:buNone/>
                       </a:pPr>
-                      <a:endParaRPr lang="it-IT" sz="900">
+                      <a:r>
+                        <a:rPr lang="en-US" sz="900" b="1" noProof="0" dirty="0">
+                          <a:effectLst/>
+                        </a:rPr>
+                        <a:t>TEST DATASET</a:t>
+                      </a:r>
+                      <a:br>
+                        <a:rPr lang="en-US" sz="900" b="1" noProof="0" dirty="0">
+                          <a:effectLst/>
+                        </a:rPr>
+                      </a:br>
+                      <a:endParaRPr lang="en-US" sz="900" b="1" noProof="0" dirty="0">
                         <a:effectLst/>
                       </a:endParaRPr>
                     </a:p>
@@ -29586,14 +29793,11 @@
                         <a:buNone/>
                       </a:pPr>
                       <a:r>
-                        <a:rPr lang="it-IT" sz="900" b="1" dirty="0" err="1">
+                        <a:rPr lang="en-US" sz="900" b="1" noProof="0" dirty="0">
                           <a:effectLst/>
                         </a:rPr>
                         <a:t>Accuracy</a:t>
                       </a:r>
-                      <a:endParaRPr lang="it-IT" sz="900" b="1" dirty="0">
-                        <a:effectLst/>
-                      </a:endParaRPr>
                     </a:p>
                   </a:txBody>
                   <a:tcPr marL="38679" marR="38679" marT="19339" marB="19339" anchor="ctr"/>
@@ -29607,26 +29811,11 @@
                         <a:buNone/>
                       </a:pPr>
                       <a:r>
-                        <a:rPr lang="it-IT" sz="900" b="1" dirty="0" err="1">
+                        <a:rPr lang="en-US" sz="900" b="1" noProof="0" dirty="0">
                           <a:effectLst/>
                         </a:rPr>
-                        <a:t>Balanced</a:t>
+                        <a:t>Balanced Accuracy</a:t>
                       </a:r>
-                      <a:r>
-                        <a:rPr lang="it-IT" sz="900" b="1" dirty="0">
-                          <a:effectLst/>
-                        </a:rPr>
-                        <a:t> </a:t>
-                      </a:r>
-                      <a:r>
-                        <a:rPr lang="it-IT" sz="900" b="1" dirty="0" err="1">
-                          <a:effectLst/>
-                        </a:rPr>
-                        <a:t>Accuracy</a:t>
-                      </a:r>
-                      <a:endParaRPr lang="it-IT" sz="900" b="1" dirty="0">
-                        <a:effectLst/>
-                      </a:endParaRPr>
                     </a:p>
                   </a:txBody>
                   <a:tcPr marL="38679" marR="38679" marT="19339" marB="19339" anchor="ctr"/>
@@ -29640,7 +29829,7 @@
                         <a:buNone/>
                       </a:pPr>
                       <a:r>
-                        <a:rPr lang="it-IT" sz="900" b="1">
+                        <a:rPr lang="en-US" sz="900" b="1" noProof="0" dirty="0">
                           <a:effectLst/>
                         </a:rPr>
                         <a:t>Precision (weighted)</a:t>
@@ -29658,7 +29847,7 @@
                         <a:buNone/>
                       </a:pPr>
                       <a:r>
-                        <a:rPr lang="it-IT" sz="900" b="1">
+                        <a:rPr lang="en-US" sz="900" b="1" noProof="0" dirty="0">
                           <a:effectLst/>
                         </a:rPr>
                         <a:t>Recall (weighted)</a:t>
@@ -29676,7 +29865,7 @@
                         <a:buNone/>
                       </a:pPr>
                       <a:r>
-                        <a:rPr lang="it-IT" sz="900" b="1">
+                        <a:rPr lang="en-US" sz="900" b="1" noProof="0" dirty="0">
                           <a:effectLst/>
                         </a:rPr>
                         <a:t>F1 Score (weighted)</a:t>
@@ -29694,7 +29883,7 @@
                         <a:buNone/>
                       </a:pPr>
                       <a:r>
-                        <a:rPr lang="it-IT" sz="900" b="1">
+                        <a:rPr lang="en-US" sz="900" b="1" noProof="0" dirty="0">
                           <a:effectLst/>
                         </a:rPr>
                         <a:t>F1 Score (macro)</a:t>
@@ -29712,7 +29901,7 @@
                         <a:buNone/>
                       </a:pPr>
                       <a:r>
-                        <a:rPr lang="it-IT" sz="900" b="1" dirty="0">
+                        <a:rPr lang="en-US" sz="900" b="1" noProof="0" dirty="0">
                           <a:effectLst/>
                         </a:rPr>
                         <a:t>ROC AUC (macro)</a:t>
@@ -29737,7 +29926,7 @@
                         <a:buNone/>
                       </a:pPr>
                       <a:r>
-                        <a:rPr lang="it-IT" sz="900" b="1" dirty="0">
+                        <a:rPr lang="en-US" sz="900" b="1" noProof="0" dirty="0">
                           <a:effectLst/>
                         </a:rPr>
                         <a:t>MODEL</a:t>
@@ -29754,7 +29943,7 @@
                       <a:pPr algn="r" fontAlgn="ctr">
                         <a:buNone/>
                       </a:pPr>
-                      <a:endParaRPr lang="it-IT" sz="900" dirty="0">
+                      <a:endParaRPr lang="en-US" sz="900" noProof="0" dirty="0">
                         <a:effectLst/>
                       </a:endParaRPr>
                     </a:p>
@@ -29769,7 +29958,7 @@
                       <a:pPr algn="r" fontAlgn="ctr">
                         <a:buNone/>
                       </a:pPr>
-                      <a:endParaRPr lang="it-IT" sz="900">
+                      <a:endParaRPr lang="en-US" sz="900" noProof="0" dirty="0">
                         <a:effectLst/>
                       </a:endParaRPr>
                     </a:p>
@@ -29784,7 +29973,7 @@
                       <a:pPr algn="r" fontAlgn="ctr">
                         <a:buNone/>
                       </a:pPr>
-                      <a:endParaRPr lang="it-IT" sz="900">
+                      <a:endParaRPr lang="en-US" sz="900" noProof="0" dirty="0">
                         <a:effectLst/>
                       </a:endParaRPr>
                     </a:p>
@@ -29799,7 +29988,7 @@
                       <a:pPr algn="r" fontAlgn="ctr">
                         <a:buNone/>
                       </a:pPr>
-                      <a:endParaRPr lang="it-IT" sz="900" dirty="0">
+                      <a:endParaRPr lang="en-US" sz="900" noProof="0" dirty="0">
                         <a:effectLst/>
                       </a:endParaRPr>
                     </a:p>
@@ -29814,7 +30003,7 @@
                       <a:pPr algn="r" fontAlgn="ctr">
                         <a:buNone/>
                       </a:pPr>
-                      <a:endParaRPr lang="it-IT" sz="900">
+                      <a:endParaRPr lang="en-US" sz="900" noProof="0" dirty="0">
                         <a:effectLst/>
                       </a:endParaRPr>
                     </a:p>
@@ -29829,7 +30018,7 @@
                       <a:pPr algn="r" fontAlgn="ctr">
                         <a:buNone/>
                       </a:pPr>
-                      <a:endParaRPr lang="it-IT" sz="900" dirty="0">
+                      <a:endParaRPr lang="en-US" sz="900" noProof="0" dirty="0">
                         <a:effectLst/>
                       </a:endParaRPr>
                     </a:p>
@@ -29844,7 +30033,7 @@
                       <a:pPr algn="r" fontAlgn="ctr">
                         <a:buNone/>
                       </a:pPr>
-                      <a:endParaRPr lang="it-IT" sz="900">
+                      <a:endParaRPr lang="en-US" sz="900" noProof="0" dirty="0">
                         <a:effectLst/>
                       </a:endParaRPr>
                     </a:p>
@@ -29867,7 +30056,7 @@
                         <a:buNone/>
                       </a:pPr>
                       <a:r>
-                        <a:rPr lang="it-IT" sz="900" b="1" dirty="0">
+                        <a:rPr lang="en-US" sz="900" b="1" noProof="0" dirty="0">
                           <a:effectLst/>
                         </a:rPr>
                         <a:t>Random_Forest1</a:t>
@@ -29885,7 +30074,7 @@
                         <a:buNone/>
                       </a:pPr>
                       <a:r>
-                        <a:rPr lang="it-IT" sz="1000" dirty="0">
+                        <a:rPr lang="en-US" sz="1000" noProof="0" dirty="0">
                           <a:effectLst/>
                         </a:rPr>
                         <a:t>0.925620</a:t>
@@ -29903,7 +30092,7 @@
                         <a:buNone/>
                       </a:pPr>
                       <a:r>
-                        <a:rPr lang="it-IT" sz="1000">
+                        <a:rPr lang="en-US" sz="1000" noProof="0" dirty="0">
                           <a:effectLst/>
                         </a:rPr>
                         <a:t>0.919814</a:t>
@@ -29921,7 +30110,7 @@
                         <a:buNone/>
                       </a:pPr>
                       <a:r>
-                        <a:rPr lang="it-IT" sz="1000">
+                        <a:rPr lang="en-US" sz="1000" noProof="0" dirty="0">
                           <a:effectLst/>
                         </a:rPr>
                         <a:t>0.927101</a:t>
@@ -29939,7 +30128,7 @@
                         <a:buNone/>
                       </a:pPr>
                       <a:r>
-                        <a:rPr lang="it-IT" sz="1000">
+                        <a:rPr lang="en-US" sz="1000" noProof="0" dirty="0">
                           <a:effectLst/>
                         </a:rPr>
                         <a:t>0.925620</a:t>
@@ -29957,7 +30146,7 @@
                         <a:buNone/>
                       </a:pPr>
                       <a:r>
-                        <a:rPr lang="it-IT" sz="1000">
+                        <a:rPr lang="en-US" sz="1000" noProof="0" dirty="0">
                           <a:effectLst/>
                         </a:rPr>
                         <a:t>0.925820</a:t>
@@ -29975,7 +30164,7 @@
                         <a:buNone/>
                       </a:pPr>
                       <a:r>
-                        <a:rPr lang="it-IT" sz="1000">
+                        <a:rPr lang="en-US" sz="1000" noProof="0" dirty="0">
                           <a:effectLst/>
                         </a:rPr>
                         <a:t>0.916918</a:t>
@@ -29993,7 +30182,7 @@
                         <a:buNone/>
                       </a:pPr>
                       <a:r>
-                        <a:rPr lang="it-IT" sz="1000">
+                        <a:rPr lang="en-US" sz="1000" noProof="0" dirty="0">
                           <a:effectLst/>
                         </a:rPr>
                         <a:t>0.986475</a:t>
@@ -30018,7 +30207,7 @@
                         <a:buNone/>
                       </a:pPr>
                       <a:r>
-                        <a:rPr lang="it-IT" sz="900" b="1">
+                        <a:rPr lang="en-US" sz="900" b="1" noProof="0" dirty="0">
                           <a:effectLst/>
                         </a:rPr>
                         <a:t>Extra_Trees1</a:t>
@@ -30036,7 +30225,7 @@
                         <a:buNone/>
                       </a:pPr>
                       <a:r>
-                        <a:rPr lang="it-IT" sz="1000">
+                        <a:rPr lang="en-US" sz="1000" noProof="0" dirty="0">
                           <a:effectLst/>
                         </a:rPr>
                         <a:t>0.923554</a:t>
@@ -30054,7 +30243,7 @@
                         <a:buNone/>
                       </a:pPr>
                       <a:r>
-                        <a:rPr lang="it-IT" sz="1000">
+                        <a:rPr lang="en-US" sz="1000" noProof="0" dirty="0">
                           <a:effectLst/>
                         </a:rPr>
                         <a:t>0.918812</a:t>
@@ -30072,7 +30261,7 @@
                         <a:buNone/>
                       </a:pPr>
                       <a:r>
-                        <a:rPr lang="it-IT" sz="1000">
+                        <a:rPr lang="en-US" sz="1000" noProof="0" dirty="0">
                           <a:effectLst/>
                         </a:rPr>
                         <a:t>0.924969</a:t>
@@ -30090,7 +30279,7 @@
                         <a:buNone/>
                       </a:pPr>
                       <a:r>
-                        <a:rPr lang="it-IT" sz="1000">
+                        <a:rPr lang="en-US" sz="1000" noProof="0" dirty="0">
                           <a:effectLst/>
                         </a:rPr>
                         <a:t>0.923554</a:t>
@@ -30108,7 +30297,7 @@
                         <a:buNone/>
                       </a:pPr>
                       <a:r>
-                        <a:rPr lang="it-IT" sz="1000">
+                        <a:rPr lang="en-US" sz="1000" noProof="0" dirty="0">
                           <a:effectLst/>
                         </a:rPr>
                         <a:t>0.924003</a:t>
@@ -30126,7 +30315,7 @@
                         <a:buNone/>
                       </a:pPr>
                       <a:r>
-                        <a:rPr lang="it-IT" sz="1000">
+                        <a:rPr lang="en-US" sz="1000" noProof="0" dirty="0">
                           <a:effectLst/>
                         </a:rPr>
                         <a:t>0.914303</a:t>
@@ -30144,7 +30333,7 @@
                         <a:buNone/>
                       </a:pPr>
                       <a:r>
-                        <a:rPr lang="it-IT" sz="1000">
+                        <a:rPr lang="en-US" sz="1000" noProof="0" dirty="0">
                           <a:effectLst/>
                         </a:rPr>
                         <a:t>0.986232</a:t>
@@ -30169,7 +30358,7 @@
                         <a:buNone/>
                       </a:pPr>
                       <a:r>
-                        <a:rPr lang="it-IT" sz="900" b="1" dirty="0">
+                        <a:rPr lang="en-US" sz="900" b="1" noProof="0" dirty="0">
                           <a:effectLst/>
                         </a:rPr>
                         <a:t>XGBoost0</a:t>
@@ -30187,7 +30376,7 @@
                         <a:buNone/>
                       </a:pPr>
                       <a:r>
-                        <a:rPr lang="it-IT" sz="1000">
+                        <a:rPr lang="en-US" sz="1000" noProof="0" dirty="0">
                           <a:effectLst/>
                         </a:rPr>
                         <a:t>0.927686</a:t>
@@ -30205,7 +30394,7 @@
                         <a:buNone/>
                       </a:pPr>
                       <a:r>
-                        <a:rPr lang="it-IT" sz="1000">
+                        <a:rPr lang="en-US" sz="1000" noProof="0" dirty="0">
                           <a:effectLst/>
                         </a:rPr>
                         <a:t>0.916805</a:t>
@@ -30223,7 +30412,7 @@
                         <a:buNone/>
                       </a:pPr>
                       <a:r>
-                        <a:rPr lang="it-IT" sz="1000">
+                        <a:rPr lang="en-US" sz="1000" noProof="0" dirty="0">
                           <a:effectLst/>
                         </a:rPr>
                         <a:t>0.928391</a:t>
@@ -30241,7 +30430,7 @@
                         <a:buNone/>
                       </a:pPr>
                       <a:r>
-                        <a:rPr lang="it-IT" sz="1000" dirty="0">
+                        <a:rPr lang="en-US" sz="1000" noProof="0" dirty="0">
                           <a:effectLst/>
                         </a:rPr>
                         <a:t>0.927686</a:t>
@@ -30259,7 +30448,7 @@
                         <a:buNone/>
                       </a:pPr>
                       <a:r>
-                        <a:rPr lang="it-IT" sz="1000">
+                        <a:rPr lang="en-US" sz="1000" noProof="0" dirty="0">
                           <a:effectLst/>
                         </a:rPr>
                         <a:t>0.927514</a:t>
@@ -30277,7 +30466,7 @@
                         <a:buNone/>
                       </a:pPr>
                       <a:r>
-                        <a:rPr lang="it-IT" sz="1000">
+                        <a:rPr lang="en-US" sz="1000" noProof="0" dirty="0">
                           <a:effectLst/>
                         </a:rPr>
                         <a:t>0.918030</a:t>
@@ -30295,7 +30484,7 @@
                         <a:buNone/>
                       </a:pPr>
                       <a:r>
-                        <a:rPr lang="it-IT" sz="1000">
+                        <a:rPr lang="en-US" sz="1000" noProof="0" dirty="0">
                           <a:effectLst/>
                         </a:rPr>
                         <a:t>0.987596</a:t>
@@ -30320,7 +30509,7 @@
                         <a:buNone/>
                       </a:pPr>
                       <a:r>
-                        <a:rPr lang="it-IT" sz="900" b="1" dirty="0">
+                        <a:rPr lang="en-US" sz="900" b="1" noProof="0" dirty="0">
                           <a:effectLst/>
                         </a:rPr>
                         <a:t>Random_Forest0</a:t>
@@ -30338,7 +30527,7 @@
                         <a:buNone/>
                       </a:pPr>
                       <a:r>
-                        <a:rPr lang="it-IT" sz="1000">
+                        <a:rPr lang="en-US" sz="1000" noProof="0" dirty="0">
                           <a:effectLst/>
                         </a:rPr>
                         <a:t>0.929752</a:t>
@@ -30356,7 +30545,7 @@
                         <a:buNone/>
                       </a:pPr>
                       <a:r>
-                        <a:rPr lang="it-IT" sz="1000">
+                        <a:rPr lang="en-US" sz="1000" noProof="0" dirty="0">
                           <a:effectLst/>
                         </a:rPr>
                         <a:t>0.916327</a:t>
@@ -30374,7 +30563,7 @@
                         <a:buNone/>
                       </a:pPr>
                       <a:r>
-                        <a:rPr lang="it-IT" sz="1000">
+                        <a:rPr lang="en-US" sz="1000" noProof="0" dirty="0">
                           <a:effectLst/>
                         </a:rPr>
                         <a:t>0.930994</a:t>
@@ -30392,7 +30581,7 @@
                         <a:buNone/>
                       </a:pPr>
                       <a:r>
-                        <a:rPr lang="it-IT" sz="1000">
+                        <a:rPr lang="en-US" sz="1000" noProof="0" dirty="0">
                           <a:effectLst/>
                         </a:rPr>
                         <a:t>0.929752</a:t>
@@ -30410,7 +30599,7 @@
                         <a:buNone/>
                       </a:pPr>
                       <a:r>
-                        <a:rPr lang="it-IT" sz="1000">
+                        <a:rPr lang="en-US" sz="1000" noProof="0" dirty="0">
                           <a:effectLst/>
                         </a:rPr>
                         <a:t>0.929415</a:t>
@@ -30428,7 +30617,7 @@
                         <a:buNone/>
                       </a:pPr>
                       <a:r>
-                        <a:rPr lang="it-IT" sz="1000">
+                        <a:rPr lang="en-US" sz="1000" noProof="0" dirty="0">
                           <a:effectLst/>
                         </a:rPr>
                         <a:t>0.920545</a:t>
@@ -30446,7 +30635,7 @@
                         <a:buNone/>
                       </a:pPr>
                       <a:r>
-                        <a:rPr lang="it-IT" sz="1000">
+                        <a:rPr lang="en-US" sz="1000" noProof="0" dirty="0">
                           <a:effectLst/>
                         </a:rPr>
                         <a:t>0.983876</a:t>
@@ -30471,7 +30660,7 @@
                         <a:buNone/>
                       </a:pPr>
                       <a:r>
-                        <a:rPr lang="it-IT" sz="900" b="1" dirty="0">
+                        <a:rPr lang="en-US" sz="900" b="1" noProof="0" dirty="0">
                           <a:effectLst/>
                         </a:rPr>
                         <a:t>XGBoost1</a:t>
@@ -30489,7 +30678,7 @@
                         <a:buNone/>
                       </a:pPr>
                       <a:r>
-                        <a:rPr lang="it-IT" sz="1000">
+                        <a:rPr lang="en-US" sz="1000" noProof="0" dirty="0">
                           <a:effectLst/>
                         </a:rPr>
                         <a:t>0.923554</a:t>
@@ -30507,7 +30696,7 @@
                         <a:buNone/>
                       </a:pPr>
                       <a:r>
-                        <a:rPr lang="it-IT" sz="1000">
+                        <a:rPr lang="en-US" sz="1000" noProof="0" dirty="0">
                           <a:effectLst/>
                         </a:rPr>
                         <a:t>0.915250</a:t>
@@ -30525,7 +30714,7 @@
                         <a:buNone/>
                       </a:pPr>
                       <a:r>
-                        <a:rPr lang="it-IT" sz="1000">
+                        <a:rPr lang="en-US" sz="1000" noProof="0" dirty="0">
                           <a:effectLst/>
                         </a:rPr>
                         <a:t>0.924380</a:t>
@@ -30543,7 +30732,7 @@
                         <a:buNone/>
                       </a:pPr>
                       <a:r>
-                        <a:rPr lang="it-IT" sz="1000">
+                        <a:rPr lang="en-US" sz="1000" noProof="0" dirty="0">
                           <a:effectLst/>
                         </a:rPr>
                         <a:t>0.923554</a:t>
@@ -30561,7 +30750,7 @@
                         <a:buNone/>
                       </a:pPr>
                       <a:r>
-                        <a:rPr lang="it-IT" sz="1000">
+                        <a:rPr lang="en-US" sz="1000" noProof="0" dirty="0">
                           <a:effectLst/>
                         </a:rPr>
                         <a:t>0.923706</a:t>
@@ -30579,7 +30768,7 @@
                         <a:buNone/>
                       </a:pPr>
                       <a:r>
-                        <a:rPr lang="it-IT" sz="1000">
+                        <a:rPr lang="en-US" sz="1000" noProof="0" dirty="0">
                           <a:effectLst/>
                         </a:rPr>
                         <a:t>0.913798</a:t>
@@ -30597,7 +30786,7 @@
                         <a:buNone/>
                       </a:pPr>
                       <a:r>
-                        <a:rPr lang="it-IT" sz="1000">
+                        <a:rPr lang="en-US" sz="1000" noProof="0" dirty="0">
                           <a:effectLst/>
                         </a:rPr>
                         <a:t>0.986799</a:t>
@@ -30622,7 +30811,7 @@
                         <a:buNone/>
                       </a:pPr>
                       <a:r>
-                        <a:rPr lang="it-IT" sz="900" b="1">
+                        <a:rPr lang="en-US" sz="900" b="1" noProof="0" dirty="0">
                           <a:effectLst/>
                         </a:rPr>
                         <a:t>Extra_Trees0</a:t>
@@ -30640,7 +30829,7 @@
                         <a:buNone/>
                       </a:pPr>
                       <a:r>
-                        <a:rPr lang="it-IT" sz="1000">
+                        <a:rPr lang="en-US" sz="1000" noProof="0" dirty="0">
                           <a:effectLst/>
                         </a:rPr>
                         <a:t>0.923554</a:t>
@@ -30658,7 +30847,7 @@
                         <a:buNone/>
                       </a:pPr>
                       <a:r>
-                        <a:rPr lang="it-IT" sz="1000">
+                        <a:rPr lang="en-US" sz="1000" noProof="0" dirty="0">
                           <a:effectLst/>
                         </a:rPr>
                         <a:t>0.913191</a:t>
@@ -30676,7 +30865,7 @@
                         <a:buNone/>
                       </a:pPr>
                       <a:r>
-                        <a:rPr lang="it-IT" sz="1000">
+                        <a:rPr lang="en-US" sz="1000" noProof="0" dirty="0">
                           <a:effectLst/>
                         </a:rPr>
                         <a:t>0.924021</a:t>
@@ -30694,7 +30883,7 @@
                         <a:buNone/>
                       </a:pPr>
                       <a:r>
-                        <a:rPr lang="it-IT" sz="1000">
+                        <a:rPr lang="en-US" sz="1000" noProof="0" dirty="0">
                           <a:effectLst/>
                         </a:rPr>
                         <a:t>0.923554</a:t>
@@ -30712,7 +30901,7 @@
                         <a:buNone/>
                       </a:pPr>
                       <a:r>
-                        <a:rPr lang="it-IT" sz="1000">
+                        <a:rPr lang="en-US" sz="1000" noProof="0" dirty="0">
                           <a:effectLst/>
                         </a:rPr>
                         <a:t>0.923567</a:t>
@@ -30730,7 +30919,7 @@
                         <a:buNone/>
                       </a:pPr>
                       <a:r>
-                        <a:rPr lang="it-IT" sz="1000">
+                        <a:rPr lang="en-US" sz="1000" noProof="0" dirty="0">
                           <a:effectLst/>
                         </a:rPr>
                         <a:t>0.913565</a:t>
@@ -30748,7 +30937,7 @@
                         <a:buNone/>
                       </a:pPr>
                       <a:r>
-                        <a:rPr lang="it-IT" sz="1000">
+                        <a:rPr lang="en-US" sz="1000" noProof="0" dirty="0">
                           <a:effectLst/>
                         </a:rPr>
                         <a:t>0.988441</a:t>
@@ -30773,7 +30962,7 @@
                         <a:buNone/>
                       </a:pPr>
                       <a:r>
-                        <a:rPr lang="it-IT" sz="900" b="1" dirty="0">
+                        <a:rPr lang="en-US" sz="900" b="1" noProof="0" dirty="0">
                           <a:effectLst/>
                         </a:rPr>
                         <a:t>CatBoost1</a:t>
@@ -30791,7 +30980,7 @@
                         <a:buNone/>
                       </a:pPr>
                       <a:r>
-                        <a:rPr lang="it-IT" sz="1000">
+                        <a:rPr lang="en-US" sz="1000" noProof="0" dirty="0">
                           <a:effectLst/>
                         </a:rPr>
                         <a:t>0.919421</a:t>
@@ -30809,7 +30998,7 @@
                         <a:buNone/>
                       </a:pPr>
                       <a:r>
-                        <a:rPr lang="it-IT" sz="1000">
+                        <a:rPr lang="en-US" sz="1000" noProof="0" dirty="0">
                           <a:effectLst/>
                         </a:rPr>
                         <a:t>0.912752</a:t>
@@ -30827,7 +31016,7 @@
                         <a:buNone/>
                       </a:pPr>
                       <a:r>
-                        <a:rPr lang="it-IT" sz="1000">
+                        <a:rPr lang="en-US" sz="1000" noProof="0" dirty="0">
                           <a:effectLst/>
                         </a:rPr>
                         <a:t>0.920484</a:t>
@@ -30845,7 +31034,7 @@
                         <a:buNone/>
                       </a:pPr>
                       <a:r>
-                        <a:rPr lang="it-IT" sz="1000">
+                        <a:rPr lang="en-US" sz="1000" noProof="0" dirty="0">
                           <a:effectLst/>
                         </a:rPr>
                         <a:t>0.919421</a:t>
@@ -30863,7 +31052,7 @@
                         <a:buNone/>
                       </a:pPr>
                       <a:r>
-                        <a:rPr lang="it-IT" sz="1000">
+                        <a:rPr lang="en-US" sz="1000" noProof="0" dirty="0">
                           <a:effectLst/>
                         </a:rPr>
                         <a:t>0.919728</a:t>
@@ -30881,7 +31070,7 @@
                         <a:buNone/>
                       </a:pPr>
                       <a:r>
-                        <a:rPr lang="it-IT" sz="1000">
+                        <a:rPr lang="en-US" sz="1000" noProof="0" dirty="0">
                           <a:effectLst/>
                         </a:rPr>
                         <a:t>0.910155</a:t>
@@ -30899,7 +31088,7 @@
                         <a:buNone/>
                       </a:pPr>
                       <a:r>
-                        <a:rPr lang="it-IT" sz="1000">
+                        <a:rPr lang="en-US" sz="1000" noProof="0" dirty="0">
                           <a:effectLst/>
                         </a:rPr>
                         <a:t>0.987497</a:t>
@@ -30924,7 +31113,7 @@
                         <a:buNone/>
                       </a:pPr>
                       <a:r>
-                        <a:rPr lang="it-IT" sz="900" b="1">
+                        <a:rPr lang="en-US" sz="900" b="1" noProof="0" dirty="0">
                           <a:effectLst/>
                         </a:rPr>
                         <a:t>LightGBM1</a:t>
@@ -30942,7 +31131,7 @@
                         <a:buNone/>
                       </a:pPr>
                       <a:r>
-                        <a:rPr lang="it-IT" sz="1000">
+                        <a:rPr lang="en-US" sz="1000" noProof="0" dirty="0">
                           <a:effectLst/>
                         </a:rPr>
                         <a:t>0.919421</a:t>
@@ -30960,7 +31149,7 @@
                         <a:buNone/>
                       </a:pPr>
                       <a:r>
-                        <a:rPr lang="it-IT" sz="1000">
+                        <a:rPr lang="en-US" sz="1000" noProof="0" dirty="0">
                           <a:effectLst/>
                         </a:rPr>
                         <a:t>0.911565</a:t>
@@ -30978,7 +31167,7 @@
                         <a:buNone/>
                       </a:pPr>
                       <a:r>
-                        <a:rPr lang="it-IT" sz="1000">
+                        <a:rPr lang="en-US" sz="1000" noProof="0" dirty="0">
                           <a:effectLst/>
                         </a:rPr>
                         <a:t>0.920235</a:t>
@@ -30996,7 +31185,7 @@
                         <a:buNone/>
                       </a:pPr>
                       <a:r>
-                        <a:rPr lang="it-IT" sz="1000">
+                        <a:rPr lang="en-US" sz="1000" noProof="0" dirty="0">
                           <a:effectLst/>
                         </a:rPr>
                         <a:t>0.919421</a:t>
@@ -31014,7 +31203,7 @@
                         <a:buNone/>
                       </a:pPr>
                       <a:r>
-                        <a:rPr lang="it-IT" sz="1000">
+                        <a:rPr lang="en-US" sz="1000" noProof="0" dirty="0">
                           <a:effectLst/>
                         </a:rPr>
                         <a:t>0.919545</a:t>
@@ -31032,7 +31221,7 @@
                         <a:buNone/>
                       </a:pPr>
                       <a:r>
-                        <a:rPr lang="it-IT" sz="1000">
+                        <a:rPr lang="en-US" sz="1000" noProof="0" dirty="0">
                           <a:effectLst/>
                         </a:rPr>
                         <a:t>0.909524</a:t>
@@ -31050,7 +31239,7 @@
                         <a:buNone/>
                       </a:pPr>
                       <a:r>
-                        <a:rPr lang="it-IT" sz="1000">
+                        <a:rPr lang="en-US" sz="1000" noProof="0" dirty="0">
                           <a:effectLst/>
                         </a:rPr>
                         <a:t>0.987098</a:t>
@@ -31075,7 +31264,7 @@
                         <a:buNone/>
                       </a:pPr>
                       <a:r>
-                        <a:rPr lang="it-IT" sz="900" b="1">
+                        <a:rPr lang="en-US" sz="900" b="1" noProof="0" dirty="0">
                           <a:effectLst/>
                         </a:rPr>
                         <a:t>CatBoost0</a:t>
@@ -31093,7 +31282,7 @@
                         <a:buNone/>
                       </a:pPr>
                       <a:r>
-                        <a:rPr lang="it-IT" sz="1000">
+                        <a:rPr lang="en-US" sz="1000" noProof="0" dirty="0">
                           <a:effectLst/>
                         </a:rPr>
                         <a:t>0.921488</a:t>
@@ -31111,7 +31300,7 @@
                         <a:buNone/>
                       </a:pPr>
                       <a:r>
-                        <a:rPr lang="it-IT" sz="1000">
+                        <a:rPr lang="en-US" sz="1000" noProof="0" dirty="0">
                           <a:effectLst/>
                         </a:rPr>
                         <a:t>0.908992</a:t>
@@ -31129,7 +31318,7 @@
                         <a:buNone/>
                       </a:pPr>
                       <a:r>
-                        <a:rPr lang="it-IT" sz="1000">
+                        <a:rPr lang="en-US" sz="1000" noProof="0" dirty="0">
                           <a:effectLst/>
                         </a:rPr>
                         <a:t>0.921941</a:t>
@@ -31147,7 +31336,7 @@
                         <a:buNone/>
                       </a:pPr>
                       <a:r>
-                        <a:rPr lang="it-IT" sz="1000">
+                        <a:rPr lang="en-US" sz="1000" noProof="0" dirty="0">
                           <a:effectLst/>
                         </a:rPr>
                         <a:t>0.921488</a:t>
@@ -31165,7 +31354,7 @@
                         <a:buNone/>
                       </a:pPr>
                       <a:r>
-                        <a:rPr lang="it-IT" sz="1000">
+                        <a:rPr lang="en-US" sz="1000" noProof="0" dirty="0">
                           <a:effectLst/>
                         </a:rPr>
                         <a:t>0.921237</a:t>
@@ -31183,7 +31372,7 @@
                         <a:buNone/>
                       </a:pPr>
                       <a:r>
-                        <a:rPr lang="it-IT" sz="1000">
+                        <a:rPr lang="en-US" sz="1000" noProof="0" dirty="0">
                           <a:effectLst/>
                         </a:rPr>
                         <a:t>0.910847</a:t>
@@ -31201,7 +31390,7 @@
                         <a:buNone/>
                       </a:pPr>
                       <a:r>
-                        <a:rPr lang="it-IT" sz="1000">
+                        <a:rPr lang="en-US" sz="1000" noProof="0" dirty="0">
                           <a:effectLst/>
                         </a:rPr>
                         <a:t>0.988699</a:t>
@@ -31226,7 +31415,7 @@
                         <a:buNone/>
                       </a:pPr>
                       <a:r>
-                        <a:rPr lang="it-IT" sz="900" b="1" dirty="0">
+                        <a:rPr lang="en-US" sz="900" b="1" noProof="0" dirty="0">
                           <a:effectLst/>
                         </a:rPr>
                         <a:t>LightGBM0</a:t>
@@ -31244,7 +31433,7 @@
                         <a:buNone/>
                       </a:pPr>
                       <a:r>
-                        <a:rPr lang="it-IT" sz="1000">
+                        <a:rPr lang="en-US" sz="1000" noProof="0" dirty="0">
                           <a:effectLst/>
                         </a:rPr>
                         <a:t>0.919421</a:t>
@@ -31262,7 +31451,7 @@
                         <a:buNone/>
                       </a:pPr>
                       <a:r>
-                        <a:rPr lang="it-IT" sz="1000">
+                        <a:rPr lang="en-US" sz="1000" noProof="0" dirty="0">
                           <a:effectLst/>
                         </a:rPr>
                         <a:t>0.904757</a:t>
@@ -31280,7 +31469,7 @@
                         <a:buNone/>
                       </a:pPr>
                       <a:r>
-                        <a:rPr lang="it-IT" sz="1000" dirty="0">
+                        <a:rPr lang="en-US" sz="1000" noProof="0" dirty="0">
                           <a:effectLst/>
                         </a:rPr>
                         <a:t>0.920713</a:t>
@@ -31298,7 +31487,7 @@
                         <a:buNone/>
                       </a:pPr>
                       <a:r>
-                        <a:rPr lang="it-IT" sz="1000">
+                        <a:rPr lang="en-US" sz="1000" noProof="0" dirty="0">
                           <a:effectLst/>
                         </a:rPr>
                         <a:t>0.919421</a:t>
@@ -31316,7 +31505,7 @@
                         <a:buNone/>
                       </a:pPr>
                       <a:r>
-                        <a:rPr lang="it-IT" sz="1000">
+                        <a:rPr lang="en-US" sz="1000" noProof="0" dirty="0">
                           <a:effectLst/>
                         </a:rPr>
                         <a:t>0.918885</a:t>
@@ -31334,7 +31523,7 @@
                         <a:buNone/>
                       </a:pPr>
                       <a:r>
-                        <a:rPr lang="it-IT" sz="1000">
+                        <a:rPr lang="en-US" sz="1000" noProof="0" dirty="0">
                           <a:effectLst/>
                         </a:rPr>
                         <a:t>0.907530</a:t>
@@ -31352,7 +31541,7 @@
                         <a:buNone/>
                       </a:pPr>
                       <a:r>
-                        <a:rPr lang="it-IT" sz="1000">
+                        <a:rPr lang="en-US" sz="1000" noProof="0" dirty="0">
                           <a:effectLst/>
                         </a:rPr>
                         <a:t>0.984300</a:t>
@@ -31377,7 +31566,7 @@
                         <a:buNone/>
                       </a:pPr>
                       <a:r>
-                        <a:rPr lang="it-IT" sz="900" b="1" dirty="0">
+                        <a:rPr lang="en-US" sz="900" b="1" noProof="0" dirty="0">
                           <a:effectLst/>
                         </a:rPr>
                         <a:t>Bagging0</a:t>
@@ -31395,7 +31584,7 @@
                         <a:buNone/>
                       </a:pPr>
                       <a:r>
-                        <a:rPr lang="it-IT" sz="1000">
+                        <a:rPr lang="en-US" sz="1000" noProof="0" dirty="0">
                           <a:effectLst/>
                         </a:rPr>
                         <a:t>0.919421</a:t>
@@ -31413,7 +31602,7 @@
                         <a:buNone/>
                       </a:pPr>
                       <a:r>
-                        <a:rPr lang="it-IT" sz="1000">
+                        <a:rPr lang="en-US" sz="1000" noProof="0" dirty="0">
                           <a:effectLst/>
                         </a:rPr>
                         <a:t>0.904077</a:t>
@@ -31431,7 +31620,7 @@
                         <a:buNone/>
                       </a:pPr>
                       <a:r>
-                        <a:rPr lang="it-IT" sz="1000">
+                        <a:rPr lang="en-US" sz="1000" noProof="0" dirty="0">
                           <a:effectLst/>
                         </a:rPr>
                         <a:t>0.922416</a:t>
@@ -31449,7 +31638,7 @@
                         <a:buNone/>
                       </a:pPr>
                       <a:r>
-                        <a:rPr lang="it-IT" sz="1000">
+                        <a:rPr lang="en-US" sz="1000" noProof="0" dirty="0">
                           <a:effectLst/>
                         </a:rPr>
                         <a:t>0.919421</a:t>
@@ -31467,7 +31656,7 @@
                         <a:buNone/>
                       </a:pPr>
                       <a:r>
-                        <a:rPr lang="it-IT" sz="1000">
+                        <a:rPr lang="en-US" sz="1000" noProof="0" dirty="0">
                           <a:effectLst/>
                         </a:rPr>
                         <a:t>0.919240</a:t>
@@ -31485,7 +31674,7 @@
                         <a:buNone/>
                       </a:pPr>
                       <a:r>
-                        <a:rPr lang="it-IT" sz="1000">
+                        <a:rPr lang="en-US" sz="1000" noProof="0" dirty="0">
                           <a:effectLst/>
                         </a:rPr>
                         <a:t>0.907923</a:t>
@@ -31503,7 +31692,7 @@
                         <a:buNone/>
                       </a:pPr>
                       <a:r>
-                        <a:rPr lang="it-IT" sz="1000">
+                        <a:rPr lang="en-US" sz="1000" noProof="0" dirty="0">
                           <a:effectLst/>
                         </a:rPr>
                         <a:t>0.984449</a:t>
@@ -31528,7 +31717,7 @@
                         <a:buNone/>
                       </a:pPr>
                       <a:r>
-                        <a:rPr lang="it-IT" sz="900" b="1">
+                        <a:rPr lang="en-US" sz="900" b="1" noProof="0" dirty="0">
                           <a:effectLst/>
                         </a:rPr>
                         <a:t>Bagging1</a:t>
@@ -31546,7 +31735,7 @@
                         <a:buNone/>
                       </a:pPr>
                       <a:r>
-                        <a:rPr lang="it-IT" sz="1000">
+                        <a:rPr lang="en-US" sz="1000" noProof="0" dirty="0">
                           <a:effectLst/>
                         </a:rPr>
                         <a:t>0.904959</a:t>
@@ -31564,7 +31753,7 @@
                         <a:buNone/>
                       </a:pPr>
                       <a:r>
-                        <a:rPr lang="it-IT" sz="1000">
+                        <a:rPr lang="en-US" sz="1000" noProof="0" dirty="0">
                           <a:effectLst/>
                         </a:rPr>
                         <a:t>0.895301</a:t>
@@ -31582,7 +31771,7 @@
                         <a:buNone/>
                       </a:pPr>
                       <a:r>
-                        <a:rPr lang="it-IT" sz="1000">
+                        <a:rPr lang="en-US" sz="1000" noProof="0" dirty="0">
                           <a:effectLst/>
                         </a:rPr>
                         <a:t>0.906196</a:t>
@@ -31600,7 +31789,7 @@
                         <a:buNone/>
                       </a:pPr>
                       <a:r>
-                        <a:rPr lang="it-IT" sz="1000">
+                        <a:rPr lang="en-US" sz="1000" noProof="0" dirty="0">
                           <a:effectLst/>
                         </a:rPr>
                         <a:t>0.904959</a:t>
@@ -31618,7 +31807,7 @@
                         <a:buNone/>
                       </a:pPr>
                       <a:r>
-                        <a:rPr lang="it-IT" sz="1000">
+                        <a:rPr lang="en-US" sz="1000" noProof="0" dirty="0">
                           <a:effectLst/>
                         </a:rPr>
                         <a:t>0.905261</a:t>
@@ -31636,7 +31825,7 @@
                         <a:buNone/>
                       </a:pPr>
                       <a:r>
-                        <a:rPr lang="it-IT" sz="1000">
+                        <a:rPr lang="en-US" sz="1000" noProof="0" dirty="0">
                           <a:effectLst/>
                         </a:rPr>
                         <a:t>0.892969</a:t>
@@ -31654,7 +31843,7 @@
                         <a:buNone/>
                       </a:pPr>
                       <a:r>
-                        <a:rPr lang="it-IT" sz="1000" dirty="0">
+                        <a:rPr lang="en-US" sz="1000" noProof="0" dirty="0">
                           <a:effectLst/>
                         </a:rPr>
                         <a:t>0.983476</a:t>
@@ -31679,7 +31868,7 @@
                         <a:buNone/>
                       </a:pPr>
                       <a:r>
-                        <a:rPr lang="it-IT" sz="900" b="1" dirty="0">
+                        <a:rPr lang="en-US" sz="900" b="1" noProof="0" dirty="0">
                           <a:effectLst/>
                         </a:rPr>
                         <a:t>Decision_Tree1</a:t>
@@ -31697,7 +31886,7 @@
                         <a:buNone/>
                       </a:pPr>
                       <a:r>
-                        <a:rPr lang="it-IT" sz="1000">
+                        <a:rPr lang="en-US" sz="1000" noProof="0" dirty="0">
                           <a:effectLst/>
                         </a:rPr>
                         <a:t>0.898760</a:t>
@@ -31715,7 +31904,7 @@
                         <a:buNone/>
                       </a:pPr>
                       <a:r>
-                        <a:rPr lang="it-IT" sz="1000">
+                        <a:rPr lang="en-US" sz="1000" noProof="0" dirty="0">
                           <a:effectLst/>
                         </a:rPr>
                         <a:t>0.893037</a:t>
@@ -31733,7 +31922,7 @@
                         <a:buNone/>
                       </a:pPr>
                       <a:r>
-                        <a:rPr lang="it-IT" sz="1000">
+                        <a:rPr lang="en-US" sz="1000" noProof="0" dirty="0">
                           <a:effectLst/>
                         </a:rPr>
                         <a:t>0.901509</a:t>
@@ -31751,7 +31940,7 @@
                         <a:buNone/>
                       </a:pPr>
                       <a:r>
-                        <a:rPr lang="it-IT" sz="1000">
+                        <a:rPr lang="en-US" sz="1000" noProof="0" dirty="0">
                           <a:effectLst/>
                         </a:rPr>
                         <a:t>0.898760</a:t>
@@ -31769,7 +31958,7 @@
                         <a:buNone/>
                       </a:pPr>
                       <a:r>
-                        <a:rPr lang="it-IT" sz="1000">
+                        <a:rPr lang="en-US" sz="1000" noProof="0" dirty="0">
                           <a:effectLst/>
                         </a:rPr>
                         <a:t>0.899541</a:t>
@@ -31787,7 +31976,7 @@
                         <a:buNone/>
                       </a:pPr>
                       <a:r>
-                        <a:rPr lang="it-IT" sz="1000">
+                        <a:rPr lang="en-US" sz="1000" noProof="0" dirty="0">
                           <a:effectLst/>
                         </a:rPr>
                         <a:t>0.886243</a:t>
@@ -31805,7 +31994,7 @@
                         <a:buNone/>
                       </a:pPr>
                       <a:r>
-                        <a:rPr lang="it-IT" sz="1000">
+                        <a:rPr lang="en-US" sz="1000" noProof="0" dirty="0">
                           <a:effectLst/>
                         </a:rPr>
                         <a:t>0.980261</a:t>
@@ -31830,7 +32019,7 @@
                         <a:buNone/>
                       </a:pPr>
                       <a:r>
-                        <a:rPr lang="it-IT" sz="900" b="1">
+                        <a:rPr lang="en-US" sz="900" b="1" noProof="0" dirty="0">
                           <a:effectLst/>
                         </a:rPr>
                         <a:t>Multinomial_Logistic_Regression1</a:t>
@@ -31848,7 +32037,7 @@
                         <a:buNone/>
                       </a:pPr>
                       <a:r>
-                        <a:rPr lang="it-IT" sz="1000" dirty="0">
+                        <a:rPr lang="en-US" sz="1000" noProof="0" dirty="0">
                           <a:effectLst/>
                         </a:rPr>
                         <a:t>0.878099</a:t>
@@ -31866,7 +32055,7 @@
                         <a:buNone/>
                       </a:pPr>
                       <a:r>
-                        <a:rPr lang="it-IT" sz="1000">
+                        <a:rPr lang="en-US" sz="1000" noProof="0" dirty="0">
                           <a:effectLst/>
                         </a:rPr>
                         <a:t>0.873117</a:t>
@@ -31884,7 +32073,7 @@
                         <a:buNone/>
                       </a:pPr>
                       <a:r>
-                        <a:rPr lang="it-IT" sz="1000">
+                        <a:rPr lang="en-US" sz="1000" noProof="0" dirty="0">
                           <a:effectLst/>
                         </a:rPr>
                         <a:t>0.883112</a:t>
@@ -31902,7 +32091,7 @@
                         <a:buNone/>
                       </a:pPr>
                       <a:r>
-                        <a:rPr lang="it-IT" sz="1000">
+                        <a:rPr lang="en-US" sz="1000" noProof="0" dirty="0">
                           <a:effectLst/>
                         </a:rPr>
                         <a:t>0.878099</a:t>
@@ -31920,7 +32109,7 @@
                         <a:buNone/>
                       </a:pPr>
                       <a:r>
-                        <a:rPr lang="it-IT" sz="1000">
+                        <a:rPr lang="en-US" sz="1000" noProof="0" dirty="0">
                           <a:effectLst/>
                         </a:rPr>
                         <a:t>0.878508</a:t>
@@ -31938,7 +32127,7 @@
                         <a:buNone/>
                       </a:pPr>
                       <a:r>
-                        <a:rPr lang="it-IT" sz="1000">
+                        <a:rPr lang="en-US" sz="1000" noProof="0" dirty="0">
                           <a:effectLst/>
                         </a:rPr>
                         <a:t>0.862857</a:t>
@@ -31956,7 +32145,7 @@
                         <a:buNone/>
                       </a:pPr>
                       <a:r>
-                        <a:rPr lang="it-IT" sz="1000">
+                        <a:rPr lang="en-US" sz="1000" noProof="0" dirty="0">
                           <a:effectLst/>
                         </a:rPr>
                         <a:t>0.980601</a:t>
@@ -31981,7 +32170,7 @@
                         <a:buNone/>
                       </a:pPr>
                       <a:r>
-                        <a:rPr lang="it-IT" sz="900" b="1" dirty="0">
+                        <a:rPr lang="en-US" sz="900" b="1" noProof="0" dirty="0">
                           <a:effectLst/>
                         </a:rPr>
                         <a:t>Decision_Tree0</a:t>
@@ -31999,7 +32188,7 @@
                         <a:buNone/>
                       </a:pPr>
                       <a:r>
-                        <a:rPr lang="it-IT" sz="1000">
+                        <a:rPr lang="en-US" sz="1000" noProof="0" dirty="0">
                           <a:effectLst/>
                         </a:rPr>
                         <a:t>0.876033</a:t>
@@ -32017,7 +32206,7 @@
                         <a:buNone/>
                       </a:pPr>
                       <a:r>
-                        <a:rPr lang="it-IT" sz="1000">
+                        <a:rPr lang="en-US" sz="1000" noProof="0" dirty="0">
                           <a:effectLst/>
                         </a:rPr>
                         <a:t>0.872226</a:t>
@@ -32035,7 +32224,7 @@
                         <a:buNone/>
                       </a:pPr>
                       <a:r>
-                        <a:rPr lang="it-IT" sz="1000">
+                        <a:rPr lang="en-US" sz="1000" noProof="0" dirty="0">
                           <a:effectLst/>
                         </a:rPr>
                         <a:t>0.881332</a:t>
@@ -32053,7 +32242,7 @@
                         <a:buNone/>
                       </a:pPr>
                       <a:r>
-                        <a:rPr lang="it-IT" sz="1000">
+                        <a:rPr lang="en-US" sz="1000" noProof="0" dirty="0">
                           <a:effectLst/>
                         </a:rPr>
                         <a:t>0.876033</a:t>
@@ -32071,7 +32260,7 @@
                         <a:buNone/>
                       </a:pPr>
                       <a:r>
-                        <a:rPr lang="it-IT" sz="1000">
+                        <a:rPr lang="en-US" sz="1000" noProof="0" dirty="0">
                           <a:effectLst/>
                         </a:rPr>
                         <a:t>0.877111</a:t>
@@ -32089,7 +32278,7 @@
                         <a:buNone/>
                       </a:pPr>
                       <a:r>
-                        <a:rPr lang="it-IT" sz="1000">
+                        <a:rPr lang="en-US" sz="1000" noProof="0" dirty="0">
                           <a:effectLst/>
                         </a:rPr>
                         <a:t>0.861493</a:t>
@@ -32107,7 +32296,7 @@
                         <a:buNone/>
                       </a:pPr>
                       <a:r>
-                        <a:rPr lang="it-IT" sz="1000">
+                        <a:rPr lang="en-US" sz="1000" noProof="0" dirty="0">
                           <a:effectLst/>
                         </a:rPr>
                         <a:t>0.974606</a:t>
@@ -32132,7 +32321,7 @@
                         <a:buNone/>
                       </a:pPr>
                       <a:r>
-                        <a:rPr lang="it-IT" sz="900" b="1" dirty="0">
+                        <a:rPr lang="en-US" sz="900" b="1" noProof="0" dirty="0">
                           <a:effectLst/>
                         </a:rPr>
                         <a:t>Multinomial_Logistic_Regression0</a:t>
@@ -32150,7 +32339,7 @@
                         <a:buNone/>
                       </a:pPr>
                       <a:r>
-                        <a:rPr lang="it-IT" sz="1000">
+                        <a:rPr lang="en-US" sz="1000" noProof="0" dirty="0">
                           <a:effectLst/>
                         </a:rPr>
                         <a:t>0.873967</a:t>
@@ -32168,7 +32357,7 @@
                         <a:buNone/>
                       </a:pPr>
                       <a:r>
-                        <a:rPr lang="it-IT" sz="1000">
+                        <a:rPr lang="en-US" sz="1000" noProof="0" dirty="0">
                           <a:effectLst/>
                         </a:rPr>
                         <a:t>0.871962</a:t>
@@ -32186,7 +32375,7 @@
                         <a:buNone/>
                       </a:pPr>
                       <a:r>
-                        <a:rPr lang="it-IT" sz="1000">
+                        <a:rPr lang="en-US" sz="1000" noProof="0" dirty="0">
                           <a:effectLst/>
                         </a:rPr>
                         <a:t>0.881084</a:t>
@@ -32204,7 +32393,7 @@
                         <a:buNone/>
                       </a:pPr>
                       <a:r>
-                        <a:rPr lang="it-IT" sz="1000">
+                        <a:rPr lang="en-US" sz="1000" noProof="0" dirty="0">
                           <a:effectLst/>
                         </a:rPr>
                         <a:t>0.873967</a:t>
@@ -32222,7 +32411,7 @@
                         <a:buNone/>
                       </a:pPr>
                       <a:r>
-                        <a:rPr lang="it-IT" sz="1000">
+                        <a:rPr lang="en-US" sz="1000" noProof="0" dirty="0">
                           <a:effectLst/>
                         </a:rPr>
                         <a:t>0.874781</a:t>
@@ -32240,7 +32429,7 @@
                         <a:buNone/>
                       </a:pPr>
                       <a:r>
-                        <a:rPr lang="it-IT" sz="1000">
+                        <a:rPr lang="en-US" sz="1000" noProof="0" dirty="0">
                           <a:effectLst/>
                         </a:rPr>
                         <a:t>0.859787</a:t>
@@ -32258,7 +32447,7 @@
                         <a:buNone/>
                       </a:pPr>
                       <a:r>
-                        <a:rPr lang="it-IT" sz="1000" dirty="0">
+                        <a:rPr lang="en-US" sz="1000" noProof="0" dirty="0">
                           <a:effectLst/>
                         </a:rPr>
                         <a:t>0.981506</a:t>
@@ -32319,7 +32508,7 @@
           <a:lstStyle/>
           <a:p>
             <a:pPr algn="ctr"/>
-            <a:endParaRPr lang="en-US"/>
+            <a:endParaRPr lang="en-US" noProof="0" dirty="0"/>
           </a:p>
         </p:txBody>
       </p:sp>
@@ -32365,7 +32554,7 @@
           <a:lstStyle/>
           <a:p>
             <a:pPr algn="ctr"/>
-            <a:endParaRPr lang="en-US"/>
+            <a:endParaRPr lang="en-US" noProof="0" dirty="0"/>
           </a:p>
         </p:txBody>
       </p:sp>
@@ -32407,7 +32596,7 @@
               <a:buSzPts val="1400"/>
             </a:pPr>
             <a:r>
-              <a:rPr lang="en-US" sz="1800" dirty="0">
+              <a:rPr lang="en-US" sz="1800" noProof="0" dirty="0">
                 <a:solidFill>
                   <a:schemeClr val="dk1"/>
                 </a:solidFill>
@@ -32460,7 +32649,7 @@
               <a:buSzPts val="1400"/>
             </a:pPr>
             <a:r>
-              <a:rPr lang="en-US" sz="1800" dirty="0">
+              <a:rPr lang="en-US" sz="1800" noProof="0" dirty="0">
                 <a:solidFill>
                   <a:schemeClr val="dk1"/>
                 </a:solidFill>
@@ -32699,7 +32888,7 @@
               <a:t>Classificatio</a:t>
             </a:r>
             <a:r>
-              <a:rPr lang="en-US" dirty="0">
+              <a:rPr lang="en-US" noProof="0" dirty="0">
                 <a:solidFill>
                   <a:schemeClr val="accent1"/>
                 </a:solidFill>
@@ -32737,7 +32926,7 @@
           <p:nvPr>
             <p:extLst>
               <p:ext uri="{D42A27DB-BD31-4B8C-83A1-F6EECF244321}">
-                <p14:modId xmlns:p14="http://schemas.microsoft.com/office/powerpoint/2010/main" val="2907372521"/>
+                <p14:modId xmlns:p14="http://schemas.microsoft.com/office/powerpoint/2010/main" val="530597799"/>
               </p:ext>
             </p:extLst>
           </p:nvPr>
@@ -32816,10 +33005,37 @@
                     <a:bodyPr/>
                     <a:lstStyle/>
                     <a:p>
+                      <a:pPr marL="0" marR="0" lvl="0" indent="0" algn="r" defTabSz="914400" rtl="0" eaLnBrk="1" fontAlgn="ctr" latinLnBrk="0" hangingPunct="1">
+                        <a:lnSpc>
+                          <a:spcPct val="100000"/>
+                        </a:lnSpc>
+                        <a:spcBef>
+                          <a:spcPts val="0"/>
+                        </a:spcBef>
+                        <a:spcAft>
+                          <a:spcPts val="0"/>
+                        </a:spcAft>
+                        <a:buClr>
+                          <a:srgbClr val="000000"/>
+                        </a:buClr>
+                        <a:buSzTx/>
+                        <a:buFont typeface="Arial"/>
+                        <a:buNone/>
+                        <a:tabLst/>
+                        <a:defRPr/>
+                      </a:pPr>
+                      <a:r>
+                        <a:rPr lang="en-US" sz="900" b="1" noProof="0" dirty="0">
+                          <a:effectLst/>
+                        </a:rPr>
+                        <a:t>TEST DATASET</a:t>
+                      </a:r>
+                    </a:p>
+                    <a:p>
                       <a:pPr algn="r" fontAlgn="ctr">
                         <a:buNone/>
                       </a:pPr>
-                      <a:endParaRPr lang="it-IT" sz="900" dirty="0">
+                      <a:endParaRPr lang="en-US" sz="900" noProof="0" dirty="0">
                         <a:effectLst/>
                       </a:endParaRPr>
                     </a:p>
@@ -32835,14 +33051,11 @@
                         <a:buNone/>
                       </a:pPr>
                       <a:r>
-                        <a:rPr lang="it-IT" sz="900" b="1" dirty="0" err="1">
+                        <a:rPr lang="en-US" sz="900" b="1" noProof="0" dirty="0">
                           <a:effectLst/>
                         </a:rPr>
                         <a:t>Accuracy</a:t>
                       </a:r>
-                      <a:endParaRPr lang="it-IT" sz="900" b="1" dirty="0">
-                        <a:effectLst/>
-                      </a:endParaRPr>
                     </a:p>
                   </a:txBody>
                   <a:tcPr marL="38679" marR="38679" marT="19339" marB="19339" anchor="ctr"/>
@@ -32856,26 +33069,11 @@
                         <a:buNone/>
                       </a:pPr>
                       <a:r>
-                        <a:rPr lang="it-IT" sz="900" b="1" dirty="0" err="1">
+                        <a:rPr lang="en-US" sz="900" b="1" noProof="0" dirty="0">
                           <a:effectLst/>
                         </a:rPr>
-                        <a:t>Balanced</a:t>
+                        <a:t>Balanced Accuracy</a:t>
                       </a:r>
-                      <a:r>
-                        <a:rPr lang="it-IT" sz="900" b="1" dirty="0">
-                          <a:effectLst/>
-                        </a:rPr>
-                        <a:t> </a:t>
-                      </a:r>
-                      <a:r>
-                        <a:rPr lang="it-IT" sz="900" b="1" dirty="0" err="1">
-                          <a:effectLst/>
-                        </a:rPr>
-                        <a:t>Accuracy</a:t>
-                      </a:r>
-                      <a:endParaRPr lang="it-IT" sz="900" b="1" dirty="0">
-                        <a:effectLst/>
-                      </a:endParaRPr>
                     </a:p>
                   </a:txBody>
                   <a:tcPr marL="38679" marR="38679" marT="19339" marB="19339" anchor="ctr"/>
@@ -32889,7 +33087,7 @@
                         <a:buNone/>
                       </a:pPr>
                       <a:r>
-                        <a:rPr lang="it-IT" sz="900" b="1">
+                        <a:rPr lang="en-US" sz="900" b="1" noProof="0" dirty="0">
                           <a:effectLst/>
                         </a:rPr>
                         <a:t>Precision (weighted)</a:t>
@@ -32907,7 +33105,7 @@
                         <a:buNone/>
                       </a:pPr>
                       <a:r>
-                        <a:rPr lang="it-IT" sz="900" b="1">
+                        <a:rPr lang="en-US" sz="900" b="1" noProof="0" dirty="0">
                           <a:effectLst/>
                         </a:rPr>
                         <a:t>Recall (weighted)</a:t>
@@ -32925,7 +33123,7 @@
                         <a:buNone/>
                       </a:pPr>
                       <a:r>
-                        <a:rPr lang="it-IT" sz="900" b="1">
+                        <a:rPr lang="en-US" sz="900" b="1" noProof="0" dirty="0">
                           <a:effectLst/>
                         </a:rPr>
                         <a:t>F1 Score (weighted)</a:t>
@@ -32943,7 +33141,7 @@
                         <a:buNone/>
                       </a:pPr>
                       <a:r>
-                        <a:rPr lang="it-IT" sz="900" b="1">
+                        <a:rPr lang="en-US" sz="900" b="1" noProof="0" dirty="0">
                           <a:effectLst/>
                         </a:rPr>
                         <a:t>F1 Score (macro)</a:t>
@@ -32961,7 +33159,7 @@
                         <a:buNone/>
                       </a:pPr>
                       <a:r>
-                        <a:rPr lang="it-IT" sz="900" b="1" dirty="0">
+                        <a:rPr lang="en-US" sz="900" b="1" noProof="0" dirty="0">
                           <a:effectLst/>
                         </a:rPr>
                         <a:t>ROC AUC (macro)</a:t>
@@ -32986,7 +33184,7 @@
                         <a:buNone/>
                       </a:pPr>
                       <a:r>
-                        <a:rPr lang="it-IT" sz="900" b="1" dirty="0">
+                        <a:rPr lang="en-US" sz="900" b="1" noProof="0" dirty="0">
                           <a:effectLst/>
                         </a:rPr>
                         <a:t>MODEL</a:t>
@@ -33003,7 +33201,7 @@
                       <a:pPr algn="r" fontAlgn="ctr">
                         <a:buNone/>
                       </a:pPr>
-                      <a:endParaRPr lang="it-IT" sz="900">
+                      <a:endParaRPr lang="en-US" sz="900" noProof="0" dirty="0">
                         <a:effectLst/>
                       </a:endParaRPr>
                     </a:p>
@@ -33018,7 +33216,7 @@
                       <a:pPr algn="r" fontAlgn="ctr">
                         <a:buNone/>
                       </a:pPr>
-                      <a:endParaRPr lang="it-IT" sz="900">
+                      <a:endParaRPr lang="en-US" sz="900" noProof="0" dirty="0">
                         <a:effectLst/>
                       </a:endParaRPr>
                     </a:p>
@@ -33033,7 +33231,7 @@
                       <a:pPr algn="r" fontAlgn="ctr">
                         <a:buNone/>
                       </a:pPr>
-                      <a:endParaRPr lang="it-IT" sz="900" dirty="0">
+                      <a:endParaRPr lang="en-US" sz="900" noProof="0" dirty="0">
                         <a:effectLst/>
                       </a:endParaRPr>
                     </a:p>
@@ -33048,7 +33246,7 @@
                       <a:pPr algn="r" fontAlgn="ctr">
                         <a:buNone/>
                       </a:pPr>
-                      <a:endParaRPr lang="it-IT" sz="900" dirty="0">
+                      <a:endParaRPr lang="en-US" sz="900" noProof="0" dirty="0">
                         <a:effectLst/>
                       </a:endParaRPr>
                     </a:p>
@@ -33063,7 +33261,7 @@
                       <a:pPr algn="r" fontAlgn="ctr">
                         <a:buNone/>
                       </a:pPr>
-                      <a:endParaRPr lang="it-IT" sz="900">
+                      <a:endParaRPr lang="en-US" sz="900" noProof="0" dirty="0">
                         <a:effectLst/>
                       </a:endParaRPr>
                     </a:p>
@@ -33078,7 +33276,7 @@
                       <a:pPr algn="r" fontAlgn="ctr">
                         <a:buNone/>
                       </a:pPr>
-                      <a:endParaRPr lang="it-IT" sz="900">
+                      <a:endParaRPr lang="en-US" sz="900" noProof="0" dirty="0">
                         <a:effectLst/>
                       </a:endParaRPr>
                     </a:p>
@@ -33093,7 +33291,7 @@
                       <a:pPr algn="r" fontAlgn="ctr">
                         <a:buNone/>
                       </a:pPr>
-                      <a:endParaRPr lang="it-IT" sz="900" dirty="0">
+                      <a:endParaRPr lang="en-US" sz="900" noProof="0" dirty="0">
                         <a:effectLst/>
                       </a:endParaRPr>
                     </a:p>
@@ -33116,7 +33314,7 @@
                         <a:buNone/>
                       </a:pPr>
                       <a:r>
-                        <a:rPr lang="it-IT" sz="900" b="1" dirty="0">
+                        <a:rPr lang="en-US" sz="900" b="1" noProof="0" dirty="0">
                           <a:effectLst/>
                         </a:rPr>
                         <a:t>XGBoost1</a:t>
@@ -33134,7 +33332,7 @@
                         <a:buNone/>
                       </a:pPr>
                       <a:r>
-                        <a:rPr lang="it-IT" sz="1000">
+                        <a:rPr lang="en-US" sz="1000" noProof="0" dirty="0">
                           <a:effectLst/>
                         </a:rPr>
                         <a:t>0.735537</a:t>
@@ -33152,7 +33350,7 @@
                         <a:buNone/>
                       </a:pPr>
                       <a:r>
-                        <a:rPr lang="it-IT" sz="1000">
+                        <a:rPr lang="en-US" sz="1000" noProof="0" dirty="0">
                           <a:effectLst/>
                         </a:rPr>
                         <a:t>0.720959</a:t>
@@ -33170,7 +33368,7 @@
                         <a:buNone/>
                       </a:pPr>
                       <a:r>
-                        <a:rPr lang="it-IT" sz="1000">
+                        <a:rPr lang="en-US" sz="1000" noProof="0" dirty="0">
                           <a:effectLst/>
                         </a:rPr>
                         <a:t>0.745818</a:t>
@@ -33188,7 +33386,7 @@
                         <a:buNone/>
                       </a:pPr>
                       <a:r>
-                        <a:rPr lang="it-IT" sz="1000">
+                        <a:rPr lang="en-US" sz="1000" noProof="0" dirty="0">
                           <a:effectLst/>
                         </a:rPr>
                         <a:t>0.735537</a:t>
@@ -33206,7 +33404,7 @@
                         <a:buNone/>
                       </a:pPr>
                       <a:r>
-                        <a:rPr lang="it-IT" sz="1000" dirty="0">
+                        <a:rPr lang="en-US" sz="1000" noProof="0" dirty="0">
                           <a:effectLst/>
                         </a:rPr>
                         <a:t>0.739242</a:t>
@@ -33224,7 +33422,7 @@
                         <a:buNone/>
                       </a:pPr>
                       <a:r>
-                        <a:rPr lang="it-IT" sz="1000" dirty="0">
+                        <a:rPr lang="en-US" sz="1000" noProof="0" dirty="0">
                           <a:effectLst/>
                         </a:rPr>
                         <a:t>0.717172</a:t>
@@ -33242,7 +33440,7 @@
                         <a:buNone/>
                       </a:pPr>
                       <a:r>
-                        <a:rPr lang="it-IT" sz="1000" dirty="0">
+                        <a:rPr lang="en-US" sz="1000" noProof="0" dirty="0">
                           <a:effectLst/>
                         </a:rPr>
                         <a:t>0.907103</a:t>
@@ -33267,7 +33465,7 @@
                         <a:buNone/>
                       </a:pPr>
                       <a:r>
-                        <a:rPr lang="it-IT" sz="900" b="1">
+                        <a:rPr lang="en-US" sz="900" b="1" noProof="0" dirty="0">
                           <a:effectLst/>
                         </a:rPr>
                         <a:t>Extra_Trees0</a:t>
@@ -33285,7 +33483,7 @@
                         <a:buNone/>
                       </a:pPr>
                       <a:r>
-                        <a:rPr lang="it-IT" sz="1000">
+                        <a:rPr lang="en-US" sz="1000" noProof="0" dirty="0">
                           <a:effectLst/>
                         </a:rPr>
                         <a:t>0.737603</a:t>
@@ -33303,7 +33501,7 @@
                         <a:buNone/>
                       </a:pPr>
                       <a:r>
-                        <a:rPr lang="it-IT" sz="1000">
+                        <a:rPr lang="en-US" sz="1000" noProof="0" dirty="0">
                           <a:effectLst/>
                         </a:rPr>
                         <a:t>0.717186</a:t>
@@ -33321,7 +33519,7 @@
                         <a:buNone/>
                       </a:pPr>
                       <a:r>
-                        <a:rPr lang="it-IT" sz="1000">
+                        <a:rPr lang="en-US" sz="1000" noProof="0" dirty="0">
                           <a:effectLst/>
                         </a:rPr>
                         <a:t>0.738250</a:t>
@@ -33339,7 +33537,7 @@
                         <a:buNone/>
                       </a:pPr>
                       <a:r>
-                        <a:rPr lang="it-IT" sz="1000">
+                        <a:rPr lang="en-US" sz="1000" noProof="0" dirty="0">
                           <a:effectLst/>
                         </a:rPr>
                         <a:t>0.737603</a:t>
@@ -33357,7 +33555,7 @@
                         <a:buNone/>
                       </a:pPr>
                       <a:r>
-                        <a:rPr lang="it-IT" sz="1000">
+                        <a:rPr lang="en-US" sz="1000" noProof="0" dirty="0">
                           <a:effectLst/>
                         </a:rPr>
                         <a:t>0.736785</a:t>
@@ -33375,7 +33573,7 @@
                         <a:buNone/>
                       </a:pPr>
                       <a:r>
-                        <a:rPr lang="it-IT" sz="1000">
+                        <a:rPr lang="en-US" sz="1000" noProof="0" dirty="0">
                           <a:effectLst/>
                         </a:rPr>
                         <a:t>0.714046</a:t>
@@ -33393,7 +33591,7 @@
                         <a:buNone/>
                       </a:pPr>
                       <a:r>
-                        <a:rPr lang="it-IT" sz="1000">
+                        <a:rPr lang="en-US" sz="1000" noProof="0" dirty="0">
                           <a:effectLst/>
                         </a:rPr>
                         <a:t>0.909280</a:t>
@@ -33418,7 +33616,7 @@
                         <a:buNone/>
                       </a:pPr>
                       <a:r>
-                        <a:rPr lang="it-IT" sz="900" b="1" dirty="0">
+                        <a:rPr lang="en-US" sz="900" b="1" noProof="0" dirty="0">
                           <a:effectLst/>
                         </a:rPr>
                         <a:t>LightGBM1</a:t>
@@ -33436,7 +33634,7 @@
                         <a:buNone/>
                       </a:pPr>
                       <a:r>
-                        <a:rPr lang="it-IT" sz="1000">
+                        <a:rPr lang="en-US" sz="1000" noProof="0" dirty="0">
                           <a:effectLst/>
                         </a:rPr>
                         <a:t>0.725207</a:t>
@@ -33454,7 +33652,7 @@
                         <a:buNone/>
                       </a:pPr>
                       <a:r>
-                        <a:rPr lang="it-IT" sz="1000">
+                        <a:rPr lang="en-US" sz="1000" noProof="0" dirty="0">
                           <a:effectLst/>
                         </a:rPr>
                         <a:t>0.716317</a:t>
@@ -33472,7 +33670,7 @@
                         <a:buNone/>
                       </a:pPr>
                       <a:r>
-                        <a:rPr lang="it-IT" sz="1000">
+                        <a:rPr lang="en-US" sz="1000" noProof="0" dirty="0">
                           <a:effectLst/>
                         </a:rPr>
                         <a:t>0.740019</a:t>
@@ -33490,7 +33688,7 @@
                         <a:buNone/>
                       </a:pPr>
                       <a:r>
-                        <a:rPr lang="it-IT" sz="1000">
+                        <a:rPr lang="en-US" sz="1000" noProof="0" dirty="0">
                           <a:effectLst/>
                         </a:rPr>
                         <a:t>0.725207</a:t>
@@ -33508,7 +33706,7 @@
                         <a:buNone/>
                       </a:pPr>
                       <a:r>
-                        <a:rPr lang="it-IT" sz="1000">
+                        <a:rPr lang="en-US" sz="1000" noProof="0" dirty="0">
                           <a:effectLst/>
                         </a:rPr>
                         <a:t>0.730068</a:t>
@@ -33526,7 +33724,7 @@
                         <a:buNone/>
                       </a:pPr>
                       <a:r>
-                        <a:rPr lang="it-IT" sz="1000" dirty="0">
+                        <a:rPr lang="en-US" sz="1000" noProof="0" dirty="0">
                           <a:effectLst/>
                         </a:rPr>
                         <a:t>0.709832</a:t>
@@ -33544,7 +33742,7 @@
                         <a:buNone/>
                       </a:pPr>
                       <a:r>
-                        <a:rPr lang="it-IT" sz="1000">
+                        <a:rPr lang="en-US" sz="1000" noProof="0" dirty="0">
                           <a:effectLst/>
                         </a:rPr>
                         <a:t>0.908058</a:t>
@@ -33569,7 +33767,7 @@
                         <a:buNone/>
                       </a:pPr>
                       <a:r>
-                        <a:rPr lang="it-IT" sz="900" b="1">
+                        <a:rPr lang="en-US" sz="900" b="1" noProof="0" dirty="0">
                           <a:effectLst/>
                         </a:rPr>
                         <a:t>Extra_Trees1</a:t>
@@ -33587,7 +33785,7 @@
                         <a:buNone/>
                       </a:pPr>
                       <a:r>
-                        <a:rPr lang="it-IT" sz="1000">
+                        <a:rPr lang="en-US" sz="1000" noProof="0" dirty="0">
                           <a:effectLst/>
                         </a:rPr>
                         <a:t>0.719008</a:t>
@@ -33605,7 +33803,7 @@
                         <a:buNone/>
                       </a:pPr>
                       <a:r>
-                        <a:rPr lang="it-IT" sz="1000">
+                        <a:rPr lang="en-US" sz="1000" noProof="0" dirty="0">
                           <a:effectLst/>
                         </a:rPr>
                         <a:t>0.706432</a:t>
@@ -33623,7 +33821,7 @@
                         <a:buNone/>
                       </a:pPr>
                       <a:r>
-                        <a:rPr lang="it-IT" sz="1000">
+                        <a:rPr lang="en-US" sz="1000" noProof="0" dirty="0">
                           <a:effectLst/>
                         </a:rPr>
                         <a:t>0.728482</a:t>
@@ -33641,7 +33839,7 @@
                         <a:buNone/>
                       </a:pPr>
                       <a:r>
-                        <a:rPr lang="it-IT" sz="1000">
+                        <a:rPr lang="en-US" sz="1000" noProof="0" dirty="0">
                           <a:effectLst/>
                         </a:rPr>
                         <a:t>0.719008</a:t>
@@ -33659,7 +33857,7 @@
                         <a:buNone/>
                       </a:pPr>
                       <a:r>
-                        <a:rPr lang="it-IT" sz="1000">
+                        <a:rPr lang="en-US" sz="1000" noProof="0" dirty="0">
                           <a:effectLst/>
                         </a:rPr>
                         <a:t>0.721057</a:t>
@@ -33677,7 +33875,7 @@
                         <a:buNone/>
                       </a:pPr>
                       <a:r>
-                        <a:rPr lang="it-IT" sz="1000">
+                        <a:rPr lang="en-US" sz="1000" noProof="0" dirty="0">
                           <a:effectLst/>
                         </a:rPr>
                         <a:t>0.698828</a:t>
@@ -33695,7 +33893,7 @@
                         <a:buNone/>
                       </a:pPr>
                       <a:r>
-                        <a:rPr lang="it-IT" sz="1000">
+                        <a:rPr lang="en-US" sz="1000" noProof="0" dirty="0">
                           <a:effectLst/>
                         </a:rPr>
                         <a:t>0.906806</a:t>
@@ -33720,7 +33918,7 @@
                         <a:buNone/>
                       </a:pPr>
                       <a:r>
-                        <a:rPr lang="it-IT" sz="900" b="1">
+                        <a:rPr lang="en-US" sz="900" b="1" noProof="0" dirty="0">
                           <a:effectLst/>
                         </a:rPr>
                         <a:t>Bagging1</a:t>
@@ -33738,7 +33936,7 @@
                         <a:buNone/>
                       </a:pPr>
                       <a:r>
-                        <a:rPr lang="it-IT" sz="1000">
+                        <a:rPr lang="en-US" sz="1000" noProof="0" dirty="0">
                           <a:effectLst/>
                         </a:rPr>
                         <a:t>0.725207</a:t>
@@ -33756,7 +33954,7 @@
                         <a:buNone/>
                       </a:pPr>
                       <a:r>
-                        <a:rPr lang="it-IT" sz="1000">
+                        <a:rPr lang="en-US" sz="1000" noProof="0" dirty="0">
                           <a:effectLst/>
                         </a:rPr>
                         <a:t>0.705921</a:t>
@@ -33774,7 +33972,7 @@
                         <a:buNone/>
                       </a:pPr>
                       <a:r>
-                        <a:rPr lang="it-IT" sz="1000">
+                        <a:rPr lang="en-US" sz="1000" noProof="0" dirty="0">
                           <a:effectLst/>
                         </a:rPr>
                         <a:t>0.728153</a:t>
@@ -33792,7 +33990,7 @@
                         <a:buNone/>
                       </a:pPr>
                       <a:r>
-                        <a:rPr lang="it-IT" sz="1000">
+                        <a:rPr lang="en-US" sz="1000" noProof="0" dirty="0">
                           <a:effectLst/>
                         </a:rPr>
                         <a:t>0.725207</a:t>
@@ -33810,7 +34008,7 @@
                         <a:buNone/>
                       </a:pPr>
                       <a:r>
-                        <a:rPr lang="it-IT" sz="1000">
+                        <a:rPr lang="en-US" sz="1000" noProof="0" dirty="0">
                           <a:effectLst/>
                         </a:rPr>
                         <a:t>0.725832</a:t>
@@ -33828,7 +34026,7 @@
                         <a:buNone/>
                       </a:pPr>
                       <a:r>
-                        <a:rPr lang="it-IT" sz="1000">
+                        <a:rPr lang="en-US" sz="1000" noProof="0" dirty="0">
                           <a:effectLst/>
                         </a:rPr>
                         <a:t>0.704301</a:t>
@@ -33846,7 +34044,7 @@
                         <a:buNone/>
                       </a:pPr>
                       <a:r>
-                        <a:rPr lang="it-IT" sz="1000">
+                        <a:rPr lang="en-US" sz="1000" noProof="0" dirty="0">
                           <a:effectLst/>
                         </a:rPr>
                         <a:t>0.903807</a:t>
@@ -33871,7 +34069,7 @@
                         <a:buNone/>
                       </a:pPr>
                       <a:r>
-                        <a:rPr lang="it-IT" sz="900" b="1" dirty="0">
+                        <a:rPr lang="en-US" sz="900" b="1" noProof="0" dirty="0">
                           <a:effectLst/>
                         </a:rPr>
                         <a:t>Multinomial_Logistic_Regression0</a:t>
@@ -33889,7 +34087,7 @@
                         <a:buNone/>
                       </a:pPr>
                       <a:r>
-                        <a:rPr lang="it-IT" sz="1000">
+                        <a:rPr lang="en-US" sz="1000" noProof="0" dirty="0">
                           <a:effectLst/>
                         </a:rPr>
                         <a:t>0.719008</a:t>
@@ -33907,7 +34105,7 @@
                         <a:buNone/>
                       </a:pPr>
                       <a:r>
-                        <a:rPr lang="it-IT" sz="1000" dirty="0">
+                        <a:rPr lang="en-US" sz="1000" noProof="0" dirty="0">
                           <a:effectLst/>
                         </a:rPr>
                         <a:t>0.699875</a:t>
@@ -33925,7 +34123,7 @@
                         <a:buNone/>
                       </a:pPr>
                       <a:r>
-                        <a:rPr lang="it-IT" sz="1000">
+                        <a:rPr lang="en-US" sz="1000" noProof="0" dirty="0">
                           <a:effectLst/>
                         </a:rPr>
                         <a:t>0.718814</a:t>
@@ -33943,7 +34141,7 @@
                         <a:buNone/>
                       </a:pPr>
                       <a:r>
-                        <a:rPr lang="it-IT" sz="1000">
+                        <a:rPr lang="en-US" sz="1000" noProof="0" dirty="0">
                           <a:effectLst/>
                         </a:rPr>
                         <a:t>0.719008</a:t>
@@ -33961,7 +34159,7 @@
                         <a:buNone/>
                       </a:pPr>
                       <a:r>
-                        <a:rPr lang="it-IT" sz="1000">
+                        <a:rPr lang="en-US" sz="1000" noProof="0" dirty="0">
                           <a:effectLst/>
                         </a:rPr>
                         <a:t>0.717156</a:t>
@@ -33979,7 +34177,7 @@
                         <a:buNone/>
                       </a:pPr>
                       <a:r>
-                        <a:rPr lang="it-IT" sz="1000">
+                        <a:rPr lang="en-US" sz="1000" noProof="0" dirty="0">
                           <a:effectLst/>
                         </a:rPr>
                         <a:t>0.697048</a:t>
@@ -33997,7 +34195,7 @@
                         <a:buNone/>
                       </a:pPr>
                       <a:r>
-                        <a:rPr lang="it-IT" sz="1000">
+                        <a:rPr lang="en-US" sz="1000" noProof="0" dirty="0">
                           <a:effectLst/>
                         </a:rPr>
                         <a:t>0.907081</a:t>
@@ -34022,7 +34220,7 @@
                         <a:buNone/>
                       </a:pPr>
                       <a:r>
-                        <a:rPr lang="it-IT" sz="900" b="1" dirty="0">
+                        <a:rPr lang="en-US" sz="900" b="1" noProof="0" dirty="0">
                           <a:effectLst/>
                         </a:rPr>
                         <a:t>XGBoost0</a:t>
@@ -34040,7 +34238,7 @@
                         <a:buNone/>
                       </a:pPr>
                       <a:r>
-                        <a:rPr lang="it-IT" sz="1000">
+                        <a:rPr lang="en-US" sz="1000" noProof="0" dirty="0">
                           <a:effectLst/>
                         </a:rPr>
                         <a:t>0.739669</a:t>
@@ -34058,7 +34256,7 @@
                         <a:buNone/>
                       </a:pPr>
                       <a:r>
-                        <a:rPr lang="it-IT" sz="1000">
+                        <a:rPr lang="en-US" sz="1000" noProof="0" dirty="0">
                           <a:effectLst/>
                         </a:rPr>
                         <a:t>0.699017</a:t>
@@ -34076,7 +34274,7 @@
                         <a:buNone/>
                       </a:pPr>
                       <a:r>
-                        <a:rPr lang="it-IT" sz="1000">
+                        <a:rPr lang="en-US" sz="1000" noProof="0" dirty="0">
                           <a:effectLst/>
                         </a:rPr>
                         <a:t>0.728746</a:t>
@@ -34094,7 +34292,7 @@
                         <a:buNone/>
                       </a:pPr>
                       <a:r>
-                        <a:rPr lang="it-IT" sz="1000">
+                        <a:rPr lang="en-US" sz="1000" noProof="0" dirty="0">
                           <a:effectLst/>
                         </a:rPr>
                         <a:t>0.739669</a:t>
@@ -34112,7 +34310,7 @@
                         <a:buNone/>
                       </a:pPr>
                       <a:r>
-                        <a:rPr lang="it-IT" sz="1000">
+                        <a:rPr lang="en-US" sz="1000" noProof="0" dirty="0">
                           <a:effectLst/>
                         </a:rPr>
                         <a:t>0.731404</a:t>
@@ -34130,7 +34328,7 @@
                         <a:buNone/>
                       </a:pPr>
                       <a:r>
-                        <a:rPr lang="it-IT" sz="1000">
+                        <a:rPr lang="en-US" sz="1000" noProof="0" dirty="0">
                           <a:effectLst/>
                         </a:rPr>
                         <a:t>0.703253</a:t>
@@ -34148,7 +34346,7 @@
                         <a:buNone/>
                       </a:pPr>
                       <a:r>
-                        <a:rPr lang="it-IT" sz="1000" dirty="0">
+                        <a:rPr lang="en-US" sz="1000" noProof="0" dirty="0">
                           <a:effectLst/>
                         </a:rPr>
                         <a:t>0.912593</a:t>
@@ -34173,7 +34371,7 @@
                         <a:buNone/>
                       </a:pPr>
                       <a:r>
-                        <a:rPr lang="it-IT" sz="900" b="1">
+                        <a:rPr lang="en-US" sz="900" b="1" noProof="0" dirty="0">
                           <a:effectLst/>
                         </a:rPr>
                         <a:t>Random_Forest0</a:t>
@@ -34191,7 +34389,7 @@
                         <a:buNone/>
                       </a:pPr>
                       <a:r>
-                        <a:rPr lang="it-IT" sz="1000">
+                        <a:rPr lang="en-US" sz="1000" noProof="0" dirty="0">
                           <a:effectLst/>
                         </a:rPr>
                         <a:t>0.716942</a:t>
@@ -34209,7 +34407,7 @@
                         <a:buNone/>
                       </a:pPr>
                       <a:r>
-                        <a:rPr lang="it-IT" sz="1000">
+                        <a:rPr lang="en-US" sz="1000" noProof="0" dirty="0">
                           <a:effectLst/>
                         </a:rPr>
                         <a:t>0.697227</a:t>
@@ -34227,7 +34425,7 @@
                         <a:buNone/>
                       </a:pPr>
                       <a:r>
-                        <a:rPr lang="it-IT" sz="1000">
+                        <a:rPr lang="en-US" sz="1000" noProof="0" dirty="0">
                           <a:effectLst/>
                         </a:rPr>
                         <a:t>0.717294</a:t>
@@ -34245,7 +34443,7 @@
                         <a:buNone/>
                       </a:pPr>
                       <a:r>
-                        <a:rPr lang="it-IT" sz="1000">
+                        <a:rPr lang="en-US" sz="1000" noProof="0" dirty="0">
                           <a:effectLst/>
                         </a:rPr>
                         <a:t>0.716942</a:t>
@@ -34263,7 +34461,7 @@
                         <a:buNone/>
                       </a:pPr>
                       <a:r>
-                        <a:rPr lang="it-IT" sz="1000">
+                        <a:rPr lang="en-US" sz="1000" noProof="0" dirty="0">
                           <a:effectLst/>
                         </a:rPr>
                         <a:t>0.715909</a:t>
@@ -34281,7 +34479,7 @@
                         <a:buNone/>
                       </a:pPr>
                       <a:r>
-                        <a:rPr lang="it-IT" sz="1000">
+                        <a:rPr lang="en-US" sz="1000" noProof="0" dirty="0">
                           <a:effectLst/>
                         </a:rPr>
                         <a:t>0.691878</a:t>
@@ -34299,7 +34497,7 @@
                         <a:buNone/>
                       </a:pPr>
                       <a:r>
-                        <a:rPr lang="it-IT" sz="1000" dirty="0">
+                        <a:rPr lang="en-US" sz="1000" noProof="0" dirty="0">
                           <a:effectLst/>
                         </a:rPr>
                         <a:t>0.905293</a:t>
@@ -34324,7 +34522,7 @@
                         <a:buNone/>
                       </a:pPr>
                       <a:r>
-                        <a:rPr lang="it-IT" sz="900" b="1" dirty="0">
+                        <a:rPr lang="en-US" sz="900" b="1" noProof="0" dirty="0">
                           <a:effectLst/>
                         </a:rPr>
                         <a:t>Multinomial_Logistic_Regression1</a:t>
@@ -34342,7 +34540,7 @@
                         <a:buNone/>
                       </a:pPr>
                       <a:r>
-                        <a:rPr lang="it-IT" sz="1000">
+                        <a:rPr lang="en-US" sz="1000" noProof="0" dirty="0">
                           <a:effectLst/>
                         </a:rPr>
                         <a:t>0.708678</a:t>
@@ -34360,7 +34558,7 @@
                         <a:buNone/>
                       </a:pPr>
                       <a:r>
-                        <a:rPr lang="it-IT" sz="1000">
+                        <a:rPr lang="en-US" sz="1000" noProof="0" dirty="0">
                           <a:effectLst/>
                         </a:rPr>
                         <a:t>0.695913</a:t>
@@ -34378,7 +34576,7 @@
                         <a:buNone/>
                       </a:pPr>
                       <a:r>
-                        <a:rPr lang="it-IT" sz="1000">
+                        <a:rPr lang="en-US" sz="1000" noProof="0" dirty="0">
                           <a:effectLst/>
                         </a:rPr>
                         <a:t>0.715986</a:t>
@@ -34396,7 +34594,7 @@
                         <a:buNone/>
                       </a:pPr>
                       <a:r>
-                        <a:rPr lang="it-IT" sz="1000">
+                        <a:rPr lang="en-US" sz="1000" noProof="0" dirty="0">
                           <a:effectLst/>
                         </a:rPr>
                         <a:t>0.708678</a:t>
@@ -34414,7 +34612,7 @@
                         <a:buNone/>
                       </a:pPr>
                       <a:r>
-                        <a:rPr lang="it-IT" sz="1000">
+                        <a:rPr lang="en-US" sz="1000" noProof="0" dirty="0">
                           <a:effectLst/>
                         </a:rPr>
                         <a:t>0.709280</a:t>
@@ -34432,7 +34630,7 @@
                         <a:buNone/>
                       </a:pPr>
                       <a:r>
-                        <a:rPr lang="it-IT" sz="1000" dirty="0">
+                        <a:rPr lang="en-US" sz="1000" noProof="0" dirty="0">
                           <a:effectLst/>
                         </a:rPr>
                         <a:t>0.689989</a:t>
@@ -34450,7 +34648,7 @@
                         <a:buNone/>
                       </a:pPr>
                       <a:r>
-                        <a:rPr lang="it-IT" sz="1000">
+                        <a:rPr lang="en-US" sz="1000" noProof="0" dirty="0">
                           <a:effectLst/>
                         </a:rPr>
                         <a:t>0.903669</a:t>
@@ -34475,7 +34673,7 @@
                         <a:buNone/>
                       </a:pPr>
                       <a:r>
-                        <a:rPr lang="it-IT" sz="900" b="1">
+                        <a:rPr lang="en-US" sz="900" b="1" noProof="0" dirty="0">
                           <a:effectLst/>
                         </a:rPr>
                         <a:t>CatBoost1</a:t>
@@ -34493,7 +34691,7 @@
                         <a:buNone/>
                       </a:pPr>
                       <a:r>
-                        <a:rPr lang="it-IT" sz="1000" dirty="0">
+                        <a:rPr lang="en-US" sz="1000" noProof="0" dirty="0">
                           <a:effectLst/>
                         </a:rPr>
                         <a:t>0.706612</a:t>
@@ -34511,7 +34709,7 @@
                         <a:buNone/>
                       </a:pPr>
                       <a:r>
-                        <a:rPr lang="it-IT" sz="1000">
+                        <a:rPr lang="en-US" sz="1000" noProof="0" dirty="0">
                           <a:effectLst/>
                         </a:rPr>
                         <a:t>0.692950</a:t>
@@ -34529,7 +34727,7 @@
                         <a:buNone/>
                       </a:pPr>
                       <a:r>
-                        <a:rPr lang="it-IT" sz="1000">
+                        <a:rPr lang="en-US" sz="1000" noProof="0" dirty="0">
                           <a:effectLst/>
                         </a:rPr>
                         <a:t>0.717981</a:t>
@@ -34547,7 +34745,7 @@
                         <a:buNone/>
                       </a:pPr>
                       <a:r>
-                        <a:rPr lang="it-IT" sz="1000">
+                        <a:rPr lang="en-US" sz="1000" noProof="0" dirty="0">
                           <a:effectLst/>
                         </a:rPr>
                         <a:t>0.706612</a:t>
@@ -34565,7 +34763,7 @@
                         <a:buNone/>
                       </a:pPr>
                       <a:r>
-                        <a:rPr lang="it-IT" sz="1000">
+                        <a:rPr lang="en-US" sz="1000" noProof="0" dirty="0">
                           <a:effectLst/>
                         </a:rPr>
                         <a:t>0.710555</a:t>
@@ -34583,7 +34781,7 @@
                         <a:buNone/>
                       </a:pPr>
                       <a:r>
-                        <a:rPr lang="it-IT" sz="1000">
+                        <a:rPr lang="en-US" sz="1000" noProof="0" dirty="0">
                           <a:effectLst/>
                         </a:rPr>
                         <a:t>0.689426</a:t>
@@ -34601,7 +34799,7 @@
                         <a:buNone/>
                       </a:pPr>
                       <a:r>
-                        <a:rPr lang="it-IT" sz="1000">
+                        <a:rPr lang="en-US" sz="1000" noProof="0" dirty="0">
                           <a:effectLst/>
                         </a:rPr>
                         <a:t>0.909166</a:t>
@@ -34626,7 +34824,7 @@
                         <a:buNone/>
                       </a:pPr>
                       <a:r>
-                        <a:rPr lang="it-IT" sz="900" b="1" dirty="0">
+                        <a:rPr lang="en-US" sz="900" b="1" noProof="0" dirty="0">
                           <a:effectLst/>
                         </a:rPr>
                         <a:t>Random_Forest1</a:t>
@@ -34644,7 +34842,7 @@
                         <a:buNone/>
                       </a:pPr>
                       <a:r>
-                        <a:rPr lang="it-IT" sz="1000">
+                        <a:rPr lang="en-US" sz="1000" noProof="0" dirty="0">
                           <a:effectLst/>
                         </a:rPr>
                         <a:t>0.702479</a:t>
@@ -34662,7 +34860,7 @@
                         <a:buNone/>
                       </a:pPr>
                       <a:r>
-                        <a:rPr lang="it-IT" sz="1000">
+                        <a:rPr lang="en-US" sz="1000" noProof="0" dirty="0">
                           <a:effectLst/>
                         </a:rPr>
                         <a:t>0.686877</a:t>
@@ -34680,7 +34878,7 @@
                         <a:buNone/>
                       </a:pPr>
                       <a:r>
-                        <a:rPr lang="it-IT" sz="1000">
+                        <a:rPr lang="en-US" sz="1000" noProof="0" dirty="0">
                           <a:effectLst/>
                         </a:rPr>
                         <a:t>0.711632</a:t>
@@ -34698,7 +34896,7 @@
                         <a:buNone/>
                       </a:pPr>
                       <a:r>
-                        <a:rPr lang="it-IT" sz="1000">
+                        <a:rPr lang="en-US" sz="1000" noProof="0" dirty="0">
                           <a:effectLst/>
                         </a:rPr>
                         <a:t>0.702479</a:t>
@@ -34716,7 +34914,7 @@
                         <a:buNone/>
                       </a:pPr>
                       <a:r>
-                        <a:rPr lang="it-IT" sz="1000">
+                        <a:rPr lang="en-US" sz="1000" noProof="0" dirty="0">
                           <a:effectLst/>
                         </a:rPr>
                         <a:t>0.704450</a:t>
@@ -34734,7 +34932,7 @@
                         <a:buNone/>
                       </a:pPr>
                       <a:r>
-                        <a:rPr lang="it-IT" sz="1000">
+                        <a:rPr lang="en-US" sz="1000" noProof="0" dirty="0">
                           <a:effectLst/>
                         </a:rPr>
                         <a:t>0.680898</a:t>
@@ -34752,7 +34950,7 @@
                         <a:buNone/>
                       </a:pPr>
                       <a:r>
-                        <a:rPr lang="it-IT" sz="1000">
+                        <a:rPr lang="en-US" sz="1000" noProof="0" dirty="0">
                           <a:effectLst/>
                         </a:rPr>
                         <a:t>0.904030</a:t>
@@ -34777,7 +34975,7 @@
                         <a:buNone/>
                       </a:pPr>
                       <a:r>
-                        <a:rPr lang="it-IT" sz="900" b="1">
+                        <a:rPr lang="en-US" sz="900" b="1" noProof="0" dirty="0">
                           <a:effectLst/>
                         </a:rPr>
                         <a:t>LightGBM0</a:t>
@@ -34795,7 +34993,7 @@
                         <a:buNone/>
                       </a:pPr>
                       <a:r>
-                        <a:rPr lang="it-IT" sz="1000">
+                        <a:rPr lang="en-US" sz="1000" noProof="0" dirty="0">
                           <a:effectLst/>
                         </a:rPr>
                         <a:t>0.729339</a:t>
@@ -34813,7 +35011,7 @@
                         <a:buNone/>
                       </a:pPr>
                       <a:r>
-                        <a:rPr lang="it-IT" sz="1000">
+                        <a:rPr lang="en-US" sz="1000" noProof="0" dirty="0">
                           <a:effectLst/>
                         </a:rPr>
                         <a:t>0.682113</a:t>
@@ -34831,7 +35029,7 @@
                         <a:buNone/>
                       </a:pPr>
                       <a:r>
-                        <a:rPr lang="it-IT" sz="1000">
+                        <a:rPr lang="en-US" sz="1000" noProof="0" dirty="0">
                           <a:effectLst/>
                         </a:rPr>
                         <a:t>0.712688</a:t>
@@ -34849,7 +35047,7 @@
                         <a:buNone/>
                       </a:pPr>
                       <a:r>
-                        <a:rPr lang="it-IT" sz="1000">
+                        <a:rPr lang="en-US" sz="1000" noProof="0" dirty="0">
                           <a:effectLst/>
                         </a:rPr>
                         <a:t>0.729339</a:t>
@@ -34867,7 +35065,7 @@
                         <a:buNone/>
                       </a:pPr>
                       <a:r>
-                        <a:rPr lang="it-IT" sz="1000">
+                        <a:rPr lang="en-US" sz="1000" noProof="0" dirty="0">
                           <a:effectLst/>
                         </a:rPr>
                         <a:t>0.715176</a:t>
@@ -34885,7 +35083,7 @@
                         <a:buNone/>
                       </a:pPr>
                       <a:r>
-                        <a:rPr lang="it-IT" sz="1000">
+                        <a:rPr lang="en-US" sz="1000" noProof="0" dirty="0">
                           <a:effectLst/>
                         </a:rPr>
                         <a:t>0.682723</a:t>
@@ -34903,7 +35101,7 @@
                         <a:buNone/>
                       </a:pPr>
                       <a:r>
-                        <a:rPr lang="it-IT" sz="1000">
+                        <a:rPr lang="en-US" sz="1000" noProof="0" dirty="0">
                           <a:effectLst/>
                         </a:rPr>
                         <a:t>0.912346</a:t>
@@ -34928,7 +35126,7 @@
                         <a:buNone/>
                       </a:pPr>
                       <a:r>
-                        <a:rPr lang="it-IT" sz="900" b="1">
+                        <a:rPr lang="en-US" sz="900" b="1" noProof="0" dirty="0">
                           <a:effectLst/>
                         </a:rPr>
                         <a:t>Bagging0</a:t>
@@ -34946,7 +35144,7 @@
                         <a:buNone/>
                       </a:pPr>
                       <a:r>
-                        <a:rPr lang="it-IT" sz="1000">
+                        <a:rPr lang="en-US" sz="1000" noProof="0" dirty="0">
                           <a:effectLst/>
                         </a:rPr>
                         <a:t>0.723140</a:t>
@@ -34964,7 +35162,7 @@
                         <a:buNone/>
                       </a:pPr>
                       <a:r>
-                        <a:rPr lang="it-IT" sz="1000">
+                        <a:rPr lang="en-US" sz="1000" noProof="0" dirty="0">
                           <a:effectLst/>
                         </a:rPr>
                         <a:t>0.673841</a:t>
@@ -34982,7 +35180,7 @@
                         <a:buNone/>
                       </a:pPr>
                       <a:r>
-                        <a:rPr lang="it-IT" sz="1000">
+                        <a:rPr lang="en-US" sz="1000" noProof="0" dirty="0">
                           <a:effectLst/>
                         </a:rPr>
                         <a:t>0.713842</a:t>
@@ -35000,7 +35198,7 @@
                         <a:buNone/>
                       </a:pPr>
                       <a:r>
-                        <a:rPr lang="it-IT" sz="1000">
+                        <a:rPr lang="en-US" sz="1000" noProof="0" dirty="0">
                           <a:effectLst/>
                         </a:rPr>
                         <a:t>0.723140</a:t>
@@ -35018,7 +35216,7 @@
                         <a:buNone/>
                       </a:pPr>
                       <a:r>
-                        <a:rPr lang="it-IT" sz="1000">
+                        <a:rPr lang="en-US" sz="1000" noProof="0" dirty="0">
                           <a:effectLst/>
                         </a:rPr>
                         <a:t>0.713053</a:t>
@@ -35036,7 +35234,7 @@
                         <a:buNone/>
                       </a:pPr>
                       <a:r>
-                        <a:rPr lang="it-IT" sz="1000">
+                        <a:rPr lang="en-US" sz="1000" noProof="0" dirty="0">
                           <a:effectLst/>
                         </a:rPr>
                         <a:t>0.682405</a:t>
@@ -35054,7 +35252,7 @@
                         <a:buNone/>
                       </a:pPr>
                       <a:r>
-                        <a:rPr lang="it-IT" sz="1000">
+                        <a:rPr lang="en-US" sz="1000" noProof="0" dirty="0">
                           <a:effectLst/>
                         </a:rPr>
                         <a:t>0.903966</a:t>
@@ -35079,7 +35277,7 @@
                         <a:buNone/>
                       </a:pPr>
                       <a:r>
-                        <a:rPr lang="it-IT" sz="900" b="1" dirty="0">
+                        <a:rPr lang="en-US" sz="900" b="1" noProof="0" dirty="0">
                           <a:effectLst/>
                         </a:rPr>
                         <a:t>CatBoost0</a:t>
@@ -35097,7 +35295,7 @@
                         <a:buNone/>
                       </a:pPr>
                       <a:r>
-                        <a:rPr lang="it-IT" sz="1000">
+                        <a:rPr lang="en-US" sz="1000" noProof="0" dirty="0">
                           <a:effectLst/>
                         </a:rPr>
                         <a:t>0.723140</a:t>
@@ -35115,7 +35313,7 @@
                         <a:buNone/>
                       </a:pPr>
                       <a:r>
-                        <a:rPr lang="it-IT" sz="1000">
+                        <a:rPr lang="en-US" sz="1000" noProof="0" dirty="0">
                           <a:effectLst/>
                         </a:rPr>
                         <a:t>0.673356</a:t>
@@ -35133,7 +35331,7 @@
                         <a:buNone/>
                       </a:pPr>
                       <a:r>
-                        <a:rPr lang="it-IT" sz="1000">
+                        <a:rPr lang="en-US" sz="1000" noProof="0" dirty="0">
                           <a:effectLst/>
                         </a:rPr>
                         <a:t>0.708919</a:t>
@@ -35151,7 +35349,7 @@
                         <a:buNone/>
                       </a:pPr>
                       <a:r>
-                        <a:rPr lang="it-IT" sz="1000">
+                        <a:rPr lang="en-US" sz="1000" noProof="0" dirty="0">
                           <a:effectLst/>
                         </a:rPr>
                         <a:t>0.723140</a:t>
@@ -35169,7 +35367,7 @@
                         <a:buNone/>
                       </a:pPr>
                       <a:r>
-                        <a:rPr lang="it-IT" sz="1000">
+                        <a:rPr lang="en-US" sz="1000" noProof="0" dirty="0">
                           <a:effectLst/>
                         </a:rPr>
                         <a:t>0.710123</a:t>
@@ -35187,7 +35385,7 @@
                         <a:buNone/>
                       </a:pPr>
                       <a:r>
-                        <a:rPr lang="it-IT" sz="1000">
+                        <a:rPr lang="en-US" sz="1000" noProof="0" dirty="0">
                           <a:effectLst/>
                         </a:rPr>
                         <a:t>0.678616</a:t>
@@ -35205,7 +35403,7 @@
                         <a:buNone/>
                       </a:pPr>
                       <a:r>
-                        <a:rPr lang="it-IT" sz="1000">
+                        <a:rPr lang="en-US" sz="1000" noProof="0" dirty="0">
                           <a:effectLst/>
                         </a:rPr>
                         <a:t>0.909338</a:t>
@@ -35230,7 +35428,7 @@
                         <a:buNone/>
                       </a:pPr>
                       <a:r>
-                        <a:rPr lang="it-IT" sz="900" b="1" dirty="0">
+                        <a:rPr lang="en-US" sz="900" b="1" noProof="0" dirty="0">
                           <a:effectLst/>
                         </a:rPr>
                         <a:t>Decision_Tree1</a:t>
@@ -35248,7 +35446,7 @@
                         <a:buNone/>
                       </a:pPr>
                       <a:r>
-                        <a:rPr lang="it-IT" sz="1000">
+                        <a:rPr lang="en-US" sz="1000" noProof="0" dirty="0">
                           <a:effectLst/>
                         </a:rPr>
                         <a:t>0.640496</a:t>
@@ -35266,7 +35464,7 @@
                         <a:buNone/>
                       </a:pPr>
                       <a:r>
-                        <a:rPr lang="it-IT" sz="1000">
+                        <a:rPr lang="en-US" sz="1000" noProof="0" dirty="0">
                           <a:effectLst/>
                         </a:rPr>
                         <a:t>0.652118</a:t>
@@ -35284,7 +35482,7 @@
                         <a:buNone/>
                       </a:pPr>
                       <a:r>
-                        <a:rPr lang="it-IT" sz="1000">
+                        <a:rPr lang="en-US" sz="1000" noProof="0" dirty="0">
                           <a:effectLst/>
                         </a:rPr>
                         <a:t>0.688104</a:t>
@@ -35302,7 +35500,7 @@
                         <a:buNone/>
                       </a:pPr>
                       <a:r>
-                        <a:rPr lang="it-IT" sz="1000">
+                        <a:rPr lang="en-US" sz="1000" noProof="0" dirty="0">
                           <a:effectLst/>
                         </a:rPr>
                         <a:t>0.640496</a:t>
@@ -35320,7 +35518,7 @@
                         <a:buNone/>
                       </a:pPr>
                       <a:r>
-                        <a:rPr lang="it-IT" sz="1000">
+                        <a:rPr lang="en-US" sz="1000" noProof="0" dirty="0">
                           <a:effectLst/>
                         </a:rPr>
                         <a:t>0.652207</a:t>
@@ -35338,7 +35536,7 @@
                         <a:buNone/>
                       </a:pPr>
                       <a:r>
-                        <a:rPr lang="it-IT" sz="1000">
+                        <a:rPr lang="en-US" sz="1000" noProof="0" dirty="0">
                           <a:effectLst/>
                         </a:rPr>
                         <a:t>0.635709</a:t>
@@ -35356,7 +35554,7 @@
                         <a:buNone/>
                       </a:pPr>
                       <a:r>
-                        <a:rPr lang="it-IT" sz="1000">
+                        <a:rPr lang="en-US" sz="1000" noProof="0" dirty="0">
                           <a:effectLst/>
                         </a:rPr>
                         <a:t>0.856708</a:t>
@@ -35381,7 +35579,7 @@
                         <a:buNone/>
                       </a:pPr>
                       <a:r>
-                        <a:rPr lang="it-IT" sz="900" b="1" dirty="0">
+                        <a:rPr lang="en-US" sz="900" b="1" noProof="0" dirty="0">
                           <a:effectLst/>
                         </a:rPr>
                         <a:t>Decision_Tree0</a:t>
@@ -35399,7 +35597,7 @@
                         <a:buNone/>
                       </a:pPr>
                       <a:r>
-                        <a:rPr lang="it-IT" sz="1000">
+                        <a:rPr lang="en-US" sz="1000" noProof="0" dirty="0">
                           <a:effectLst/>
                         </a:rPr>
                         <a:t>0.661157</a:t>
@@ -35417,7 +35615,7 @@
                         <a:buNone/>
                       </a:pPr>
                       <a:r>
-                        <a:rPr lang="it-IT" sz="1000">
+                        <a:rPr lang="en-US" sz="1000" noProof="0" dirty="0">
                           <a:effectLst/>
                         </a:rPr>
                         <a:t>0.646413</a:t>
@@ -35435,7 +35633,7 @@
                         <a:buNone/>
                       </a:pPr>
                       <a:r>
-                        <a:rPr lang="it-IT" sz="1000">
+                        <a:rPr lang="en-US" sz="1000" noProof="0" dirty="0">
                           <a:effectLst/>
                         </a:rPr>
                         <a:t>0.690373</a:t>
@@ -35453,7 +35651,7 @@
                         <a:buNone/>
                       </a:pPr>
                       <a:r>
-                        <a:rPr lang="it-IT" sz="1000">
+                        <a:rPr lang="en-US" sz="1000" noProof="0" dirty="0">
                           <a:effectLst/>
                         </a:rPr>
                         <a:t>0.661157</a:t>
@@ -35471,7 +35669,7 @@
                         <a:buNone/>
                       </a:pPr>
                       <a:r>
-                        <a:rPr lang="it-IT" sz="1000">
+                        <a:rPr lang="en-US" sz="1000" noProof="0" dirty="0">
                           <a:effectLst/>
                         </a:rPr>
                         <a:t>0.672628</a:t>
@@ -35489,7 +35687,7 @@
                         <a:buNone/>
                       </a:pPr>
                       <a:r>
-                        <a:rPr lang="it-IT" sz="1000">
+                        <a:rPr lang="en-US" sz="1000" noProof="0" dirty="0">
                           <a:effectLst/>
                         </a:rPr>
                         <a:t>0.654678</a:t>
@@ -35507,7 +35705,7 @@
                         <a:buNone/>
                       </a:pPr>
                       <a:r>
-                        <a:rPr lang="it-IT" sz="1000" dirty="0">
+                        <a:rPr lang="en-US" sz="1000" noProof="0" dirty="0">
                           <a:effectLst/>
                         </a:rPr>
                         <a:t>0.837981</a:t>
@@ -35684,7 +35882,7 @@
           <a:lstStyle/>
           <a:p>
             <a:pPr algn="ctr"/>
-            <a:endParaRPr lang="en-US"/>
+            <a:endParaRPr lang="en-US" noProof="0" dirty="0"/>
           </a:p>
         </p:txBody>
       </p:sp>
@@ -35730,7 +35928,7 @@
           <a:lstStyle/>
           <a:p>
             <a:pPr algn="ctr"/>
-            <a:endParaRPr lang="en-US"/>
+            <a:endParaRPr lang="en-US" noProof="0" dirty="0"/>
           </a:p>
         </p:txBody>
       </p:sp>
@@ -35772,7 +35970,7 @@
               <a:buSzPts val="1400"/>
             </a:pPr>
             <a:r>
-              <a:rPr lang="en-US" sz="1800" dirty="0">
+              <a:rPr lang="en-US" sz="1800" noProof="0" dirty="0">
                 <a:solidFill>
                   <a:schemeClr val="dk1"/>
                 </a:solidFill>
@@ -35825,7 +36023,7 @@
               <a:buSzPts val="1400"/>
             </a:pPr>
             <a:r>
-              <a:rPr lang="en-US" sz="1800" dirty="0">
+              <a:rPr lang="en-US" sz="1800" noProof="0" dirty="0">
                 <a:solidFill>
                   <a:schemeClr val="dk1"/>
                 </a:solidFill>
@@ -36168,7 +36366,7 @@
               <a:buChar char="•"/>
             </a:pPr>
             <a:r>
-              <a:rPr lang="en-US" sz="1800" b="1" dirty="0">
+              <a:rPr lang="en-US" sz="1800" b="1" noProof="0" dirty="0">
                 <a:solidFill>
                   <a:schemeClr val="dk1"/>
                 </a:solidFill>
@@ -36180,7 +36378,7 @@
               <a:t>With CDRSB, LDELTOTAL, and mPACCdigit: (DS1, DS2)</a:t>
             </a:r>
             <a:br>
-              <a:rPr lang="en-US" sz="1800" dirty="0">
+              <a:rPr lang="en-US" sz="1800" noProof="0" dirty="0">
                 <a:solidFill>
                   <a:schemeClr val="dk1"/>
                 </a:solidFill>
@@ -36191,6 +36389,18 @@
               </a:rPr>
             </a:br>
             <a:r>
+              <a:rPr lang="en-US" sz="1800" noProof="0" dirty="0">
+                <a:solidFill>
+                  <a:schemeClr val="dk1"/>
+                </a:solidFill>
+                <a:latin typeface="Roboto"/>
+                <a:ea typeface="Roboto"/>
+                <a:cs typeface="Roboto"/>
+                <a:sym typeface="Roboto"/>
+              </a:rPr>
+              <a:t>Random Forest1 was chosen as the main model and Decision Tree1 as the XAI, due to the best metrics (Balanced </a:t>
+            </a:r>
+            <a:r>
               <a:rPr lang="en-US" sz="1800" dirty="0">
                 <a:solidFill>
                   <a:schemeClr val="dk1"/>
@@ -36200,7 +36410,31 @@
                 <a:cs typeface="Roboto"/>
                 <a:sym typeface="Roboto"/>
               </a:rPr>
-              <a:t>Random Forest1 was chosen as the main model and Decision Tree1 as the XAI, due to the best metrics (balanced accuracy, F1, ROC-AUC).</a:t>
+              <a:t>A</a:t>
+            </a:r>
+            <a:r>
+              <a:rPr lang="en-US" sz="1800" noProof="0" dirty="0" err="1">
+                <a:solidFill>
+                  <a:schemeClr val="dk1"/>
+                </a:solidFill>
+                <a:latin typeface="Roboto"/>
+                <a:ea typeface="Roboto"/>
+                <a:cs typeface="Roboto"/>
+                <a:sym typeface="Roboto"/>
+              </a:rPr>
+              <a:t>ccuracy</a:t>
+            </a:r>
+            <a:r>
+              <a:rPr lang="en-US" sz="1800" noProof="0" dirty="0">
+                <a:solidFill>
+                  <a:schemeClr val="dk1"/>
+                </a:solidFill>
+                <a:latin typeface="Roboto"/>
+                <a:ea typeface="Roboto"/>
+                <a:cs typeface="Roboto"/>
+                <a:sym typeface="Roboto"/>
+              </a:rPr>
+              <a:t>, F1, ROC-AUC).</a:t>
             </a:r>
           </a:p>
           <a:p>
@@ -36212,197 +36446,6 @@
               <a:buFont typeface="Arial" panose="020B0604020202020204" pitchFamily="34" charset="0"/>
               <a:buChar char="•"/>
             </a:pPr>
-            <a:endParaRPr lang="en-US" sz="1800" dirty="0">
-              <a:solidFill>
-                <a:schemeClr val="dk1"/>
-              </a:solidFill>
-              <a:latin typeface="Roboto"/>
-              <a:ea typeface="Roboto"/>
-              <a:cs typeface="Roboto"/>
-              <a:sym typeface="Roboto"/>
-            </a:endParaRPr>
-          </a:p>
-          <a:p>
-            <a:pPr marL="342900" lvl="0" indent="-342900">
-              <a:buClr>
-                <a:schemeClr val="dk1"/>
-              </a:buClr>
-              <a:buSzPts val="2000"/>
-              <a:buFont typeface="Arial" panose="020B0604020202020204" pitchFamily="34" charset="0"/>
-              <a:buChar char="•"/>
-            </a:pPr>
-            <a:r>
-              <a:rPr lang="en-US" sz="1800" b="1" dirty="0">
-                <a:solidFill>
-                  <a:schemeClr val="dk1"/>
-                </a:solidFill>
-                <a:latin typeface="Roboto"/>
-                <a:ea typeface="Roboto"/>
-                <a:cs typeface="Roboto"/>
-                <a:sym typeface="Roboto"/>
-              </a:rPr>
-              <a:t>Without CDRSB, LDELTOTAL, and mPACCdigit: (DS3, DS4)</a:t>
-            </a:r>
-            <a:br>
-              <a:rPr lang="en-US" sz="1800" b="1" dirty="0">
-                <a:solidFill>
-                  <a:schemeClr val="dk1"/>
-                </a:solidFill>
-                <a:latin typeface="Roboto"/>
-                <a:ea typeface="Roboto"/>
-                <a:cs typeface="Roboto"/>
-                <a:sym typeface="Roboto"/>
-              </a:rPr>
-            </a:br>
-            <a:r>
-              <a:rPr lang="en-US" sz="1800" dirty="0">
-                <a:solidFill>
-                  <a:schemeClr val="dk1"/>
-                </a:solidFill>
-                <a:latin typeface="Roboto"/>
-                <a:ea typeface="Roboto"/>
-                <a:cs typeface="Roboto"/>
-                <a:sym typeface="Roboto"/>
-              </a:rPr>
-              <a:t>XGBoost1 was chosen as the main model and Decision Tree1 as the XAI, based on testing performance.</a:t>
-            </a:r>
-          </a:p>
-          <a:p>
-            <a:pPr marL="342900" lvl="0" indent="-342900">
-              <a:buClr>
-                <a:schemeClr val="dk1"/>
-              </a:buClr>
-              <a:buSzPts val="2000"/>
-              <a:buFont typeface="Arial" panose="020B0604020202020204" pitchFamily="34" charset="0"/>
-              <a:buChar char="•"/>
-            </a:pPr>
-            <a:endParaRPr lang="en-US" sz="1800" dirty="0">
-              <a:solidFill>
-                <a:schemeClr val="dk1"/>
-              </a:solidFill>
-              <a:latin typeface="Roboto"/>
-              <a:ea typeface="Roboto"/>
-              <a:cs typeface="Roboto"/>
-              <a:sym typeface="Roboto"/>
-            </a:endParaRPr>
-          </a:p>
-          <a:p>
-            <a:pPr marL="342900" lvl="0" indent="-342900">
-              <a:buClr>
-                <a:schemeClr val="dk1"/>
-              </a:buClr>
-              <a:buSzPts val="2000"/>
-              <a:buFont typeface="Arial" panose="020B0604020202020204" pitchFamily="34" charset="0"/>
-              <a:buChar char="•"/>
-            </a:pPr>
-            <a:r>
-              <a:rPr lang="en-US" sz="1800" dirty="0">
-                <a:solidFill>
-                  <a:schemeClr val="dk1"/>
-                </a:solidFill>
-                <a:latin typeface="Roboto"/>
-                <a:ea typeface="Roboto"/>
-                <a:cs typeface="Roboto"/>
-                <a:sym typeface="Roboto"/>
-              </a:rPr>
-              <a:t>The saved models are </a:t>
-            </a:r>
-            <a:r>
-              <a:rPr lang="en-US" sz="1800" b="1" dirty="0">
-                <a:solidFill>
-                  <a:schemeClr val="dk1"/>
-                </a:solidFill>
-                <a:latin typeface="Roboto"/>
-                <a:ea typeface="Roboto"/>
-                <a:cs typeface="Roboto"/>
-                <a:sym typeface="Roboto"/>
-              </a:rPr>
-              <a:t>Model1.pkl </a:t>
-            </a:r>
-            <a:r>
-              <a:rPr lang="en-US" sz="1800" dirty="0">
-                <a:solidFill>
-                  <a:schemeClr val="dk1"/>
-                </a:solidFill>
-                <a:latin typeface="Roboto"/>
-                <a:ea typeface="Roboto"/>
-                <a:cs typeface="Roboto"/>
-                <a:sym typeface="Roboto"/>
-              </a:rPr>
-              <a:t>(1/RandomForest1), </a:t>
-            </a:r>
-            <a:r>
-              <a:rPr lang="en-US" sz="1800" b="1" dirty="0">
-                <a:solidFill>
-                  <a:schemeClr val="dk1"/>
-                </a:solidFill>
-                <a:latin typeface="Roboto"/>
-                <a:ea typeface="Roboto"/>
-                <a:cs typeface="Roboto"/>
-                <a:sym typeface="Roboto"/>
-              </a:rPr>
-              <a:t>XAIModel1.pkl </a:t>
-            </a:r>
-            <a:r>
-              <a:rPr lang="en-US" sz="1800" dirty="0">
-                <a:solidFill>
-                  <a:schemeClr val="dk1"/>
-                </a:solidFill>
-                <a:latin typeface="Roboto"/>
-                <a:ea typeface="Roboto"/>
-                <a:cs typeface="Roboto"/>
-                <a:sym typeface="Roboto"/>
-              </a:rPr>
-              <a:t>(1/Decision Tree1), </a:t>
-            </a:r>
-            <a:r>
-              <a:rPr lang="en-US" sz="1800" b="1" dirty="0">
-                <a:solidFill>
-                  <a:schemeClr val="dk1"/>
-                </a:solidFill>
-                <a:latin typeface="Roboto"/>
-                <a:ea typeface="Roboto"/>
-                <a:cs typeface="Roboto"/>
-                <a:sym typeface="Roboto"/>
-              </a:rPr>
-              <a:t>Model2.pkl </a:t>
-            </a:r>
-            <a:r>
-              <a:rPr lang="en-US" sz="1800" dirty="0">
-                <a:solidFill>
-                  <a:schemeClr val="dk1"/>
-                </a:solidFill>
-                <a:latin typeface="Roboto"/>
-                <a:ea typeface="Roboto"/>
-                <a:cs typeface="Roboto"/>
-                <a:sym typeface="Roboto"/>
-              </a:rPr>
-              <a:t>(2/XGBoost1), and </a:t>
-            </a:r>
-            <a:r>
-              <a:rPr lang="en-US" sz="1800" b="1" dirty="0">
-                <a:solidFill>
-                  <a:schemeClr val="dk1"/>
-                </a:solidFill>
-                <a:latin typeface="Roboto"/>
-                <a:ea typeface="Roboto"/>
-                <a:cs typeface="Roboto"/>
-                <a:sym typeface="Roboto"/>
-              </a:rPr>
-              <a:t>XAIModel2.pkl </a:t>
-            </a:r>
-            <a:r>
-              <a:rPr lang="en-US" sz="1800" dirty="0">
-                <a:solidFill>
-                  <a:schemeClr val="dk1"/>
-                </a:solidFill>
-                <a:latin typeface="Roboto"/>
-                <a:ea typeface="Roboto"/>
-                <a:cs typeface="Roboto"/>
-                <a:sym typeface="Roboto"/>
-              </a:rPr>
-              <a:t>(2/Decision Tree1).</a:t>
-            </a:r>
             <a:endParaRPr lang="en-US" sz="1800" noProof="0" dirty="0">
               <a:solidFill>
                 <a:schemeClr val="dk1"/>
@@ -36412,6 +36455,188 @@
               <a:cs typeface="Roboto"/>
               <a:sym typeface="Roboto"/>
             </a:endParaRPr>
+          </a:p>
+          <a:p>
+            <a:pPr marL="342900" lvl="0" indent="-342900">
+              <a:buClr>
+                <a:schemeClr val="dk1"/>
+              </a:buClr>
+              <a:buSzPts val="2000"/>
+              <a:buFont typeface="Arial" panose="020B0604020202020204" pitchFamily="34" charset="0"/>
+              <a:buChar char="•"/>
+            </a:pPr>
+            <a:r>
+              <a:rPr lang="en-US" sz="1800" b="1" noProof="0" dirty="0">
+                <a:solidFill>
+                  <a:schemeClr val="dk1"/>
+                </a:solidFill>
+                <a:latin typeface="Roboto"/>
+                <a:ea typeface="Roboto"/>
+                <a:cs typeface="Roboto"/>
+                <a:sym typeface="Roboto"/>
+              </a:rPr>
+              <a:t>Without CDRSB, LDELTOTAL, and mPACCdigit: (DS3, DS4)</a:t>
+            </a:r>
+            <a:br>
+              <a:rPr lang="en-US" sz="1800" b="1" noProof="0" dirty="0">
+                <a:solidFill>
+                  <a:schemeClr val="dk1"/>
+                </a:solidFill>
+                <a:latin typeface="Roboto"/>
+                <a:ea typeface="Roboto"/>
+                <a:cs typeface="Roboto"/>
+                <a:sym typeface="Roboto"/>
+              </a:rPr>
+            </a:br>
+            <a:r>
+              <a:rPr lang="en-US" sz="1800" noProof="0" dirty="0">
+                <a:solidFill>
+                  <a:schemeClr val="dk1"/>
+                </a:solidFill>
+                <a:latin typeface="Roboto"/>
+                <a:ea typeface="Roboto"/>
+                <a:cs typeface="Roboto"/>
+                <a:sym typeface="Roboto"/>
+              </a:rPr>
+              <a:t>XGBoost1 was chosen as the main model and Decision Tree1 as the XAI, based on testing performance.</a:t>
+            </a:r>
+          </a:p>
+          <a:p>
+            <a:pPr marL="342900" lvl="0" indent="-342900">
+              <a:buClr>
+                <a:schemeClr val="dk1"/>
+              </a:buClr>
+              <a:buSzPts val="2000"/>
+              <a:buFont typeface="Arial" panose="020B0604020202020204" pitchFamily="34" charset="0"/>
+              <a:buChar char="•"/>
+            </a:pPr>
+            <a:endParaRPr lang="en-US" sz="1800" noProof="0" dirty="0">
+              <a:solidFill>
+                <a:schemeClr val="dk1"/>
+              </a:solidFill>
+              <a:latin typeface="Roboto"/>
+              <a:ea typeface="Roboto"/>
+              <a:cs typeface="Roboto"/>
+              <a:sym typeface="Roboto"/>
+            </a:endParaRPr>
+          </a:p>
+          <a:p>
+            <a:pPr marL="342900" lvl="0" indent="-342900">
+              <a:buClr>
+                <a:schemeClr val="dk1"/>
+              </a:buClr>
+              <a:buSzPts val="2000"/>
+              <a:buFont typeface="Arial" panose="020B0604020202020204" pitchFamily="34" charset="0"/>
+              <a:buChar char="•"/>
+            </a:pPr>
+            <a:r>
+              <a:rPr lang="en-US" sz="1800" noProof="0" dirty="0">
+                <a:solidFill>
+                  <a:schemeClr val="dk1"/>
+                </a:solidFill>
+                <a:latin typeface="Roboto"/>
+                <a:ea typeface="Roboto"/>
+                <a:cs typeface="Roboto"/>
+                <a:sym typeface="Roboto"/>
+              </a:rPr>
+              <a:t>The saved models are </a:t>
+            </a:r>
+            <a:r>
+              <a:rPr lang="en-US" sz="1800" b="1" noProof="0" dirty="0">
+                <a:solidFill>
+                  <a:schemeClr val="dk1"/>
+                </a:solidFill>
+                <a:latin typeface="Roboto"/>
+                <a:ea typeface="Roboto"/>
+                <a:cs typeface="Roboto"/>
+                <a:sym typeface="Roboto"/>
+              </a:rPr>
+              <a:t>Model1.pkl </a:t>
+            </a:r>
+            <a:r>
+              <a:rPr lang="en-US" sz="1800" noProof="0" dirty="0">
+                <a:solidFill>
+                  <a:schemeClr val="dk1"/>
+                </a:solidFill>
+                <a:latin typeface="Roboto"/>
+                <a:ea typeface="Roboto"/>
+                <a:cs typeface="Roboto"/>
+                <a:sym typeface="Roboto"/>
+              </a:rPr>
+              <a:t>(1/RandomForest1), </a:t>
+            </a:r>
+            <a:r>
+              <a:rPr lang="en-US" sz="1800" b="1" noProof="0" dirty="0">
+                <a:solidFill>
+                  <a:schemeClr val="dk1"/>
+                </a:solidFill>
+                <a:latin typeface="Roboto"/>
+                <a:ea typeface="Roboto"/>
+                <a:cs typeface="Roboto"/>
+                <a:sym typeface="Roboto"/>
+              </a:rPr>
+              <a:t>XAIModel1.pkl </a:t>
+            </a:r>
+            <a:r>
+              <a:rPr lang="en-US" sz="1800" noProof="0" dirty="0">
+                <a:solidFill>
+                  <a:schemeClr val="dk1"/>
+                </a:solidFill>
+                <a:latin typeface="Roboto"/>
+                <a:ea typeface="Roboto"/>
+                <a:cs typeface="Roboto"/>
+                <a:sym typeface="Roboto"/>
+              </a:rPr>
+              <a:t>(1/Decision Tree1), </a:t>
+            </a:r>
+            <a:r>
+              <a:rPr lang="en-US" sz="1800" b="1" noProof="0" dirty="0">
+                <a:solidFill>
+                  <a:schemeClr val="dk1"/>
+                </a:solidFill>
+                <a:latin typeface="Roboto"/>
+                <a:ea typeface="Roboto"/>
+                <a:cs typeface="Roboto"/>
+                <a:sym typeface="Roboto"/>
+              </a:rPr>
+              <a:t>Model2.pkl </a:t>
+            </a:r>
+            <a:r>
+              <a:rPr lang="en-US" sz="1800" noProof="0" dirty="0">
+                <a:solidFill>
+                  <a:schemeClr val="dk1"/>
+                </a:solidFill>
+                <a:latin typeface="Roboto"/>
+                <a:ea typeface="Roboto"/>
+                <a:cs typeface="Roboto"/>
+                <a:sym typeface="Roboto"/>
+              </a:rPr>
+              <a:t>(2/XGBoost1), and </a:t>
+            </a:r>
+            <a:r>
+              <a:rPr lang="en-US" sz="1800" b="1" noProof="0" dirty="0">
+                <a:solidFill>
+                  <a:schemeClr val="dk1"/>
+                </a:solidFill>
+                <a:latin typeface="Roboto"/>
+                <a:ea typeface="Roboto"/>
+                <a:cs typeface="Roboto"/>
+                <a:sym typeface="Roboto"/>
+              </a:rPr>
+              <a:t>XAIModel2.pkl </a:t>
+            </a:r>
+            <a:r>
+              <a:rPr lang="en-US" sz="1800" noProof="0" dirty="0">
+                <a:solidFill>
+                  <a:schemeClr val="dk1"/>
+                </a:solidFill>
+                <a:latin typeface="Roboto"/>
+                <a:ea typeface="Roboto"/>
+                <a:cs typeface="Roboto"/>
+                <a:sym typeface="Roboto"/>
+              </a:rPr>
+              <a:t>(2/Decision Tree1).</a:t>
+            </a:r>
           </a:p>
         </p:txBody>
       </p:sp>
@@ -36643,7 +36868,7 @@
               <a:buSzPts val="1400"/>
             </a:pPr>
             <a:r>
-              <a:rPr lang="en-US" dirty="0">
+              <a:rPr lang="en-US" noProof="0" dirty="0">
                 <a:solidFill>
                   <a:schemeClr val="accent1"/>
                 </a:solidFill>
@@ -37108,7 +37333,7 @@
               <a:buSzPts val="1400"/>
             </a:pPr>
             <a:r>
-              <a:rPr lang="en-US" dirty="0">
+              <a:rPr lang="en-US" noProof="0" dirty="0">
                 <a:solidFill>
                   <a:schemeClr val="accent1"/>
                 </a:solidFill>
@@ -37146,7 +37371,7 @@
         <p:spPr>
           <a:xfrm>
             <a:off x="503852" y="1875454"/>
-            <a:ext cx="6904653" cy="4805264"/>
+            <a:ext cx="6904653" cy="4627983"/>
           </a:xfrm>
           <a:prstGeom prst="rect">
             <a:avLst/>
@@ -37171,7 +37396,7 @@
               <a:buChar char="•"/>
             </a:pPr>
             <a:r>
-              <a:rPr lang="en-US" sz="1800" b="1" dirty="0">
+              <a:rPr lang="en-US" sz="1700" b="1" noProof="0" dirty="0">
                 <a:solidFill>
                   <a:schemeClr val="dk1"/>
                 </a:solidFill>
@@ -37183,7 +37408,7 @@
               <a:t>Dataset limitations: </a:t>
             </a:r>
             <a:r>
-              <a:rPr lang="en-US" sz="1800" dirty="0">
+              <a:rPr lang="en-US" sz="1700" noProof="0" dirty="0">
                 <a:solidFill>
                   <a:schemeClr val="dk1"/>
                 </a:solidFill>
@@ -37192,7 +37417,7 @@
                 <a:cs typeface="Roboto"/>
                 <a:sym typeface="Roboto"/>
               </a:rPr>
-              <a:t>only 2,419 patients, many missing values ​​(CSF, PET), strong dependence on 3 cognitive endpoints. Risk of local overfitting, dataset bias, and imputations increasing noise. External validation required.</a:t>
+              <a:t>only 2,429 patients, many missing values ​​(CSF, PET), strong dependence on three cognitive scores. Risk of local overfitting, dataset bias, and imputations increasing noise. External validation required.</a:t>
             </a:r>
           </a:p>
           <a:p>
@@ -37205,7 +37430,7 @@
               <a:buChar char="•"/>
             </a:pPr>
             <a:r>
-              <a:rPr lang="en-US" sz="1800" b="1" dirty="0">
+              <a:rPr lang="en-US" sz="1700" b="1" noProof="0" dirty="0">
                 <a:solidFill>
                   <a:schemeClr val="dk1"/>
                 </a:solidFill>
@@ -37217,7 +37442,7 @@
               <a:t>Model Performance: </a:t>
             </a:r>
             <a:r>
-              <a:rPr lang="en-US" sz="1800" dirty="0">
+              <a:rPr lang="en-US" sz="1700" noProof="0" dirty="0">
                 <a:solidFill>
                   <a:schemeClr val="dk1"/>
                 </a:solidFill>
@@ -37226,7 +37451,19 @@
                 <a:cs typeface="Roboto"/>
                 <a:sym typeface="Roboto"/>
               </a:rPr>
-              <a:t>The models perform well overall, especially Model1. Furthermore, XAIModel1 and XAIModel2 are easily interpretable. If the three features appear unpredictable externally, there are Model2 and XAIModel2.</a:t>
+              <a:t>The models perform well overall, especially Model1. Furthermore, XAIModel1 and XAIModel2 are easily interpretable. </a:t>
+            </a:r>
+            <a:r>
+              <a:rPr lang="en-US" sz="1700" dirty="0">
+                <a:solidFill>
+                  <a:schemeClr val="dk1"/>
+                </a:solidFill>
+                <a:latin typeface="Roboto"/>
+                <a:ea typeface="Roboto"/>
+                <a:cs typeface="Roboto"/>
+                <a:sym typeface="Roboto"/>
+              </a:rPr>
+              <a:t>If the three features prove unpredictable in external validation, Model2 and XAIModel2 can be used instead. </a:t>
             </a:r>
           </a:p>
           <a:p>
@@ -37239,7 +37476,7 @@
               <a:buChar char="•"/>
             </a:pPr>
             <a:r>
-              <a:rPr lang="en-US" sz="1800" b="1" dirty="0">
+              <a:rPr lang="en-US" sz="1700" b="1" dirty="0">
                 <a:solidFill>
                   <a:schemeClr val="dk1"/>
                 </a:solidFill>
@@ -37248,10 +37485,10 @@
                 <a:cs typeface="Roboto"/>
                 <a:sym typeface="Roboto"/>
               </a:rPr>
-              <a:t>Application value: </a:t>
-            </a:r>
-            <a:r>
-              <a:rPr lang="en-US" sz="1800" dirty="0">
+              <a:t>State of the Art: </a:t>
+            </a:r>
+            <a:r>
+              <a:rPr lang="en-US" sz="1700" dirty="0">
                 <a:solidFill>
                   <a:schemeClr val="dk1"/>
                 </a:solidFill>
@@ -37260,8 +37497,29 @@
                 <a:cs typeface="Roboto"/>
                 <a:sym typeface="Roboto"/>
               </a:rPr>
-              <a:t>useful as a support (screening, risk stratification), but obviously does not replace clinical evaluation.</a:t>
-            </a:r>
+              <a:t>Although it was not possible to make a precise state of the art due to the lack of similar studies, the statistics make it a solid </a:t>
+            </a:r>
+            <a:r>
+              <a:rPr lang="en-US" sz="1700">
+                <a:solidFill>
+                  <a:schemeClr val="dk1"/>
+                </a:solidFill>
+                <a:latin typeface="Roboto"/>
+                <a:ea typeface="Roboto"/>
+                <a:cs typeface="Roboto"/>
+                <a:sym typeface="Roboto"/>
+              </a:rPr>
+              <a:t>project. </a:t>
+            </a:r>
+            <a:endParaRPr lang="en-US" sz="1700" dirty="0">
+              <a:solidFill>
+                <a:schemeClr val="dk1"/>
+              </a:solidFill>
+              <a:latin typeface="Roboto"/>
+              <a:ea typeface="Roboto"/>
+              <a:cs typeface="Roboto"/>
+              <a:sym typeface="Roboto"/>
+            </a:endParaRPr>
           </a:p>
           <a:p>
             <a:pPr marL="342900" lvl="0" indent="-342900">
@@ -37273,7 +37531,7 @@
               <a:buChar char="•"/>
             </a:pPr>
             <a:r>
-              <a:rPr lang="en-US" sz="1800" b="1" dirty="0">
+              <a:rPr lang="en-US" sz="1700" b="1" noProof="0" dirty="0">
                 <a:solidFill>
                   <a:schemeClr val="dk1"/>
                 </a:solidFill>
@@ -37282,10 +37540,10 @@
                 <a:cs typeface="Roboto"/>
                 <a:sym typeface="Roboto"/>
               </a:rPr>
-              <a:t>Future developments: </a:t>
-            </a:r>
-            <a:r>
-              <a:rPr lang="en-US" sz="1800" dirty="0">
+              <a:t>Application value: </a:t>
+            </a:r>
+            <a:r>
+              <a:rPr lang="en-US" sz="1700" noProof="0" dirty="0">
                 <a:solidFill>
                   <a:schemeClr val="dk1"/>
                 </a:solidFill>
@@ -37294,17 +37552,42 @@
                 <a:cs typeface="Roboto"/>
                 <a:sym typeface="Roboto"/>
               </a:rPr>
-              <a:t>expand cohorts (ADNI4, external), integrate with similar datasets, and include geographic area as a feature. </a:t>
-            </a:r>
-            <a:endParaRPr lang="en-US" sz="1800" noProof="0" dirty="0">
-              <a:solidFill>
+              <a:t>Useful as a support (screening, risk stratification), but obviously does not replace clinical evaluation.</a:t>
+            </a:r>
+          </a:p>
+          <a:p>
+            <a:pPr marL="342900" lvl="0" indent="-342900">
+              <a:buClr>
                 <a:schemeClr val="dk1"/>
-              </a:solidFill>
-              <a:latin typeface="Roboto"/>
-              <a:ea typeface="Roboto"/>
-              <a:cs typeface="Roboto"/>
-              <a:sym typeface="Roboto"/>
-            </a:endParaRPr>
+              </a:buClr>
+              <a:buSzPts val="2000"/>
+              <a:buFont typeface="Arial" panose="020B0604020202020204" pitchFamily="34" charset="0"/>
+              <a:buChar char="•"/>
+            </a:pPr>
+            <a:r>
+              <a:rPr lang="en-US" sz="1700" b="1" noProof="0" dirty="0">
+                <a:solidFill>
+                  <a:schemeClr val="dk1"/>
+                </a:solidFill>
+                <a:latin typeface="Roboto"/>
+                <a:ea typeface="Roboto"/>
+                <a:cs typeface="Roboto"/>
+                <a:sym typeface="Roboto"/>
+              </a:rPr>
+              <a:t>Future developments:</a:t>
+            </a:r>
+            <a:r>
+              <a:rPr lang="en-US" sz="1700" noProof="0" dirty="0">
+                <a:solidFill>
+                  <a:schemeClr val="dk1"/>
+                </a:solidFill>
+                <a:latin typeface="Roboto"/>
+                <a:ea typeface="Roboto"/>
+                <a:cs typeface="Roboto"/>
+                <a:sym typeface="Roboto"/>
+              </a:rPr>
+              <a:t> Expand cohorts (ADNI4, external), integrate with similar datasets, and include geographic area as a feature. </a:t>
+            </a:r>
           </a:p>
         </p:txBody>
       </p:sp>
@@ -37466,7 +37749,7 @@
               <a:buSzPts val="3200"/>
             </a:pPr>
             <a:r>
-              <a:rPr lang="en-US" sz="5400" b="1" dirty="0">
+              <a:rPr lang="en-US" sz="5400" b="1" noProof="0" dirty="0">
                 <a:solidFill>
                   <a:schemeClr val="dk2"/>
                 </a:solidFill>
@@ -38885,7 +39168,7 @@
                 <a:cs typeface="Roboto"/>
                 <a:sym typeface="Roboto"/>
               </a:rPr>
-              <a:t>to slowing the progression of the disease and improving quality of life.</a:t>
+              <a:t>for slowing the progression of the disease and improving quality of life.</a:t>
             </a:r>
           </a:p>
           <a:p>
@@ -39411,7 +39694,7 @@
                 <a:cs typeface="Roboto"/>
                 <a:sym typeface="Roboto"/>
               </a:rPr>
-              <a:t>. Machine learning helps integrate </a:t>
+              <a:t>. Machine Learning helps integrate </a:t>
             </a:r>
             <a:r>
               <a:rPr lang="en-US" sz="2000" b="1" noProof="0" dirty="0">
@@ -40374,7 +40657,7 @@
                 <a:cs typeface="Roboto"/>
                 <a:sym typeface="Roboto"/>
               </a:rPr>
-              <a:t> is the most recent phase of the ADNI study and was initiated in </a:t>
+              <a:t>, the most recent phase of the study, was initiated in</a:t>
             </a:r>
             <a:r>
               <a:rPr lang="en-US" sz="2000" b="1" noProof="0" dirty="0">
@@ -40386,19 +40669,7 @@
                 <a:cs typeface="Roboto"/>
                 <a:sym typeface="Roboto"/>
               </a:rPr>
-              <a:t>2022</a:t>
-            </a:r>
-            <a:r>
-              <a:rPr lang="en-US" sz="2000" noProof="0" dirty="0">
-                <a:solidFill>
-                  <a:schemeClr val="dk1"/>
-                </a:solidFill>
-                <a:latin typeface="Roboto"/>
-                <a:ea typeface="Roboto"/>
-                <a:cs typeface="Roboto"/>
-                <a:sym typeface="Roboto"/>
-              </a:rPr>
-              <a:t>.</a:t>
+              <a:t> 2022.</a:t>
             </a:r>
             <a:endParaRPr lang="en-US" noProof="0" dirty="0"/>
           </a:p>
@@ -40456,16 +40727,8 @@
               <a:t>16,421 rows x 116 columns. </a:t>
             </a:r>
             <a:r>
-              <a:rPr lang="en-US" sz="2000" noProof="0" dirty="0">
-                <a:solidFill>
-                  <a:schemeClr val="dk1"/>
-                </a:solidFill>
-                <a:latin typeface="Roboto"/>
-                <a:ea typeface="Roboto"/>
-                <a:cs typeface="Roboto"/>
-                <a:sym typeface="Roboto"/>
-              </a:rPr>
-              <a:t>Its columns are divided into current visit columns and baseline visit columns (with "_bl" suffix) to aid in quick comparison.</a:t>
+              <a:rPr lang="en-US" sz="2000" noProof="0" dirty="0"/>
+              <a:t>The columns are divided into current visit columns and baseline visit columns (with the "_bl" suffix) to aid quick comparison.</a:t>
             </a:r>
           </a:p>
           <a:p>

--- a/Presentation.pptx
+++ b/Presentation.pptx
@@ -5,7 +5,7 @@
     <p:sldMasterId id="2147483648" r:id="rId1"/>
   </p:sldMasterIdLst>
   <p:notesMasterIdLst>
-    <p:notesMasterId r:id="rId30"/>
+    <p:notesMasterId r:id="rId32"/>
   </p:notesMasterIdLst>
   <p:sldIdLst>
     <p:sldId id="256" r:id="rId2"/>
@@ -19,45 +19,47 @@
     <p:sldId id="288" r:id="rId10"/>
     <p:sldId id="309" r:id="rId11"/>
     <p:sldId id="289" r:id="rId12"/>
-    <p:sldId id="286" r:id="rId13"/>
-    <p:sldId id="280" r:id="rId14"/>
-    <p:sldId id="290" r:id="rId15"/>
-    <p:sldId id="291" r:id="rId16"/>
-    <p:sldId id="294" r:id="rId17"/>
-    <p:sldId id="296" r:id="rId18"/>
-    <p:sldId id="281" r:id="rId19"/>
-    <p:sldId id="295" r:id="rId20"/>
-    <p:sldId id="301" r:id="rId21"/>
-    <p:sldId id="305" r:id="rId22"/>
-    <p:sldId id="298" r:id="rId23"/>
-    <p:sldId id="310" r:id="rId24"/>
-    <p:sldId id="307" r:id="rId25"/>
-    <p:sldId id="283" r:id="rId26"/>
-    <p:sldId id="261" r:id="rId27"/>
-    <p:sldId id="308" r:id="rId28"/>
-    <p:sldId id="276" r:id="rId29"/>
+    <p:sldId id="292" r:id="rId13"/>
+    <p:sldId id="286" r:id="rId14"/>
+    <p:sldId id="280" r:id="rId15"/>
+    <p:sldId id="290" r:id="rId16"/>
+    <p:sldId id="291" r:id="rId17"/>
+    <p:sldId id="294" r:id="rId18"/>
+    <p:sldId id="296" r:id="rId19"/>
+    <p:sldId id="281" r:id="rId20"/>
+    <p:sldId id="295" r:id="rId21"/>
+    <p:sldId id="301" r:id="rId22"/>
+    <p:sldId id="305" r:id="rId23"/>
+    <p:sldId id="298" r:id="rId24"/>
+    <p:sldId id="311" r:id="rId25"/>
+    <p:sldId id="310" r:id="rId26"/>
+    <p:sldId id="307" r:id="rId27"/>
+    <p:sldId id="283" r:id="rId28"/>
+    <p:sldId id="261" r:id="rId29"/>
+    <p:sldId id="308" r:id="rId30"/>
+    <p:sldId id="276" r:id="rId31"/>
   </p:sldIdLst>
   <p:sldSz cx="12192000" cy="6858000"/>
   <p:notesSz cx="6858000" cy="9144000"/>
   <p:embeddedFontLst>
     <p:embeddedFont>
       <p:font typeface="Play" panose="020B0604020202020204" charset="0"/>
-      <p:regular r:id="rId31"/>
-      <p:bold r:id="rId32"/>
+      <p:regular r:id="rId33"/>
+      <p:bold r:id="rId34"/>
     </p:embeddedFont>
     <p:embeddedFont>
       <p:font typeface="Roboto" panose="02000000000000000000" pitchFamily="2" charset="0"/>
-      <p:regular r:id="rId33"/>
-      <p:bold r:id="rId34"/>
-      <p:italic r:id="rId35"/>
-      <p:boldItalic r:id="rId36"/>
+      <p:regular r:id="rId35"/>
+      <p:bold r:id="rId36"/>
+      <p:italic r:id="rId37"/>
+      <p:boldItalic r:id="rId38"/>
     </p:embeddedFont>
     <p:embeddedFont>
       <p:font typeface="Roboto Medium" panose="02000000000000000000" pitchFamily="2" charset="0"/>
-      <p:regular r:id="rId37"/>
-      <p:bold r:id="rId38"/>
-      <p:italic r:id="rId39"/>
-      <p:boldItalic r:id="rId40"/>
+      <p:regular r:id="rId39"/>
+      <p:bold r:id="rId40"/>
+      <p:italic r:id="rId41"/>
+      <p:boldItalic r:id="rId42"/>
     </p:embeddedFont>
   </p:embeddedFontLst>
   <p:defaultTextStyle>
@@ -2077,6 +2079,203 @@
   <p:cSld>
     <p:spTree>
       <p:nvGrpSpPr>
+        <p:cNvPr id="1" name="Shape 214">
+          <a:extLst>
+            <a:ext uri="{FF2B5EF4-FFF2-40B4-BE49-F238E27FC236}">
+              <a16:creationId xmlns:a16="http://schemas.microsoft.com/office/drawing/2014/main" id="{56064262-5F4F-364B-3AEE-D80AFD6A7372}"/>
+            </a:ext>
+          </a:extLst>
+        </p:cNvPr>
+        <p:cNvGrpSpPr/>
+        <p:nvPr/>
+      </p:nvGrpSpPr>
+      <p:grpSpPr>
+        <a:xfrm>
+          <a:off x="0" y="0"/>
+          <a:ext cx="0" cy="0"/>
+          <a:chOff x="0" y="0"/>
+          <a:chExt cx="0" cy="0"/>
+        </a:xfrm>
+      </p:grpSpPr>
+      <p:sp>
+        <p:nvSpPr>
+          <p:cNvPr id="215" name="Google Shape;215;p11:notes">
+            <a:extLst>
+              <a:ext uri="{FF2B5EF4-FFF2-40B4-BE49-F238E27FC236}">
+                <a16:creationId xmlns:a16="http://schemas.microsoft.com/office/drawing/2014/main" id="{45994FE8-9E37-3280-4887-C8F0F634ED53}"/>
+              </a:ext>
+            </a:extLst>
+          </p:cNvPr>
+          <p:cNvSpPr>
+            <a:spLocks noGrp="1" noRot="1" noChangeAspect="1"/>
+          </p:cNvSpPr>
+          <p:nvPr>
+            <p:ph type="sldImg" idx="2"/>
+          </p:nvPr>
+        </p:nvSpPr>
+        <p:spPr>
+          <a:xfrm>
+            <a:off x="685800" y="1143000"/>
+            <a:ext cx="5486400" cy="3086100"/>
+          </a:xfrm>
+          <a:custGeom>
+            <a:avLst/>
+            <a:gdLst/>
+            <a:ahLst/>
+            <a:cxnLst/>
+            <a:rect l="l" t="t" r="r" b="b"/>
+            <a:pathLst>
+              <a:path w="120000" h="120000" extrusionOk="0">
+                <a:moveTo>
+                  <a:pt x="0" y="0"/>
+                </a:moveTo>
+                <a:lnTo>
+                  <a:pt x="120000" y="0"/>
+                </a:lnTo>
+                <a:lnTo>
+                  <a:pt x="120000" y="120000"/>
+                </a:lnTo>
+                <a:lnTo>
+                  <a:pt x="0" y="120000"/>
+                </a:lnTo>
+                <a:close/>
+              </a:path>
+            </a:pathLst>
+          </a:custGeom>
+          <a:noFill/>
+          <a:ln w="12700" cap="flat" cmpd="sng">
+            <a:solidFill>
+              <a:srgbClr val="000000"/>
+            </a:solidFill>
+            <a:prstDash val="solid"/>
+            <a:round/>
+            <a:headEnd type="none" w="sm" len="sm"/>
+            <a:tailEnd type="none" w="sm" len="sm"/>
+          </a:ln>
+        </p:spPr>
+      </p:sp>
+      <p:sp>
+        <p:nvSpPr>
+          <p:cNvPr id="216" name="Google Shape;216;p11:notes">
+            <a:extLst>
+              <a:ext uri="{FF2B5EF4-FFF2-40B4-BE49-F238E27FC236}">
+                <a16:creationId xmlns:a16="http://schemas.microsoft.com/office/drawing/2014/main" id="{98B453D2-1716-835A-0A04-2C8BB1A68B73}"/>
+              </a:ext>
+            </a:extLst>
+          </p:cNvPr>
+          <p:cNvSpPr txBox="1">
+            <a:spLocks noGrp="1"/>
+          </p:cNvSpPr>
+          <p:nvPr>
+            <p:ph type="body" idx="1"/>
+          </p:nvPr>
+        </p:nvSpPr>
+        <p:spPr>
+          <a:xfrm>
+            <a:off x="685800" y="4400550"/>
+            <a:ext cx="5486400" cy="3600450"/>
+          </a:xfrm>
+          <a:prstGeom prst="rect">
+            <a:avLst/>
+          </a:prstGeom>
+          <a:noFill/>
+          <a:ln>
+            <a:noFill/>
+          </a:ln>
+        </p:spPr>
+        <p:txBody>
+          <a:bodyPr spcFirstLastPara="1" wrap="square" lIns="91425" tIns="45700" rIns="91425" bIns="45700" anchor="t" anchorCtr="0">
+            <a:noAutofit/>
+          </a:bodyPr>
+          <a:lstStyle/>
+          <a:p>
+            <a:pPr marL="0" lvl="0" indent="0" algn="l" rtl="0">
+              <a:spcBef>
+                <a:spcPts val="0"/>
+              </a:spcBef>
+              <a:spcAft>
+                <a:spcPts val="0"/>
+              </a:spcAft>
+              <a:buNone/>
+            </a:pPr>
+            <a:endParaRPr u="none" dirty="0">
+              <a:solidFill>
+                <a:schemeClr val="accent1"/>
+              </a:solidFill>
+            </a:endParaRPr>
+          </a:p>
+        </p:txBody>
+      </p:sp>
+      <p:sp>
+        <p:nvSpPr>
+          <p:cNvPr id="217" name="Google Shape;217;p11:notes">
+            <a:extLst>
+              <a:ext uri="{FF2B5EF4-FFF2-40B4-BE49-F238E27FC236}">
+                <a16:creationId xmlns:a16="http://schemas.microsoft.com/office/drawing/2014/main" id="{B8D850B6-9ED9-A5C6-21A2-CA7267345770}"/>
+              </a:ext>
+            </a:extLst>
+          </p:cNvPr>
+          <p:cNvSpPr txBox="1">
+            <a:spLocks noGrp="1"/>
+          </p:cNvSpPr>
+          <p:nvPr>
+            <p:ph type="sldNum" idx="12"/>
+          </p:nvPr>
+        </p:nvSpPr>
+        <p:spPr>
+          <a:xfrm>
+            <a:off x="3884613" y="8685213"/>
+            <a:ext cx="2971800" cy="458787"/>
+          </a:xfrm>
+          <a:prstGeom prst="rect">
+            <a:avLst/>
+          </a:prstGeom>
+          <a:noFill/>
+          <a:ln>
+            <a:noFill/>
+          </a:ln>
+        </p:spPr>
+        <p:txBody>
+          <a:bodyPr spcFirstLastPara="1" wrap="square" lIns="91425" tIns="45700" rIns="91425" bIns="45700" anchor="b" anchorCtr="0">
+            <a:noAutofit/>
+          </a:bodyPr>
+          <a:lstStyle/>
+          <a:p>
+            <a:pPr marL="0" lvl="0" indent="0" algn="r" rtl="0">
+              <a:spcBef>
+                <a:spcPts val="0"/>
+              </a:spcBef>
+              <a:spcAft>
+                <a:spcPts val="0"/>
+              </a:spcAft>
+              <a:buNone/>
+            </a:pPr>
+            <a:fld id="{00000000-1234-1234-1234-123412341234}" type="slidenum">
+              <a:rPr lang="en-US"/>
+              <a:t>12</a:t>
+            </a:fld>
+            <a:endParaRPr dirty="0"/>
+          </a:p>
+        </p:txBody>
+      </p:sp>
+    </p:spTree>
+    <p:extLst>
+      <p:ext uri="{BB962C8B-B14F-4D97-AF65-F5344CB8AC3E}">
+        <p14:creationId xmlns:p14="http://schemas.microsoft.com/office/powerpoint/2010/main" val="4250899482"/>
+      </p:ext>
+    </p:extLst>
+  </p:cSld>
+  <p:clrMapOvr>
+    <a:masterClrMapping/>
+  </p:clrMapOvr>
+</p:notes>
+</file>
+
+<file path=ppt/notesSlides/notesSlide13.xml><?xml version="1.0" encoding="utf-8"?>
+<p:notes xmlns:a="http://schemas.openxmlformats.org/drawingml/2006/main" xmlns:r="http://schemas.openxmlformats.org/officeDocument/2006/relationships" xmlns:p="http://schemas.openxmlformats.org/presentationml/2006/main" showMasterSp="0" showMasterPhAnim="0">
+  <p:cSld>
+    <p:spTree>
+      <p:nvGrpSpPr>
         <p:cNvPr id="1" name="Shape 254">
           <a:extLst>
             <a:ext uri="{FF2B5EF4-FFF2-40B4-BE49-F238E27FC236}">
@@ -2250,7 +2449,7 @@
             </a:pPr>
             <a:fld id="{00000000-1234-1234-1234-123412341234}" type="slidenum">
               <a:rPr lang="en-US"/>
-              <a:t>12</a:t>
+              <a:t>13</a:t>
             </a:fld>
             <a:endParaRPr dirty="0"/>
           </a:p>
@@ -2269,7 +2468,7 @@
 </p:notes>
 </file>
 
-<file path=ppt/notesSlides/notesSlide13.xml><?xml version="1.0" encoding="utf-8"?>
+<file path=ppt/notesSlides/notesSlide14.xml><?xml version="1.0" encoding="utf-8"?>
 <p:notes xmlns:a="http://schemas.openxmlformats.org/drawingml/2006/main" xmlns:r="http://schemas.openxmlformats.org/officeDocument/2006/relationships" xmlns:p="http://schemas.openxmlformats.org/presentationml/2006/main" showMasterSp="0" showMasterPhAnim="0">
   <p:cSld>
     <p:spTree>
@@ -2447,7 +2646,7 @@
             </a:pPr>
             <a:fld id="{00000000-1234-1234-1234-123412341234}" type="slidenum">
               <a:rPr lang="en-US"/>
-              <a:t>13</a:t>
+              <a:t>14</a:t>
             </a:fld>
             <a:endParaRPr dirty="0"/>
           </a:p>
@@ -2466,7 +2665,7 @@
 </p:notes>
 </file>
 
-<file path=ppt/notesSlides/notesSlide14.xml><?xml version="1.0" encoding="utf-8"?>
+<file path=ppt/notesSlides/notesSlide15.xml><?xml version="1.0" encoding="utf-8"?>
 <p:notes xmlns:a="http://schemas.openxmlformats.org/drawingml/2006/main" xmlns:r="http://schemas.openxmlformats.org/officeDocument/2006/relationships" xmlns:p="http://schemas.openxmlformats.org/presentationml/2006/main" showMasterSp="0" showMasterPhAnim="0">
   <p:cSld>
     <p:spTree>
@@ -2640,7 +2839,7 @@
             </a:pPr>
             <a:fld id="{00000000-1234-1234-1234-123412341234}" type="slidenum">
               <a:rPr lang="en-US"/>
-              <a:t>14</a:t>
+              <a:t>15</a:t>
             </a:fld>
             <a:endParaRPr dirty="0"/>
           </a:p>
@@ -2659,7 +2858,7 @@
 </p:notes>
 </file>
 
-<file path=ppt/notesSlides/notesSlide15.xml><?xml version="1.0" encoding="utf-8"?>
+<file path=ppt/notesSlides/notesSlide16.xml><?xml version="1.0" encoding="utf-8"?>
 <p:notes xmlns:a="http://schemas.openxmlformats.org/drawingml/2006/main" xmlns:r="http://schemas.openxmlformats.org/officeDocument/2006/relationships" xmlns:p="http://schemas.openxmlformats.org/presentationml/2006/main" showMasterSp="0" showMasterPhAnim="0">
   <p:cSld>
     <p:spTree>
@@ -2837,7 +3036,7 @@
             </a:pPr>
             <a:fld id="{00000000-1234-1234-1234-123412341234}" type="slidenum">
               <a:rPr lang="en-US"/>
-              <a:t>15</a:t>
+              <a:t>16</a:t>
             </a:fld>
             <a:endParaRPr dirty="0"/>
           </a:p>
@@ -2856,7 +3055,7 @@
 </p:notes>
 </file>
 
-<file path=ppt/notesSlides/notesSlide16.xml><?xml version="1.0" encoding="utf-8"?>
+<file path=ppt/notesSlides/notesSlide17.xml><?xml version="1.0" encoding="utf-8"?>
 <p:notes xmlns:a="http://schemas.openxmlformats.org/drawingml/2006/main" xmlns:r="http://schemas.openxmlformats.org/officeDocument/2006/relationships" xmlns:p="http://schemas.openxmlformats.org/presentationml/2006/main" showMasterSp="0" showMasterPhAnim="0">
   <p:cSld>
     <p:spTree>
@@ -3034,7 +3233,7 @@
             </a:pPr>
             <a:fld id="{00000000-1234-1234-1234-123412341234}" type="slidenum">
               <a:rPr lang="en-US"/>
-              <a:t>16</a:t>
+              <a:t>17</a:t>
             </a:fld>
             <a:endParaRPr dirty="0"/>
           </a:p>
@@ -3053,7 +3252,7 @@
 </p:notes>
 </file>
 
-<file path=ppt/notesSlides/notesSlide17.xml><?xml version="1.0" encoding="utf-8"?>
+<file path=ppt/notesSlides/notesSlide18.xml><?xml version="1.0" encoding="utf-8"?>
 <p:notes xmlns:a="http://schemas.openxmlformats.org/drawingml/2006/main" xmlns:r="http://schemas.openxmlformats.org/officeDocument/2006/relationships" xmlns:p="http://schemas.openxmlformats.org/presentationml/2006/main" showMasterSp="0" showMasterPhAnim="0">
   <p:cSld>
     <p:spTree>
@@ -3231,7 +3430,7 @@
             </a:pPr>
             <a:fld id="{00000000-1234-1234-1234-123412341234}" type="slidenum">
               <a:rPr lang="en-US"/>
-              <a:t>17</a:t>
+              <a:t>18</a:t>
             </a:fld>
             <a:endParaRPr dirty="0"/>
           </a:p>
@@ -3250,7 +3449,7 @@
 </p:notes>
 </file>
 
-<file path=ppt/notesSlides/notesSlide18.xml><?xml version="1.0" encoding="utf-8"?>
+<file path=ppt/notesSlides/notesSlide19.xml><?xml version="1.0" encoding="utf-8"?>
 <p:notes xmlns:a="http://schemas.openxmlformats.org/drawingml/2006/main" xmlns:r="http://schemas.openxmlformats.org/officeDocument/2006/relationships" xmlns:p="http://schemas.openxmlformats.org/presentationml/2006/main" showMasterSp="0" showMasterPhAnim="0">
   <p:cSld>
     <p:spTree>
@@ -3428,7 +3627,7 @@
             </a:pPr>
             <a:fld id="{00000000-1234-1234-1234-123412341234}" type="slidenum">
               <a:rPr lang="en-US"/>
-              <a:t>18</a:t>
+              <a:t>19</a:t>
             </a:fld>
             <a:endParaRPr dirty="0"/>
           </a:p>
@@ -3447,7 +3646,175 @@
 </p:notes>
 </file>
 
-<file path=ppt/notesSlides/notesSlide19.xml><?xml version="1.0" encoding="utf-8"?>
+<file path=ppt/notesSlides/notesSlide2.xml><?xml version="1.0" encoding="utf-8"?>
+<p:notes xmlns:a="http://schemas.openxmlformats.org/drawingml/2006/main" xmlns:r="http://schemas.openxmlformats.org/officeDocument/2006/relationships" xmlns:p="http://schemas.openxmlformats.org/presentationml/2006/main" showMasterSp="0" showMasterPhAnim="0">
+  <p:cSld>
+    <p:spTree>
+      <p:nvGrpSpPr>
+        <p:cNvPr id="1" name="Shape 115"/>
+        <p:cNvGrpSpPr/>
+        <p:nvPr/>
+      </p:nvGrpSpPr>
+      <p:grpSpPr>
+        <a:xfrm>
+          <a:off x="0" y="0"/>
+          <a:ext cx="0" cy="0"/>
+          <a:chOff x="0" y="0"/>
+          <a:chExt cx="0" cy="0"/>
+        </a:xfrm>
+      </p:grpSpPr>
+      <p:sp>
+        <p:nvSpPr>
+          <p:cNvPr id="116" name="Google Shape;116;p3:notes"/>
+          <p:cNvSpPr>
+            <a:spLocks noGrp="1" noRot="1" noChangeAspect="1"/>
+          </p:cNvSpPr>
+          <p:nvPr>
+            <p:ph type="sldImg" idx="2"/>
+          </p:nvPr>
+        </p:nvSpPr>
+        <p:spPr>
+          <a:xfrm>
+            <a:off x="685800" y="1143000"/>
+            <a:ext cx="5486400" cy="3086100"/>
+          </a:xfrm>
+          <a:custGeom>
+            <a:avLst/>
+            <a:gdLst/>
+            <a:ahLst/>
+            <a:cxnLst/>
+            <a:rect l="l" t="t" r="r" b="b"/>
+            <a:pathLst>
+              <a:path w="120000" h="120000" extrusionOk="0">
+                <a:moveTo>
+                  <a:pt x="0" y="0"/>
+                </a:moveTo>
+                <a:lnTo>
+                  <a:pt x="120000" y="0"/>
+                </a:lnTo>
+                <a:lnTo>
+                  <a:pt x="120000" y="120000"/>
+                </a:lnTo>
+                <a:lnTo>
+                  <a:pt x="0" y="120000"/>
+                </a:lnTo>
+                <a:close/>
+              </a:path>
+            </a:pathLst>
+          </a:custGeom>
+          <a:noFill/>
+          <a:ln w="12700" cap="flat" cmpd="sng">
+            <a:solidFill>
+              <a:srgbClr val="000000"/>
+            </a:solidFill>
+            <a:prstDash val="solid"/>
+            <a:round/>
+            <a:headEnd type="none" w="sm" len="sm"/>
+            <a:tailEnd type="none" w="sm" len="sm"/>
+          </a:ln>
+        </p:spPr>
+      </p:sp>
+      <p:sp>
+        <p:nvSpPr>
+          <p:cNvPr id="117" name="Google Shape;117;p3:notes"/>
+          <p:cNvSpPr txBox="1">
+            <a:spLocks noGrp="1"/>
+          </p:cNvSpPr>
+          <p:nvPr>
+            <p:ph type="body" idx="1"/>
+          </p:nvPr>
+        </p:nvSpPr>
+        <p:spPr>
+          <a:xfrm>
+            <a:off x="685800" y="4400550"/>
+            <a:ext cx="5486400" cy="3600450"/>
+          </a:xfrm>
+          <a:prstGeom prst="rect">
+            <a:avLst/>
+          </a:prstGeom>
+          <a:noFill/>
+          <a:ln>
+            <a:noFill/>
+          </a:ln>
+        </p:spPr>
+        <p:txBody>
+          <a:bodyPr spcFirstLastPara="1" wrap="square" lIns="91425" tIns="45700" rIns="91425" bIns="45700" anchor="t" anchorCtr="0">
+            <a:noAutofit/>
+          </a:bodyPr>
+          <a:lstStyle/>
+          <a:p>
+            <a:pPr marL="0" lvl="0" indent="0" algn="l" rtl="0">
+              <a:spcBef>
+                <a:spcPts val="0"/>
+              </a:spcBef>
+              <a:spcAft>
+                <a:spcPts val="0"/>
+              </a:spcAft>
+              <a:buNone/>
+            </a:pPr>
+            <a:endParaRPr u="none" dirty="0">
+              <a:solidFill>
+                <a:schemeClr val="accent1"/>
+              </a:solidFill>
+            </a:endParaRPr>
+          </a:p>
+        </p:txBody>
+      </p:sp>
+      <p:sp>
+        <p:nvSpPr>
+          <p:cNvPr id="118" name="Google Shape;118;p3:notes"/>
+          <p:cNvSpPr txBox="1">
+            <a:spLocks noGrp="1"/>
+          </p:cNvSpPr>
+          <p:nvPr>
+            <p:ph type="sldNum" idx="12"/>
+          </p:nvPr>
+        </p:nvSpPr>
+        <p:spPr>
+          <a:xfrm>
+            <a:off x="3884613" y="8685213"/>
+            <a:ext cx="2971800" cy="458787"/>
+          </a:xfrm>
+          <a:prstGeom prst="rect">
+            <a:avLst/>
+          </a:prstGeom>
+          <a:noFill/>
+          <a:ln>
+            <a:noFill/>
+          </a:ln>
+        </p:spPr>
+        <p:txBody>
+          <a:bodyPr spcFirstLastPara="1" wrap="square" lIns="91425" tIns="45700" rIns="91425" bIns="45700" anchor="b" anchorCtr="0">
+            <a:noAutofit/>
+          </a:bodyPr>
+          <a:lstStyle/>
+          <a:p>
+            <a:pPr marL="0" lvl="0" indent="0" algn="r" rtl="0">
+              <a:spcBef>
+                <a:spcPts val="0"/>
+              </a:spcBef>
+              <a:spcAft>
+                <a:spcPts val="0"/>
+              </a:spcAft>
+              <a:buNone/>
+            </a:pPr>
+            <a:fld id="{00000000-1234-1234-1234-123412341234}" type="slidenum">
+              <a:rPr lang="en-US"/>
+              <a:t>2</a:t>
+            </a:fld>
+            <a:endParaRPr dirty="0"/>
+          </a:p>
+        </p:txBody>
+      </p:sp>
+    </p:spTree>
+  </p:cSld>
+  <p:clrMapOvr>
+    <a:masterClrMapping/>
+  </p:clrMapOvr>
+</p:notes>
+</file>
+
+<file path=ppt/notesSlides/notesSlide20.xml><?xml version="1.0" encoding="utf-8"?>
 <p:notes xmlns:a="http://schemas.openxmlformats.org/drawingml/2006/main" xmlns:r="http://schemas.openxmlformats.org/officeDocument/2006/relationships" xmlns:p="http://schemas.openxmlformats.org/presentationml/2006/main" showMasterSp="0" showMasterPhAnim="0">
   <p:cSld>
     <p:spTree>
@@ -3645,7 +4012,7 @@
             </a:pPr>
             <a:fld id="{00000000-1234-1234-1234-123412341234}" type="slidenum">
               <a:rPr lang="en-US"/>
-              <a:t>19</a:t>
+              <a:t>20</a:t>
             </a:fld>
             <a:endParaRPr dirty="0"/>
           </a:p>
@@ -3664,175 +4031,7 @@
 </p:notes>
 </file>
 
-<file path=ppt/notesSlides/notesSlide2.xml><?xml version="1.0" encoding="utf-8"?>
-<p:notes xmlns:a="http://schemas.openxmlformats.org/drawingml/2006/main" xmlns:r="http://schemas.openxmlformats.org/officeDocument/2006/relationships" xmlns:p="http://schemas.openxmlformats.org/presentationml/2006/main" showMasterSp="0" showMasterPhAnim="0">
-  <p:cSld>
-    <p:spTree>
-      <p:nvGrpSpPr>
-        <p:cNvPr id="1" name="Shape 115"/>
-        <p:cNvGrpSpPr/>
-        <p:nvPr/>
-      </p:nvGrpSpPr>
-      <p:grpSpPr>
-        <a:xfrm>
-          <a:off x="0" y="0"/>
-          <a:ext cx="0" cy="0"/>
-          <a:chOff x="0" y="0"/>
-          <a:chExt cx="0" cy="0"/>
-        </a:xfrm>
-      </p:grpSpPr>
-      <p:sp>
-        <p:nvSpPr>
-          <p:cNvPr id="116" name="Google Shape;116;p3:notes"/>
-          <p:cNvSpPr>
-            <a:spLocks noGrp="1" noRot="1" noChangeAspect="1"/>
-          </p:cNvSpPr>
-          <p:nvPr>
-            <p:ph type="sldImg" idx="2"/>
-          </p:nvPr>
-        </p:nvSpPr>
-        <p:spPr>
-          <a:xfrm>
-            <a:off x="685800" y="1143000"/>
-            <a:ext cx="5486400" cy="3086100"/>
-          </a:xfrm>
-          <a:custGeom>
-            <a:avLst/>
-            <a:gdLst/>
-            <a:ahLst/>
-            <a:cxnLst/>
-            <a:rect l="l" t="t" r="r" b="b"/>
-            <a:pathLst>
-              <a:path w="120000" h="120000" extrusionOk="0">
-                <a:moveTo>
-                  <a:pt x="0" y="0"/>
-                </a:moveTo>
-                <a:lnTo>
-                  <a:pt x="120000" y="0"/>
-                </a:lnTo>
-                <a:lnTo>
-                  <a:pt x="120000" y="120000"/>
-                </a:lnTo>
-                <a:lnTo>
-                  <a:pt x="0" y="120000"/>
-                </a:lnTo>
-                <a:close/>
-              </a:path>
-            </a:pathLst>
-          </a:custGeom>
-          <a:noFill/>
-          <a:ln w="12700" cap="flat" cmpd="sng">
-            <a:solidFill>
-              <a:srgbClr val="000000"/>
-            </a:solidFill>
-            <a:prstDash val="solid"/>
-            <a:round/>
-            <a:headEnd type="none" w="sm" len="sm"/>
-            <a:tailEnd type="none" w="sm" len="sm"/>
-          </a:ln>
-        </p:spPr>
-      </p:sp>
-      <p:sp>
-        <p:nvSpPr>
-          <p:cNvPr id="117" name="Google Shape;117;p3:notes"/>
-          <p:cNvSpPr txBox="1">
-            <a:spLocks noGrp="1"/>
-          </p:cNvSpPr>
-          <p:nvPr>
-            <p:ph type="body" idx="1"/>
-          </p:nvPr>
-        </p:nvSpPr>
-        <p:spPr>
-          <a:xfrm>
-            <a:off x="685800" y="4400550"/>
-            <a:ext cx="5486400" cy="3600450"/>
-          </a:xfrm>
-          <a:prstGeom prst="rect">
-            <a:avLst/>
-          </a:prstGeom>
-          <a:noFill/>
-          <a:ln>
-            <a:noFill/>
-          </a:ln>
-        </p:spPr>
-        <p:txBody>
-          <a:bodyPr spcFirstLastPara="1" wrap="square" lIns="91425" tIns="45700" rIns="91425" bIns="45700" anchor="t" anchorCtr="0">
-            <a:noAutofit/>
-          </a:bodyPr>
-          <a:lstStyle/>
-          <a:p>
-            <a:pPr marL="0" lvl="0" indent="0" algn="l" rtl="0">
-              <a:spcBef>
-                <a:spcPts val="0"/>
-              </a:spcBef>
-              <a:spcAft>
-                <a:spcPts val="0"/>
-              </a:spcAft>
-              <a:buNone/>
-            </a:pPr>
-            <a:endParaRPr u="none" dirty="0">
-              <a:solidFill>
-                <a:schemeClr val="accent1"/>
-              </a:solidFill>
-            </a:endParaRPr>
-          </a:p>
-        </p:txBody>
-      </p:sp>
-      <p:sp>
-        <p:nvSpPr>
-          <p:cNvPr id="118" name="Google Shape;118;p3:notes"/>
-          <p:cNvSpPr txBox="1">
-            <a:spLocks noGrp="1"/>
-          </p:cNvSpPr>
-          <p:nvPr>
-            <p:ph type="sldNum" idx="12"/>
-          </p:nvPr>
-        </p:nvSpPr>
-        <p:spPr>
-          <a:xfrm>
-            <a:off x="3884613" y="8685213"/>
-            <a:ext cx="2971800" cy="458787"/>
-          </a:xfrm>
-          <a:prstGeom prst="rect">
-            <a:avLst/>
-          </a:prstGeom>
-          <a:noFill/>
-          <a:ln>
-            <a:noFill/>
-          </a:ln>
-        </p:spPr>
-        <p:txBody>
-          <a:bodyPr spcFirstLastPara="1" wrap="square" lIns="91425" tIns="45700" rIns="91425" bIns="45700" anchor="b" anchorCtr="0">
-            <a:noAutofit/>
-          </a:bodyPr>
-          <a:lstStyle/>
-          <a:p>
-            <a:pPr marL="0" lvl="0" indent="0" algn="r" rtl="0">
-              <a:spcBef>
-                <a:spcPts val="0"/>
-              </a:spcBef>
-              <a:spcAft>
-                <a:spcPts val="0"/>
-              </a:spcAft>
-              <a:buNone/>
-            </a:pPr>
-            <a:fld id="{00000000-1234-1234-1234-123412341234}" type="slidenum">
-              <a:rPr lang="en-US"/>
-              <a:t>2</a:t>
-            </a:fld>
-            <a:endParaRPr dirty="0"/>
-          </a:p>
-        </p:txBody>
-      </p:sp>
-    </p:spTree>
-  </p:cSld>
-  <p:clrMapOvr>
-    <a:masterClrMapping/>
-  </p:clrMapOvr>
-</p:notes>
-</file>
-
-<file path=ppt/notesSlides/notesSlide20.xml><?xml version="1.0" encoding="utf-8"?>
+<file path=ppt/notesSlides/notesSlide21.xml><?xml version="1.0" encoding="utf-8"?>
 <p:notes xmlns:a="http://schemas.openxmlformats.org/drawingml/2006/main" xmlns:r="http://schemas.openxmlformats.org/officeDocument/2006/relationships" xmlns:p="http://schemas.openxmlformats.org/presentationml/2006/main" showMasterSp="0" showMasterPhAnim="0">
   <p:cSld>
     <p:spTree>
@@ -4010,7 +4209,7 @@
             </a:pPr>
             <a:fld id="{00000000-1234-1234-1234-123412341234}" type="slidenum">
               <a:rPr lang="en-US"/>
-              <a:t>20</a:t>
+              <a:t>21</a:t>
             </a:fld>
             <a:endParaRPr dirty="0"/>
           </a:p>
@@ -4029,7 +4228,7 @@
 </p:notes>
 </file>
 
-<file path=ppt/notesSlides/notesSlide21.xml><?xml version="1.0" encoding="utf-8"?>
+<file path=ppt/notesSlides/notesSlide22.xml><?xml version="1.0" encoding="utf-8"?>
 <p:notes xmlns:a="http://schemas.openxmlformats.org/drawingml/2006/main" xmlns:r="http://schemas.openxmlformats.org/officeDocument/2006/relationships" xmlns:p="http://schemas.openxmlformats.org/presentationml/2006/main" showMasterSp="0" showMasterPhAnim="0">
   <p:cSld>
     <p:spTree>
@@ -4227,7 +4426,7 @@
             </a:pPr>
             <a:fld id="{00000000-1234-1234-1234-123412341234}" type="slidenum">
               <a:rPr lang="en-US"/>
-              <a:t>21</a:t>
+              <a:t>22</a:t>
             </a:fld>
             <a:endParaRPr dirty="0"/>
           </a:p>
@@ -4246,7 +4445,7 @@
 </p:notes>
 </file>
 
-<file path=ppt/notesSlides/notesSlide22.xml><?xml version="1.0" encoding="utf-8"?>
+<file path=ppt/notesSlides/notesSlide23.xml><?xml version="1.0" encoding="utf-8"?>
 <p:notes xmlns:a="http://schemas.openxmlformats.org/drawingml/2006/main" xmlns:r="http://schemas.openxmlformats.org/officeDocument/2006/relationships" xmlns:p="http://schemas.openxmlformats.org/presentationml/2006/main" showMasterSp="0" showMasterPhAnim="0">
   <p:cSld>
     <p:spTree>
@@ -4444,7 +4643,7 @@
             </a:pPr>
             <a:fld id="{00000000-1234-1234-1234-123412341234}" type="slidenum">
               <a:rPr lang="en-US"/>
-              <a:t>22</a:t>
+              <a:t>23</a:t>
             </a:fld>
             <a:endParaRPr dirty="0"/>
           </a:p>
@@ -4463,7 +4662,7 @@
 </p:notes>
 </file>
 
-<file path=ppt/notesSlides/notesSlide23.xml><?xml version="1.0" encoding="utf-8"?>
+<file path=ppt/notesSlides/notesSlide24.xml><?xml version="1.0" encoding="utf-8"?>
 <p:notes xmlns:a="http://schemas.openxmlformats.org/drawingml/2006/main" xmlns:r="http://schemas.openxmlformats.org/officeDocument/2006/relationships" xmlns:p="http://schemas.openxmlformats.org/presentationml/2006/main" showMasterSp="0" showMasterPhAnim="0">
   <p:cSld>
     <p:spTree>
@@ -4661,7 +4860,7 @@
             </a:pPr>
             <a:fld id="{00000000-1234-1234-1234-123412341234}" type="slidenum">
               <a:rPr lang="en-US"/>
-              <a:t>23</a:t>
+              <a:t>25</a:t>
             </a:fld>
             <a:endParaRPr dirty="0"/>
           </a:p>
@@ -4680,7 +4879,7 @@
 </p:notes>
 </file>
 
-<file path=ppt/notesSlides/notesSlide24.xml><?xml version="1.0" encoding="utf-8"?>
+<file path=ppt/notesSlides/notesSlide25.xml><?xml version="1.0" encoding="utf-8"?>
 <p:notes xmlns:a="http://schemas.openxmlformats.org/drawingml/2006/main" xmlns:r="http://schemas.openxmlformats.org/officeDocument/2006/relationships" xmlns:p="http://schemas.openxmlformats.org/presentationml/2006/main" showMasterSp="0" showMasterPhAnim="0">
   <p:cSld>
     <p:spTree>
@@ -4858,7 +5057,7 @@
             </a:pPr>
             <a:fld id="{00000000-1234-1234-1234-123412341234}" type="slidenum">
               <a:rPr lang="en-US"/>
-              <a:t>24</a:t>
+              <a:t>26</a:t>
             </a:fld>
             <a:endParaRPr dirty="0"/>
           </a:p>
@@ -4877,7 +5076,7 @@
 </p:notes>
 </file>
 
-<file path=ppt/notesSlides/notesSlide25.xml><?xml version="1.0" encoding="utf-8"?>
+<file path=ppt/notesSlides/notesSlide26.xml><?xml version="1.0" encoding="utf-8"?>
 <p:notes xmlns:a="http://schemas.openxmlformats.org/drawingml/2006/main" xmlns:r="http://schemas.openxmlformats.org/officeDocument/2006/relationships" xmlns:p="http://schemas.openxmlformats.org/presentationml/2006/main" showMasterSp="0" showMasterPhAnim="0">
   <p:cSld>
     <p:spTree>
@@ -5055,7 +5254,7 @@
             </a:pPr>
             <a:fld id="{00000000-1234-1234-1234-123412341234}" type="slidenum">
               <a:rPr lang="en-US"/>
-              <a:t>25</a:t>
+              <a:t>27</a:t>
             </a:fld>
             <a:endParaRPr dirty="0"/>
           </a:p>
@@ -5074,7 +5273,7 @@
 </p:notes>
 </file>
 
-<file path=ppt/notesSlides/notesSlide26.xml><?xml version="1.0" encoding="utf-8"?>
+<file path=ppt/notesSlides/notesSlide27.xml><?xml version="1.0" encoding="utf-8"?>
 <p:notes xmlns:a="http://schemas.openxmlformats.org/drawingml/2006/main" xmlns:r="http://schemas.openxmlformats.org/officeDocument/2006/relationships" xmlns:p="http://schemas.openxmlformats.org/presentationml/2006/main" showMasterSp="0" showMasterPhAnim="0">
   <p:cSld>
     <p:spTree>
@@ -5228,7 +5427,7 @@
             </a:pPr>
             <a:fld id="{00000000-1234-1234-1234-123412341234}" type="slidenum">
               <a:rPr lang="en-US"/>
-              <a:t>26</a:t>
+              <a:t>28</a:t>
             </a:fld>
             <a:endParaRPr dirty="0"/>
           </a:p>
@@ -5242,7 +5441,7 @@
 </p:notes>
 </file>
 
-<file path=ppt/notesSlides/notesSlide27.xml><?xml version="1.0" encoding="utf-8"?>
+<file path=ppt/notesSlides/notesSlide28.xml><?xml version="1.0" encoding="utf-8"?>
 <p:notes xmlns:a="http://schemas.openxmlformats.org/drawingml/2006/main" xmlns:r="http://schemas.openxmlformats.org/officeDocument/2006/relationships" xmlns:p="http://schemas.openxmlformats.org/presentationml/2006/main" showMasterSp="0" showMasterPhAnim="0">
   <p:cSld>
     <p:spTree>
@@ -5420,7 +5619,7 @@
             </a:pPr>
             <a:fld id="{00000000-1234-1234-1234-123412341234}" type="slidenum">
               <a:rPr lang="en-US"/>
-              <a:t>27</a:t>
+              <a:t>29</a:t>
             </a:fld>
             <a:endParaRPr dirty="0"/>
           </a:p>
@@ -5439,7 +5638,7 @@
 </p:notes>
 </file>
 
-<file path=ppt/notesSlides/notesSlide28.xml><?xml version="1.0" encoding="utf-8"?>
+<file path=ppt/notesSlides/notesSlide29.xml><?xml version="1.0" encoding="utf-8"?>
 <p:notes xmlns:a="http://schemas.openxmlformats.org/drawingml/2006/main" xmlns:r="http://schemas.openxmlformats.org/officeDocument/2006/relationships" xmlns:p="http://schemas.openxmlformats.org/presentationml/2006/main" showMasterSp="0" showMasterPhAnim="0">
   <p:cSld>
     <p:spTree>
@@ -5593,7 +5792,7 @@
             </a:pPr>
             <a:fld id="{00000000-1234-1234-1234-123412341234}" type="slidenum">
               <a:rPr lang="en-US"/>
-              <a:t>28</a:t>
+              <a:t>30</a:t>
             </a:fld>
             <a:endParaRPr dirty="0"/>
           </a:p>
@@ -20200,7 +20399,7 @@
         </p:nvSpPr>
         <p:spPr>
           <a:xfrm>
-            <a:off x="5741471" y="5290755"/>
+            <a:off x="5912378" y="5285374"/>
             <a:ext cx="3071221" cy="1205988"/>
           </a:xfrm>
           <a:prstGeom prst="rect">
@@ -20307,7 +20506,7 @@
         </p:nvSpPr>
         <p:spPr>
           <a:xfrm>
-            <a:off x="6003730" y="4604947"/>
+            <a:off x="5991013" y="4523493"/>
             <a:ext cx="2716692" cy="895532"/>
           </a:xfrm>
           <a:prstGeom prst="rect">
@@ -20474,7 +20673,7 @@
         </p:nvSpPr>
         <p:spPr>
           <a:xfrm>
-            <a:off x="8904963" y="4604947"/>
+            <a:off x="8892246" y="4523493"/>
             <a:ext cx="2362159" cy="895532"/>
           </a:xfrm>
           <a:prstGeom prst="rect">
@@ -20530,7 +20729,7 @@
         </p:nvSpPr>
         <p:spPr>
           <a:xfrm>
-            <a:off x="8904963" y="5474730"/>
+            <a:off x="8869851" y="5391133"/>
             <a:ext cx="2362159" cy="1205988"/>
           </a:xfrm>
           <a:prstGeom prst="rect">
@@ -20710,7 +20909,7 @@
         </p:spPr>
         <p:txBody>
           <a:bodyPr spcFirstLastPara="1" wrap="square" lIns="91425" tIns="45700" rIns="91425" bIns="45700" anchor="t" anchorCtr="0">
-            <a:normAutofit fontScale="92500" lnSpcReduction="10000"/>
+            <a:normAutofit/>
           </a:bodyPr>
           <a:lstStyle/>
           <a:p>
@@ -20722,7 +20921,7 @@
             </a:pPr>
             <a:r>
               <a:rPr lang="en-US" dirty="0"/>
-              <a:t>One-hot encoding (PTMARRY), binary mapping (PTGENDER: Male=1, Female=0) and ordinal encoding for DX (CN=0, EMCI=1, LMCI=2, AD=3).</a:t>
+              <a:t>One-hot encoding (PTMARRY) and binary mapping (PTGENDER: Male=1, Female=0).</a:t>
             </a:r>
           </a:p>
           <a:p>
@@ -20874,6 +21073,669 @@
 </file>
 
 <file path=ppt/slides/slide12.xml><?xml version="1.0" encoding="utf-8"?>
+<p:sld xmlns:a="http://schemas.openxmlformats.org/drawingml/2006/main" xmlns:r="http://schemas.openxmlformats.org/officeDocument/2006/relationships" xmlns:p="http://schemas.openxmlformats.org/presentationml/2006/main">
+  <p:cSld>
+    <p:spTree>
+      <p:nvGrpSpPr>
+        <p:cNvPr id="1" name="Shape 218">
+          <a:extLst>
+            <a:ext uri="{FF2B5EF4-FFF2-40B4-BE49-F238E27FC236}">
+              <a16:creationId xmlns:a16="http://schemas.microsoft.com/office/drawing/2014/main" id="{FDBCA41B-D638-B66A-65F1-E6193318437C}"/>
+            </a:ext>
+          </a:extLst>
+        </p:cNvPr>
+        <p:cNvGrpSpPr/>
+        <p:nvPr/>
+      </p:nvGrpSpPr>
+      <p:grpSpPr>
+        <a:xfrm>
+          <a:off x="0" y="0"/>
+          <a:ext cx="0" cy="0"/>
+          <a:chOff x="0" y="0"/>
+          <a:chExt cx="0" cy="0"/>
+        </a:xfrm>
+      </p:grpSpPr>
+      <p:sp>
+        <p:nvSpPr>
+          <p:cNvPr id="220" name="Google Shape;220;p11">
+            <a:extLst>
+              <a:ext uri="{FF2B5EF4-FFF2-40B4-BE49-F238E27FC236}">
+                <a16:creationId xmlns:a16="http://schemas.microsoft.com/office/drawing/2014/main" id="{5221D6E3-990A-4E42-AD6D-EA15303E10CD}"/>
+              </a:ext>
+            </a:extLst>
+          </p:cNvPr>
+          <p:cNvSpPr txBox="1"/>
+          <p:nvPr/>
+        </p:nvSpPr>
+        <p:spPr>
+          <a:xfrm>
+            <a:off x="1034026" y="560898"/>
+            <a:ext cx="6131885" cy="895532"/>
+          </a:xfrm>
+          <a:prstGeom prst="rect">
+            <a:avLst/>
+          </a:prstGeom>
+          <a:noFill/>
+          <a:ln>
+            <a:noFill/>
+          </a:ln>
+        </p:spPr>
+        <p:txBody>
+          <a:bodyPr spcFirstLastPara="1" wrap="square" lIns="91425" tIns="45700" rIns="91425" bIns="45700" anchor="ctr" anchorCtr="0">
+            <a:normAutofit/>
+          </a:bodyPr>
+          <a:lstStyle/>
+          <a:p>
+            <a:pPr marL="0" marR="0" lvl="0" indent="0" algn="l" rtl="0">
+              <a:lnSpc>
+                <a:spcPct val="90000"/>
+              </a:lnSpc>
+              <a:spcBef>
+                <a:spcPts val="0"/>
+              </a:spcBef>
+              <a:spcAft>
+                <a:spcPts val="0"/>
+              </a:spcAft>
+              <a:buClr>
+                <a:schemeClr val="dk2"/>
+              </a:buClr>
+              <a:buSzPts val="3200"/>
+              <a:buFont typeface="Roboto Medium"/>
+              <a:buNone/>
+            </a:pPr>
+            <a:r>
+              <a:rPr lang="en-US" sz="3200" b="1" noProof="0" dirty="0">
+                <a:solidFill>
+                  <a:schemeClr val="dk2"/>
+                </a:solidFill>
+                <a:latin typeface="Roboto Medium"/>
+                <a:ea typeface="Roboto Medium"/>
+                <a:cs typeface="Roboto Medium"/>
+                <a:sym typeface="Roboto Medium"/>
+              </a:rPr>
+              <a:t>Outlier Detection</a:t>
+            </a:r>
+            <a:endParaRPr lang="en-US" noProof="0" dirty="0"/>
+          </a:p>
+        </p:txBody>
+      </p:sp>
+      <p:sp>
+        <p:nvSpPr>
+          <p:cNvPr id="223" name="Google Shape;223;p11">
+            <a:extLst>
+              <a:ext uri="{FF2B5EF4-FFF2-40B4-BE49-F238E27FC236}">
+                <a16:creationId xmlns:a16="http://schemas.microsoft.com/office/drawing/2014/main" id="{B080845D-67F5-5CDE-AFCE-ACA6D1FA0404}"/>
+              </a:ext>
+            </a:extLst>
+          </p:cNvPr>
+          <p:cNvSpPr txBox="1"/>
+          <p:nvPr/>
+        </p:nvSpPr>
+        <p:spPr>
+          <a:xfrm>
+            <a:off x="136034" y="1579301"/>
+            <a:ext cx="7104521" cy="1820910"/>
+          </a:xfrm>
+          <a:prstGeom prst="rect">
+            <a:avLst/>
+          </a:prstGeom>
+          <a:noFill/>
+          <a:ln>
+            <a:noFill/>
+          </a:ln>
+        </p:spPr>
+        <p:txBody>
+          <a:bodyPr spcFirstLastPara="1" wrap="square" lIns="91425" tIns="45700" rIns="91425" bIns="45700" anchor="t" anchorCtr="0">
+            <a:noAutofit/>
+          </a:bodyPr>
+          <a:lstStyle/>
+          <a:p>
+            <a:pPr marL="342900" lvl="0" indent="-342900">
+              <a:buClr>
+                <a:schemeClr val="dk1"/>
+              </a:buClr>
+              <a:buSzPts val="2000"/>
+              <a:buFont typeface="Arial" panose="020B0604020202020204" pitchFamily="34" charset="0"/>
+              <a:buChar char="•"/>
+            </a:pPr>
+            <a:r>
+              <a:rPr lang="en-US" sz="1800" b="1" noProof="0" dirty="0">
+                <a:solidFill>
+                  <a:schemeClr val="dk1"/>
+                </a:solidFill>
+                <a:latin typeface="Roboto"/>
+                <a:ea typeface="Roboto"/>
+                <a:cs typeface="Roboto"/>
+                <a:sym typeface="Roboto"/>
+              </a:rPr>
+              <a:t>Univariate Analysis: </a:t>
+            </a:r>
+            <a:r>
+              <a:rPr lang="en-US" sz="1800" noProof="0" dirty="0">
+                <a:solidFill>
+                  <a:schemeClr val="dk1"/>
+                </a:solidFill>
+                <a:latin typeface="Roboto"/>
+                <a:ea typeface="Roboto"/>
+                <a:cs typeface="Roboto"/>
+                <a:sym typeface="Roboto"/>
+              </a:rPr>
+              <a:t>use </a:t>
+            </a:r>
+            <a:r>
+              <a:rPr lang="en-US" sz="1800" i="1" noProof="0" dirty="0">
+                <a:solidFill>
+                  <a:schemeClr val="dk1"/>
+                </a:solidFill>
+                <a:latin typeface="Roboto"/>
+                <a:ea typeface="Roboto"/>
+                <a:cs typeface="Roboto"/>
+                <a:sym typeface="Roboto"/>
+              </a:rPr>
+              <a:t>IQR</a:t>
+            </a:r>
+            <a:r>
+              <a:rPr lang="en-US" sz="1800" noProof="0" dirty="0">
+                <a:solidFill>
+                  <a:schemeClr val="dk1"/>
+                </a:solidFill>
+                <a:latin typeface="Roboto"/>
+                <a:ea typeface="Roboto"/>
+                <a:cs typeface="Roboto"/>
+                <a:sym typeface="Roboto"/>
+              </a:rPr>
+              <a:t> for each column to find outliers and </a:t>
+            </a:r>
+            <a:r>
+              <a:rPr lang="en-US" sz="1800" i="1" noProof="0" dirty="0">
+                <a:solidFill>
+                  <a:schemeClr val="dk1"/>
+                </a:solidFill>
+                <a:latin typeface="Roboto"/>
+                <a:ea typeface="Roboto"/>
+                <a:cs typeface="Roboto"/>
+                <a:sym typeface="Roboto"/>
+              </a:rPr>
+              <a:t>to remove problematic outliers</a:t>
+            </a:r>
+            <a:r>
+              <a:rPr lang="en-US" sz="1800" noProof="0" dirty="0">
+                <a:solidFill>
+                  <a:schemeClr val="dk1"/>
+                </a:solidFill>
+                <a:latin typeface="Roboto"/>
+                <a:ea typeface="Roboto"/>
+                <a:cs typeface="Roboto"/>
+                <a:sym typeface="Roboto"/>
+              </a:rPr>
+              <a:t>. </a:t>
+            </a:r>
+          </a:p>
+          <a:p>
+            <a:pPr marL="342900" lvl="0" indent="-342900">
+              <a:buClr>
+                <a:schemeClr val="dk1"/>
+              </a:buClr>
+              <a:buSzPts val="2000"/>
+              <a:buFont typeface="Arial" panose="020B0604020202020204" pitchFamily="34" charset="0"/>
+              <a:buChar char="•"/>
+            </a:pPr>
+            <a:r>
+              <a:rPr lang="en-US" sz="1800" b="1" noProof="0" dirty="0">
+                <a:solidFill>
+                  <a:schemeClr val="dk1"/>
+                </a:solidFill>
+                <a:latin typeface="Roboto"/>
+                <a:ea typeface="Roboto"/>
+                <a:cs typeface="Roboto"/>
+                <a:sym typeface="Roboto"/>
+              </a:rPr>
+              <a:t>Multivariate Analysis: </a:t>
+            </a:r>
+            <a:r>
+              <a:rPr lang="en-US" sz="1800" noProof="0" dirty="0">
+                <a:solidFill>
+                  <a:schemeClr val="dk1"/>
+                </a:solidFill>
+                <a:latin typeface="Roboto"/>
+                <a:ea typeface="Roboto"/>
+                <a:cs typeface="Roboto"/>
+                <a:sym typeface="Roboto"/>
+              </a:rPr>
+              <a:t>create groups of columns (EcogPt, EcogSP, Cognitive Score, MRI/ICV, CSF/ABETA), apply </a:t>
+            </a:r>
+            <a:r>
+              <a:rPr lang="en-US" sz="1800" i="1" noProof="0" dirty="0">
+                <a:solidFill>
+                  <a:schemeClr val="dk1"/>
+                </a:solidFill>
+                <a:latin typeface="Roboto"/>
+                <a:ea typeface="Roboto"/>
+                <a:cs typeface="Roboto"/>
+                <a:sym typeface="Roboto"/>
+              </a:rPr>
+              <a:t>LOF</a:t>
+            </a:r>
+            <a:r>
+              <a:rPr lang="en-US" sz="1800" noProof="0" dirty="0">
+                <a:solidFill>
+                  <a:schemeClr val="dk1"/>
+                </a:solidFill>
+                <a:latin typeface="Roboto"/>
+                <a:ea typeface="Roboto"/>
+                <a:cs typeface="Roboto"/>
+                <a:sym typeface="Roboto"/>
+              </a:rPr>
+              <a:t> on the normalized data (</a:t>
+            </a:r>
+            <a:r>
+              <a:rPr lang="en-US" sz="1800" noProof="0" dirty="0" err="1">
+                <a:solidFill>
+                  <a:schemeClr val="dk1"/>
+                </a:solidFill>
+                <a:latin typeface="Roboto"/>
+                <a:ea typeface="Roboto"/>
+                <a:cs typeface="Roboto"/>
+                <a:sym typeface="Roboto"/>
+              </a:rPr>
+              <a:t>RobustScaler</a:t>
+            </a:r>
+            <a:r>
+              <a:rPr lang="en-US" sz="1800" noProof="0" dirty="0">
+                <a:solidFill>
+                  <a:schemeClr val="dk1"/>
+                </a:solidFill>
+                <a:latin typeface="Roboto"/>
+                <a:ea typeface="Roboto"/>
+                <a:cs typeface="Roboto"/>
+                <a:sym typeface="Roboto"/>
+              </a:rPr>
+              <a:t>)</a:t>
+            </a:r>
+            <a:r>
+              <a:rPr lang="en-US" sz="1800" dirty="0">
+                <a:solidFill>
+                  <a:schemeClr val="dk1"/>
+                </a:solidFill>
+                <a:latin typeface="Roboto"/>
+                <a:ea typeface="Roboto"/>
+                <a:cs typeface="Roboto"/>
+                <a:sym typeface="Roboto"/>
+              </a:rPr>
+              <a:t> to find outliers and </a:t>
+            </a:r>
+            <a:r>
+              <a:rPr lang="en-US" sz="1800" i="1" dirty="0">
+                <a:solidFill>
+                  <a:schemeClr val="dk1"/>
+                </a:solidFill>
+                <a:latin typeface="Roboto"/>
+                <a:ea typeface="Roboto"/>
+                <a:cs typeface="Roboto"/>
+                <a:sym typeface="Roboto"/>
+              </a:rPr>
+              <a:t>to analyze them</a:t>
+            </a:r>
+            <a:r>
+              <a:rPr lang="en-US" sz="1800" dirty="0">
+                <a:solidFill>
+                  <a:schemeClr val="dk1"/>
+                </a:solidFill>
+                <a:latin typeface="Roboto"/>
+                <a:ea typeface="Roboto"/>
+                <a:cs typeface="Roboto"/>
+                <a:sym typeface="Roboto"/>
+              </a:rPr>
+              <a:t>. </a:t>
+            </a:r>
+            <a:endParaRPr lang="en-US" sz="1800" noProof="0" dirty="0">
+              <a:solidFill>
+                <a:schemeClr val="dk1"/>
+              </a:solidFill>
+              <a:latin typeface="Roboto"/>
+              <a:ea typeface="Roboto"/>
+              <a:cs typeface="Roboto"/>
+              <a:sym typeface="Roboto"/>
+            </a:endParaRPr>
+          </a:p>
+        </p:txBody>
+      </p:sp>
+      <p:sp>
+        <p:nvSpPr>
+          <p:cNvPr id="225" name="Google Shape;225;p11">
+            <a:extLst>
+              <a:ext uri="{FF2B5EF4-FFF2-40B4-BE49-F238E27FC236}">
+                <a16:creationId xmlns:a16="http://schemas.microsoft.com/office/drawing/2014/main" id="{FDA3671B-00C8-CC1B-3165-1D17E5B657C0}"/>
+              </a:ext>
+            </a:extLst>
+          </p:cNvPr>
+          <p:cNvSpPr txBox="1"/>
+          <p:nvPr/>
+        </p:nvSpPr>
+        <p:spPr>
+          <a:xfrm>
+            <a:off x="8449143" y="6190031"/>
+            <a:ext cx="2778325" cy="246221"/>
+          </a:xfrm>
+          <a:prstGeom prst="rect">
+            <a:avLst/>
+          </a:prstGeom>
+          <a:noFill/>
+          <a:ln>
+            <a:noFill/>
+          </a:ln>
+        </p:spPr>
+        <p:txBody>
+          <a:bodyPr spcFirstLastPara="1" wrap="square" lIns="91425" tIns="45700" rIns="91425" bIns="45700" anchor="t" anchorCtr="0">
+            <a:spAutoFit/>
+          </a:bodyPr>
+          <a:lstStyle/>
+          <a:p>
+            <a:pPr marL="0" marR="0" lvl="0" indent="0" algn="r" rtl="0">
+              <a:spcBef>
+                <a:spcPts val="0"/>
+              </a:spcBef>
+              <a:spcAft>
+                <a:spcPts val="0"/>
+              </a:spcAft>
+              <a:buNone/>
+            </a:pPr>
+            <a:r>
+              <a:rPr lang="en-US" sz="1000" noProof="0" dirty="0">
+                <a:solidFill>
+                  <a:schemeClr val="lt1"/>
+                </a:solidFill>
+                <a:latin typeface="Roboto"/>
+                <a:ea typeface="Roboto"/>
+                <a:cs typeface="Roboto"/>
+                <a:sym typeface="Roboto"/>
+              </a:rPr>
+              <a:t>Use the </a:t>
+            </a:r>
+            <a:r>
+              <a:rPr lang="en-US" sz="1000" u="sng" noProof="0" dirty="0">
+                <a:solidFill>
+                  <a:schemeClr val="lt1"/>
+                </a:solidFill>
+                <a:latin typeface="Roboto"/>
+                <a:ea typeface="Roboto"/>
+                <a:cs typeface="Roboto"/>
+                <a:sym typeface="Roboto"/>
+                <a:hlinkClick r:id="" action="ppaction://noaction">
+                  <a:extLst>
+                    <a:ext uri="{A12FA001-AC4F-418D-AE19-62706E023703}">
+                      <ahyp:hlinkClr xmlns:ahyp="http://schemas.microsoft.com/office/drawing/2018/hyperlinkcolor" val="tx"/>
+                    </a:ext>
+                  </a:extLst>
+                </a:hlinkClick>
+              </a:rPr>
+              <a:t>Resource section</a:t>
+            </a:r>
+            <a:r>
+              <a:rPr lang="en-US" sz="1000" noProof="0" dirty="0">
+                <a:solidFill>
+                  <a:schemeClr val="lt1"/>
+                </a:solidFill>
+                <a:latin typeface="Roboto"/>
+                <a:ea typeface="Roboto"/>
+                <a:cs typeface="Roboto"/>
+                <a:sym typeface="Roboto"/>
+              </a:rPr>
+              <a:t> to swap this figure</a:t>
+            </a:r>
+            <a:endParaRPr lang="en-US" noProof="0" dirty="0">
+              <a:solidFill>
+                <a:schemeClr val="lt1"/>
+              </a:solidFill>
+            </a:endParaRPr>
+          </a:p>
+        </p:txBody>
+      </p:sp>
+      <p:pic>
+        <p:nvPicPr>
+          <p:cNvPr id="3" name="Immagine 2">
+            <a:extLst>
+              <a:ext uri="{FF2B5EF4-FFF2-40B4-BE49-F238E27FC236}">
+                <a16:creationId xmlns:a16="http://schemas.microsoft.com/office/drawing/2014/main" id="{FFB5C262-5E45-8686-6F0E-35BF3FEF4567}"/>
+              </a:ext>
+            </a:extLst>
+          </p:cNvPr>
+          <p:cNvPicPr>
+            <a:picLocks noChangeAspect="1"/>
+          </p:cNvPicPr>
+          <p:nvPr/>
+        </p:nvPicPr>
+        <p:blipFill>
+          <a:blip r:embed="rId3"/>
+          <a:stretch>
+            <a:fillRect/>
+          </a:stretch>
+        </p:blipFill>
+        <p:spPr>
+          <a:xfrm>
+            <a:off x="7333861" y="0"/>
+            <a:ext cx="4858139" cy="3400211"/>
+          </a:xfrm>
+          <a:prstGeom prst="rect">
+            <a:avLst/>
+          </a:prstGeom>
+        </p:spPr>
+      </p:pic>
+      <p:pic>
+        <p:nvPicPr>
+          <p:cNvPr id="5" name="Immagine 4">
+            <a:extLst>
+              <a:ext uri="{FF2B5EF4-FFF2-40B4-BE49-F238E27FC236}">
+                <a16:creationId xmlns:a16="http://schemas.microsoft.com/office/drawing/2014/main" id="{DEC53112-1BA2-2449-F5D6-35C52551753D}"/>
+              </a:ext>
+            </a:extLst>
+          </p:cNvPr>
+          <p:cNvPicPr>
+            <a:picLocks noChangeAspect="1"/>
+          </p:cNvPicPr>
+          <p:nvPr/>
+        </p:nvPicPr>
+        <p:blipFill>
+          <a:blip r:embed="rId4"/>
+          <a:stretch>
+            <a:fillRect/>
+          </a:stretch>
+        </p:blipFill>
+        <p:spPr>
+          <a:xfrm>
+            <a:off x="7333861" y="3481036"/>
+            <a:ext cx="4858139" cy="3400211"/>
+          </a:xfrm>
+          <a:prstGeom prst="rect">
+            <a:avLst/>
+          </a:prstGeom>
+        </p:spPr>
+      </p:pic>
+      <p:sp>
+        <p:nvSpPr>
+          <p:cNvPr id="2" name="Google Shape;153;p5">
+            <a:extLst>
+              <a:ext uri="{FF2B5EF4-FFF2-40B4-BE49-F238E27FC236}">
+                <a16:creationId xmlns:a16="http://schemas.microsoft.com/office/drawing/2014/main" id="{5B77457A-7A20-8D16-5A66-B75D03A6A1B2}"/>
+              </a:ext>
+            </a:extLst>
+          </p:cNvPr>
+          <p:cNvSpPr txBox="1"/>
+          <p:nvPr/>
+        </p:nvSpPr>
+        <p:spPr>
+          <a:xfrm>
+            <a:off x="587376" y="549275"/>
+            <a:ext cx="340240" cy="307777"/>
+          </a:xfrm>
+          <a:prstGeom prst="rect">
+            <a:avLst/>
+          </a:prstGeom>
+          <a:noFill/>
+          <a:ln>
+            <a:noFill/>
+          </a:ln>
+        </p:spPr>
+        <p:txBody>
+          <a:bodyPr spcFirstLastPara="1" wrap="square" lIns="91425" tIns="45700" rIns="91425" bIns="45700" anchor="t" anchorCtr="0">
+            <a:spAutoFit/>
+          </a:bodyPr>
+          <a:lstStyle/>
+          <a:p>
+            <a:pPr marL="0" marR="0" lvl="0" indent="0" algn="l" rtl="0">
+              <a:lnSpc>
+                <a:spcPct val="100000"/>
+              </a:lnSpc>
+              <a:spcBef>
+                <a:spcPts val="0"/>
+              </a:spcBef>
+              <a:spcAft>
+                <a:spcPts val="0"/>
+              </a:spcAft>
+              <a:buClr>
+                <a:schemeClr val="accent1"/>
+              </a:buClr>
+              <a:buSzPts val="1400"/>
+              <a:buFont typeface="Roboto"/>
+              <a:buNone/>
+            </a:pPr>
+            <a:r>
+              <a:rPr lang="en-US" sz="1400" u="none" strike="noStrike" cap="none" noProof="0" dirty="0">
+                <a:solidFill>
+                  <a:schemeClr val="accent1"/>
+                </a:solidFill>
+                <a:latin typeface="Roboto"/>
+                <a:ea typeface="Roboto"/>
+                <a:cs typeface="Roboto"/>
+                <a:sym typeface="Roboto"/>
+              </a:rPr>
+              <a:t>II</a:t>
+            </a:r>
+          </a:p>
+        </p:txBody>
+      </p:sp>
+      <p:sp>
+        <p:nvSpPr>
+          <p:cNvPr id="4" name="Google Shape;166;p6">
+            <a:extLst>
+              <a:ext uri="{FF2B5EF4-FFF2-40B4-BE49-F238E27FC236}">
+                <a16:creationId xmlns:a16="http://schemas.microsoft.com/office/drawing/2014/main" id="{9545ED1C-268D-AA4D-B18C-533632427E1F}"/>
+              </a:ext>
+            </a:extLst>
+          </p:cNvPr>
+          <p:cNvSpPr txBox="1"/>
+          <p:nvPr/>
+        </p:nvSpPr>
+        <p:spPr>
+          <a:xfrm>
+            <a:off x="843554" y="549275"/>
+            <a:ext cx="3109013" cy="307736"/>
+          </a:xfrm>
+          <a:prstGeom prst="rect">
+            <a:avLst/>
+          </a:prstGeom>
+          <a:noFill/>
+          <a:ln>
+            <a:noFill/>
+          </a:ln>
+        </p:spPr>
+        <p:txBody>
+          <a:bodyPr spcFirstLastPara="1" wrap="square" lIns="91425" tIns="45700" rIns="91425" bIns="45700" anchor="t" anchorCtr="0">
+            <a:spAutoFit/>
+          </a:bodyPr>
+          <a:lstStyle/>
+          <a:p>
+            <a:pPr lvl="0">
+              <a:buClr>
+                <a:schemeClr val="accent1"/>
+              </a:buClr>
+              <a:buSzPts val="1400"/>
+            </a:pPr>
+            <a:r>
+              <a:rPr lang="en-US" noProof="0" dirty="0">
+                <a:solidFill>
+                  <a:schemeClr val="accent1"/>
+                </a:solidFill>
+                <a:latin typeface="Roboto"/>
+                <a:ea typeface="Roboto"/>
+                <a:cs typeface="Roboto"/>
+                <a:sym typeface="Roboto"/>
+              </a:rPr>
+              <a:t>Dataset ADNI</a:t>
+            </a:r>
+            <a:endParaRPr lang="en-US" sz="1400" u="none" strike="noStrike" cap="none" noProof="0" dirty="0">
+              <a:solidFill>
+                <a:schemeClr val="accent1"/>
+              </a:solidFill>
+              <a:latin typeface="Roboto"/>
+              <a:ea typeface="Roboto"/>
+              <a:cs typeface="Roboto"/>
+              <a:sym typeface="Roboto"/>
+            </a:endParaRPr>
+          </a:p>
+        </p:txBody>
+      </p:sp>
+      <p:pic>
+        <p:nvPicPr>
+          <p:cNvPr id="1028" name="Picture 4" descr="No description has been provided for this image">
+            <a:extLst>
+              <a:ext uri="{FF2B5EF4-FFF2-40B4-BE49-F238E27FC236}">
+                <a16:creationId xmlns:a16="http://schemas.microsoft.com/office/drawing/2014/main" id="{A1D0CAA0-557C-06CA-719E-E992211646F7}"/>
+              </a:ext>
+            </a:extLst>
+          </p:cNvPr>
+          <p:cNvPicPr>
+            <a:picLocks noChangeAspect="1" noChangeArrowheads="1"/>
+          </p:cNvPicPr>
+          <p:nvPr/>
+        </p:nvPicPr>
+        <p:blipFill>
+          <a:blip r:embed="rId5">
+            <a:extLst>
+              <a:ext uri="{28A0092B-C50C-407E-A947-70E740481C1C}">
+                <a14:useLocalDpi xmlns:a14="http://schemas.microsoft.com/office/drawing/2010/main" val="0"/>
+              </a:ext>
+            </a:extLst>
+          </a:blip>
+          <a:srcRect/>
+          <a:stretch>
+            <a:fillRect/>
+          </a:stretch>
+        </p:blipFill>
+        <p:spPr bwMode="auto">
+          <a:xfrm>
+            <a:off x="3184306" y="3523082"/>
+            <a:ext cx="4149555" cy="3334918"/>
+          </a:xfrm>
+          <a:prstGeom prst="rect">
+            <a:avLst/>
+          </a:prstGeom>
+          <a:noFill/>
+          <a:extLst>
+            <a:ext uri="{909E8E84-426E-40DD-AFC4-6F175D3DCCD1}">
+              <a14:hiddenFill xmlns:a14="http://schemas.microsoft.com/office/drawing/2010/main">
+                <a:solidFill>
+                  <a:srgbClr val="FFFFFF"/>
+                </a:solidFill>
+              </a14:hiddenFill>
+            </a:ext>
+          </a:extLst>
+        </p:spPr>
+      </p:pic>
+    </p:spTree>
+    <p:extLst>
+      <p:ext uri="{BB962C8B-B14F-4D97-AF65-F5344CB8AC3E}">
+        <p14:creationId xmlns:p14="http://schemas.microsoft.com/office/powerpoint/2010/main" val="618964106"/>
+      </p:ext>
+    </p:extLst>
+  </p:cSld>
+  <p:clrMapOvr>
+    <a:masterClrMapping/>
+  </p:clrMapOvr>
+</p:sld>
+</file>
+
+<file path=ppt/slides/slide13.xml><?xml version="1.0" encoding="utf-8"?>
 <p:sld xmlns:a="http://schemas.openxmlformats.org/drawingml/2006/main" xmlns:r="http://schemas.openxmlformats.org/officeDocument/2006/relationships" xmlns:p="http://schemas.openxmlformats.org/presentationml/2006/main">
   <p:cSld>
     <p:bg>
@@ -21531,7 +22393,7 @@
 </p:sld>
 </file>
 
-<file path=ppt/slides/slide13.xml><?xml version="1.0" encoding="utf-8"?>
+<file path=ppt/slides/slide14.xml><?xml version="1.0" encoding="utf-8"?>
 <p:sld xmlns:a="http://schemas.openxmlformats.org/drawingml/2006/main" xmlns:r="http://schemas.openxmlformats.org/officeDocument/2006/relationships" xmlns:p="http://schemas.openxmlformats.org/presentationml/2006/main">
   <p:cSld>
     <p:bg>
@@ -21632,7 +22494,7 @@
 </p:sld>
 </file>
 
-<file path=ppt/slides/slide14.xml><?xml version="1.0" encoding="utf-8"?>
+<file path=ppt/slides/slide15.xml><?xml version="1.0" encoding="utf-8"?>
 <p:sld xmlns:a="http://schemas.openxmlformats.org/drawingml/2006/main" xmlns:r="http://schemas.openxmlformats.org/officeDocument/2006/relationships" xmlns:p="http://schemas.openxmlformats.org/presentationml/2006/main">
   <p:cSld>
     <p:bg>
@@ -22247,7 +23109,7 @@
 </p:sld>
 </file>
 
-<file path=ppt/slides/slide15.xml><?xml version="1.0" encoding="utf-8"?>
+<file path=ppt/slides/slide16.xml><?xml version="1.0" encoding="utf-8"?>
 <p:sld xmlns:a="http://schemas.openxmlformats.org/drawingml/2006/main" xmlns:r="http://schemas.openxmlformats.org/officeDocument/2006/relationships" xmlns:p="http://schemas.openxmlformats.org/presentationml/2006/main">
   <p:cSld>
     <p:bg>
@@ -22983,7 +23845,7 @@
 </p:sld>
 </file>
 
-<file path=ppt/slides/slide16.xml><?xml version="1.0" encoding="utf-8"?>
+<file path=ppt/slides/slide17.xml><?xml version="1.0" encoding="utf-8"?>
 <p:sld xmlns:a="http://schemas.openxmlformats.org/drawingml/2006/main" xmlns:r="http://schemas.openxmlformats.org/officeDocument/2006/relationships" xmlns:p="http://schemas.openxmlformats.org/presentationml/2006/main">
   <p:cSld>
     <p:bg>
@@ -23092,8 +23954,8 @@
         </p:nvSpPr>
         <p:spPr>
           <a:xfrm>
-            <a:off x="1668547" y="1371600"/>
-            <a:ext cx="8941706" cy="3498939"/>
+            <a:off x="840816" y="1371600"/>
+            <a:ext cx="10423568" cy="3498939"/>
           </a:xfrm>
           <a:prstGeom prst="rect">
             <a:avLst/>
@@ -23105,7 +23967,7 @@
         </p:spPr>
         <p:txBody>
           <a:bodyPr spcFirstLastPara="1" wrap="square" lIns="91425" tIns="45700" rIns="91425" bIns="45700" anchor="t" anchorCtr="0">
-            <a:normAutofit/>
+            <a:normAutofit fontScale="92500" lnSpcReduction="10000"/>
           </a:bodyPr>
           <a:lstStyle/>
           <a:p>
@@ -23118,160 +23980,334 @@
               <a:buChar char="•"/>
             </a:pPr>
             <a:r>
-              <a:rPr lang="en-US" sz="2000" b="1" noProof="0" dirty="0">
-                <a:solidFill>
-                  <a:schemeClr val="dk1"/>
-                </a:solidFill>
-                <a:latin typeface="Roboto"/>
-                <a:ea typeface="Roboto"/>
-                <a:cs typeface="Roboto"/>
-                <a:sym typeface="Roboto"/>
-              </a:rPr>
-              <a:t>Removal of redundant features: </a:t>
-            </a:r>
-            <a:r>
-              <a:rPr lang="en-US" sz="2000" i="1" noProof="0" dirty="0">
-                <a:solidFill>
-                  <a:schemeClr val="dk1"/>
-                </a:solidFill>
-                <a:latin typeface="Roboto"/>
-                <a:ea typeface="Roboto"/>
-                <a:cs typeface="Roboto"/>
-                <a:sym typeface="Roboto"/>
-              </a:rPr>
-              <a:t>ADAS11</a:t>
-            </a:r>
-            <a:r>
-              <a:rPr lang="en-US" sz="2000" noProof="0" dirty="0">
-                <a:solidFill>
-                  <a:schemeClr val="dk1"/>
-                </a:solidFill>
-                <a:latin typeface="Roboto"/>
-                <a:ea typeface="Roboto"/>
-                <a:cs typeface="Roboto"/>
-                <a:sym typeface="Roboto"/>
+              <a:rPr lang="en-US" sz="2000" b="1" dirty="0">
+                <a:latin typeface="Roboto" panose="02000000000000000000" pitchFamily="2" charset="0"/>
+                <a:ea typeface="Roboto" panose="02000000000000000000" pitchFamily="2" charset="0"/>
+                <a:cs typeface="Roboto" panose="02000000000000000000" pitchFamily="2" charset="0"/>
+              </a:rPr>
+              <a:t>Biomarker raw values replaced by ratios: </a:t>
+            </a:r>
+            <a:r>
+              <a:rPr lang="en-US" sz="2000" i="1" dirty="0">
+                <a:latin typeface="Roboto" panose="02000000000000000000" pitchFamily="2" charset="0"/>
+                <a:ea typeface="Roboto" panose="02000000000000000000" pitchFamily="2" charset="0"/>
+                <a:cs typeface="Roboto" panose="02000000000000000000" pitchFamily="2" charset="0"/>
+              </a:rPr>
+              <a:t>TAU</a:t>
+            </a:r>
+            <a:r>
+              <a:rPr lang="en-US" sz="2000" dirty="0">
+                <a:latin typeface="Roboto" panose="02000000000000000000" pitchFamily="2" charset="0"/>
+                <a:ea typeface="Roboto" panose="02000000000000000000" pitchFamily="2" charset="0"/>
+                <a:cs typeface="Roboto" panose="02000000000000000000" pitchFamily="2" charset="0"/>
               </a:rPr>
               <a:t>, </a:t>
             </a:r>
             <a:r>
-              <a:rPr lang="en-US" sz="2000" i="1" noProof="0" dirty="0">
-                <a:solidFill>
-                  <a:schemeClr val="dk1"/>
-                </a:solidFill>
-                <a:latin typeface="Roboto"/>
-                <a:ea typeface="Roboto"/>
-                <a:cs typeface="Roboto"/>
-                <a:sym typeface="Roboto"/>
-              </a:rPr>
-              <a:t>ADASQ4</a:t>
-            </a:r>
-            <a:r>
-              <a:rPr lang="en-US" sz="2000" noProof="0" dirty="0">
-                <a:solidFill>
-                  <a:schemeClr val="dk1"/>
-                </a:solidFill>
-                <a:latin typeface="Roboto"/>
-                <a:ea typeface="Roboto"/>
-                <a:cs typeface="Roboto"/>
-                <a:sym typeface="Roboto"/>
+              <a:rPr lang="en-US" sz="2000" i="1" dirty="0">
+                <a:latin typeface="Roboto" panose="02000000000000000000" pitchFamily="2" charset="0"/>
+                <a:ea typeface="Roboto" panose="02000000000000000000" pitchFamily="2" charset="0"/>
+                <a:cs typeface="Roboto" panose="02000000000000000000" pitchFamily="2" charset="0"/>
+              </a:rPr>
+              <a:t>PTAU</a:t>
+            </a:r>
+            <a:r>
+              <a:rPr lang="en-US" sz="2000" dirty="0">
+                <a:latin typeface="Roboto" panose="02000000000000000000" pitchFamily="2" charset="0"/>
+                <a:ea typeface="Roboto" panose="02000000000000000000" pitchFamily="2" charset="0"/>
+                <a:cs typeface="Roboto" panose="02000000000000000000" pitchFamily="2" charset="0"/>
               </a:rPr>
               <a:t>, </a:t>
             </a:r>
             <a:r>
-              <a:rPr lang="en-US" sz="2000" i="1" noProof="0" dirty="0">
-                <a:solidFill>
-                  <a:schemeClr val="dk1"/>
-                </a:solidFill>
-                <a:latin typeface="Roboto"/>
-                <a:ea typeface="Roboto"/>
-                <a:cs typeface="Roboto"/>
-                <a:sym typeface="Roboto"/>
-              </a:rPr>
-              <a:t>EcogPtTotal</a:t>
-            </a:r>
-            <a:r>
-              <a:rPr lang="en-US" sz="2000" noProof="0" dirty="0">
-                <a:solidFill>
-                  <a:schemeClr val="dk1"/>
-                </a:solidFill>
-                <a:latin typeface="Roboto"/>
-                <a:ea typeface="Roboto"/>
-                <a:cs typeface="Roboto"/>
-                <a:sym typeface="Roboto"/>
+              <a:rPr lang="en-US" sz="2000" i="1" dirty="0">
+                <a:latin typeface="Roboto" panose="02000000000000000000" pitchFamily="2" charset="0"/>
+                <a:ea typeface="Roboto" panose="02000000000000000000" pitchFamily="2" charset="0"/>
+                <a:cs typeface="Roboto" panose="02000000000000000000" pitchFamily="2" charset="0"/>
+              </a:rPr>
+              <a:t>ABETA</a:t>
+            </a:r>
+            <a:r>
+              <a:rPr lang="en-US" sz="2000" dirty="0">
+                <a:latin typeface="Roboto" panose="02000000000000000000" pitchFamily="2" charset="0"/>
+                <a:ea typeface="Roboto" panose="02000000000000000000" pitchFamily="2" charset="0"/>
+                <a:cs typeface="Roboto" panose="02000000000000000000" pitchFamily="2" charset="0"/>
+              </a:rPr>
+              <a:t> are replaced by </a:t>
+            </a:r>
+            <a:r>
+              <a:rPr lang="en-US" sz="2000" i="1" dirty="0">
+                <a:latin typeface="Roboto" panose="02000000000000000000" pitchFamily="2" charset="0"/>
+                <a:ea typeface="Roboto" panose="02000000000000000000" pitchFamily="2" charset="0"/>
+                <a:cs typeface="Roboto" panose="02000000000000000000" pitchFamily="2" charset="0"/>
+              </a:rPr>
+              <a:t>TAU/ABETA </a:t>
+            </a:r>
+            <a:r>
+              <a:rPr lang="en-US" sz="2000" dirty="0">
+                <a:latin typeface="Roboto" panose="02000000000000000000" pitchFamily="2" charset="0"/>
+                <a:ea typeface="Roboto" panose="02000000000000000000" pitchFamily="2" charset="0"/>
+                <a:cs typeface="Roboto" panose="02000000000000000000" pitchFamily="2" charset="0"/>
+              </a:rPr>
+              <a:t>and </a:t>
+            </a:r>
+            <a:r>
+              <a:rPr lang="en-US" sz="2000" i="1" dirty="0">
+                <a:latin typeface="Roboto" panose="02000000000000000000" pitchFamily="2" charset="0"/>
+                <a:ea typeface="Roboto" panose="02000000000000000000" pitchFamily="2" charset="0"/>
+                <a:cs typeface="Roboto" panose="02000000000000000000" pitchFamily="2" charset="0"/>
+              </a:rPr>
+              <a:t>PTAU/ABETA</a:t>
+            </a:r>
+            <a:r>
+              <a:rPr lang="en-US" sz="2000" dirty="0">
+                <a:latin typeface="Roboto" panose="02000000000000000000" pitchFamily="2" charset="0"/>
+                <a:ea typeface="Roboto" panose="02000000000000000000" pitchFamily="2" charset="0"/>
+                <a:cs typeface="Roboto" panose="02000000000000000000" pitchFamily="2" charset="0"/>
+              </a:rPr>
+              <a:t>;</a:t>
+            </a:r>
+          </a:p>
+          <a:p>
+            <a:pPr marL="228600" indent="-228600">
+              <a:buClr>
+                <a:schemeClr val="dk1"/>
+              </a:buClr>
+              <a:buSzPts val="2000"/>
+              <a:buFont typeface="Arial"/>
+              <a:buChar char="•"/>
+            </a:pPr>
+            <a:r>
+              <a:rPr lang="en-US" sz="2000" b="1" dirty="0">
+                <a:latin typeface="Roboto" panose="02000000000000000000" pitchFamily="2" charset="0"/>
+                <a:ea typeface="Roboto" panose="02000000000000000000" pitchFamily="2" charset="0"/>
+                <a:cs typeface="Roboto" panose="02000000000000000000" pitchFamily="2" charset="0"/>
+              </a:rPr>
+              <a:t>MRI are normalized by ICV: </a:t>
+            </a:r>
+            <a:r>
+              <a:rPr lang="en-US" sz="2000" i="1" dirty="0">
+                <a:latin typeface="Roboto" panose="02000000000000000000" pitchFamily="2" charset="0"/>
+                <a:ea typeface="Roboto" panose="02000000000000000000" pitchFamily="2" charset="0"/>
+                <a:cs typeface="Roboto" panose="02000000000000000000" pitchFamily="2" charset="0"/>
+              </a:rPr>
+              <a:t>Ventricles</a:t>
+            </a:r>
+            <a:r>
+              <a:rPr lang="en-US" sz="2000" dirty="0">
+                <a:latin typeface="Roboto" panose="02000000000000000000" pitchFamily="2" charset="0"/>
+                <a:ea typeface="Roboto" panose="02000000000000000000" pitchFamily="2" charset="0"/>
+                <a:cs typeface="Roboto" panose="02000000000000000000" pitchFamily="2" charset="0"/>
               </a:rPr>
               <a:t>, </a:t>
             </a:r>
             <a:r>
-              <a:rPr lang="en-US" sz="2000" i="1" noProof="0" dirty="0">
-                <a:solidFill>
-                  <a:schemeClr val="dk1"/>
-                </a:solidFill>
-                <a:latin typeface="Roboto"/>
-                <a:ea typeface="Roboto"/>
-                <a:cs typeface="Roboto"/>
-                <a:sym typeface="Roboto"/>
-              </a:rPr>
-              <a:t>EcogSPTotal</a:t>
-            </a:r>
-            <a:r>
-              <a:rPr lang="en-US" sz="2000" noProof="0" dirty="0">
-                <a:solidFill>
-                  <a:schemeClr val="dk1"/>
-                </a:solidFill>
-                <a:latin typeface="Roboto"/>
-                <a:ea typeface="Roboto"/>
-                <a:cs typeface="Roboto"/>
-                <a:sym typeface="Roboto"/>
+              <a:rPr lang="en-US" sz="2000" i="1" dirty="0">
+                <a:latin typeface="Roboto" panose="02000000000000000000" pitchFamily="2" charset="0"/>
+                <a:ea typeface="Roboto" panose="02000000000000000000" pitchFamily="2" charset="0"/>
+                <a:cs typeface="Roboto" panose="02000000000000000000" pitchFamily="2" charset="0"/>
+              </a:rPr>
+              <a:t>Hippocampus</a:t>
+            </a:r>
+            <a:r>
+              <a:rPr lang="en-US" sz="2000" dirty="0">
+                <a:latin typeface="Roboto" panose="02000000000000000000" pitchFamily="2" charset="0"/>
+                <a:ea typeface="Roboto" panose="02000000000000000000" pitchFamily="2" charset="0"/>
+                <a:cs typeface="Roboto" panose="02000000000000000000" pitchFamily="2" charset="0"/>
               </a:rPr>
               <a:t>, </a:t>
             </a:r>
             <a:r>
-              <a:rPr lang="en-US" sz="2000" i="1" noProof="0" dirty="0">
-                <a:solidFill>
-                  <a:schemeClr val="dk1"/>
-                </a:solidFill>
-                <a:latin typeface="Roboto"/>
-                <a:ea typeface="Roboto"/>
-                <a:cs typeface="Roboto"/>
-                <a:sym typeface="Roboto"/>
-              </a:rPr>
-              <a:t>mPACCtrailsB</a:t>
-            </a:r>
-            <a:r>
-              <a:rPr lang="en-US" sz="2000" noProof="0" dirty="0">
-                <a:solidFill>
-                  <a:schemeClr val="dk1"/>
-                </a:solidFill>
-                <a:latin typeface="Roboto"/>
-                <a:ea typeface="Roboto"/>
-                <a:cs typeface="Roboto"/>
-                <a:sym typeface="Roboto"/>
+              <a:rPr lang="en-US" sz="2000" i="1" dirty="0">
+                <a:latin typeface="Roboto" panose="02000000000000000000" pitchFamily="2" charset="0"/>
+                <a:ea typeface="Roboto" panose="02000000000000000000" pitchFamily="2" charset="0"/>
+                <a:cs typeface="Roboto" panose="02000000000000000000" pitchFamily="2" charset="0"/>
+              </a:rPr>
+              <a:t>Entorhinal</a:t>
+            </a:r>
+            <a:r>
+              <a:rPr lang="en-US" sz="2000" dirty="0">
+                <a:latin typeface="Roboto" panose="02000000000000000000" pitchFamily="2" charset="0"/>
+                <a:ea typeface="Roboto" panose="02000000000000000000" pitchFamily="2" charset="0"/>
+                <a:cs typeface="Roboto" panose="02000000000000000000" pitchFamily="2" charset="0"/>
+              </a:rPr>
+              <a:t>, </a:t>
+            </a:r>
+            <a:r>
+              <a:rPr lang="en-US" sz="2000" i="1" dirty="0">
+                <a:latin typeface="Roboto" panose="02000000000000000000" pitchFamily="2" charset="0"/>
+                <a:ea typeface="Roboto" panose="02000000000000000000" pitchFamily="2" charset="0"/>
+                <a:cs typeface="Roboto" panose="02000000000000000000" pitchFamily="2" charset="0"/>
+              </a:rPr>
+              <a:t>Fusiform</a:t>
+            </a:r>
+            <a:r>
+              <a:rPr lang="en-US" sz="2000" dirty="0">
+                <a:latin typeface="Roboto" panose="02000000000000000000" pitchFamily="2" charset="0"/>
+                <a:ea typeface="Roboto" panose="02000000000000000000" pitchFamily="2" charset="0"/>
+                <a:cs typeface="Roboto" panose="02000000000000000000" pitchFamily="2" charset="0"/>
+              </a:rPr>
+              <a:t>, </a:t>
+            </a:r>
+            <a:r>
+              <a:rPr lang="en-US" sz="2000" i="1" dirty="0" err="1">
+                <a:latin typeface="Roboto" panose="02000000000000000000" pitchFamily="2" charset="0"/>
+                <a:ea typeface="Roboto" panose="02000000000000000000" pitchFamily="2" charset="0"/>
+                <a:cs typeface="Roboto" panose="02000000000000000000" pitchFamily="2" charset="0"/>
+              </a:rPr>
+              <a:t>MidTemp</a:t>
+            </a:r>
+            <a:r>
+              <a:rPr lang="en-US" sz="2000" dirty="0">
+                <a:latin typeface="Roboto" panose="02000000000000000000" pitchFamily="2" charset="0"/>
+                <a:ea typeface="Roboto" panose="02000000000000000000" pitchFamily="2" charset="0"/>
+                <a:cs typeface="Roboto" panose="02000000000000000000" pitchFamily="2" charset="0"/>
+              </a:rPr>
+              <a:t>, </a:t>
+            </a:r>
+            <a:r>
+              <a:rPr lang="en-US" sz="2000" i="1" dirty="0" err="1">
+                <a:latin typeface="Roboto" panose="02000000000000000000" pitchFamily="2" charset="0"/>
+                <a:ea typeface="Roboto" panose="02000000000000000000" pitchFamily="2" charset="0"/>
+                <a:cs typeface="Roboto" panose="02000000000000000000" pitchFamily="2" charset="0"/>
+              </a:rPr>
+              <a:t>WholeBrain</a:t>
+            </a:r>
+            <a:r>
+              <a:rPr lang="en-US" sz="2000" dirty="0">
+                <a:latin typeface="Roboto" panose="02000000000000000000" pitchFamily="2" charset="0"/>
+                <a:ea typeface="Roboto" panose="02000000000000000000" pitchFamily="2" charset="0"/>
+                <a:cs typeface="Roboto" panose="02000000000000000000" pitchFamily="2" charset="0"/>
+              </a:rPr>
+              <a:t>, </a:t>
+            </a:r>
+            <a:r>
+              <a:rPr lang="en-US" sz="2000" i="1" dirty="0">
+                <a:latin typeface="Roboto" panose="02000000000000000000" pitchFamily="2" charset="0"/>
+                <a:ea typeface="Roboto" panose="02000000000000000000" pitchFamily="2" charset="0"/>
+                <a:cs typeface="Roboto" panose="02000000000000000000" pitchFamily="2" charset="0"/>
+              </a:rPr>
+              <a:t>ICV</a:t>
+            </a:r>
+            <a:r>
+              <a:rPr lang="en-US" sz="2000" dirty="0">
+                <a:latin typeface="Roboto" panose="02000000000000000000" pitchFamily="2" charset="0"/>
+                <a:ea typeface="Roboto" panose="02000000000000000000" pitchFamily="2" charset="0"/>
+                <a:cs typeface="Roboto" panose="02000000000000000000" pitchFamily="2" charset="0"/>
+              </a:rPr>
+              <a:t> are replaced by </a:t>
+            </a:r>
+            <a:r>
+              <a:rPr lang="en-US" sz="2000" i="1" dirty="0">
+                <a:latin typeface="Roboto" panose="02000000000000000000" pitchFamily="2" charset="0"/>
+                <a:ea typeface="Roboto" panose="02000000000000000000" pitchFamily="2" charset="0"/>
+                <a:cs typeface="Roboto" panose="02000000000000000000" pitchFamily="2" charset="0"/>
+              </a:rPr>
+              <a:t>Ventricles/ICV</a:t>
+            </a:r>
+            <a:r>
+              <a:rPr lang="en-US" sz="2000" dirty="0">
+                <a:latin typeface="Roboto" panose="02000000000000000000" pitchFamily="2" charset="0"/>
+                <a:ea typeface="Roboto" panose="02000000000000000000" pitchFamily="2" charset="0"/>
+                <a:cs typeface="Roboto" panose="02000000000000000000" pitchFamily="2" charset="0"/>
+              </a:rPr>
+              <a:t>, </a:t>
+            </a:r>
+            <a:r>
+              <a:rPr lang="en-US" sz="2000" i="1" dirty="0">
+                <a:latin typeface="Roboto" panose="02000000000000000000" pitchFamily="2" charset="0"/>
+                <a:ea typeface="Roboto" panose="02000000000000000000" pitchFamily="2" charset="0"/>
+                <a:cs typeface="Roboto" panose="02000000000000000000" pitchFamily="2" charset="0"/>
+              </a:rPr>
+              <a:t>Hippocampus/ICV</a:t>
+            </a:r>
+            <a:r>
+              <a:rPr lang="en-US" sz="2000" dirty="0">
+                <a:latin typeface="Roboto" panose="02000000000000000000" pitchFamily="2" charset="0"/>
+                <a:ea typeface="Roboto" panose="02000000000000000000" pitchFamily="2" charset="0"/>
+                <a:cs typeface="Roboto" panose="02000000000000000000" pitchFamily="2" charset="0"/>
+              </a:rPr>
+              <a:t>, </a:t>
+            </a:r>
+            <a:r>
+              <a:rPr lang="en-US" sz="2000" i="1" dirty="0">
+                <a:latin typeface="Roboto" panose="02000000000000000000" pitchFamily="2" charset="0"/>
+                <a:ea typeface="Roboto" panose="02000000000000000000" pitchFamily="2" charset="0"/>
+                <a:cs typeface="Roboto" panose="02000000000000000000" pitchFamily="2" charset="0"/>
+              </a:rPr>
+              <a:t>Entorhinal/ICV</a:t>
+            </a:r>
+            <a:r>
+              <a:rPr lang="en-US" sz="2000" dirty="0">
+                <a:latin typeface="Roboto" panose="02000000000000000000" pitchFamily="2" charset="0"/>
+                <a:ea typeface="Roboto" panose="02000000000000000000" pitchFamily="2" charset="0"/>
+                <a:cs typeface="Roboto" panose="02000000000000000000" pitchFamily="2" charset="0"/>
+              </a:rPr>
+              <a:t>, </a:t>
+            </a:r>
+            <a:r>
+              <a:rPr lang="en-US" sz="2000" i="1" dirty="0">
+                <a:latin typeface="Roboto" panose="02000000000000000000" pitchFamily="2" charset="0"/>
+                <a:ea typeface="Roboto" panose="02000000000000000000" pitchFamily="2" charset="0"/>
+                <a:cs typeface="Roboto" panose="02000000000000000000" pitchFamily="2" charset="0"/>
+              </a:rPr>
+              <a:t>Fusiform/ICV</a:t>
+            </a:r>
+            <a:r>
+              <a:rPr lang="en-US" sz="2000" dirty="0">
+                <a:latin typeface="Roboto" panose="02000000000000000000" pitchFamily="2" charset="0"/>
+                <a:ea typeface="Roboto" panose="02000000000000000000" pitchFamily="2" charset="0"/>
+                <a:cs typeface="Roboto" panose="02000000000000000000" pitchFamily="2" charset="0"/>
+              </a:rPr>
+              <a:t>, </a:t>
+            </a:r>
+            <a:r>
+              <a:rPr lang="en-US" sz="2000" i="1" dirty="0" err="1">
+                <a:latin typeface="Roboto" panose="02000000000000000000" pitchFamily="2" charset="0"/>
+                <a:ea typeface="Roboto" panose="02000000000000000000" pitchFamily="2" charset="0"/>
+                <a:cs typeface="Roboto" panose="02000000000000000000" pitchFamily="2" charset="0"/>
+              </a:rPr>
+              <a:t>MidTemp</a:t>
+            </a:r>
+            <a:r>
+              <a:rPr lang="en-US" sz="2000" i="1" dirty="0">
+                <a:latin typeface="Roboto" panose="02000000000000000000" pitchFamily="2" charset="0"/>
+                <a:ea typeface="Roboto" panose="02000000000000000000" pitchFamily="2" charset="0"/>
+                <a:cs typeface="Roboto" panose="02000000000000000000" pitchFamily="2" charset="0"/>
+              </a:rPr>
+              <a:t>/ICV</a:t>
+            </a:r>
+            <a:r>
+              <a:rPr lang="en-US" sz="2000" dirty="0">
+                <a:latin typeface="Roboto" panose="02000000000000000000" pitchFamily="2" charset="0"/>
+                <a:ea typeface="Roboto" panose="02000000000000000000" pitchFamily="2" charset="0"/>
+                <a:cs typeface="Roboto" panose="02000000000000000000" pitchFamily="2" charset="0"/>
               </a:rPr>
               <a:t>, and </a:t>
             </a:r>
             <a:r>
-              <a:rPr lang="en-US" sz="2000" i="1" noProof="0" dirty="0">
-                <a:solidFill>
-                  <a:schemeClr val="dk1"/>
-                </a:solidFill>
-                <a:latin typeface="Roboto"/>
-                <a:ea typeface="Roboto"/>
-                <a:cs typeface="Roboto"/>
-                <a:sym typeface="Roboto"/>
-              </a:rPr>
-              <a:t>TAU</a:t>
-            </a:r>
-            <a:r>
-              <a:rPr lang="en-US" sz="2000" noProof="0" dirty="0">
-                <a:solidFill>
-                  <a:schemeClr val="dk1"/>
-                </a:solidFill>
-                <a:latin typeface="Roboto"/>
-                <a:ea typeface="Roboto"/>
-                <a:cs typeface="Roboto"/>
-                <a:sym typeface="Roboto"/>
-              </a:rPr>
-              <a:t> were removed because they had a high correlation with other features and their informative value was low.</a:t>
+              <a:rPr lang="en-US" sz="2000" i="1" dirty="0" err="1">
+                <a:latin typeface="Roboto" panose="02000000000000000000" pitchFamily="2" charset="0"/>
+                <a:ea typeface="Roboto" panose="02000000000000000000" pitchFamily="2" charset="0"/>
+                <a:cs typeface="Roboto" panose="02000000000000000000" pitchFamily="2" charset="0"/>
+              </a:rPr>
+              <a:t>WholeBrain</a:t>
+            </a:r>
+            <a:r>
+              <a:rPr lang="en-US" sz="2000" i="1" dirty="0">
+                <a:latin typeface="Roboto" panose="02000000000000000000" pitchFamily="2" charset="0"/>
+                <a:ea typeface="Roboto" panose="02000000000000000000" pitchFamily="2" charset="0"/>
+                <a:cs typeface="Roboto" panose="02000000000000000000" pitchFamily="2" charset="0"/>
+              </a:rPr>
+              <a:t>/ICV</a:t>
+            </a:r>
+            <a:r>
+              <a:rPr lang="en-US" sz="2000" dirty="0">
+                <a:latin typeface="Roboto" panose="02000000000000000000" pitchFamily="2" charset="0"/>
+                <a:ea typeface="Roboto" panose="02000000000000000000" pitchFamily="2" charset="0"/>
+                <a:cs typeface="Roboto" panose="02000000000000000000" pitchFamily="2" charset="0"/>
+              </a:rPr>
+              <a:t>;</a:t>
             </a:r>
           </a:p>
           <a:p>
@@ -23283,34 +24319,174 @@
               <a:buFont typeface="Arial"/>
               <a:buChar char="•"/>
             </a:pPr>
-            <a:endParaRPr lang="en-US" sz="2000" noProof="0" dirty="0">
-              <a:solidFill>
-                <a:schemeClr val="dk1"/>
-              </a:solidFill>
-              <a:latin typeface="Roboto"/>
-              <a:ea typeface="Roboto"/>
-              <a:cs typeface="Roboto"/>
-              <a:sym typeface="Roboto"/>
-            </a:endParaRPr>
-          </a:p>
-          <a:p>
-            <a:pPr marL="228600" lvl="0" indent="-228600">
-              <a:buClr>
-                <a:schemeClr val="dk1"/>
-              </a:buClr>
-              <a:buSzPts val="2000"/>
-              <a:buFont typeface="Arial"/>
-              <a:buChar char="•"/>
-            </a:pPr>
-            <a:endParaRPr lang="en-US" sz="2000" noProof="0" dirty="0">
-              <a:solidFill>
-                <a:schemeClr val="dk1"/>
-              </a:solidFill>
-              <a:latin typeface="Roboto"/>
-              <a:ea typeface="Roboto"/>
-              <a:cs typeface="Roboto"/>
-              <a:sym typeface="Roboto"/>
-            </a:endParaRPr>
+            <a:r>
+              <a:rPr lang="en-US" sz="2000" b="1" noProof="0" dirty="0">
+                <a:solidFill>
+                  <a:schemeClr val="dk1"/>
+                </a:solidFill>
+                <a:latin typeface="Roboto" panose="02000000000000000000" pitchFamily="2" charset="0"/>
+                <a:ea typeface="Roboto" panose="02000000000000000000" pitchFamily="2" charset="0"/>
+                <a:cs typeface="Roboto" panose="02000000000000000000" pitchFamily="2" charset="0"/>
+                <a:sym typeface="Roboto"/>
+              </a:rPr>
+              <a:t>Removal of redundant features: </a:t>
+            </a:r>
+            <a:r>
+              <a:rPr lang="en-US" sz="2000" i="1" noProof="0" dirty="0">
+                <a:solidFill>
+                  <a:schemeClr val="dk1"/>
+                </a:solidFill>
+                <a:latin typeface="Roboto" panose="02000000000000000000" pitchFamily="2" charset="0"/>
+                <a:ea typeface="Roboto" panose="02000000000000000000" pitchFamily="2" charset="0"/>
+                <a:cs typeface="Roboto" panose="02000000000000000000" pitchFamily="2" charset="0"/>
+                <a:sym typeface="Roboto"/>
+              </a:rPr>
+              <a:t>ADAS11</a:t>
+            </a:r>
+            <a:r>
+              <a:rPr lang="en-US" sz="2000" noProof="0" dirty="0">
+                <a:solidFill>
+                  <a:schemeClr val="dk1"/>
+                </a:solidFill>
+                <a:latin typeface="Roboto" panose="02000000000000000000" pitchFamily="2" charset="0"/>
+                <a:ea typeface="Roboto" panose="02000000000000000000" pitchFamily="2" charset="0"/>
+                <a:cs typeface="Roboto" panose="02000000000000000000" pitchFamily="2" charset="0"/>
+                <a:sym typeface="Roboto"/>
+              </a:rPr>
+              <a:t>, </a:t>
+            </a:r>
+            <a:r>
+              <a:rPr lang="en-US" sz="2000" i="1" noProof="0" dirty="0">
+                <a:solidFill>
+                  <a:schemeClr val="dk1"/>
+                </a:solidFill>
+                <a:latin typeface="Roboto" panose="02000000000000000000" pitchFamily="2" charset="0"/>
+                <a:ea typeface="Roboto" panose="02000000000000000000" pitchFamily="2" charset="0"/>
+                <a:cs typeface="Roboto" panose="02000000000000000000" pitchFamily="2" charset="0"/>
+                <a:sym typeface="Roboto"/>
+              </a:rPr>
+              <a:t>ADASQ4</a:t>
+            </a:r>
+            <a:r>
+              <a:rPr lang="en-US" sz="2000" noProof="0" dirty="0">
+                <a:solidFill>
+                  <a:schemeClr val="dk1"/>
+                </a:solidFill>
+                <a:latin typeface="Roboto" panose="02000000000000000000" pitchFamily="2" charset="0"/>
+                <a:ea typeface="Roboto" panose="02000000000000000000" pitchFamily="2" charset="0"/>
+                <a:cs typeface="Roboto" panose="02000000000000000000" pitchFamily="2" charset="0"/>
+                <a:sym typeface="Roboto"/>
+              </a:rPr>
+              <a:t>, </a:t>
+            </a:r>
+            <a:r>
+              <a:rPr lang="en-US" sz="2000" i="1" noProof="0" dirty="0">
+                <a:solidFill>
+                  <a:schemeClr val="dk1"/>
+                </a:solidFill>
+                <a:latin typeface="Roboto" panose="02000000000000000000" pitchFamily="2" charset="0"/>
+                <a:ea typeface="Roboto" panose="02000000000000000000" pitchFamily="2" charset="0"/>
+                <a:cs typeface="Roboto" panose="02000000000000000000" pitchFamily="2" charset="0"/>
+                <a:sym typeface="Roboto"/>
+              </a:rPr>
+              <a:t>EcogPtTotal</a:t>
+            </a:r>
+            <a:r>
+              <a:rPr lang="en-US" sz="2000" noProof="0" dirty="0">
+                <a:solidFill>
+                  <a:schemeClr val="dk1"/>
+                </a:solidFill>
+                <a:latin typeface="Roboto" panose="02000000000000000000" pitchFamily="2" charset="0"/>
+                <a:ea typeface="Roboto" panose="02000000000000000000" pitchFamily="2" charset="0"/>
+                <a:cs typeface="Roboto" panose="02000000000000000000" pitchFamily="2" charset="0"/>
+                <a:sym typeface="Roboto"/>
+              </a:rPr>
+              <a:t>, </a:t>
+            </a:r>
+            <a:r>
+              <a:rPr lang="en-US" sz="2000" i="1" noProof="0" dirty="0" err="1">
+                <a:solidFill>
+                  <a:schemeClr val="dk1"/>
+                </a:solidFill>
+                <a:latin typeface="Roboto" panose="02000000000000000000" pitchFamily="2" charset="0"/>
+                <a:ea typeface="Roboto" panose="02000000000000000000" pitchFamily="2" charset="0"/>
+                <a:cs typeface="Roboto" panose="02000000000000000000" pitchFamily="2" charset="0"/>
+                <a:sym typeface="Roboto"/>
+              </a:rPr>
+              <a:t>EcogSPTotal</a:t>
+            </a:r>
+            <a:r>
+              <a:rPr lang="en-US" sz="2000" noProof="0" dirty="0">
+                <a:solidFill>
+                  <a:schemeClr val="dk1"/>
+                </a:solidFill>
+                <a:latin typeface="Roboto" panose="02000000000000000000" pitchFamily="2" charset="0"/>
+                <a:ea typeface="Roboto" panose="02000000000000000000" pitchFamily="2" charset="0"/>
+                <a:cs typeface="Roboto" panose="02000000000000000000" pitchFamily="2" charset="0"/>
+                <a:sym typeface="Roboto"/>
+              </a:rPr>
+              <a:t>, and </a:t>
+            </a:r>
+            <a:r>
+              <a:rPr lang="en-US" sz="2000" i="1" noProof="0" dirty="0" err="1">
+                <a:solidFill>
+                  <a:schemeClr val="dk1"/>
+                </a:solidFill>
+                <a:latin typeface="Roboto" panose="02000000000000000000" pitchFamily="2" charset="0"/>
+                <a:ea typeface="Roboto" panose="02000000000000000000" pitchFamily="2" charset="0"/>
+                <a:cs typeface="Roboto" panose="02000000000000000000" pitchFamily="2" charset="0"/>
+                <a:sym typeface="Roboto"/>
+              </a:rPr>
+              <a:t>mPACCtrailsB</a:t>
+            </a:r>
+            <a:r>
+              <a:rPr lang="en-US" sz="2000" i="1" dirty="0">
+                <a:solidFill>
+                  <a:schemeClr val="dk1"/>
+                </a:solidFill>
+                <a:latin typeface="Roboto" panose="02000000000000000000" pitchFamily="2" charset="0"/>
+                <a:ea typeface="Roboto" panose="02000000000000000000" pitchFamily="2" charset="0"/>
+                <a:cs typeface="Roboto" panose="02000000000000000000" pitchFamily="2" charset="0"/>
+                <a:sym typeface="Roboto"/>
+              </a:rPr>
+              <a:t> </a:t>
+            </a:r>
+            <a:r>
+              <a:rPr lang="en-US" sz="2000" noProof="0" dirty="0">
+                <a:solidFill>
+                  <a:schemeClr val="dk1"/>
+                </a:solidFill>
+                <a:latin typeface="Roboto" panose="02000000000000000000" pitchFamily="2" charset="0"/>
+                <a:ea typeface="Roboto" panose="02000000000000000000" pitchFamily="2" charset="0"/>
+                <a:cs typeface="Roboto" panose="02000000000000000000" pitchFamily="2" charset="0"/>
+                <a:sym typeface="Roboto"/>
+              </a:rPr>
+              <a:t>were removed because they had a high correlation with other features and their informative value was low</a:t>
+            </a:r>
+            <a:r>
+              <a:rPr lang="en-US" sz="2000" dirty="0">
+                <a:solidFill>
+                  <a:schemeClr val="dk1"/>
+                </a:solidFill>
+                <a:latin typeface="Roboto" panose="02000000000000000000" pitchFamily="2" charset="0"/>
+                <a:ea typeface="Roboto" panose="02000000000000000000" pitchFamily="2" charset="0"/>
+                <a:cs typeface="Roboto" panose="02000000000000000000" pitchFamily="2" charset="0"/>
+                <a:sym typeface="Roboto"/>
+              </a:rPr>
+              <a:t> compared to correlated features</a:t>
+            </a:r>
+            <a:r>
+              <a:rPr lang="en-US" sz="2000" noProof="0" dirty="0">
+                <a:solidFill>
+                  <a:schemeClr val="dk1"/>
+                </a:solidFill>
+                <a:latin typeface="Roboto" panose="02000000000000000000" pitchFamily="2" charset="0"/>
+                <a:ea typeface="Roboto" panose="02000000000000000000" pitchFamily="2" charset="0"/>
+                <a:cs typeface="Roboto" panose="02000000000000000000" pitchFamily="2" charset="0"/>
+                <a:sym typeface="Roboto"/>
+              </a:rPr>
+              <a:t>.</a:t>
+            </a:r>
           </a:p>
           <a:p>
             <a:pPr marL="228600" indent="-228600">
@@ -23322,36 +24498,177 @@
               <a:buChar char="•"/>
             </a:pPr>
             <a:r>
-              <a:rPr lang="en-US" sz="2000" b="1" dirty="0"/>
-              <a:t>Outcome of reduction: </a:t>
-            </a:r>
-            <a:r>
-              <a:rPr lang="en-US" sz="2000" dirty="0">
+              <a:rPr lang="en-US" sz="2000" b="1" dirty="0">
                 <a:latin typeface="Roboto" panose="02000000000000000000" pitchFamily="2" charset="0"/>
                 <a:ea typeface="Roboto" panose="02000000000000000000" pitchFamily="2" charset="0"/>
                 <a:cs typeface="Roboto" panose="02000000000000000000" pitchFamily="2" charset="0"/>
               </a:rPr>
-              <a:t>The resulting dataset is a compact multiclass baseline table containing only the most informative demographic, cognitive, CSF and MRI/ICV features, reducing noise and redundancy and forming a robust foundation for the modelling phase. </a:t>
-            </a:r>
-            <a:endParaRPr lang="en-US" sz="2000" dirty="0">
-              <a:solidFill>
-                <a:schemeClr val="dk1"/>
-              </a:solidFill>
-              <a:latin typeface="Roboto"/>
-              <a:ea typeface="Roboto"/>
-              <a:cs typeface="Roboto"/>
-              <a:sym typeface="Roboto"/>
-            </a:endParaRPr>
-          </a:p>
-          <a:p>
-            <a:pPr marL="228600" lvl="0" indent="-228600">
-              <a:buClr>
-                <a:schemeClr val="dk1"/>
-              </a:buClr>
-              <a:buSzPts val="2000"/>
-              <a:buFont typeface="Arial"/>
-              <a:buChar char="•"/>
-            </a:pPr>
+              <a:t>Outcome of reduction: </a:t>
+            </a:r>
+            <a:r>
+              <a:rPr lang="it-IT" sz="2000" dirty="0"/>
+              <a:t>The dataset </a:t>
+            </a:r>
+            <a:r>
+              <a:rPr lang="it-IT" sz="2000" dirty="0" err="1"/>
+              <a:t>is</a:t>
+            </a:r>
+            <a:r>
+              <a:rPr lang="it-IT" sz="2000" dirty="0"/>
+              <a:t> </a:t>
+            </a:r>
+            <a:r>
+              <a:rPr lang="it-IT" sz="2000" dirty="0" err="1"/>
+              <a:t>streamlined</a:t>
+            </a:r>
+            <a:r>
+              <a:rPr lang="it-IT" sz="2000" dirty="0"/>
+              <a:t> to key </a:t>
+            </a:r>
+            <a:r>
+              <a:rPr lang="it-IT" sz="2000" dirty="0" err="1"/>
+              <a:t>demographic</a:t>
+            </a:r>
+            <a:r>
+              <a:rPr lang="it-IT" sz="2000" dirty="0"/>
+              <a:t>, cognitive, CSF, and MRI features, </a:t>
+            </a:r>
+            <a:r>
+              <a:rPr lang="it-IT" sz="2000" dirty="0" err="1"/>
+              <a:t>minimizing</a:t>
+            </a:r>
+            <a:r>
+              <a:rPr lang="it-IT" sz="2000" dirty="0"/>
+              <a:t> </a:t>
+            </a:r>
+            <a:r>
+              <a:rPr lang="it-IT" sz="2000" dirty="0" err="1"/>
+              <a:t>noise</a:t>
+            </a:r>
+            <a:r>
+              <a:rPr lang="it-IT" sz="2000" dirty="0"/>
+              <a:t> and </a:t>
+            </a:r>
+            <a:r>
+              <a:rPr lang="it-IT" sz="2000" dirty="0" err="1"/>
+              <a:t>redundancy</a:t>
+            </a:r>
+            <a:r>
+              <a:rPr lang="it-IT" sz="2000" dirty="0"/>
+              <a:t> </a:t>
+            </a:r>
+            <a:r>
+              <a:rPr lang="it-IT" sz="2000" dirty="0" err="1"/>
+              <a:t>while</a:t>
+            </a:r>
+            <a:r>
+              <a:rPr lang="it-IT" sz="2000" dirty="0"/>
+              <a:t> </a:t>
+            </a:r>
+            <a:r>
+              <a:rPr lang="it-IT" sz="2000" dirty="0" err="1"/>
+              <a:t>preserving</a:t>
+            </a:r>
+            <a:r>
+              <a:rPr lang="it-IT" sz="2000" dirty="0"/>
+              <a:t> </a:t>
+            </a:r>
+            <a:r>
+              <a:rPr lang="it-IT" sz="2000" dirty="0" err="1"/>
+              <a:t>diagnostic</a:t>
+            </a:r>
+            <a:r>
+              <a:rPr lang="it-IT" sz="2000" dirty="0"/>
+              <a:t> information. </a:t>
+            </a:r>
+            <a:r>
+              <a:rPr lang="it-IT" sz="2000" dirty="0" err="1"/>
+              <a:t>This</a:t>
+            </a:r>
+            <a:r>
+              <a:rPr lang="it-IT" sz="2000" dirty="0"/>
+              <a:t> </a:t>
+            </a:r>
+            <a:r>
+              <a:rPr lang="it-IT" sz="2000" dirty="0" err="1"/>
+              <a:t>focused</a:t>
+            </a:r>
+            <a:r>
+              <a:rPr lang="it-IT" sz="2000" dirty="0"/>
+              <a:t> baseline </a:t>
+            </a:r>
+            <a:r>
+              <a:rPr lang="it-IT" sz="2000" dirty="0" err="1"/>
+              <a:t>table</a:t>
+            </a:r>
+            <a:r>
+              <a:rPr lang="it-IT" sz="2000" dirty="0"/>
+              <a:t> </a:t>
+            </a:r>
+            <a:r>
+              <a:rPr lang="it-IT" sz="2000" dirty="0" err="1"/>
+              <a:t>enhances</a:t>
+            </a:r>
+            <a:r>
+              <a:rPr lang="it-IT" sz="2000" dirty="0"/>
+              <a:t> model </a:t>
+            </a:r>
+            <a:r>
+              <a:rPr lang="it-IT" sz="2000" dirty="0" err="1"/>
+              <a:t>interpretability</a:t>
+            </a:r>
+            <a:r>
+              <a:rPr lang="it-IT" sz="2000" dirty="0"/>
+              <a:t>, </a:t>
+            </a:r>
+            <a:r>
+              <a:rPr lang="it-IT" sz="2000" dirty="0" err="1"/>
+              <a:t>prevents</a:t>
+            </a:r>
+            <a:r>
+              <a:rPr lang="it-IT" sz="2000" dirty="0"/>
+              <a:t> data leakage, and </a:t>
+            </a:r>
+            <a:r>
+              <a:rPr lang="it-IT" sz="2000" dirty="0" err="1"/>
+              <a:t>provides</a:t>
+            </a:r>
+            <a:r>
+              <a:rPr lang="it-IT" sz="2000" dirty="0"/>
+              <a:t> a </a:t>
+            </a:r>
+            <a:r>
+              <a:rPr lang="it-IT" sz="2000" dirty="0" err="1"/>
+              <a:t>robust</a:t>
+            </a:r>
+            <a:r>
+              <a:rPr lang="it-IT" sz="2000" dirty="0"/>
+              <a:t> </a:t>
+            </a:r>
+            <a:r>
+              <a:rPr lang="it-IT" sz="2000" dirty="0" err="1"/>
+              <a:t>foundation</a:t>
+            </a:r>
+            <a:r>
+              <a:rPr lang="it-IT" sz="2000" dirty="0"/>
+              <a:t> for </a:t>
+            </a:r>
+            <a:r>
+              <a:rPr lang="it-IT" sz="2000" dirty="0" err="1"/>
+              <a:t>multiclass</a:t>
+            </a:r>
+            <a:r>
+              <a:rPr lang="it-IT" sz="2000" dirty="0"/>
+              <a:t> </a:t>
+            </a:r>
+            <a:r>
+              <a:rPr lang="it-IT" sz="2000" dirty="0" err="1"/>
+              <a:t>classification</a:t>
+            </a:r>
+            <a:r>
+              <a:rPr lang="it-IT" sz="2000" dirty="0"/>
+              <a:t>. </a:t>
+            </a:r>
             <a:endParaRPr lang="en-US" sz="2000" noProof="0" dirty="0">
               <a:latin typeface="Roboto" panose="02000000000000000000" pitchFamily="2" charset="0"/>
               <a:ea typeface="Roboto" panose="02000000000000000000" pitchFamily="2" charset="0"/>
@@ -23544,7 +24861,7 @@
 </p:sld>
 </file>
 
-<file path=ppt/slides/slide17.xml><?xml version="1.0" encoding="utf-8"?>
+<file path=ppt/slides/slide18.xml><?xml version="1.0" encoding="utf-8"?>
 <p:sld xmlns:a="http://schemas.openxmlformats.org/drawingml/2006/main" xmlns:r="http://schemas.openxmlformats.org/officeDocument/2006/relationships" xmlns:p="http://schemas.openxmlformats.org/presentationml/2006/main">
   <p:cSld>
     <p:bg>
@@ -23980,7 +25297,7 @@
 </p:sld>
 </file>
 
-<file path=ppt/slides/slide18.xml><?xml version="1.0" encoding="utf-8"?>
+<file path=ppt/slides/slide19.xml><?xml version="1.0" encoding="utf-8"?>
 <p:sld xmlns:a="http://schemas.openxmlformats.org/drawingml/2006/main" xmlns:r="http://schemas.openxmlformats.org/officeDocument/2006/relationships" xmlns:p="http://schemas.openxmlformats.org/presentationml/2006/main">
   <p:cSld>
     <p:bg>
@@ -24081,7 +25398,808 @@
 </p:sld>
 </file>
 
-<file path=ppt/slides/slide19.xml><?xml version="1.0" encoding="utf-8"?>
+<file path=ppt/slides/slide2.xml><?xml version="1.0" encoding="utf-8"?>
+<p:sld xmlns:a="http://schemas.openxmlformats.org/drawingml/2006/main" xmlns:r="http://schemas.openxmlformats.org/officeDocument/2006/relationships" xmlns:p="http://schemas.openxmlformats.org/presentationml/2006/main">
+  <p:cSld>
+    <p:bg>
+      <p:bgPr>
+        <a:solidFill>
+          <a:schemeClr val="lt1"/>
+        </a:solidFill>
+        <a:effectLst/>
+      </p:bgPr>
+    </p:bg>
+    <p:spTree>
+      <p:nvGrpSpPr>
+        <p:cNvPr id="1" name="Shape 119"/>
+        <p:cNvGrpSpPr/>
+        <p:nvPr/>
+      </p:nvGrpSpPr>
+      <p:grpSpPr>
+        <a:xfrm>
+          <a:off x="0" y="0"/>
+          <a:ext cx="0" cy="0"/>
+          <a:chOff x="0" y="0"/>
+          <a:chExt cx="0" cy="0"/>
+        </a:xfrm>
+      </p:grpSpPr>
+      <p:sp>
+        <p:nvSpPr>
+          <p:cNvPr id="120" name="Google Shape;120;p3"/>
+          <p:cNvSpPr/>
+          <p:nvPr/>
+        </p:nvSpPr>
+        <p:spPr>
+          <a:xfrm>
+            <a:off x="5422605" y="1981310"/>
+            <a:ext cx="6182020" cy="749596"/>
+          </a:xfrm>
+          <a:prstGeom prst="rect">
+            <a:avLst/>
+          </a:prstGeom>
+          <a:solidFill>
+            <a:schemeClr val="dk2"/>
+          </a:solidFill>
+          <a:ln>
+            <a:noFill/>
+          </a:ln>
+        </p:spPr>
+        <p:txBody>
+          <a:bodyPr spcFirstLastPara="1" wrap="square" lIns="91425" tIns="45700" rIns="91425" bIns="45700" anchor="ctr" anchorCtr="0">
+            <a:noAutofit/>
+          </a:bodyPr>
+          <a:lstStyle/>
+          <a:p>
+            <a:pPr marL="0" marR="0" lvl="0" indent="0" algn="ctr" rtl="0">
+              <a:spcBef>
+                <a:spcPts val="0"/>
+              </a:spcBef>
+              <a:spcAft>
+                <a:spcPts val="0"/>
+              </a:spcAft>
+              <a:buNone/>
+            </a:pPr>
+            <a:endParaRPr lang="en-US" sz="1800" noProof="0" dirty="0">
+              <a:solidFill>
+                <a:schemeClr val="lt1"/>
+              </a:solidFill>
+              <a:latin typeface="Roboto"/>
+              <a:ea typeface="Roboto"/>
+              <a:cs typeface="Roboto"/>
+              <a:sym typeface="Roboto"/>
+            </a:endParaRPr>
+          </a:p>
+        </p:txBody>
+      </p:sp>
+      <p:sp>
+        <p:nvSpPr>
+          <p:cNvPr id="121" name="Google Shape;121;p3"/>
+          <p:cNvSpPr/>
+          <p:nvPr/>
+        </p:nvSpPr>
+        <p:spPr>
+          <a:xfrm>
+            <a:off x="5422605" y="3014839"/>
+            <a:ext cx="6182020" cy="749596"/>
+          </a:xfrm>
+          <a:prstGeom prst="rect">
+            <a:avLst/>
+          </a:prstGeom>
+          <a:solidFill>
+            <a:schemeClr val="dk2"/>
+          </a:solidFill>
+          <a:ln>
+            <a:noFill/>
+          </a:ln>
+        </p:spPr>
+        <p:txBody>
+          <a:bodyPr spcFirstLastPara="1" wrap="square" lIns="91425" tIns="45700" rIns="91425" bIns="45700" anchor="ctr" anchorCtr="0">
+            <a:noAutofit/>
+          </a:bodyPr>
+          <a:lstStyle/>
+          <a:p>
+            <a:pPr marL="0" marR="0" lvl="0" indent="0" algn="ctr" rtl="0">
+              <a:spcBef>
+                <a:spcPts val="0"/>
+              </a:spcBef>
+              <a:spcAft>
+                <a:spcPts val="0"/>
+              </a:spcAft>
+              <a:buNone/>
+            </a:pPr>
+            <a:endParaRPr lang="en-US" sz="1800" noProof="0" dirty="0">
+              <a:solidFill>
+                <a:schemeClr val="lt1"/>
+              </a:solidFill>
+              <a:latin typeface="Roboto"/>
+              <a:ea typeface="Roboto"/>
+              <a:cs typeface="Roboto"/>
+              <a:sym typeface="Roboto"/>
+            </a:endParaRPr>
+          </a:p>
+        </p:txBody>
+      </p:sp>
+      <p:sp>
+        <p:nvSpPr>
+          <p:cNvPr id="122" name="Google Shape;122;p3"/>
+          <p:cNvSpPr/>
+          <p:nvPr/>
+        </p:nvSpPr>
+        <p:spPr>
+          <a:xfrm>
+            <a:off x="5422605" y="4048368"/>
+            <a:ext cx="6182020" cy="749596"/>
+          </a:xfrm>
+          <a:prstGeom prst="rect">
+            <a:avLst/>
+          </a:prstGeom>
+          <a:solidFill>
+            <a:schemeClr val="dk2"/>
+          </a:solidFill>
+          <a:ln>
+            <a:noFill/>
+          </a:ln>
+        </p:spPr>
+        <p:txBody>
+          <a:bodyPr spcFirstLastPara="1" wrap="square" lIns="91425" tIns="45700" rIns="91425" bIns="45700" anchor="ctr" anchorCtr="0">
+            <a:noAutofit/>
+          </a:bodyPr>
+          <a:lstStyle/>
+          <a:p>
+            <a:pPr marL="0" marR="0" lvl="0" indent="0" algn="ctr" rtl="0">
+              <a:spcBef>
+                <a:spcPts val="0"/>
+              </a:spcBef>
+              <a:spcAft>
+                <a:spcPts val="0"/>
+              </a:spcAft>
+              <a:buNone/>
+            </a:pPr>
+            <a:endParaRPr lang="en-US" sz="1800" noProof="0" dirty="0">
+              <a:solidFill>
+                <a:schemeClr val="lt1"/>
+              </a:solidFill>
+              <a:latin typeface="Roboto"/>
+              <a:ea typeface="Roboto"/>
+              <a:cs typeface="Roboto"/>
+              <a:sym typeface="Roboto"/>
+            </a:endParaRPr>
+          </a:p>
+        </p:txBody>
+      </p:sp>
+      <p:sp>
+        <p:nvSpPr>
+          <p:cNvPr id="123" name="Google Shape;123;p3"/>
+          <p:cNvSpPr/>
+          <p:nvPr/>
+        </p:nvSpPr>
+        <p:spPr>
+          <a:xfrm>
+            <a:off x="5422605" y="5081897"/>
+            <a:ext cx="6182020" cy="749596"/>
+          </a:xfrm>
+          <a:prstGeom prst="rect">
+            <a:avLst/>
+          </a:prstGeom>
+          <a:solidFill>
+            <a:schemeClr val="dk2"/>
+          </a:solidFill>
+          <a:ln>
+            <a:noFill/>
+          </a:ln>
+        </p:spPr>
+        <p:txBody>
+          <a:bodyPr spcFirstLastPara="1" wrap="square" lIns="91425" tIns="45700" rIns="91425" bIns="45700" anchor="ctr" anchorCtr="0">
+            <a:noAutofit/>
+          </a:bodyPr>
+          <a:lstStyle/>
+          <a:p>
+            <a:pPr marL="0" marR="0" lvl="0" indent="0" algn="ctr" rtl="0">
+              <a:spcBef>
+                <a:spcPts val="0"/>
+              </a:spcBef>
+              <a:spcAft>
+                <a:spcPts val="0"/>
+              </a:spcAft>
+              <a:buNone/>
+            </a:pPr>
+            <a:endParaRPr lang="en-US" sz="1800" noProof="0" dirty="0">
+              <a:solidFill>
+                <a:schemeClr val="lt1"/>
+              </a:solidFill>
+              <a:latin typeface="Roboto"/>
+              <a:ea typeface="Roboto"/>
+              <a:cs typeface="Roboto"/>
+              <a:sym typeface="Roboto"/>
+            </a:endParaRPr>
+          </a:p>
+        </p:txBody>
+      </p:sp>
+      <p:sp>
+        <p:nvSpPr>
+          <p:cNvPr id="124" name="Google Shape;124;p3"/>
+          <p:cNvSpPr/>
+          <p:nvPr/>
+        </p:nvSpPr>
+        <p:spPr>
+          <a:xfrm>
+            <a:off x="5422605" y="947781"/>
+            <a:ext cx="6182020" cy="749596"/>
+          </a:xfrm>
+          <a:prstGeom prst="rect">
+            <a:avLst/>
+          </a:prstGeom>
+          <a:solidFill>
+            <a:schemeClr val="dk2"/>
+          </a:solidFill>
+          <a:ln>
+            <a:noFill/>
+          </a:ln>
+        </p:spPr>
+        <p:txBody>
+          <a:bodyPr spcFirstLastPara="1" wrap="square" lIns="91425" tIns="45700" rIns="91425" bIns="45700" anchor="ctr" anchorCtr="0">
+            <a:noAutofit/>
+          </a:bodyPr>
+          <a:lstStyle/>
+          <a:p>
+            <a:pPr marL="0" marR="0" lvl="0" indent="0" algn="ctr" rtl="0">
+              <a:spcBef>
+                <a:spcPts val="0"/>
+              </a:spcBef>
+              <a:spcAft>
+                <a:spcPts val="0"/>
+              </a:spcAft>
+              <a:buNone/>
+            </a:pPr>
+            <a:endParaRPr lang="en-US" sz="1800" noProof="0" dirty="0">
+              <a:solidFill>
+                <a:schemeClr val="lt1"/>
+              </a:solidFill>
+              <a:latin typeface="Roboto"/>
+              <a:ea typeface="Roboto"/>
+              <a:cs typeface="Roboto"/>
+              <a:sym typeface="Roboto"/>
+            </a:endParaRPr>
+          </a:p>
+        </p:txBody>
+      </p:sp>
+      <p:sp>
+        <p:nvSpPr>
+          <p:cNvPr id="125" name="Google Shape;125;p3"/>
+          <p:cNvSpPr txBox="1">
+            <a:spLocks noGrp="1"/>
+          </p:cNvSpPr>
+          <p:nvPr>
+            <p:ph type="title"/>
+          </p:nvPr>
+        </p:nvSpPr>
+        <p:spPr>
+          <a:xfrm>
+            <a:off x="587375" y="2988788"/>
+            <a:ext cx="4510026" cy="880422"/>
+          </a:xfrm>
+          <a:prstGeom prst="rect">
+            <a:avLst/>
+          </a:prstGeom>
+          <a:noFill/>
+          <a:ln>
+            <a:noFill/>
+          </a:ln>
+        </p:spPr>
+        <p:txBody>
+          <a:bodyPr spcFirstLastPara="1" wrap="square" lIns="91425" tIns="45700" rIns="91425" bIns="45700" anchor="ctr" anchorCtr="0">
+            <a:normAutofit/>
+          </a:bodyPr>
+          <a:lstStyle/>
+          <a:p>
+            <a:pPr marL="0" lvl="0" indent="0" algn="l" rtl="0">
+              <a:lnSpc>
+                <a:spcPct val="90000"/>
+              </a:lnSpc>
+              <a:spcBef>
+                <a:spcPts val="0"/>
+              </a:spcBef>
+              <a:spcAft>
+                <a:spcPts val="0"/>
+              </a:spcAft>
+              <a:buClr>
+                <a:schemeClr val="dk2"/>
+              </a:buClr>
+              <a:buSzPts val="3200"/>
+              <a:buFont typeface="Roboto Medium"/>
+              <a:buNone/>
+            </a:pPr>
+            <a:r>
+              <a:rPr lang="en-US" sz="3200" b="1" noProof="0" dirty="0">
+                <a:solidFill>
+                  <a:schemeClr val="dk2"/>
+                </a:solidFill>
+                <a:latin typeface="Roboto Medium"/>
+                <a:ea typeface="Roboto Medium"/>
+                <a:cs typeface="Roboto Medium"/>
+                <a:sym typeface="Roboto Medium"/>
+              </a:rPr>
+              <a:t>Table of Contents</a:t>
+            </a:r>
+            <a:endParaRPr lang="en-US" noProof="0" dirty="0"/>
+          </a:p>
+        </p:txBody>
+      </p:sp>
+      <p:sp>
+        <p:nvSpPr>
+          <p:cNvPr id="126" name="Google Shape;126;p3"/>
+          <p:cNvSpPr txBox="1"/>
+          <p:nvPr/>
+        </p:nvSpPr>
+        <p:spPr>
+          <a:xfrm>
+            <a:off x="5854058" y="1091747"/>
+            <a:ext cx="683515" cy="461665"/>
+          </a:xfrm>
+          <a:prstGeom prst="rect">
+            <a:avLst/>
+          </a:prstGeom>
+          <a:noFill/>
+          <a:ln>
+            <a:noFill/>
+          </a:ln>
+        </p:spPr>
+        <p:txBody>
+          <a:bodyPr spcFirstLastPara="1" wrap="square" lIns="91425" tIns="45700" rIns="91425" bIns="45700" anchor="t" anchorCtr="0">
+            <a:spAutoFit/>
+          </a:bodyPr>
+          <a:lstStyle/>
+          <a:p>
+            <a:pPr marL="0" marR="0" lvl="0" indent="0" algn="l" rtl="0">
+              <a:spcBef>
+                <a:spcPts val="0"/>
+              </a:spcBef>
+              <a:spcAft>
+                <a:spcPts val="0"/>
+              </a:spcAft>
+              <a:buNone/>
+            </a:pPr>
+            <a:r>
+              <a:rPr lang="en-US" sz="2400" noProof="0" dirty="0">
+                <a:solidFill>
+                  <a:schemeClr val="lt2"/>
+                </a:solidFill>
+                <a:latin typeface="Roboto"/>
+                <a:ea typeface="Roboto"/>
+                <a:cs typeface="Roboto"/>
+                <a:sym typeface="Roboto"/>
+              </a:rPr>
+              <a:t>I</a:t>
+            </a:r>
+          </a:p>
+        </p:txBody>
+      </p:sp>
+      <p:sp>
+        <p:nvSpPr>
+          <p:cNvPr id="127" name="Google Shape;127;p3"/>
+          <p:cNvSpPr txBox="1"/>
+          <p:nvPr/>
+        </p:nvSpPr>
+        <p:spPr>
+          <a:xfrm>
+            <a:off x="5854058" y="2119441"/>
+            <a:ext cx="683515" cy="461665"/>
+          </a:xfrm>
+          <a:prstGeom prst="rect">
+            <a:avLst/>
+          </a:prstGeom>
+          <a:noFill/>
+          <a:ln>
+            <a:noFill/>
+          </a:ln>
+        </p:spPr>
+        <p:txBody>
+          <a:bodyPr spcFirstLastPara="1" wrap="square" lIns="91425" tIns="45700" rIns="91425" bIns="45700" anchor="t" anchorCtr="0">
+            <a:spAutoFit/>
+          </a:bodyPr>
+          <a:lstStyle/>
+          <a:p>
+            <a:pPr marL="0" marR="0" lvl="0" indent="0" algn="l" rtl="0">
+              <a:spcBef>
+                <a:spcPts val="0"/>
+              </a:spcBef>
+              <a:spcAft>
+                <a:spcPts val="0"/>
+              </a:spcAft>
+              <a:buNone/>
+            </a:pPr>
+            <a:r>
+              <a:rPr lang="en-US" sz="2400" noProof="0" dirty="0">
+                <a:solidFill>
+                  <a:schemeClr val="lt2"/>
+                </a:solidFill>
+                <a:latin typeface="Roboto"/>
+                <a:ea typeface="Roboto"/>
+                <a:cs typeface="Roboto"/>
+                <a:sym typeface="Roboto"/>
+              </a:rPr>
+              <a:t>II</a:t>
+            </a:r>
+          </a:p>
+        </p:txBody>
+      </p:sp>
+      <p:sp>
+        <p:nvSpPr>
+          <p:cNvPr id="128" name="Google Shape;128;p3"/>
+          <p:cNvSpPr txBox="1"/>
+          <p:nvPr/>
+        </p:nvSpPr>
+        <p:spPr>
+          <a:xfrm>
+            <a:off x="5854058" y="3157768"/>
+            <a:ext cx="683515" cy="461665"/>
+          </a:xfrm>
+          <a:prstGeom prst="rect">
+            <a:avLst/>
+          </a:prstGeom>
+          <a:noFill/>
+          <a:ln>
+            <a:noFill/>
+          </a:ln>
+        </p:spPr>
+        <p:txBody>
+          <a:bodyPr spcFirstLastPara="1" wrap="square" lIns="91425" tIns="45700" rIns="91425" bIns="45700" anchor="t" anchorCtr="0">
+            <a:spAutoFit/>
+          </a:bodyPr>
+          <a:lstStyle/>
+          <a:p>
+            <a:pPr marL="0" marR="0" lvl="0" indent="0" algn="l" rtl="0">
+              <a:spcBef>
+                <a:spcPts val="0"/>
+              </a:spcBef>
+              <a:spcAft>
+                <a:spcPts val="0"/>
+              </a:spcAft>
+              <a:buNone/>
+            </a:pPr>
+            <a:r>
+              <a:rPr lang="en-US" sz="2400" noProof="0" dirty="0">
+                <a:solidFill>
+                  <a:schemeClr val="lt2"/>
+                </a:solidFill>
+                <a:latin typeface="Roboto"/>
+                <a:ea typeface="Roboto"/>
+                <a:cs typeface="Roboto"/>
+                <a:sym typeface="Roboto"/>
+              </a:rPr>
+              <a:t>III</a:t>
+            </a:r>
+          </a:p>
+        </p:txBody>
+      </p:sp>
+      <p:sp>
+        <p:nvSpPr>
+          <p:cNvPr id="129" name="Google Shape;129;p3"/>
+          <p:cNvSpPr txBox="1"/>
+          <p:nvPr/>
+        </p:nvSpPr>
+        <p:spPr>
+          <a:xfrm>
+            <a:off x="5854058" y="4232015"/>
+            <a:ext cx="683515" cy="461665"/>
+          </a:xfrm>
+          <a:prstGeom prst="rect">
+            <a:avLst/>
+          </a:prstGeom>
+          <a:noFill/>
+          <a:ln>
+            <a:noFill/>
+          </a:ln>
+        </p:spPr>
+        <p:txBody>
+          <a:bodyPr spcFirstLastPara="1" wrap="square" lIns="91425" tIns="45700" rIns="91425" bIns="45700" anchor="t" anchorCtr="0">
+            <a:spAutoFit/>
+          </a:bodyPr>
+          <a:lstStyle/>
+          <a:p>
+            <a:pPr marL="0" marR="0" lvl="0" indent="0" algn="l" rtl="0">
+              <a:spcBef>
+                <a:spcPts val="0"/>
+              </a:spcBef>
+              <a:spcAft>
+                <a:spcPts val="0"/>
+              </a:spcAft>
+              <a:buNone/>
+            </a:pPr>
+            <a:r>
+              <a:rPr lang="en-US" sz="2400" noProof="0" dirty="0">
+                <a:solidFill>
+                  <a:schemeClr val="lt2"/>
+                </a:solidFill>
+                <a:latin typeface="Roboto"/>
+                <a:ea typeface="Roboto"/>
+                <a:cs typeface="Roboto"/>
+                <a:sym typeface="Roboto"/>
+              </a:rPr>
+              <a:t>IV</a:t>
+            </a:r>
+          </a:p>
+        </p:txBody>
+      </p:sp>
+      <p:sp>
+        <p:nvSpPr>
+          <p:cNvPr id="130" name="Google Shape;130;p3"/>
+          <p:cNvSpPr txBox="1"/>
+          <p:nvPr/>
+        </p:nvSpPr>
+        <p:spPr>
+          <a:xfrm>
+            <a:off x="5854058" y="5223790"/>
+            <a:ext cx="683515" cy="461665"/>
+          </a:xfrm>
+          <a:prstGeom prst="rect">
+            <a:avLst/>
+          </a:prstGeom>
+          <a:noFill/>
+          <a:ln>
+            <a:noFill/>
+          </a:ln>
+        </p:spPr>
+        <p:txBody>
+          <a:bodyPr spcFirstLastPara="1" wrap="square" lIns="91425" tIns="45700" rIns="91425" bIns="45700" anchor="t" anchorCtr="0">
+            <a:spAutoFit/>
+          </a:bodyPr>
+          <a:lstStyle/>
+          <a:p>
+            <a:pPr marL="0" marR="0" lvl="0" indent="0" algn="l" rtl="0">
+              <a:spcBef>
+                <a:spcPts val="0"/>
+              </a:spcBef>
+              <a:spcAft>
+                <a:spcPts val="0"/>
+              </a:spcAft>
+              <a:buNone/>
+            </a:pPr>
+            <a:r>
+              <a:rPr lang="en-US" sz="2400" noProof="0" dirty="0">
+                <a:solidFill>
+                  <a:schemeClr val="lt2"/>
+                </a:solidFill>
+                <a:latin typeface="Roboto"/>
+                <a:ea typeface="Roboto"/>
+                <a:cs typeface="Roboto"/>
+                <a:sym typeface="Roboto"/>
+              </a:rPr>
+              <a:t>V</a:t>
+            </a:r>
+          </a:p>
+        </p:txBody>
+      </p:sp>
+      <p:sp>
+        <p:nvSpPr>
+          <p:cNvPr id="131" name="Google Shape;131;p3"/>
+          <p:cNvSpPr txBox="1"/>
+          <p:nvPr/>
+        </p:nvSpPr>
+        <p:spPr>
+          <a:xfrm>
+            <a:off x="6715796" y="1091747"/>
+            <a:ext cx="4888829" cy="400069"/>
+          </a:xfrm>
+          <a:prstGeom prst="rect">
+            <a:avLst/>
+          </a:prstGeom>
+          <a:noFill/>
+          <a:ln>
+            <a:noFill/>
+          </a:ln>
+        </p:spPr>
+        <p:txBody>
+          <a:bodyPr spcFirstLastPara="1" wrap="square" lIns="91425" tIns="45700" rIns="91425" bIns="45700" anchor="t" anchorCtr="0">
+            <a:spAutoFit/>
+          </a:bodyPr>
+          <a:lstStyle/>
+          <a:p>
+            <a:pPr lvl="0"/>
+            <a:r>
+              <a:rPr lang="en-US" sz="2000" noProof="0" dirty="0">
+                <a:solidFill>
+                  <a:schemeClr val="lt1"/>
+                </a:solidFill>
+                <a:latin typeface="Roboto"/>
+                <a:ea typeface="Roboto"/>
+                <a:cs typeface="Roboto"/>
+                <a:sym typeface="Roboto"/>
+              </a:rPr>
+              <a:t>Motivations and Clinical Background</a:t>
+            </a:r>
+          </a:p>
+        </p:txBody>
+      </p:sp>
+      <p:sp>
+        <p:nvSpPr>
+          <p:cNvPr id="132" name="Google Shape;132;p3"/>
+          <p:cNvSpPr txBox="1"/>
+          <p:nvPr/>
+        </p:nvSpPr>
+        <p:spPr>
+          <a:xfrm>
+            <a:off x="6715796" y="2119441"/>
+            <a:ext cx="4888829" cy="400069"/>
+          </a:xfrm>
+          <a:prstGeom prst="rect">
+            <a:avLst/>
+          </a:prstGeom>
+          <a:noFill/>
+          <a:ln>
+            <a:noFill/>
+          </a:ln>
+        </p:spPr>
+        <p:txBody>
+          <a:bodyPr spcFirstLastPara="1" wrap="square" lIns="91425" tIns="45700" rIns="91425" bIns="45700" anchor="t" anchorCtr="0">
+            <a:spAutoFit/>
+          </a:bodyPr>
+          <a:lstStyle/>
+          <a:p>
+            <a:pPr marL="0" marR="0" lvl="0" indent="0" algn="l" rtl="0">
+              <a:spcBef>
+                <a:spcPts val="0"/>
+              </a:spcBef>
+              <a:spcAft>
+                <a:spcPts val="0"/>
+              </a:spcAft>
+              <a:buNone/>
+            </a:pPr>
+            <a:r>
+              <a:rPr lang="en-US" sz="2000" noProof="0" dirty="0">
+                <a:solidFill>
+                  <a:schemeClr val="lt1"/>
+                </a:solidFill>
+                <a:latin typeface="Roboto"/>
+                <a:ea typeface="Roboto"/>
+                <a:cs typeface="Roboto"/>
+                <a:sym typeface="Roboto"/>
+              </a:rPr>
+              <a:t>Dataset ADNI</a:t>
+            </a:r>
+          </a:p>
+        </p:txBody>
+      </p:sp>
+      <p:sp>
+        <p:nvSpPr>
+          <p:cNvPr id="133" name="Google Shape;133;p3"/>
+          <p:cNvSpPr txBox="1"/>
+          <p:nvPr/>
+        </p:nvSpPr>
+        <p:spPr>
+          <a:xfrm>
+            <a:off x="6715796" y="3157768"/>
+            <a:ext cx="4888829" cy="400069"/>
+          </a:xfrm>
+          <a:prstGeom prst="rect">
+            <a:avLst/>
+          </a:prstGeom>
+          <a:noFill/>
+          <a:ln>
+            <a:noFill/>
+          </a:ln>
+        </p:spPr>
+        <p:txBody>
+          <a:bodyPr spcFirstLastPara="1" wrap="square" lIns="91425" tIns="45700" rIns="91425" bIns="45700" anchor="t" anchorCtr="0">
+            <a:spAutoFit/>
+          </a:bodyPr>
+          <a:lstStyle/>
+          <a:p>
+            <a:pPr lvl="0"/>
+            <a:r>
+              <a:rPr lang="en-US" sz="2000" noProof="0" dirty="0">
+                <a:solidFill>
+                  <a:schemeClr val="lt1"/>
+                </a:solidFill>
+                <a:latin typeface="Roboto"/>
+                <a:ea typeface="Roboto"/>
+                <a:cs typeface="Roboto"/>
+                <a:sym typeface="Roboto"/>
+              </a:rPr>
+              <a:t>Preprocessing</a:t>
+            </a:r>
+          </a:p>
+        </p:txBody>
+      </p:sp>
+      <p:sp>
+        <p:nvSpPr>
+          <p:cNvPr id="134" name="Google Shape;134;p3"/>
+          <p:cNvSpPr txBox="1"/>
+          <p:nvPr/>
+        </p:nvSpPr>
+        <p:spPr>
+          <a:xfrm>
+            <a:off x="6715796" y="4232015"/>
+            <a:ext cx="4888829" cy="400069"/>
+          </a:xfrm>
+          <a:prstGeom prst="rect">
+            <a:avLst/>
+          </a:prstGeom>
+          <a:noFill/>
+          <a:ln>
+            <a:noFill/>
+          </a:ln>
+        </p:spPr>
+        <p:txBody>
+          <a:bodyPr spcFirstLastPara="1" wrap="square" lIns="91425" tIns="45700" rIns="91425" bIns="45700" anchor="t" anchorCtr="0">
+            <a:spAutoFit/>
+          </a:bodyPr>
+          <a:lstStyle/>
+          <a:p>
+            <a:pPr marL="0" marR="0" lvl="0" indent="0" algn="l" rtl="0">
+              <a:spcBef>
+                <a:spcPts val="0"/>
+              </a:spcBef>
+              <a:spcAft>
+                <a:spcPts val="0"/>
+              </a:spcAft>
+              <a:buNone/>
+            </a:pPr>
+            <a:r>
+              <a:rPr lang="en-US" sz="2000" noProof="0" dirty="0">
+                <a:solidFill>
+                  <a:schemeClr val="lt1"/>
+                </a:solidFill>
+                <a:latin typeface="Roboto"/>
+                <a:ea typeface="Roboto"/>
+                <a:cs typeface="Roboto"/>
+                <a:sym typeface="Roboto"/>
+              </a:rPr>
+              <a:t>Classification &amp; Results</a:t>
+            </a:r>
+          </a:p>
+        </p:txBody>
+      </p:sp>
+      <p:sp>
+        <p:nvSpPr>
+          <p:cNvPr id="135" name="Google Shape;135;p3"/>
+          <p:cNvSpPr txBox="1"/>
+          <p:nvPr/>
+        </p:nvSpPr>
+        <p:spPr>
+          <a:xfrm>
+            <a:off x="6715796" y="5223790"/>
+            <a:ext cx="4888829" cy="400069"/>
+          </a:xfrm>
+          <a:prstGeom prst="rect">
+            <a:avLst/>
+          </a:prstGeom>
+          <a:noFill/>
+          <a:ln>
+            <a:noFill/>
+          </a:ln>
+        </p:spPr>
+        <p:txBody>
+          <a:bodyPr spcFirstLastPara="1" wrap="square" lIns="91425" tIns="45700" rIns="91425" bIns="45700" anchor="t" anchorCtr="0">
+            <a:spAutoFit/>
+          </a:bodyPr>
+          <a:lstStyle/>
+          <a:p>
+            <a:pPr lvl="0"/>
+            <a:r>
+              <a:rPr lang="en-US" sz="2000" noProof="0" dirty="0">
+                <a:solidFill>
+                  <a:schemeClr val="lt1"/>
+                </a:solidFill>
+                <a:latin typeface="Roboto"/>
+                <a:ea typeface="Roboto"/>
+                <a:cs typeface="Roboto"/>
+                <a:sym typeface="Roboto"/>
+              </a:rPr>
+              <a:t>Application &amp; Conclusions</a:t>
+            </a:r>
+          </a:p>
+        </p:txBody>
+      </p:sp>
+    </p:spTree>
+  </p:cSld>
+  <p:clrMapOvr>
+    <a:masterClrMapping/>
+  </p:clrMapOvr>
+</p:sld>
+</file>
+
+<file path=ppt/slides/slide20.xml><?xml version="1.0" encoding="utf-8"?>
 <p:sld xmlns:a="http://schemas.openxmlformats.org/drawingml/2006/main" xmlns:r="http://schemas.openxmlformats.org/officeDocument/2006/relationships" xmlns:p="http://schemas.openxmlformats.org/presentationml/2006/main">
   <p:cSld>
     <p:spTree>
@@ -24315,7 +26433,7 @@
                 <a:ea typeface="Roboto" panose="02000000000000000000" pitchFamily="2" charset="0"/>
                 <a:cs typeface="Roboto" panose="02000000000000000000" pitchFamily="2" charset="0"/>
               </a:rPr>
-              <a:t>AdaBoost</a:t>
+              <a:t>Adaptive Boosting</a:t>
             </a:r>
           </a:p>
           <a:p>
@@ -24494,808 +26612,7 @@
 </p:sld>
 </file>
 
-<file path=ppt/slides/slide2.xml><?xml version="1.0" encoding="utf-8"?>
-<p:sld xmlns:a="http://schemas.openxmlformats.org/drawingml/2006/main" xmlns:r="http://schemas.openxmlformats.org/officeDocument/2006/relationships" xmlns:p="http://schemas.openxmlformats.org/presentationml/2006/main">
-  <p:cSld>
-    <p:bg>
-      <p:bgPr>
-        <a:solidFill>
-          <a:schemeClr val="lt1"/>
-        </a:solidFill>
-        <a:effectLst/>
-      </p:bgPr>
-    </p:bg>
-    <p:spTree>
-      <p:nvGrpSpPr>
-        <p:cNvPr id="1" name="Shape 119"/>
-        <p:cNvGrpSpPr/>
-        <p:nvPr/>
-      </p:nvGrpSpPr>
-      <p:grpSpPr>
-        <a:xfrm>
-          <a:off x="0" y="0"/>
-          <a:ext cx="0" cy="0"/>
-          <a:chOff x="0" y="0"/>
-          <a:chExt cx="0" cy="0"/>
-        </a:xfrm>
-      </p:grpSpPr>
-      <p:sp>
-        <p:nvSpPr>
-          <p:cNvPr id="120" name="Google Shape;120;p3"/>
-          <p:cNvSpPr/>
-          <p:nvPr/>
-        </p:nvSpPr>
-        <p:spPr>
-          <a:xfrm>
-            <a:off x="5422605" y="1981310"/>
-            <a:ext cx="6182020" cy="749596"/>
-          </a:xfrm>
-          <a:prstGeom prst="rect">
-            <a:avLst/>
-          </a:prstGeom>
-          <a:solidFill>
-            <a:schemeClr val="dk2"/>
-          </a:solidFill>
-          <a:ln>
-            <a:noFill/>
-          </a:ln>
-        </p:spPr>
-        <p:txBody>
-          <a:bodyPr spcFirstLastPara="1" wrap="square" lIns="91425" tIns="45700" rIns="91425" bIns="45700" anchor="ctr" anchorCtr="0">
-            <a:noAutofit/>
-          </a:bodyPr>
-          <a:lstStyle/>
-          <a:p>
-            <a:pPr marL="0" marR="0" lvl="0" indent="0" algn="ctr" rtl="0">
-              <a:spcBef>
-                <a:spcPts val="0"/>
-              </a:spcBef>
-              <a:spcAft>
-                <a:spcPts val="0"/>
-              </a:spcAft>
-              <a:buNone/>
-            </a:pPr>
-            <a:endParaRPr lang="en-US" sz="1800" noProof="0" dirty="0">
-              <a:solidFill>
-                <a:schemeClr val="lt1"/>
-              </a:solidFill>
-              <a:latin typeface="Roboto"/>
-              <a:ea typeface="Roboto"/>
-              <a:cs typeface="Roboto"/>
-              <a:sym typeface="Roboto"/>
-            </a:endParaRPr>
-          </a:p>
-        </p:txBody>
-      </p:sp>
-      <p:sp>
-        <p:nvSpPr>
-          <p:cNvPr id="121" name="Google Shape;121;p3"/>
-          <p:cNvSpPr/>
-          <p:nvPr/>
-        </p:nvSpPr>
-        <p:spPr>
-          <a:xfrm>
-            <a:off x="5422605" y="3014839"/>
-            <a:ext cx="6182020" cy="749596"/>
-          </a:xfrm>
-          <a:prstGeom prst="rect">
-            <a:avLst/>
-          </a:prstGeom>
-          <a:solidFill>
-            <a:schemeClr val="dk2"/>
-          </a:solidFill>
-          <a:ln>
-            <a:noFill/>
-          </a:ln>
-        </p:spPr>
-        <p:txBody>
-          <a:bodyPr spcFirstLastPara="1" wrap="square" lIns="91425" tIns="45700" rIns="91425" bIns="45700" anchor="ctr" anchorCtr="0">
-            <a:noAutofit/>
-          </a:bodyPr>
-          <a:lstStyle/>
-          <a:p>
-            <a:pPr marL="0" marR="0" lvl="0" indent="0" algn="ctr" rtl="0">
-              <a:spcBef>
-                <a:spcPts val="0"/>
-              </a:spcBef>
-              <a:spcAft>
-                <a:spcPts val="0"/>
-              </a:spcAft>
-              <a:buNone/>
-            </a:pPr>
-            <a:endParaRPr lang="en-US" sz="1800" noProof="0" dirty="0">
-              <a:solidFill>
-                <a:schemeClr val="lt1"/>
-              </a:solidFill>
-              <a:latin typeface="Roboto"/>
-              <a:ea typeface="Roboto"/>
-              <a:cs typeface="Roboto"/>
-              <a:sym typeface="Roboto"/>
-            </a:endParaRPr>
-          </a:p>
-        </p:txBody>
-      </p:sp>
-      <p:sp>
-        <p:nvSpPr>
-          <p:cNvPr id="122" name="Google Shape;122;p3"/>
-          <p:cNvSpPr/>
-          <p:nvPr/>
-        </p:nvSpPr>
-        <p:spPr>
-          <a:xfrm>
-            <a:off x="5422605" y="4048368"/>
-            <a:ext cx="6182020" cy="749596"/>
-          </a:xfrm>
-          <a:prstGeom prst="rect">
-            <a:avLst/>
-          </a:prstGeom>
-          <a:solidFill>
-            <a:schemeClr val="dk2"/>
-          </a:solidFill>
-          <a:ln>
-            <a:noFill/>
-          </a:ln>
-        </p:spPr>
-        <p:txBody>
-          <a:bodyPr spcFirstLastPara="1" wrap="square" lIns="91425" tIns="45700" rIns="91425" bIns="45700" anchor="ctr" anchorCtr="0">
-            <a:noAutofit/>
-          </a:bodyPr>
-          <a:lstStyle/>
-          <a:p>
-            <a:pPr marL="0" marR="0" lvl="0" indent="0" algn="ctr" rtl="0">
-              <a:spcBef>
-                <a:spcPts val="0"/>
-              </a:spcBef>
-              <a:spcAft>
-                <a:spcPts val="0"/>
-              </a:spcAft>
-              <a:buNone/>
-            </a:pPr>
-            <a:endParaRPr lang="en-US" sz="1800" noProof="0" dirty="0">
-              <a:solidFill>
-                <a:schemeClr val="lt1"/>
-              </a:solidFill>
-              <a:latin typeface="Roboto"/>
-              <a:ea typeface="Roboto"/>
-              <a:cs typeface="Roboto"/>
-              <a:sym typeface="Roboto"/>
-            </a:endParaRPr>
-          </a:p>
-        </p:txBody>
-      </p:sp>
-      <p:sp>
-        <p:nvSpPr>
-          <p:cNvPr id="123" name="Google Shape;123;p3"/>
-          <p:cNvSpPr/>
-          <p:nvPr/>
-        </p:nvSpPr>
-        <p:spPr>
-          <a:xfrm>
-            <a:off x="5422605" y="5081897"/>
-            <a:ext cx="6182020" cy="749596"/>
-          </a:xfrm>
-          <a:prstGeom prst="rect">
-            <a:avLst/>
-          </a:prstGeom>
-          <a:solidFill>
-            <a:schemeClr val="dk2"/>
-          </a:solidFill>
-          <a:ln>
-            <a:noFill/>
-          </a:ln>
-        </p:spPr>
-        <p:txBody>
-          <a:bodyPr spcFirstLastPara="1" wrap="square" lIns="91425" tIns="45700" rIns="91425" bIns="45700" anchor="ctr" anchorCtr="0">
-            <a:noAutofit/>
-          </a:bodyPr>
-          <a:lstStyle/>
-          <a:p>
-            <a:pPr marL="0" marR="0" lvl="0" indent="0" algn="ctr" rtl="0">
-              <a:spcBef>
-                <a:spcPts val="0"/>
-              </a:spcBef>
-              <a:spcAft>
-                <a:spcPts val="0"/>
-              </a:spcAft>
-              <a:buNone/>
-            </a:pPr>
-            <a:endParaRPr lang="en-US" sz="1800" noProof="0" dirty="0">
-              <a:solidFill>
-                <a:schemeClr val="lt1"/>
-              </a:solidFill>
-              <a:latin typeface="Roboto"/>
-              <a:ea typeface="Roboto"/>
-              <a:cs typeface="Roboto"/>
-              <a:sym typeface="Roboto"/>
-            </a:endParaRPr>
-          </a:p>
-        </p:txBody>
-      </p:sp>
-      <p:sp>
-        <p:nvSpPr>
-          <p:cNvPr id="124" name="Google Shape;124;p3"/>
-          <p:cNvSpPr/>
-          <p:nvPr/>
-        </p:nvSpPr>
-        <p:spPr>
-          <a:xfrm>
-            <a:off x="5422605" y="947781"/>
-            <a:ext cx="6182020" cy="749596"/>
-          </a:xfrm>
-          <a:prstGeom prst="rect">
-            <a:avLst/>
-          </a:prstGeom>
-          <a:solidFill>
-            <a:schemeClr val="dk2"/>
-          </a:solidFill>
-          <a:ln>
-            <a:noFill/>
-          </a:ln>
-        </p:spPr>
-        <p:txBody>
-          <a:bodyPr spcFirstLastPara="1" wrap="square" lIns="91425" tIns="45700" rIns="91425" bIns="45700" anchor="ctr" anchorCtr="0">
-            <a:noAutofit/>
-          </a:bodyPr>
-          <a:lstStyle/>
-          <a:p>
-            <a:pPr marL="0" marR="0" lvl="0" indent="0" algn="ctr" rtl="0">
-              <a:spcBef>
-                <a:spcPts val="0"/>
-              </a:spcBef>
-              <a:spcAft>
-                <a:spcPts val="0"/>
-              </a:spcAft>
-              <a:buNone/>
-            </a:pPr>
-            <a:endParaRPr lang="en-US" sz="1800" noProof="0" dirty="0">
-              <a:solidFill>
-                <a:schemeClr val="lt1"/>
-              </a:solidFill>
-              <a:latin typeface="Roboto"/>
-              <a:ea typeface="Roboto"/>
-              <a:cs typeface="Roboto"/>
-              <a:sym typeface="Roboto"/>
-            </a:endParaRPr>
-          </a:p>
-        </p:txBody>
-      </p:sp>
-      <p:sp>
-        <p:nvSpPr>
-          <p:cNvPr id="125" name="Google Shape;125;p3"/>
-          <p:cNvSpPr txBox="1">
-            <a:spLocks noGrp="1"/>
-          </p:cNvSpPr>
-          <p:nvPr>
-            <p:ph type="title"/>
-          </p:nvPr>
-        </p:nvSpPr>
-        <p:spPr>
-          <a:xfrm>
-            <a:off x="587375" y="2988788"/>
-            <a:ext cx="4510026" cy="880422"/>
-          </a:xfrm>
-          <a:prstGeom prst="rect">
-            <a:avLst/>
-          </a:prstGeom>
-          <a:noFill/>
-          <a:ln>
-            <a:noFill/>
-          </a:ln>
-        </p:spPr>
-        <p:txBody>
-          <a:bodyPr spcFirstLastPara="1" wrap="square" lIns="91425" tIns="45700" rIns="91425" bIns="45700" anchor="ctr" anchorCtr="0">
-            <a:normAutofit/>
-          </a:bodyPr>
-          <a:lstStyle/>
-          <a:p>
-            <a:pPr marL="0" lvl="0" indent="0" algn="l" rtl="0">
-              <a:lnSpc>
-                <a:spcPct val="90000"/>
-              </a:lnSpc>
-              <a:spcBef>
-                <a:spcPts val="0"/>
-              </a:spcBef>
-              <a:spcAft>
-                <a:spcPts val="0"/>
-              </a:spcAft>
-              <a:buClr>
-                <a:schemeClr val="dk2"/>
-              </a:buClr>
-              <a:buSzPts val="3200"/>
-              <a:buFont typeface="Roboto Medium"/>
-              <a:buNone/>
-            </a:pPr>
-            <a:r>
-              <a:rPr lang="en-US" sz="3200" b="1" noProof="0" dirty="0">
-                <a:solidFill>
-                  <a:schemeClr val="dk2"/>
-                </a:solidFill>
-                <a:latin typeface="Roboto Medium"/>
-                <a:ea typeface="Roboto Medium"/>
-                <a:cs typeface="Roboto Medium"/>
-                <a:sym typeface="Roboto Medium"/>
-              </a:rPr>
-              <a:t>Table of Contents</a:t>
-            </a:r>
-            <a:endParaRPr lang="en-US" noProof="0" dirty="0"/>
-          </a:p>
-        </p:txBody>
-      </p:sp>
-      <p:sp>
-        <p:nvSpPr>
-          <p:cNvPr id="126" name="Google Shape;126;p3"/>
-          <p:cNvSpPr txBox="1"/>
-          <p:nvPr/>
-        </p:nvSpPr>
-        <p:spPr>
-          <a:xfrm>
-            <a:off x="5854058" y="1091747"/>
-            <a:ext cx="683515" cy="461665"/>
-          </a:xfrm>
-          <a:prstGeom prst="rect">
-            <a:avLst/>
-          </a:prstGeom>
-          <a:noFill/>
-          <a:ln>
-            <a:noFill/>
-          </a:ln>
-        </p:spPr>
-        <p:txBody>
-          <a:bodyPr spcFirstLastPara="1" wrap="square" lIns="91425" tIns="45700" rIns="91425" bIns="45700" anchor="t" anchorCtr="0">
-            <a:spAutoFit/>
-          </a:bodyPr>
-          <a:lstStyle/>
-          <a:p>
-            <a:pPr marL="0" marR="0" lvl="0" indent="0" algn="l" rtl="0">
-              <a:spcBef>
-                <a:spcPts val="0"/>
-              </a:spcBef>
-              <a:spcAft>
-                <a:spcPts val="0"/>
-              </a:spcAft>
-              <a:buNone/>
-            </a:pPr>
-            <a:r>
-              <a:rPr lang="en-US" sz="2400" noProof="0" dirty="0">
-                <a:solidFill>
-                  <a:schemeClr val="lt2"/>
-                </a:solidFill>
-                <a:latin typeface="Roboto"/>
-                <a:ea typeface="Roboto"/>
-                <a:cs typeface="Roboto"/>
-                <a:sym typeface="Roboto"/>
-              </a:rPr>
-              <a:t>I</a:t>
-            </a:r>
-          </a:p>
-        </p:txBody>
-      </p:sp>
-      <p:sp>
-        <p:nvSpPr>
-          <p:cNvPr id="127" name="Google Shape;127;p3"/>
-          <p:cNvSpPr txBox="1"/>
-          <p:nvPr/>
-        </p:nvSpPr>
-        <p:spPr>
-          <a:xfrm>
-            <a:off x="5854058" y="2119441"/>
-            <a:ext cx="683515" cy="461665"/>
-          </a:xfrm>
-          <a:prstGeom prst="rect">
-            <a:avLst/>
-          </a:prstGeom>
-          <a:noFill/>
-          <a:ln>
-            <a:noFill/>
-          </a:ln>
-        </p:spPr>
-        <p:txBody>
-          <a:bodyPr spcFirstLastPara="1" wrap="square" lIns="91425" tIns="45700" rIns="91425" bIns="45700" anchor="t" anchorCtr="0">
-            <a:spAutoFit/>
-          </a:bodyPr>
-          <a:lstStyle/>
-          <a:p>
-            <a:pPr marL="0" marR="0" lvl="0" indent="0" algn="l" rtl="0">
-              <a:spcBef>
-                <a:spcPts val="0"/>
-              </a:spcBef>
-              <a:spcAft>
-                <a:spcPts val="0"/>
-              </a:spcAft>
-              <a:buNone/>
-            </a:pPr>
-            <a:r>
-              <a:rPr lang="en-US" sz="2400" noProof="0" dirty="0">
-                <a:solidFill>
-                  <a:schemeClr val="lt2"/>
-                </a:solidFill>
-                <a:latin typeface="Roboto"/>
-                <a:ea typeface="Roboto"/>
-                <a:cs typeface="Roboto"/>
-                <a:sym typeface="Roboto"/>
-              </a:rPr>
-              <a:t>II</a:t>
-            </a:r>
-          </a:p>
-        </p:txBody>
-      </p:sp>
-      <p:sp>
-        <p:nvSpPr>
-          <p:cNvPr id="128" name="Google Shape;128;p3"/>
-          <p:cNvSpPr txBox="1"/>
-          <p:nvPr/>
-        </p:nvSpPr>
-        <p:spPr>
-          <a:xfrm>
-            <a:off x="5854058" y="3157768"/>
-            <a:ext cx="683515" cy="461665"/>
-          </a:xfrm>
-          <a:prstGeom prst="rect">
-            <a:avLst/>
-          </a:prstGeom>
-          <a:noFill/>
-          <a:ln>
-            <a:noFill/>
-          </a:ln>
-        </p:spPr>
-        <p:txBody>
-          <a:bodyPr spcFirstLastPara="1" wrap="square" lIns="91425" tIns="45700" rIns="91425" bIns="45700" anchor="t" anchorCtr="0">
-            <a:spAutoFit/>
-          </a:bodyPr>
-          <a:lstStyle/>
-          <a:p>
-            <a:pPr marL="0" marR="0" lvl="0" indent="0" algn="l" rtl="0">
-              <a:spcBef>
-                <a:spcPts val="0"/>
-              </a:spcBef>
-              <a:spcAft>
-                <a:spcPts val="0"/>
-              </a:spcAft>
-              <a:buNone/>
-            </a:pPr>
-            <a:r>
-              <a:rPr lang="en-US" sz="2400" noProof="0" dirty="0">
-                <a:solidFill>
-                  <a:schemeClr val="lt2"/>
-                </a:solidFill>
-                <a:latin typeface="Roboto"/>
-                <a:ea typeface="Roboto"/>
-                <a:cs typeface="Roboto"/>
-                <a:sym typeface="Roboto"/>
-              </a:rPr>
-              <a:t>III</a:t>
-            </a:r>
-          </a:p>
-        </p:txBody>
-      </p:sp>
-      <p:sp>
-        <p:nvSpPr>
-          <p:cNvPr id="129" name="Google Shape;129;p3"/>
-          <p:cNvSpPr txBox="1"/>
-          <p:nvPr/>
-        </p:nvSpPr>
-        <p:spPr>
-          <a:xfrm>
-            <a:off x="5854058" y="4232015"/>
-            <a:ext cx="683515" cy="461665"/>
-          </a:xfrm>
-          <a:prstGeom prst="rect">
-            <a:avLst/>
-          </a:prstGeom>
-          <a:noFill/>
-          <a:ln>
-            <a:noFill/>
-          </a:ln>
-        </p:spPr>
-        <p:txBody>
-          <a:bodyPr spcFirstLastPara="1" wrap="square" lIns="91425" tIns="45700" rIns="91425" bIns="45700" anchor="t" anchorCtr="0">
-            <a:spAutoFit/>
-          </a:bodyPr>
-          <a:lstStyle/>
-          <a:p>
-            <a:pPr marL="0" marR="0" lvl="0" indent="0" algn="l" rtl="0">
-              <a:spcBef>
-                <a:spcPts val="0"/>
-              </a:spcBef>
-              <a:spcAft>
-                <a:spcPts val="0"/>
-              </a:spcAft>
-              <a:buNone/>
-            </a:pPr>
-            <a:r>
-              <a:rPr lang="en-US" sz="2400" noProof="0" dirty="0">
-                <a:solidFill>
-                  <a:schemeClr val="lt2"/>
-                </a:solidFill>
-                <a:latin typeface="Roboto"/>
-                <a:ea typeface="Roboto"/>
-                <a:cs typeface="Roboto"/>
-                <a:sym typeface="Roboto"/>
-              </a:rPr>
-              <a:t>IV</a:t>
-            </a:r>
-          </a:p>
-        </p:txBody>
-      </p:sp>
-      <p:sp>
-        <p:nvSpPr>
-          <p:cNvPr id="130" name="Google Shape;130;p3"/>
-          <p:cNvSpPr txBox="1"/>
-          <p:nvPr/>
-        </p:nvSpPr>
-        <p:spPr>
-          <a:xfrm>
-            <a:off x="5854058" y="5223790"/>
-            <a:ext cx="683515" cy="461665"/>
-          </a:xfrm>
-          <a:prstGeom prst="rect">
-            <a:avLst/>
-          </a:prstGeom>
-          <a:noFill/>
-          <a:ln>
-            <a:noFill/>
-          </a:ln>
-        </p:spPr>
-        <p:txBody>
-          <a:bodyPr spcFirstLastPara="1" wrap="square" lIns="91425" tIns="45700" rIns="91425" bIns="45700" anchor="t" anchorCtr="0">
-            <a:spAutoFit/>
-          </a:bodyPr>
-          <a:lstStyle/>
-          <a:p>
-            <a:pPr marL="0" marR="0" lvl="0" indent="0" algn="l" rtl="0">
-              <a:spcBef>
-                <a:spcPts val="0"/>
-              </a:spcBef>
-              <a:spcAft>
-                <a:spcPts val="0"/>
-              </a:spcAft>
-              <a:buNone/>
-            </a:pPr>
-            <a:r>
-              <a:rPr lang="en-US" sz="2400" noProof="0" dirty="0">
-                <a:solidFill>
-                  <a:schemeClr val="lt2"/>
-                </a:solidFill>
-                <a:latin typeface="Roboto"/>
-                <a:ea typeface="Roboto"/>
-                <a:cs typeface="Roboto"/>
-                <a:sym typeface="Roboto"/>
-              </a:rPr>
-              <a:t>V</a:t>
-            </a:r>
-          </a:p>
-        </p:txBody>
-      </p:sp>
-      <p:sp>
-        <p:nvSpPr>
-          <p:cNvPr id="131" name="Google Shape;131;p3"/>
-          <p:cNvSpPr txBox="1"/>
-          <p:nvPr/>
-        </p:nvSpPr>
-        <p:spPr>
-          <a:xfrm>
-            <a:off x="6715796" y="1091747"/>
-            <a:ext cx="4888829" cy="400069"/>
-          </a:xfrm>
-          <a:prstGeom prst="rect">
-            <a:avLst/>
-          </a:prstGeom>
-          <a:noFill/>
-          <a:ln>
-            <a:noFill/>
-          </a:ln>
-        </p:spPr>
-        <p:txBody>
-          <a:bodyPr spcFirstLastPara="1" wrap="square" lIns="91425" tIns="45700" rIns="91425" bIns="45700" anchor="t" anchorCtr="0">
-            <a:spAutoFit/>
-          </a:bodyPr>
-          <a:lstStyle/>
-          <a:p>
-            <a:pPr lvl="0"/>
-            <a:r>
-              <a:rPr lang="en-US" sz="2000" noProof="0" dirty="0">
-                <a:solidFill>
-                  <a:schemeClr val="lt1"/>
-                </a:solidFill>
-                <a:latin typeface="Roboto"/>
-                <a:ea typeface="Roboto"/>
-                <a:cs typeface="Roboto"/>
-                <a:sym typeface="Roboto"/>
-              </a:rPr>
-              <a:t>Motivations and Clinical Background</a:t>
-            </a:r>
-          </a:p>
-        </p:txBody>
-      </p:sp>
-      <p:sp>
-        <p:nvSpPr>
-          <p:cNvPr id="132" name="Google Shape;132;p3"/>
-          <p:cNvSpPr txBox="1"/>
-          <p:nvPr/>
-        </p:nvSpPr>
-        <p:spPr>
-          <a:xfrm>
-            <a:off x="6715796" y="2119441"/>
-            <a:ext cx="4888829" cy="400069"/>
-          </a:xfrm>
-          <a:prstGeom prst="rect">
-            <a:avLst/>
-          </a:prstGeom>
-          <a:noFill/>
-          <a:ln>
-            <a:noFill/>
-          </a:ln>
-        </p:spPr>
-        <p:txBody>
-          <a:bodyPr spcFirstLastPara="1" wrap="square" lIns="91425" tIns="45700" rIns="91425" bIns="45700" anchor="t" anchorCtr="0">
-            <a:spAutoFit/>
-          </a:bodyPr>
-          <a:lstStyle/>
-          <a:p>
-            <a:pPr marL="0" marR="0" lvl="0" indent="0" algn="l" rtl="0">
-              <a:spcBef>
-                <a:spcPts val="0"/>
-              </a:spcBef>
-              <a:spcAft>
-                <a:spcPts val="0"/>
-              </a:spcAft>
-              <a:buNone/>
-            </a:pPr>
-            <a:r>
-              <a:rPr lang="en-US" sz="2000" noProof="0" dirty="0">
-                <a:solidFill>
-                  <a:schemeClr val="lt1"/>
-                </a:solidFill>
-                <a:latin typeface="Roboto"/>
-                <a:ea typeface="Roboto"/>
-                <a:cs typeface="Roboto"/>
-                <a:sym typeface="Roboto"/>
-              </a:rPr>
-              <a:t>Dataset ADNI</a:t>
-            </a:r>
-          </a:p>
-        </p:txBody>
-      </p:sp>
-      <p:sp>
-        <p:nvSpPr>
-          <p:cNvPr id="133" name="Google Shape;133;p3"/>
-          <p:cNvSpPr txBox="1"/>
-          <p:nvPr/>
-        </p:nvSpPr>
-        <p:spPr>
-          <a:xfrm>
-            <a:off x="6715796" y="3157768"/>
-            <a:ext cx="4888829" cy="400069"/>
-          </a:xfrm>
-          <a:prstGeom prst="rect">
-            <a:avLst/>
-          </a:prstGeom>
-          <a:noFill/>
-          <a:ln>
-            <a:noFill/>
-          </a:ln>
-        </p:spPr>
-        <p:txBody>
-          <a:bodyPr spcFirstLastPara="1" wrap="square" lIns="91425" tIns="45700" rIns="91425" bIns="45700" anchor="t" anchorCtr="0">
-            <a:spAutoFit/>
-          </a:bodyPr>
-          <a:lstStyle/>
-          <a:p>
-            <a:pPr lvl="0"/>
-            <a:r>
-              <a:rPr lang="en-US" sz="2000" noProof="0" dirty="0">
-                <a:solidFill>
-                  <a:schemeClr val="lt1"/>
-                </a:solidFill>
-                <a:latin typeface="Roboto"/>
-                <a:ea typeface="Roboto"/>
-                <a:cs typeface="Roboto"/>
-                <a:sym typeface="Roboto"/>
-              </a:rPr>
-              <a:t>Preprocessing</a:t>
-            </a:r>
-          </a:p>
-        </p:txBody>
-      </p:sp>
-      <p:sp>
-        <p:nvSpPr>
-          <p:cNvPr id="134" name="Google Shape;134;p3"/>
-          <p:cNvSpPr txBox="1"/>
-          <p:nvPr/>
-        </p:nvSpPr>
-        <p:spPr>
-          <a:xfrm>
-            <a:off x="6715796" y="4232015"/>
-            <a:ext cx="4888829" cy="400069"/>
-          </a:xfrm>
-          <a:prstGeom prst="rect">
-            <a:avLst/>
-          </a:prstGeom>
-          <a:noFill/>
-          <a:ln>
-            <a:noFill/>
-          </a:ln>
-        </p:spPr>
-        <p:txBody>
-          <a:bodyPr spcFirstLastPara="1" wrap="square" lIns="91425" tIns="45700" rIns="91425" bIns="45700" anchor="t" anchorCtr="0">
-            <a:spAutoFit/>
-          </a:bodyPr>
-          <a:lstStyle/>
-          <a:p>
-            <a:pPr marL="0" marR="0" lvl="0" indent="0" algn="l" rtl="0">
-              <a:spcBef>
-                <a:spcPts val="0"/>
-              </a:spcBef>
-              <a:spcAft>
-                <a:spcPts val="0"/>
-              </a:spcAft>
-              <a:buNone/>
-            </a:pPr>
-            <a:r>
-              <a:rPr lang="en-US" sz="2000" noProof="0" dirty="0">
-                <a:solidFill>
-                  <a:schemeClr val="lt1"/>
-                </a:solidFill>
-                <a:latin typeface="Roboto"/>
-                <a:ea typeface="Roboto"/>
-                <a:cs typeface="Roboto"/>
-                <a:sym typeface="Roboto"/>
-              </a:rPr>
-              <a:t>Classification &amp; Results</a:t>
-            </a:r>
-          </a:p>
-        </p:txBody>
-      </p:sp>
-      <p:sp>
-        <p:nvSpPr>
-          <p:cNvPr id="135" name="Google Shape;135;p3"/>
-          <p:cNvSpPr txBox="1"/>
-          <p:nvPr/>
-        </p:nvSpPr>
-        <p:spPr>
-          <a:xfrm>
-            <a:off x="6715796" y="5223790"/>
-            <a:ext cx="4888829" cy="400069"/>
-          </a:xfrm>
-          <a:prstGeom prst="rect">
-            <a:avLst/>
-          </a:prstGeom>
-          <a:noFill/>
-          <a:ln>
-            <a:noFill/>
-          </a:ln>
-        </p:spPr>
-        <p:txBody>
-          <a:bodyPr spcFirstLastPara="1" wrap="square" lIns="91425" tIns="45700" rIns="91425" bIns="45700" anchor="t" anchorCtr="0">
-            <a:spAutoFit/>
-          </a:bodyPr>
-          <a:lstStyle/>
-          <a:p>
-            <a:pPr lvl="0"/>
-            <a:r>
-              <a:rPr lang="en-US" sz="2000" noProof="0" dirty="0">
-                <a:solidFill>
-                  <a:schemeClr val="lt1"/>
-                </a:solidFill>
-                <a:latin typeface="Roboto"/>
-                <a:ea typeface="Roboto"/>
-                <a:cs typeface="Roboto"/>
-                <a:sym typeface="Roboto"/>
-              </a:rPr>
-              <a:t>Application &amp; Conclusions</a:t>
-            </a:r>
-          </a:p>
-        </p:txBody>
-      </p:sp>
-    </p:spTree>
-  </p:cSld>
-  <p:clrMapOvr>
-    <a:masterClrMapping/>
-  </p:clrMapOvr>
-</p:sld>
-</file>
-
-<file path=ppt/slides/slide20.xml><?xml version="1.0" encoding="utf-8"?>
+<file path=ppt/slides/slide21.xml><?xml version="1.0" encoding="utf-8"?>
 <p:sld xmlns:a="http://schemas.openxmlformats.org/drawingml/2006/main" xmlns:r="http://schemas.openxmlformats.org/officeDocument/2006/relationships" xmlns:p="http://schemas.openxmlformats.org/presentationml/2006/main">
   <p:cSld>
     <p:bg>
@@ -26526,7 +27843,7 @@
 </p:sld>
 </file>
 
-<file path=ppt/slides/slide21.xml><?xml version="1.0" encoding="utf-8"?>
+<file path=ppt/slides/slide22.xml><?xml version="1.0" encoding="utf-8"?>
 <p:sld xmlns:a="http://schemas.openxmlformats.org/drawingml/2006/main" xmlns:r="http://schemas.openxmlformats.org/officeDocument/2006/relationships" xmlns:p="http://schemas.openxmlformats.org/presentationml/2006/main">
   <p:cSld>
     <p:spTree>
@@ -29787,7 +31104,7 @@
                 <a:cs typeface="Roboto Medium"/>
                 <a:sym typeface="Roboto Medium"/>
               </a:rPr>
-              <a:t>Results</a:t>
+              <a:t>Results (on Test set)</a:t>
             </a:r>
             <a:endParaRPr lang="en-US" noProof="0" dirty="0"/>
           </a:p>
@@ -29806,7 +31123,7 @@
 </p:sld>
 </file>
 
-<file path=ppt/slides/slide22.xml><?xml version="1.0" encoding="utf-8"?>
+<file path=ppt/slides/slide23.xml><?xml version="1.0" encoding="utf-8"?>
 <p:sld xmlns:a="http://schemas.openxmlformats.org/drawingml/2006/main" xmlns:r="http://schemas.openxmlformats.org/officeDocument/2006/relationships" xmlns:p="http://schemas.openxmlformats.org/presentationml/2006/main">
   <p:cSld>
     <p:spTree>
@@ -30408,7 +31725,372 @@
 </p:sld>
 </file>
 
-<file path=ppt/slides/slide23.xml><?xml version="1.0" encoding="utf-8"?>
+<file path=ppt/slides/slide24.xml><?xml version="1.0" encoding="utf-8"?>
+<p:sld xmlns:a="http://schemas.openxmlformats.org/drawingml/2006/main" xmlns:r="http://schemas.openxmlformats.org/officeDocument/2006/relationships" xmlns:p="http://schemas.openxmlformats.org/presentationml/2006/main">
+  <p:cSld>
+    <p:spTree>
+      <p:nvGrpSpPr>
+        <p:cNvPr id="1" name=""/>
+        <p:cNvGrpSpPr/>
+        <p:nvPr/>
+      </p:nvGrpSpPr>
+      <p:grpSpPr>
+        <a:xfrm>
+          <a:off x="0" y="0"/>
+          <a:ext cx="0" cy="0"/>
+          <a:chOff x="0" y="0"/>
+          <a:chExt cx="0" cy="0"/>
+        </a:xfrm>
+      </p:grpSpPr>
+      <p:sp>
+        <p:nvSpPr>
+          <p:cNvPr id="4" name="Google Shape;289;p15">
+            <a:extLst>
+              <a:ext uri="{FF2B5EF4-FFF2-40B4-BE49-F238E27FC236}">
+                <a16:creationId xmlns:a16="http://schemas.microsoft.com/office/drawing/2014/main" id="{85B5BE90-94A7-ED97-828F-62481FB36969}"/>
+              </a:ext>
+            </a:extLst>
+          </p:cNvPr>
+          <p:cNvSpPr txBox="1"/>
+          <p:nvPr/>
+        </p:nvSpPr>
+        <p:spPr>
+          <a:xfrm>
+            <a:off x="587376" y="310860"/>
+            <a:ext cx="396136" cy="307777"/>
+          </a:xfrm>
+          <a:prstGeom prst="rect">
+            <a:avLst/>
+          </a:prstGeom>
+          <a:noFill/>
+          <a:ln>
+            <a:noFill/>
+          </a:ln>
+        </p:spPr>
+        <p:txBody>
+          <a:bodyPr spcFirstLastPara="1" wrap="square" lIns="91425" tIns="45700" rIns="91425" bIns="45700" anchor="t" anchorCtr="0">
+            <a:spAutoFit/>
+          </a:bodyPr>
+          <a:lstStyle/>
+          <a:p>
+            <a:pPr marL="0" marR="0" lvl="0" indent="0" algn="l" rtl="0">
+              <a:lnSpc>
+                <a:spcPct val="100000"/>
+              </a:lnSpc>
+              <a:spcBef>
+                <a:spcPts val="0"/>
+              </a:spcBef>
+              <a:spcAft>
+                <a:spcPts val="0"/>
+              </a:spcAft>
+              <a:buClr>
+                <a:schemeClr val="accent1"/>
+              </a:buClr>
+              <a:buSzPts val="1400"/>
+              <a:buFont typeface="Roboto"/>
+              <a:buNone/>
+            </a:pPr>
+            <a:r>
+              <a:rPr lang="en-US" sz="1400" u="none" strike="noStrike" cap="none" noProof="0" dirty="0">
+                <a:solidFill>
+                  <a:schemeClr val="accent1"/>
+                </a:solidFill>
+                <a:latin typeface="Roboto"/>
+                <a:ea typeface="Roboto"/>
+                <a:cs typeface="Roboto"/>
+                <a:sym typeface="Roboto"/>
+              </a:rPr>
+              <a:t>IV</a:t>
+            </a:r>
+          </a:p>
+        </p:txBody>
+      </p:sp>
+      <p:sp>
+        <p:nvSpPr>
+          <p:cNvPr id="5" name="Google Shape;290;p15">
+            <a:extLst>
+              <a:ext uri="{FF2B5EF4-FFF2-40B4-BE49-F238E27FC236}">
+                <a16:creationId xmlns:a16="http://schemas.microsoft.com/office/drawing/2014/main" id="{2DFD7AC6-B23E-8F89-E5E5-9E626693B9E6}"/>
+              </a:ext>
+            </a:extLst>
+          </p:cNvPr>
+          <p:cNvSpPr txBox="1"/>
+          <p:nvPr/>
+        </p:nvSpPr>
+        <p:spPr>
+          <a:xfrm>
+            <a:off x="843555" y="310860"/>
+            <a:ext cx="2356845" cy="307736"/>
+          </a:xfrm>
+          <a:prstGeom prst="rect">
+            <a:avLst/>
+          </a:prstGeom>
+          <a:noFill/>
+          <a:ln>
+            <a:noFill/>
+          </a:ln>
+        </p:spPr>
+        <p:txBody>
+          <a:bodyPr spcFirstLastPara="1" wrap="square" lIns="91425" tIns="45700" rIns="91425" bIns="45700" anchor="t" anchorCtr="0">
+            <a:spAutoFit/>
+          </a:bodyPr>
+          <a:lstStyle/>
+          <a:p>
+            <a:pPr marL="0" marR="0" lvl="0" indent="0" algn="l" rtl="0">
+              <a:lnSpc>
+                <a:spcPct val="100000"/>
+              </a:lnSpc>
+              <a:spcBef>
+                <a:spcPts val="0"/>
+              </a:spcBef>
+              <a:spcAft>
+                <a:spcPts val="0"/>
+              </a:spcAft>
+              <a:buClr>
+                <a:schemeClr val="accent1"/>
+              </a:buClr>
+              <a:buSzPts val="1400"/>
+              <a:buFont typeface="Roboto"/>
+              <a:buNone/>
+            </a:pPr>
+            <a:r>
+              <a:rPr lang="en-US" sz="1400" u="none" strike="noStrike" cap="none" noProof="0" dirty="0">
+                <a:solidFill>
+                  <a:schemeClr val="accent1"/>
+                </a:solidFill>
+                <a:latin typeface="Roboto"/>
+                <a:ea typeface="Roboto"/>
+                <a:cs typeface="Roboto"/>
+                <a:sym typeface="Roboto"/>
+              </a:rPr>
+              <a:t>Classificatio</a:t>
+            </a:r>
+            <a:r>
+              <a:rPr lang="en-US" noProof="0" dirty="0">
+                <a:solidFill>
+                  <a:schemeClr val="accent1"/>
+                </a:solidFill>
+                <a:latin typeface="Roboto"/>
+                <a:ea typeface="Roboto"/>
+                <a:cs typeface="Roboto"/>
+                <a:sym typeface="Roboto"/>
+              </a:rPr>
+              <a:t>n &amp; Results</a:t>
+            </a:r>
+            <a:endParaRPr lang="en-US" sz="1400" u="none" strike="noStrike" cap="none" noProof="0" dirty="0">
+              <a:solidFill>
+                <a:schemeClr val="accent1"/>
+              </a:solidFill>
+              <a:latin typeface="Roboto"/>
+              <a:ea typeface="Roboto"/>
+              <a:cs typeface="Roboto"/>
+              <a:sym typeface="Roboto"/>
+            </a:endParaRPr>
+          </a:p>
+        </p:txBody>
+      </p:sp>
+      <p:pic>
+        <p:nvPicPr>
+          <p:cNvPr id="2050" name="Picture 2" descr="No description has been provided for this image">
+            <a:extLst>
+              <a:ext uri="{FF2B5EF4-FFF2-40B4-BE49-F238E27FC236}">
+                <a16:creationId xmlns:a16="http://schemas.microsoft.com/office/drawing/2014/main" id="{D7FCA212-DAC7-523A-6495-CC5580242D60}"/>
+              </a:ext>
+            </a:extLst>
+          </p:cNvPr>
+          <p:cNvPicPr>
+            <a:picLocks noChangeArrowheads="1"/>
+          </p:cNvPicPr>
+          <p:nvPr/>
+        </p:nvPicPr>
+        <p:blipFill>
+          <a:blip r:embed="rId2">
+            <a:extLst>
+              <a:ext uri="{28A0092B-C50C-407E-A947-70E740481C1C}">
+                <a14:useLocalDpi xmlns:a14="http://schemas.microsoft.com/office/drawing/2010/main" val="0"/>
+              </a:ext>
+            </a:extLst>
+          </a:blip>
+          <a:srcRect/>
+          <a:stretch>
+            <a:fillRect/>
+          </a:stretch>
+        </p:blipFill>
+        <p:spPr bwMode="auto">
+          <a:xfrm>
+            <a:off x="0" y="887296"/>
+            <a:ext cx="3024000" cy="5940000"/>
+          </a:xfrm>
+          <a:prstGeom prst="rect">
+            <a:avLst/>
+          </a:prstGeom>
+          <a:noFill/>
+          <a:extLst>
+            <a:ext uri="{909E8E84-426E-40DD-AFC4-6F175D3DCCD1}">
+              <a14:hiddenFill xmlns:a14="http://schemas.microsoft.com/office/drawing/2010/main">
+                <a:solidFill>
+                  <a:srgbClr val="FFFFFF"/>
+                </a:solidFill>
+              </a14:hiddenFill>
+            </a:ext>
+          </a:extLst>
+        </p:spPr>
+      </p:pic>
+      <p:pic>
+        <p:nvPicPr>
+          <p:cNvPr id="2052" name="Picture 4" descr="No description has been provided for this image">
+            <a:extLst>
+              <a:ext uri="{FF2B5EF4-FFF2-40B4-BE49-F238E27FC236}">
+                <a16:creationId xmlns:a16="http://schemas.microsoft.com/office/drawing/2014/main" id="{1305918A-7335-D13C-6796-BE80D50D3FE4}"/>
+              </a:ext>
+            </a:extLst>
+          </p:cNvPr>
+          <p:cNvPicPr>
+            <a:picLocks noChangeArrowheads="1"/>
+          </p:cNvPicPr>
+          <p:nvPr/>
+        </p:nvPicPr>
+        <p:blipFill>
+          <a:blip r:embed="rId3">
+            <a:extLst>
+              <a:ext uri="{28A0092B-C50C-407E-A947-70E740481C1C}">
+                <a14:useLocalDpi xmlns:a14="http://schemas.microsoft.com/office/drawing/2010/main" val="0"/>
+              </a:ext>
+            </a:extLst>
+          </a:blip>
+          <a:srcRect/>
+          <a:stretch>
+            <a:fillRect/>
+          </a:stretch>
+        </p:blipFill>
+        <p:spPr bwMode="auto">
+          <a:xfrm>
+            <a:off x="3036000" y="887296"/>
+            <a:ext cx="3024000" cy="5940000"/>
+          </a:xfrm>
+          <a:prstGeom prst="rect">
+            <a:avLst/>
+          </a:prstGeom>
+          <a:noFill/>
+          <a:extLst>
+            <a:ext uri="{909E8E84-426E-40DD-AFC4-6F175D3DCCD1}">
+              <a14:hiddenFill xmlns:a14="http://schemas.microsoft.com/office/drawing/2010/main">
+                <a:solidFill>
+                  <a:srgbClr val="FFFFFF"/>
+                </a:solidFill>
+              </a14:hiddenFill>
+            </a:ext>
+          </a:extLst>
+        </p:spPr>
+      </p:pic>
+      <p:pic>
+        <p:nvPicPr>
+          <p:cNvPr id="2054" name="Picture 6" descr="No description has been provided for this image">
+            <a:extLst>
+              <a:ext uri="{FF2B5EF4-FFF2-40B4-BE49-F238E27FC236}">
+                <a16:creationId xmlns:a16="http://schemas.microsoft.com/office/drawing/2014/main" id="{E6E1B67E-E8D2-7F3D-21DB-774810DACA6A}"/>
+              </a:ext>
+            </a:extLst>
+          </p:cNvPr>
+          <p:cNvPicPr>
+            <a:picLocks noChangeArrowheads="1"/>
+          </p:cNvPicPr>
+          <p:nvPr/>
+        </p:nvPicPr>
+        <p:blipFill>
+          <a:blip r:embed="rId4">
+            <a:extLst>
+              <a:ext uri="{28A0092B-C50C-407E-A947-70E740481C1C}">
+                <a14:useLocalDpi xmlns:a14="http://schemas.microsoft.com/office/drawing/2010/main" val="0"/>
+              </a:ext>
+            </a:extLst>
+          </a:blip>
+          <a:srcRect/>
+          <a:stretch>
+            <a:fillRect/>
+          </a:stretch>
+        </p:blipFill>
+        <p:spPr bwMode="auto">
+          <a:xfrm>
+            <a:off x="6096000" y="887296"/>
+            <a:ext cx="3024000" cy="5940000"/>
+          </a:xfrm>
+          <a:prstGeom prst="rect">
+            <a:avLst/>
+          </a:prstGeom>
+          <a:noFill/>
+          <a:extLst>
+            <a:ext uri="{909E8E84-426E-40DD-AFC4-6F175D3DCCD1}">
+              <a14:hiddenFill xmlns:a14="http://schemas.microsoft.com/office/drawing/2010/main">
+                <a:solidFill>
+                  <a:srgbClr val="FFFFFF"/>
+                </a:solidFill>
+              </a14:hiddenFill>
+            </a:ext>
+          </a:extLst>
+        </p:spPr>
+      </p:pic>
+      <p:pic>
+        <p:nvPicPr>
+          <p:cNvPr id="2058" name="Picture 10" descr="No description has been provided for this image">
+            <a:extLst>
+              <a:ext uri="{FF2B5EF4-FFF2-40B4-BE49-F238E27FC236}">
+                <a16:creationId xmlns:a16="http://schemas.microsoft.com/office/drawing/2014/main" id="{866475AF-BDFC-EB5A-F56A-C9C92E0D046C}"/>
+              </a:ext>
+            </a:extLst>
+          </p:cNvPr>
+          <p:cNvPicPr>
+            <a:picLocks noChangeArrowheads="1"/>
+          </p:cNvPicPr>
+          <p:nvPr/>
+        </p:nvPicPr>
+        <p:blipFill>
+          <a:blip r:embed="rId5">
+            <a:extLst>
+              <a:ext uri="{28A0092B-C50C-407E-A947-70E740481C1C}">
+                <a14:useLocalDpi xmlns:a14="http://schemas.microsoft.com/office/drawing/2010/main" val="0"/>
+              </a:ext>
+            </a:extLst>
+          </a:blip>
+          <a:srcRect/>
+          <a:stretch>
+            <a:fillRect/>
+          </a:stretch>
+        </p:blipFill>
+        <p:spPr bwMode="auto">
+          <a:xfrm>
+            <a:off x="9156000" y="887296"/>
+            <a:ext cx="3024000" cy="5940000"/>
+          </a:xfrm>
+          <a:prstGeom prst="rect">
+            <a:avLst/>
+          </a:prstGeom>
+          <a:noFill/>
+          <a:extLst>
+            <a:ext uri="{909E8E84-426E-40DD-AFC4-6F175D3DCCD1}">
+              <a14:hiddenFill xmlns:a14="http://schemas.microsoft.com/office/drawing/2010/main">
+                <a:solidFill>
+                  <a:srgbClr val="FFFFFF"/>
+                </a:solidFill>
+              </a14:hiddenFill>
+            </a:ext>
+          </a:extLst>
+        </p:spPr>
+      </p:pic>
+    </p:spTree>
+    <p:extLst>
+      <p:ext uri="{BB962C8B-B14F-4D97-AF65-F5344CB8AC3E}">
+        <p14:creationId xmlns:p14="http://schemas.microsoft.com/office/powerpoint/2010/main" val="3117423591"/>
+      </p:ext>
+    </p:extLst>
+  </p:cSld>
+  <p:clrMapOvr>
+    <a:masterClrMapping/>
+  </p:clrMapOvr>
+</p:sld>
+</file>
+
+<file path=ppt/slides/slide25.xml><?xml version="1.0" encoding="utf-8"?>
 <p:sld xmlns:a="http://schemas.openxmlformats.org/drawingml/2006/main" xmlns:r="http://schemas.openxmlformats.org/officeDocument/2006/relationships" xmlns:p="http://schemas.openxmlformats.org/presentationml/2006/main">
   <p:cSld>
     <p:spTree>
@@ -33807,7 +35489,7 @@
 </p:sld>
 </file>
 
-<file path=ppt/slides/slide24.xml><?xml version="1.0" encoding="utf-8"?>
+<file path=ppt/slides/slide26.xml><?xml version="1.0" encoding="utf-8"?>
 <p:sld xmlns:a="http://schemas.openxmlformats.org/drawingml/2006/main" xmlns:r="http://schemas.openxmlformats.org/officeDocument/2006/relationships" xmlns:p="http://schemas.openxmlformats.org/presentationml/2006/main">
   <p:cSld>
     <p:bg>
@@ -34131,10 +35813,10 @@
                 <a:cs typeface="Roboto"/>
                 <a:sym typeface="Roboto"/>
               </a:rPr>
-              <a:t>With CDRSB, LDELTOTAL, and mPACCdigit: (DS1, DS2)</a:t>
+              <a:t>With CDRSB, LDELTOTAL, and mPACCdigit: </a:t>
             </a:r>
             <a:br>
-              <a:rPr lang="en-US" sz="1800" noProof="0" dirty="0">
+              <a:rPr lang="en-US" sz="1800" b="1" noProof="0" dirty="0">
                 <a:solidFill>
                   <a:schemeClr val="dk1"/>
                 </a:solidFill>
@@ -34279,7 +35961,43 @@
                 <a:cs typeface="Roboto"/>
                 <a:sym typeface="Roboto"/>
               </a:rPr>
-              <a:t>Without CDRSB, LDELTOTAL, and mPACCdigit: (DS3, DS4)</a:t>
+              <a:t>Without CDRSB, LDELTOTAL, and </a:t>
+            </a:r>
+            <a:r>
+              <a:rPr lang="en-US" sz="1800" b="1" noProof="0" dirty="0" err="1">
+                <a:solidFill>
+                  <a:schemeClr val="dk1"/>
+                </a:solidFill>
+                <a:latin typeface="Roboto"/>
+                <a:ea typeface="Roboto"/>
+                <a:cs typeface="Roboto"/>
+                <a:sym typeface="Roboto"/>
+              </a:rPr>
+              <a:t>mPACCdigit</a:t>
+            </a:r>
+            <a:r>
+              <a:rPr lang="en-US" sz="1800" b="1" noProof="0" dirty="0">
+                <a:solidFill>
+                  <a:schemeClr val="dk1"/>
+                </a:solidFill>
+                <a:latin typeface="Roboto"/>
+                <a:ea typeface="Roboto"/>
+                <a:cs typeface="Roboto"/>
+                <a:sym typeface="Roboto"/>
+              </a:rPr>
+              <a:t>:</a:t>
+            </a:r>
+            <a:r>
+              <a:rPr lang="en-US" sz="1800" b="1" dirty="0">
+                <a:solidFill>
+                  <a:schemeClr val="dk1"/>
+                </a:solidFill>
+                <a:latin typeface="Roboto"/>
+                <a:ea typeface="Roboto"/>
+                <a:cs typeface="Roboto"/>
+                <a:sym typeface="Roboto"/>
+              </a:rPr>
+              <a:t> </a:t>
             </a:r>
             <a:br>
               <a:rPr lang="en-US" sz="1800" b="1" noProof="0" dirty="0">
@@ -34613,7 +36331,7 @@
 </p:sld>
 </file>
 
-<file path=ppt/slides/slide25.xml><?xml version="1.0" encoding="utf-8"?>
+<file path=ppt/slides/slide27.xml><?xml version="1.0" encoding="utf-8"?>
 <p:sld xmlns:a="http://schemas.openxmlformats.org/drawingml/2006/main" xmlns:r="http://schemas.openxmlformats.org/officeDocument/2006/relationships" xmlns:p="http://schemas.openxmlformats.org/presentationml/2006/main">
   <p:cSld>
     <p:bg>
@@ -34714,7 +36432,7 @@
 </p:sld>
 </file>
 
-<file path=ppt/slides/slide26.xml><?xml version="1.0" encoding="utf-8"?>
+<file path=ppt/slides/slide28.xml><?xml version="1.0" encoding="utf-8"?>
 <p:sld xmlns:a="http://schemas.openxmlformats.org/drawingml/2006/main" xmlns:r="http://schemas.openxmlformats.org/officeDocument/2006/relationships" xmlns:p="http://schemas.openxmlformats.org/presentationml/2006/main">
   <p:cSld>
     <p:bg>
@@ -34997,7 +36715,7 @@
         </p:blipFill>
         <p:spPr>
           <a:xfrm>
-            <a:off x="-19839" y="912995"/>
+            <a:off x="-19839" y="885002"/>
             <a:ext cx="6094800" cy="2890800"/>
           </a:xfrm>
           <a:prstGeom prst="rect">
@@ -35027,7 +36745,7 @@
         </p:blipFill>
         <p:spPr>
           <a:xfrm>
-            <a:off x="6105917" y="912995"/>
+            <a:off x="6105917" y="885002"/>
             <a:ext cx="6094800" cy="2890800"/>
           </a:xfrm>
           <a:prstGeom prst="rect">
@@ -35043,7 +36761,7 @@
 </p:sld>
 </file>
 
-<file path=ppt/slides/slide27.xml><?xml version="1.0" encoding="utf-8"?>
+<file path=ppt/slides/slide29.xml><?xml version="1.0" encoding="utf-8"?>
 <p:sld xmlns:a="http://schemas.openxmlformats.org/drawingml/2006/main" xmlns:r="http://schemas.openxmlformats.org/officeDocument/2006/relationships" xmlns:p="http://schemas.openxmlformats.org/presentationml/2006/main">
   <p:cSld>
     <p:bg>
@@ -35377,7 +37095,7 @@
                 <a:cs typeface="Roboto"/>
                 <a:sym typeface="Roboto"/>
               </a:rPr>
-              <a:t>only 2,429 patients, many missing values ​​(CSF, PET), strong dependence on three cognitive scores. Risk of local overfitting, dataset bias, and imputations increasing noise. External validation required.</a:t>
+              <a:t>only 2,419 patients, many missing values ​​(CSF, PET), strong dependence on three cognitive scores. Risk of local overfitting, dataset bias, and imputations increasing noise. External validation required.</a:t>
             </a:r>
           </a:p>
           <a:p>
@@ -35735,7 +37453,91 @@
 </p:sld>
 </file>
 
-<file path=ppt/slides/slide28.xml><?xml version="1.0" encoding="utf-8"?>
+<file path=ppt/slides/slide3.xml><?xml version="1.0" encoding="utf-8"?>
+<p:sld xmlns:a="http://schemas.openxmlformats.org/drawingml/2006/main" xmlns:r="http://schemas.openxmlformats.org/officeDocument/2006/relationships" xmlns:p="http://schemas.openxmlformats.org/presentationml/2006/main">
+  <p:cSld>
+    <p:bg>
+      <p:bgPr>
+        <a:solidFill>
+          <a:schemeClr val="dk2"/>
+        </a:solidFill>
+        <a:effectLst/>
+      </p:bgPr>
+    </p:bg>
+    <p:spTree>
+      <p:nvGrpSpPr>
+        <p:cNvPr id="1" name="Shape 184"/>
+        <p:cNvGrpSpPr/>
+        <p:nvPr/>
+      </p:nvGrpSpPr>
+      <p:grpSpPr>
+        <a:xfrm>
+          <a:off x="0" y="0"/>
+          <a:ext cx="0" cy="0"/>
+          <a:chOff x="0" y="0"/>
+          <a:chExt cx="0" cy="0"/>
+        </a:xfrm>
+      </p:grpSpPr>
+      <p:sp>
+        <p:nvSpPr>
+          <p:cNvPr id="185" name="Google Shape;185;p8"/>
+          <p:cNvSpPr txBox="1">
+            <a:spLocks noGrp="1"/>
+          </p:cNvSpPr>
+          <p:nvPr>
+            <p:ph type="title"/>
+          </p:nvPr>
+        </p:nvSpPr>
+        <p:spPr>
+          <a:xfrm>
+            <a:off x="927616" y="1874143"/>
+            <a:ext cx="10273783" cy="1360669"/>
+          </a:xfrm>
+          <a:prstGeom prst="rect">
+            <a:avLst/>
+          </a:prstGeom>
+          <a:noFill/>
+          <a:ln>
+            <a:noFill/>
+          </a:ln>
+        </p:spPr>
+        <p:txBody>
+          <a:bodyPr spcFirstLastPara="1" wrap="square" lIns="91425" tIns="45700" rIns="91425" bIns="45700" anchor="ctr" anchorCtr="0">
+            <a:noAutofit/>
+          </a:bodyPr>
+          <a:lstStyle/>
+          <a:p>
+            <a:pPr lvl="0" algn="ctr">
+              <a:buClr>
+                <a:schemeClr val="lt1"/>
+              </a:buClr>
+              <a:buSzPts val="3200"/>
+            </a:pPr>
+            <a:r>
+              <a:rPr lang="en-US" sz="4000" b="1" noProof="0" dirty="0">
+                <a:solidFill>
+                  <a:schemeClr val="lt1"/>
+                </a:solidFill>
+                <a:latin typeface="Roboto Medium"/>
+                <a:ea typeface="Roboto Medium"/>
+                <a:cs typeface="Roboto Medium"/>
+                <a:sym typeface="Roboto Medium"/>
+              </a:rPr>
+              <a:t>Motivations and Clinical Background</a:t>
+            </a:r>
+            <a:endParaRPr lang="en-US" sz="4000" noProof="0" dirty="0"/>
+          </a:p>
+        </p:txBody>
+      </p:sp>
+    </p:spTree>
+  </p:cSld>
+  <p:clrMapOvr>
+    <a:masterClrMapping/>
+  </p:clrMapOvr>
+</p:sld>
+</file>
+
+<file path=ppt/slides/slide30.xml><?xml version="1.0" encoding="utf-8"?>
 <p:sld xmlns:a="http://schemas.openxmlformats.org/drawingml/2006/main" xmlns:r="http://schemas.openxmlformats.org/officeDocument/2006/relationships" xmlns:p="http://schemas.openxmlformats.org/presentationml/2006/main">
   <p:cSld>
     <p:bg>
@@ -36839,90 +38641,6 @@
 </p:sld>
 </file>
 
-<file path=ppt/slides/slide3.xml><?xml version="1.0" encoding="utf-8"?>
-<p:sld xmlns:a="http://schemas.openxmlformats.org/drawingml/2006/main" xmlns:r="http://schemas.openxmlformats.org/officeDocument/2006/relationships" xmlns:p="http://schemas.openxmlformats.org/presentationml/2006/main">
-  <p:cSld>
-    <p:bg>
-      <p:bgPr>
-        <a:solidFill>
-          <a:schemeClr val="dk2"/>
-        </a:solidFill>
-        <a:effectLst/>
-      </p:bgPr>
-    </p:bg>
-    <p:spTree>
-      <p:nvGrpSpPr>
-        <p:cNvPr id="1" name="Shape 184"/>
-        <p:cNvGrpSpPr/>
-        <p:nvPr/>
-      </p:nvGrpSpPr>
-      <p:grpSpPr>
-        <a:xfrm>
-          <a:off x="0" y="0"/>
-          <a:ext cx="0" cy="0"/>
-          <a:chOff x="0" y="0"/>
-          <a:chExt cx="0" cy="0"/>
-        </a:xfrm>
-      </p:grpSpPr>
-      <p:sp>
-        <p:nvSpPr>
-          <p:cNvPr id="185" name="Google Shape;185;p8"/>
-          <p:cNvSpPr txBox="1">
-            <a:spLocks noGrp="1"/>
-          </p:cNvSpPr>
-          <p:nvPr>
-            <p:ph type="title"/>
-          </p:nvPr>
-        </p:nvSpPr>
-        <p:spPr>
-          <a:xfrm>
-            <a:off x="927616" y="1874143"/>
-            <a:ext cx="10273783" cy="1360669"/>
-          </a:xfrm>
-          <a:prstGeom prst="rect">
-            <a:avLst/>
-          </a:prstGeom>
-          <a:noFill/>
-          <a:ln>
-            <a:noFill/>
-          </a:ln>
-        </p:spPr>
-        <p:txBody>
-          <a:bodyPr spcFirstLastPara="1" wrap="square" lIns="91425" tIns="45700" rIns="91425" bIns="45700" anchor="ctr" anchorCtr="0">
-            <a:noAutofit/>
-          </a:bodyPr>
-          <a:lstStyle/>
-          <a:p>
-            <a:pPr lvl="0" algn="ctr">
-              <a:buClr>
-                <a:schemeClr val="lt1"/>
-              </a:buClr>
-              <a:buSzPts val="3200"/>
-            </a:pPr>
-            <a:r>
-              <a:rPr lang="en-US" sz="4000" b="1" noProof="0" dirty="0">
-                <a:solidFill>
-                  <a:schemeClr val="lt1"/>
-                </a:solidFill>
-                <a:latin typeface="Roboto Medium"/>
-                <a:ea typeface="Roboto Medium"/>
-                <a:cs typeface="Roboto Medium"/>
-                <a:sym typeface="Roboto Medium"/>
-              </a:rPr>
-              <a:t>Motivations and Clinical Background</a:t>
-            </a:r>
-            <a:endParaRPr lang="en-US" sz="4000" noProof="0" dirty="0"/>
-          </a:p>
-        </p:txBody>
-      </p:sp>
-    </p:spTree>
-  </p:cSld>
-  <p:clrMapOvr>
-    <a:masterClrMapping/>
-  </p:clrMapOvr>
-</p:sld>
-</file>
-
 <file path=ppt/slides/slide4.xml><?xml version="1.0" encoding="utf-8"?>
 <p:sld xmlns:a="http://schemas.openxmlformats.org/drawingml/2006/main" xmlns:r="http://schemas.openxmlformats.org/officeDocument/2006/relationships" xmlns:p="http://schemas.openxmlformats.org/presentationml/2006/main">
   <p:cSld>
@@ -38855,7 +40573,7 @@
                 <a:cs typeface="Roboto"/>
                 <a:sym typeface="Roboto"/>
               </a:rPr>
-              <a:t>16,421 rows x 116 columns. </a:t>
+              <a:t>16,420 rows x 116 columns. </a:t>
             </a:r>
             <a:r>
               <a:rPr lang="en-US" sz="2000" noProof="0" dirty="0"/>

--- a/Presentation.pptx
+++ b/Presentation.pptx
@@ -317,7 +317,7 @@
       </p15:sldGuideLst>
     </p:ext>
     <p:ext uri="GoogleSlidesCustomDataVersion2">
-      <go:slidesCustomData xmlns:go="http://customooxmlschemas.google.com/" xmlns:ahyp="http://schemas.microsoft.com/office/drawing/2018/hyperlinkcolor" xmlns:p15="http://schemas.microsoft.com/office/powerpoint/2012/main" xmlns:p14="http://schemas.microsoft.com/office/powerpoint/2010/main" xmlns:com="http://schemas.openxmlformats.org/drawingml/2006/compatibility" xmlns:pvml="urn:schemas-microsoft-com:office:powerpoint" xmlns:v="urn:schemas-microsoft-com:vml" xmlns:o="urn:schemas-microsoft-com:office:office" xmlns:dgm="http://schemas.openxmlformats.org/drawingml/2006/diagram" xmlns:c="http://schemas.openxmlformats.org/drawingml/2006/chart" xmlns:mv="urn:schemas-microsoft-com:mac:vml" xmlns:mc="http://schemas.openxmlformats.org/markup-compatibility/2006" xmlns="" r:id="rId43" roundtripDataSignature="AMtx7mjwiTGL8P6MkGzLtFLYmbztPPfd0A=="/>
+      <go:slidesCustomData xmlns="" xmlns:mc="http://schemas.openxmlformats.org/markup-compatibility/2006" xmlns:mv="urn:schemas-microsoft-com:mac:vml" xmlns:c="http://schemas.openxmlformats.org/drawingml/2006/chart" xmlns:dgm="http://schemas.openxmlformats.org/drawingml/2006/diagram" xmlns:o="urn:schemas-microsoft-com:office:office" xmlns:v="urn:schemas-microsoft-com:vml" xmlns:pvml="urn:schemas-microsoft-com:office:powerpoint" xmlns:com="http://schemas.openxmlformats.org/drawingml/2006/compatibility" xmlns:p14="http://schemas.microsoft.com/office/powerpoint/2010/main" xmlns:p15="http://schemas.microsoft.com/office/powerpoint/2012/main" xmlns:ahyp="http://schemas.microsoft.com/office/drawing/2018/hyperlinkcolor" xmlns:go="http://customooxmlschemas.google.com/" r:id="rId43" roundtripDataSignature="AMtx7mjwiTGL8P6MkGzLtFLYmbztPPfd0A=="/>
     </p:ext>
   </p:extLst>
 </p:presentation>
@@ -21302,7 +21302,31 @@
                 <a:cs typeface="Roboto"/>
                 <a:sym typeface="Roboto"/>
               </a:rPr>
-              <a:t>create groups of columns (EcogPt, EcogSP, Cognitive Score, MRI/ICV, CSF/ABETA), apply </a:t>
+              <a:t>create groups of </a:t>
+            </a:r>
+            <a:r>
+              <a:rPr lang="en-US" sz="1800" noProof="0">
+                <a:solidFill>
+                  <a:schemeClr val="dk1"/>
+                </a:solidFill>
+                <a:latin typeface="Roboto"/>
+                <a:ea typeface="Roboto"/>
+                <a:cs typeface="Roboto"/>
+                <a:sym typeface="Roboto"/>
+              </a:rPr>
+              <a:t>columns (Cognitive </a:t>
+            </a:r>
+            <a:r>
+              <a:rPr lang="en-US" sz="1800" noProof="0" dirty="0">
+                <a:solidFill>
+                  <a:schemeClr val="dk1"/>
+                </a:solidFill>
+                <a:latin typeface="Roboto"/>
+                <a:ea typeface="Roboto"/>
+                <a:cs typeface="Roboto"/>
+                <a:sym typeface="Roboto"/>
+              </a:rPr>
+              <a:t>Score, MRI/ICV, CSF/ABETA), apply </a:t>
             </a:r>
             <a:r>
               <a:rPr lang="en-US" sz="1800" i="1" noProof="0" dirty="0">

--- a/Presentation.pptx
+++ b/Presentation.pptx
@@ -317,7 +317,7 @@
       </p15:sldGuideLst>
     </p:ext>
     <p:ext uri="GoogleSlidesCustomDataVersion2">
-      <go:slidesCustomData xmlns="" xmlns:mc="http://schemas.openxmlformats.org/markup-compatibility/2006" xmlns:mv="urn:schemas-microsoft-com:mac:vml" xmlns:c="http://schemas.openxmlformats.org/drawingml/2006/chart" xmlns:dgm="http://schemas.openxmlformats.org/drawingml/2006/diagram" xmlns:o="urn:schemas-microsoft-com:office:office" xmlns:v="urn:schemas-microsoft-com:vml" xmlns:pvml="urn:schemas-microsoft-com:office:powerpoint" xmlns:com="http://schemas.openxmlformats.org/drawingml/2006/compatibility" xmlns:p14="http://schemas.microsoft.com/office/powerpoint/2010/main" xmlns:p15="http://schemas.microsoft.com/office/powerpoint/2012/main" xmlns:ahyp="http://schemas.microsoft.com/office/drawing/2018/hyperlinkcolor" xmlns:go="http://customooxmlschemas.google.com/" r:id="rId43" roundtripDataSignature="AMtx7mjwiTGL8P6MkGzLtFLYmbztPPfd0A=="/>
+      <go:slidesCustomData xmlns:go="http://customooxmlschemas.google.com/" xmlns:ahyp="http://schemas.microsoft.com/office/drawing/2018/hyperlinkcolor" xmlns:p15="http://schemas.microsoft.com/office/powerpoint/2012/main" xmlns:p14="http://schemas.microsoft.com/office/powerpoint/2010/main" xmlns:com="http://schemas.openxmlformats.org/drawingml/2006/compatibility" xmlns:pvml="urn:schemas-microsoft-com:office:powerpoint" xmlns:v="urn:schemas-microsoft-com:vml" xmlns:o="urn:schemas-microsoft-com:office:office" xmlns:dgm="http://schemas.openxmlformats.org/drawingml/2006/diagram" xmlns:c="http://schemas.openxmlformats.org/drawingml/2006/chart" xmlns:mv="urn:schemas-microsoft-com:mac:vml" xmlns:mc="http://schemas.openxmlformats.org/markup-compatibility/2006" xmlns="" r:id="rId43" roundtripDataSignature="AMtx7mjwiTGL8P6MkGzLtFLYmbztPPfd0A=="/>
     </p:ext>
   </p:extLst>
 </p:presentation>
@@ -40588,6 +40588,18 @@
               <a:buChar char="•"/>
             </a:pPr>
             <a:r>
+              <a:rPr lang="en-US" sz="2000" b="1" noProof="0">
+                <a:solidFill>
+                  <a:schemeClr val="dk1"/>
+                </a:solidFill>
+                <a:latin typeface="Roboto"/>
+                <a:ea typeface="Roboto"/>
+                <a:cs typeface="Roboto"/>
+                <a:sym typeface="Roboto"/>
+              </a:rPr>
+              <a:t>16,421 </a:t>
+            </a:r>
+            <a:r>
               <a:rPr lang="en-US" sz="2000" b="1" noProof="0" dirty="0">
                 <a:solidFill>
                   <a:schemeClr val="dk1"/>
@@ -40597,7 +40609,7 @@
                 <a:cs typeface="Roboto"/>
                 <a:sym typeface="Roboto"/>
               </a:rPr>
-              <a:t>16,420 rows x 116 columns. </a:t>
+              <a:t>rows x 116 columns. </a:t>
             </a:r>
             <a:r>
               <a:rPr lang="en-US" sz="2000" noProof="0" dirty="0"/>

--- a/Presentation.pptx
+++ b/Presentation.pptx
@@ -317,7 +317,7 @@
       </p15:sldGuideLst>
     </p:ext>
     <p:ext uri="GoogleSlidesCustomDataVersion2">
-      <go:slidesCustomData xmlns:go="http://customooxmlschemas.google.com/" xmlns:ahyp="http://schemas.microsoft.com/office/drawing/2018/hyperlinkcolor" xmlns:p15="http://schemas.microsoft.com/office/powerpoint/2012/main" xmlns:p14="http://schemas.microsoft.com/office/powerpoint/2010/main" xmlns:com="http://schemas.openxmlformats.org/drawingml/2006/compatibility" xmlns:pvml="urn:schemas-microsoft-com:office:powerpoint" xmlns:v="urn:schemas-microsoft-com:vml" xmlns:o="urn:schemas-microsoft-com:office:office" xmlns:dgm="http://schemas.openxmlformats.org/drawingml/2006/diagram" xmlns:c="http://schemas.openxmlformats.org/drawingml/2006/chart" xmlns:mv="urn:schemas-microsoft-com:mac:vml" xmlns:mc="http://schemas.openxmlformats.org/markup-compatibility/2006" xmlns="" r:id="rId43" roundtripDataSignature="AMtx7mjwiTGL8P6MkGzLtFLYmbztPPfd0A=="/>
+      <go:slidesCustomData xmlns="" xmlns:mc="http://schemas.openxmlformats.org/markup-compatibility/2006" xmlns:mv="urn:schemas-microsoft-com:mac:vml" xmlns:c="http://schemas.openxmlformats.org/drawingml/2006/chart" xmlns:dgm="http://schemas.openxmlformats.org/drawingml/2006/diagram" xmlns:o="urn:schemas-microsoft-com:office:office" xmlns:v="urn:schemas-microsoft-com:vml" xmlns:pvml="urn:schemas-microsoft-com:office:powerpoint" xmlns:com="http://schemas.openxmlformats.org/drawingml/2006/compatibility" xmlns:p14="http://schemas.microsoft.com/office/powerpoint/2010/main" xmlns:p15="http://schemas.microsoft.com/office/powerpoint/2012/main" xmlns:ahyp="http://schemas.microsoft.com/office/drawing/2018/hyperlinkcolor" xmlns:go="http://customooxmlschemas.google.com/" r:id="rId43" roundtripDataSignature="AMtx7mjwiTGL8P6MkGzLtFLYmbztPPfd0A=="/>
     </p:ext>
   </p:extLst>
 </p:presentation>
@@ -19257,23 +19257,11 @@
                 <a:cs typeface="Roboto"/>
                 <a:sym typeface="Roboto"/>
               </a:rPr>
-              <a:t> This phase </a:t>
+              <a:t> </a:t>
             </a:r>
             <a:r>
               <a:rPr lang="en-US" sz="2400" dirty="0"/>
-              <a:t>concentrates on converting the visit-centric csv file into a single-row-per-subject, analysis-ready baseline cohort and on producing compact, multimodal feature tables for modelling</a:t>
-            </a:r>
-            <a:r>
-              <a:rPr lang="en-US" sz="2400" dirty="0">
-                <a:solidFill>
-                  <a:schemeClr val="dk1"/>
-                </a:solidFill>
-                <a:latin typeface="Roboto"/>
-                <a:ea typeface="Roboto"/>
-                <a:cs typeface="Roboto"/>
-                <a:sym typeface="Roboto"/>
-              </a:rPr>
-              <a:t>. </a:t>
+              <a:t>This phase focuses on transforming the visit-centric CSV into a single-row-per-subject baseline cohort and generating compact, multimodal feature tables suitable for modeling. </a:t>
             </a:r>
             <a:endParaRPr lang="en-US" sz="2400" noProof="0" dirty="0">
               <a:solidFill>
@@ -20422,7 +20410,7 @@
                 <a:ea typeface="Roboto" panose="02000000000000000000" pitchFamily="2" charset="0"/>
                 <a:cs typeface="Roboto" panose="02000000000000000000" pitchFamily="2" charset="0"/>
               </a:rPr>
-              <a:t>Clinically implausible values are detected using IQR Method and either clamped, nullified, or set aside for model-aware imputation rather than being arbitrarily corrected. </a:t>
+              <a:t>Clinically implausible values are detected using IQR Method and either clamped, nullified, or set aside for model-aware imputation rather than being corrected. </a:t>
             </a:r>
           </a:p>
           <a:p>
@@ -20762,7 +20750,7 @@
                 <a:cs typeface="Roboto"/>
                 <a:sym typeface="Roboto"/>
               </a:rPr>
-              <a:t>Separation of the learning set into training and test datasets while avoiding leakage.</a:t>
+              <a:t>Separation of the learning set into training and testing datasets while avoiding leakage.</a:t>
             </a:r>
             <a:endParaRPr lang="en-US" i="1" noProof="0" dirty="0"/>
           </a:p>
@@ -22925,7 +22913,7 @@
                 <a:cs typeface="Roboto"/>
                 <a:sym typeface="Roboto"/>
               </a:rPr>
-              <a:t>is modified accordingly to make it consistent, before evaluating the models built on the train. It is divided into </a:t>
+              <a:t>is modified accordingly to make it consistent, before evaluating the models built on the training dataset. Preprocessing is divided into </a:t>
             </a:r>
             <a:r>
               <a:rPr lang="en-US" sz="2400" i="1" noProof="0" dirty="0">
@@ -26904,7 +26892,7 @@
         </p:spPr>
         <p:txBody>
           <a:bodyPr spcFirstLastPara="1" wrap="square" lIns="91425" tIns="45700" rIns="91425" bIns="45700" anchor="t" anchorCtr="0">
-            <a:normAutofit/>
+            <a:normAutofit lnSpcReduction="10000"/>
           </a:bodyPr>
           <a:lstStyle/>
           <a:p>
@@ -26915,102 +26903,50 @@
               <a:buSzPts val="1400"/>
             </a:pPr>
             <a:r>
-              <a:rPr lang="en-US" noProof="0" dirty="0">
-                <a:solidFill>
-                  <a:schemeClr val="dk1"/>
-                </a:solidFill>
-                <a:latin typeface="Roboto"/>
-                <a:ea typeface="Roboto"/>
-                <a:cs typeface="Roboto"/>
-                <a:sym typeface="Roboto"/>
-              </a:rPr>
-              <a:t>We built the models on the </a:t>
-            </a:r>
-            <a:r>
-              <a:rPr lang="en-US" i="1" noProof="0" dirty="0">
-                <a:solidFill>
-                  <a:schemeClr val="dk1"/>
-                </a:solidFill>
-                <a:latin typeface="Roboto"/>
-                <a:ea typeface="Roboto"/>
-                <a:cs typeface="Roboto"/>
-                <a:sym typeface="Roboto"/>
-              </a:rPr>
-              <a:t>training set </a:t>
-            </a:r>
-            <a:r>
-              <a:rPr lang="en-US" noProof="0" dirty="0">
-                <a:solidFill>
-                  <a:schemeClr val="dk1"/>
-                </a:solidFill>
-                <a:latin typeface="Roboto"/>
-                <a:ea typeface="Roboto"/>
-                <a:cs typeface="Roboto"/>
-                <a:sym typeface="Roboto"/>
-              </a:rPr>
-              <a:t>and evaluate </a:t>
-            </a:r>
-            <a:r>
               <a:rPr lang="en-US" dirty="0">
-                <a:solidFill>
-                  <a:schemeClr val="dk1"/>
-                </a:solidFill>
-                <a:latin typeface="Roboto"/>
-                <a:ea typeface="Roboto"/>
-                <a:cs typeface="Roboto"/>
-                <a:sym typeface="Roboto"/>
-              </a:rPr>
-              <a:t>with </a:t>
+                <a:latin typeface="Roboto" panose="02000000000000000000" pitchFamily="2" charset="0"/>
+                <a:ea typeface="Roboto" panose="02000000000000000000" pitchFamily="2" charset="0"/>
+                <a:cs typeface="Roboto" panose="02000000000000000000" pitchFamily="2" charset="0"/>
+              </a:rPr>
+              <a:t>Models evaluated with </a:t>
             </a:r>
             <a:r>
               <a:rPr lang="en-US" i="1" dirty="0">
-                <a:solidFill>
-                  <a:schemeClr val="dk1"/>
-                </a:solidFill>
-                <a:latin typeface="Roboto"/>
-                <a:ea typeface="Roboto"/>
-                <a:cs typeface="Roboto"/>
-                <a:sym typeface="Roboto"/>
-              </a:rPr>
-              <a:t>5-fold-cross validation</a:t>
+                <a:latin typeface="Roboto" panose="02000000000000000000" pitchFamily="2" charset="0"/>
+                <a:ea typeface="Roboto" panose="02000000000000000000" pitchFamily="2" charset="0"/>
+                <a:cs typeface="Roboto" panose="02000000000000000000" pitchFamily="2" charset="0"/>
+              </a:rPr>
+              <a:t>Repeated Stratified 5×5 Cross-Validation </a:t>
             </a:r>
             <a:r>
               <a:rPr lang="en-US" dirty="0">
-                <a:solidFill>
-                  <a:schemeClr val="dk1"/>
-                </a:solidFill>
-                <a:latin typeface="Roboto"/>
-                <a:ea typeface="Roboto"/>
-                <a:cs typeface="Roboto"/>
-                <a:sym typeface="Roboto"/>
-              </a:rPr>
-              <a:t> and </a:t>
+                <a:latin typeface="Roboto" panose="02000000000000000000" pitchFamily="2" charset="0"/>
+                <a:ea typeface="Roboto" panose="02000000000000000000" pitchFamily="2" charset="0"/>
+                <a:cs typeface="Roboto" panose="02000000000000000000" pitchFamily="2" charset="0"/>
+              </a:rPr>
+              <a:t>and compared using </a:t>
             </a:r>
             <a:r>
               <a:rPr lang="en-US" i="1" dirty="0">
-                <a:solidFill>
-                  <a:schemeClr val="dk1"/>
-                </a:solidFill>
-                <a:latin typeface="Roboto"/>
-                <a:ea typeface="Roboto"/>
-                <a:cs typeface="Roboto"/>
-                <a:sym typeface="Roboto"/>
-              </a:rPr>
-              <a:t>Wilcoxon test</a:t>
+                <a:latin typeface="Roboto" panose="02000000000000000000" pitchFamily="2" charset="0"/>
+                <a:ea typeface="Roboto" panose="02000000000000000000" pitchFamily="2" charset="0"/>
+                <a:cs typeface="Roboto" panose="02000000000000000000" pitchFamily="2" charset="0"/>
+              </a:rPr>
+              <a:t>Wilcoxon signed-rank tests</a:t>
             </a:r>
             <a:r>
               <a:rPr lang="en-US" dirty="0">
-                <a:solidFill>
-                  <a:schemeClr val="dk1"/>
-                </a:solidFill>
-                <a:latin typeface="Roboto"/>
-                <a:ea typeface="Roboto"/>
-                <a:cs typeface="Roboto"/>
-                <a:sym typeface="Roboto"/>
-              </a:rPr>
-              <a:t>. </a:t>
-            </a:r>
-            <a:endParaRPr lang="en-US" noProof="0" dirty="0"/>
+                <a:latin typeface="Roboto" panose="02000000000000000000" pitchFamily="2" charset="0"/>
+                <a:ea typeface="Roboto" panose="02000000000000000000" pitchFamily="2" charset="0"/>
+                <a:cs typeface="Roboto" panose="02000000000000000000" pitchFamily="2" charset="0"/>
+              </a:rPr>
+              <a:t> on outer-fold F1-macro scores.</a:t>
+            </a:r>
+            <a:endParaRPr lang="en-US" noProof="0" dirty="0">
+              <a:latin typeface="Roboto" panose="02000000000000000000" pitchFamily="2" charset="0"/>
+              <a:ea typeface="Roboto" panose="02000000000000000000" pitchFamily="2" charset="0"/>
+              <a:cs typeface="Roboto" panose="02000000000000000000" pitchFamily="2" charset="0"/>
+            </a:endParaRPr>
           </a:p>
         </p:txBody>
       </p:sp>
@@ -27422,7 +27358,7 @@
         </p:spPr>
         <p:txBody>
           <a:bodyPr spcFirstLastPara="1" wrap="square" lIns="91425" tIns="45700" rIns="91425" bIns="45700" anchor="t" anchorCtr="0">
-            <a:normAutofit/>
+            <a:normAutofit lnSpcReduction="10000"/>
           </a:bodyPr>
           <a:lstStyle/>
           <a:p>
@@ -27469,16 +27405,12 @@
               <a:t>, using </a:t>
             </a:r>
             <a:r>
-              <a:rPr lang="en-US" i="1" noProof="0" dirty="0">
-                <a:solidFill>
-                  <a:schemeClr val="dk1"/>
-                </a:solidFill>
-                <a:latin typeface="Roboto"/>
-                <a:ea typeface="Roboto"/>
-                <a:cs typeface="Roboto"/>
-                <a:sym typeface="Roboto"/>
-              </a:rPr>
-              <a:t>5-fold cross-validation</a:t>
+              <a:rPr lang="en-US" i="1" dirty="0">
+                <a:latin typeface="Roboto" panose="02000000000000000000" pitchFamily="2" charset="0"/>
+                <a:ea typeface="Roboto" panose="02000000000000000000" pitchFamily="2" charset="0"/>
+                <a:cs typeface="Roboto" panose="02000000000000000000" pitchFamily="2" charset="0"/>
+              </a:rPr>
+              <a:t>Repeated Stratified 5×5 Cross-Validation</a:t>
             </a:r>
             <a:r>
               <a:rPr lang="en-US" noProof="0" dirty="0">
@@ -28052,7 +27984,7 @@
           <p:nvPr>
             <p:extLst>
               <p:ext uri="{D42A27DB-BD31-4B8C-83A1-F6EECF244321}">
-                <p14:modId xmlns:p14="http://schemas.microsoft.com/office/powerpoint/2010/main" val="1689460992"/>
+                <p14:modId xmlns:p14="http://schemas.microsoft.com/office/powerpoint/2010/main" val="650790312"/>
               </p:ext>
             </p:extLst>
           </p:nvPr>
@@ -28412,7 +28344,7 @@
                         <a:buNone/>
                       </a:pPr>
                       <a:r>
-                        <a:rPr lang="en-US" sz="1100" b="1" kern="100" dirty="0" err="1">
+                        <a:rPr lang="en-US" sz="1100" b="1" u="sng" kern="100" dirty="0" err="1">
                           <a:effectLst/>
                           <a:latin typeface="Calibri" panose="020F0502020204030204" pitchFamily="34" charset="0"/>
                           <a:ea typeface="Calibri" panose="020F0502020204030204" pitchFamily="34" charset="0"/>
@@ -28420,7 +28352,7 @@
                         </a:rPr>
                         <a:t>Extra_Trees</a:t>
                       </a:r>
-                      <a:endParaRPr lang="it-IT" sz="1100" b="1" kern="100" dirty="0">
+                      <a:endParaRPr lang="it-IT" sz="1100" b="1" u="sng" kern="100" dirty="0">
                         <a:effectLst/>
                         <a:latin typeface="Calibri" panose="020F0502020204030204" pitchFamily="34" charset="0"/>
                         <a:ea typeface="Calibri" panose="020F0502020204030204" pitchFamily="34" charset="0"/>
@@ -28445,7 +28377,7 @@
                         <a:buNone/>
                       </a:pPr>
                       <a:r>
-                        <a:rPr lang="en-US" sz="1100" i="0" kern="100" dirty="0">
+                        <a:rPr lang="en-US" sz="1100" b="0" i="0" u="sng" kern="100" dirty="0">
                           <a:effectLst/>
                           <a:latin typeface="Calibri" panose="020F0502020204030204" pitchFamily="34" charset="0"/>
                           <a:ea typeface="Calibri" panose="020F0502020204030204" pitchFamily="34" charset="0"/>
@@ -28453,7 +28385,7 @@
                         </a:rPr>
                         <a:t>0.9376</a:t>
                       </a:r>
-                      <a:endParaRPr lang="it-IT" sz="1100" i="0" kern="100" dirty="0">
+                      <a:endParaRPr lang="it-IT" sz="1100" b="0" i="0" u="sng" kern="100" dirty="0">
                         <a:effectLst/>
                         <a:latin typeface="Calibri" panose="020F0502020204030204" pitchFamily="34" charset="0"/>
                         <a:ea typeface="Calibri" panose="020F0502020204030204" pitchFamily="34" charset="0"/>
@@ -28478,7 +28410,7 @@
                         <a:buNone/>
                       </a:pPr>
                       <a:r>
-                        <a:rPr lang="en-US" sz="1100" i="0" kern="100">
+                        <a:rPr lang="en-US" sz="1100" b="0" i="0" u="sng" kern="100" dirty="0">
                           <a:effectLst/>
                           <a:latin typeface="Calibri" panose="020F0502020204030204" pitchFamily="34" charset="0"/>
                           <a:ea typeface="Calibri" panose="020F0502020204030204" pitchFamily="34" charset="0"/>
@@ -28486,7 +28418,7 @@
                         </a:rPr>
                         <a:t>0.9442</a:t>
                       </a:r>
-                      <a:endParaRPr lang="it-IT" sz="1100" i="0" kern="100">
+                      <a:endParaRPr lang="it-IT" sz="1100" b="0" i="0" u="sng" kern="100" dirty="0">
                         <a:effectLst/>
                         <a:latin typeface="Calibri" panose="020F0502020204030204" pitchFamily="34" charset="0"/>
                         <a:ea typeface="Calibri" panose="020F0502020204030204" pitchFamily="34" charset="0"/>
@@ -28511,7 +28443,7 @@
                         <a:buNone/>
                       </a:pPr>
                       <a:r>
-                        <a:rPr lang="en-US" sz="1100" i="0" kern="100">
+                        <a:rPr lang="en-US" sz="1100" b="0" i="0" u="sng" kern="100" dirty="0">
                           <a:effectLst/>
                           <a:latin typeface="Calibri" panose="020F0502020204030204" pitchFamily="34" charset="0"/>
                           <a:ea typeface="Calibri" panose="020F0502020204030204" pitchFamily="34" charset="0"/>
@@ -28519,7 +28451,7 @@
                         </a:rPr>
                         <a:t>0.9408</a:t>
                       </a:r>
-                      <a:endParaRPr lang="it-IT" sz="1100" i="0" kern="100">
+                      <a:endParaRPr lang="it-IT" sz="1100" b="0" i="0" u="sng" kern="100" dirty="0">
                         <a:effectLst/>
                         <a:latin typeface="Calibri" panose="020F0502020204030204" pitchFamily="34" charset="0"/>
                         <a:ea typeface="Calibri" panose="020F0502020204030204" pitchFamily="34" charset="0"/>
@@ -28544,7 +28476,7 @@
                         <a:buNone/>
                       </a:pPr>
                       <a:r>
-                        <a:rPr lang="en-US" sz="1100" i="0" kern="100">
+                        <a:rPr lang="en-US" sz="1100" b="0" i="0" u="sng" kern="100" dirty="0">
                           <a:effectLst/>
                           <a:latin typeface="Calibri" panose="020F0502020204030204" pitchFamily="34" charset="0"/>
                           <a:ea typeface="Calibri" panose="020F0502020204030204" pitchFamily="34" charset="0"/>
@@ -28552,7 +28484,7 @@
                         </a:rPr>
                         <a:t>0.9448</a:t>
                       </a:r>
-                      <a:endParaRPr lang="it-IT" sz="1100" i="0" kern="100">
+                      <a:endParaRPr lang="it-IT" sz="1100" b="0" i="0" u="sng" kern="100" dirty="0">
                         <a:effectLst/>
                         <a:latin typeface="Calibri" panose="020F0502020204030204" pitchFamily="34" charset="0"/>
                         <a:ea typeface="Calibri" panose="020F0502020204030204" pitchFamily="34" charset="0"/>
@@ -28577,7 +28509,7 @@
                         <a:buNone/>
                       </a:pPr>
                       <a:r>
-                        <a:rPr lang="en-US" sz="1100" i="0" kern="100">
+                        <a:rPr lang="en-US" sz="1100" b="0" i="0" u="sng" kern="100" dirty="0">
                           <a:effectLst/>
                           <a:latin typeface="Calibri" panose="020F0502020204030204" pitchFamily="34" charset="0"/>
                           <a:ea typeface="Calibri" panose="020F0502020204030204" pitchFamily="34" charset="0"/>
@@ -28585,7 +28517,7 @@
                         </a:rPr>
                         <a:t>0.9442</a:t>
                       </a:r>
-                      <a:endParaRPr lang="it-IT" sz="1100" i="0" kern="100">
+                      <a:endParaRPr lang="it-IT" sz="1100" b="0" i="0" u="sng" kern="100" dirty="0">
                         <a:effectLst/>
                         <a:latin typeface="Calibri" panose="020F0502020204030204" pitchFamily="34" charset="0"/>
                         <a:ea typeface="Calibri" panose="020F0502020204030204" pitchFamily="34" charset="0"/>
@@ -28610,7 +28542,7 @@
                         <a:buNone/>
                       </a:pPr>
                       <a:r>
-                        <a:rPr lang="en-US" sz="1100" i="0" kern="100">
+                        <a:rPr lang="en-US" sz="1100" b="0" i="0" u="sng" kern="100" dirty="0">
                           <a:effectLst/>
                           <a:latin typeface="Calibri" panose="020F0502020204030204" pitchFamily="34" charset="0"/>
                           <a:ea typeface="Calibri" panose="020F0502020204030204" pitchFamily="34" charset="0"/>
@@ -28618,7 +28550,7 @@
                         </a:rPr>
                         <a:t>0.9443</a:t>
                       </a:r>
-                      <a:endParaRPr lang="it-IT" sz="1100" i="0" kern="100">
+                      <a:endParaRPr lang="it-IT" sz="1100" b="0" i="0" u="sng" kern="100" dirty="0">
                         <a:effectLst/>
                         <a:latin typeface="Calibri" panose="020F0502020204030204" pitchFamily="34" charset="0"/>
                         <a:ea typeface="Calibri" panose="020F0502020204030204" pitchFamily="34" charset="0"/>
@@ -28643,7 +28575,7 @@
                         <a:buNone/>
                       </a:pPr>
                       <a:r>
-                        <a:rPr lang="en-US" sz="1100" i="0" kern="100">
+                        <a:rPr lang="en-US" sz="1100" b="0" i="0" u="sng" kern="100" dirty="0">
                           <a:effectLst/>
                           <a:latin typeface="Calibri" panose="020F0502020204030204" pitchFamily="34" charset="0"/>
                           <a:ea typeface="Calibri" panose="020F0502020204030204" pitchFamily="34" charset="0"/>
@@ -28651,7 +28583,7 @@
                         </a:rPr>
                         <a:t>0.9867</a:t>
                       </a:r>
-                      <a:endParaRPr lang="it-IT" sz="1100" i="0" kern="100">
+                      <a:endParaRPr lang="it-IT" sz="1100" b="0" i="0" u="sng" kern="100" dirty="0">
                         <a:effectLst/>
                         <a:latin typeface="Calibri" panose="020F0502020204030204" pitchFamily="34" charset="0"/>
                         <a:ea typeface="Calibri" panose="020F0502020204030204" pitchFamily="34" charset="0"/>
@@ -31307,7 +31239,7 @@
         </p:spPr>
         <p:txBody>
           <a:bodyPr spcFirstLastPara="1" wrap="square" lIns="91425" tIns="45700" rIns="91425" bIns="45700" anchor="t" anchorCtr="0">
-            <a:normAutofit/>
+            <a:normAutofit fontScale="92500" lnSpcReduction="20000"/>
           </a:bodyPr>
           <a:lstStyle/>
           <a:p>
@@ -31371,6 +31303,40 @@
               </a:rPr>
               <a:t> cognitive scores show significantly higher predictive power than other variables.</a:t>
             </a:r>
+          </a:p>
+          <a:p>
+            <a:pPr marL="342900" indent="-342900">
+              <a:buFont typeface="Arial" panose="020B0604020202020204" pitchFamily="34" charset="0"/>
+              <a:buChar char="•"/>
+            </a:pPr>
+            <a:endParaRPr lang="en-US" sz="2000" dirty="0">
+              <a:latin typeface="Roboto" panose="02000000000000000000" pitchFamily="2" charset="0"/>
+              <a:ea typeface="Roboto" panose="02000000000000000000" pitchFamily="2" charset="0"/>
+              <a:cs typeface="Roboto" panose="02000000000000000000" pitchFamily="2" charset="0"/>
+            </a:endParaRPr>
+          </a:p>
+          <a:p>
+            <a:pPr marL="342900" indent="-342900">
+              <a:buFont typeface="Arial" panose="020B0604020202020204" pitchFamily="34" charset="0"/>
+              <a:buChar char="•"/>
+            </a:pPr>
+            <a:r>
+              <a:rPr lang="en-US" sz="2000" dirty="0"/>
+              <a:t>The </a:t>
+            </a:r>
+            <a:r>
+              <a:rPr lang="en-US" sz="2000" b="1" dirty="0"/>
+              <a:t>Kruskal–Wallis </a:t>
+            </a:r>
+            <a:r>
+              <a:rPr lang="en-US" sz="2000" dirty="0"/>
+              <a:t>test confirms this pattern. The features show the largest group differences, indicating that they naturally dominate the separation between diagnostic classes.</a:t>
+            </a:r>
+            <a:endParaRPr lang="en-US" sz="2000" noProof="0" dirty="0">
+              <a:latin typeface="Roboto" panose="02000000000000000000" pitchFamily="2" charset="0"/>
+              <a:ea typeface="Roboto" panose="02000000000000000000" pitchFamily="2" charset="0"/>
+              <a:cs typeface="Roboto" panose="02000000000000000000" pitchFamily="2" charset="0"/>
+            </a:endParaRPr>
           </a:p>
           <a:p>
             <a:pPr marL="342900" indent="-342900">

--- a/Presentation.pptx
+++ b/Presentation.pptx
@@ -317,7 +317,7 @@
       </p15:sldGuideLst>
     </p:ext>
     <p:ext uri="GoogleSlidesCustomDataVersion2">
-      <go:slidesCustomData xmlns="" xmlns:mc="http://schemas.openxmlformats.org/markup-compatibility/2006" xmlns:mv="urn:schemas-microsoft-com:mac:vml" xmlns:c="http://schemas.openxmlformats.org/drawingml/2006/chart" xmlns:dgm="http://schemas.openxmlformats.org/drawingml/2006/diagram" xmlns:o="urn:schemas-microsoft-com:office:office" xmlns:v="urn:schemas-microsoft-com:vml" xmlns:pvml="urn:schemas-microsoft-com:office:powerpoint" xmlns:com="http://schemas.openxmlformats.org/drawingml/2006/compatibility" xmlns:p14="http://schemas.microsoft.com/office/powerpoint/2010/main" xmlns:p15="http://schemas.microsoft.com/office/powerpoint/2012/main" xmlns:ahyp="http://schemas.microsoft.com/office/drawing/2018/hyperlinkcolor" xmlns:go="http://customooxmlschemas.google.com/" r:id="rId43" roundtripDataSignature="AMtx7mjwiTGL8P6MkGzLtFLYmbztPPfd0A=="/>
+      <go:slidesCustomData xmlns:go="http://customooxmlschemas.google.com/" xmlns:ahyp="http://schemas.microsoft.com/office/drawing/2018/hyperlinkcolor" xmlns:p15="http://schemas.microsoft.com/office/powerpoint/2012/main" xmlns:p14="http://schemas.microsoft.com/office/powerpoint/2010/main" xmlns:com="http://schemas.openxmlformats.org/drawingml/2006/compatibility" xmlns:pvml="urn:schemas-microsoft-com:office:powerpoint" xmlns:v="urn:schemas-microsoft-com:vml" xmlns:o="urn:schemas-microsoft-com:office:office" xmlns:dgm="http://schemas.openxmlformats.org/drawingml/2006/diagram" xmlns:c="http://schemas.openxmlformats.org/drawingml/2006/chart" xmlns:mv="urn:schemas-microsoft-com:mac:vml" xmlns:mc="http://schemas.openxmlformats.org/markup-compatibility/2006" xmlns="" r:id="rId43" roundtripDataSignature="AMtx7mjwiTGL8P6MkGzLtFLYmbztPPfd0A=="/>
     </p:ext>
   </p:extLst>
 </p:presentation>
@@ -31881,10 +31881,10 @@
       </p:sp>
       <p:pic>
         <p:nvPicPr>
-          <p:cNvPr id="2050" name="Picture 2" descr="No description has been provided for this image">
+          <p:cNvPr id="1026" name="Picture 2" descr="No description has been provided for this image">
             <a:extLst>
               <a:ext uri="{FF2B5EF4-FFF2-40B4-BE49-F238E27FC236}">
-                <a16:creationId xmlns:a16="http://schemas.microsoft.com/office/drawing/2014/main" id="{D7FCA212-DAC7-523A-6495-CC5580242D60}"/>
+                <a16:creationId xmlns:a16="http://schemas.microsoft.com/office/drawing/2014/main" id="{1EB1C2D1-381B-1B60-A4D9-A8B5E664229C}"/>
               </a:ext>
             </a:extLst>
           </p:cNvPr>
@@ -31908,7 +31908,7 @@
         </p:blipFill>
         <p:spPr bwMode="auto">
           <a:xfrm>
-            <a:off x="0" y="887296"/>
+            <a:off x="-6000" y="869920"/>
             <a:ext cx="3024000" cy="5940000"/>
           </a:xfrm>
           <a:prstGeom prst="rect">
@@ -31928,10 +31928,10 @@
       </p:pic>
       <p:pic>
         <p:nvPicPr>
-          <p:cNvPr id="2052" name="Picture 4" descr="No description has been provided for this image">
+          <p:cNvPr id="1028" name="Picture 4" descr="No description has been provided for this image">
             <a:extLst>
               <a:ext uri="{FF2B5EF4-FFF2-40B4-BE49-F238E27FC236}">
-                <a16:creationId xmlns:a16="http://schemas.microsoft.com/office/drawing/2014/main" id="{1305918A-7335-D13C-6796-BE80D50D3FE4}"/>
+                <a16:creationId xmlns:a16="http://schemas.microsoft.com/office/drawing/2014/main" id="{38423C47-0886-8862-9E2A-A4EE43BDE06B}"/>
               </a:ext>
             </a:extLst>
           </p:cNvPr>
@@ -31955,7 +31955,7 @@
         </p:blipFill>
         <p:spPr bwMode="auto">
           <a:xfrm>
-            <a:off x="3036000" y="887296"/>
+            <a:off x="3018000" y="869920"/>
             <a:ext cx="3024000" cy="5940000"/>
           </a:xfrm>
           <a:prstGeom prst="rect">
@@ -31975,10 +31975,10 @@
       </p:pic>
       <p:pic>
         <p:nvPicPr>
-          <p:cNvPr id="2054" name="Picture 6" descr="No description has been provided for this image">
+          <p:cNvPr id="1030" name="Picture 6" descr="No description has been provided for this image">
             <a:extLst>
               <a:ext uri="{FF2B5EF4-FFF2-40B4-BE49-F238E27FC236}">
-                <a16:creationId xmlns:a16="http://schemas.microsoft.com/office/drawing/2014/main" id="{E6E1B67E-E8D2-7F3D-21DB-774810DACA6A}"/>
+                <a16:creationId xmlns:a16="http://schemas.microsoft.com/office/drawing/2014/main" id="{76C86AA0-7011-926C-490B-C00B3F2C03D7}"/>
               </a:ext>
             </a:extLst>
           </p:cNvPr>
@@ -32002,7 +32002,7 @@
         </p:blipFill>
         <p:spPr bwMode="auto">
           <a:xfrm>
-            <a:off x="6096000" y="887296"/>
+            <a:off x="6150002" y="869920"/>
             <a:ext cx="3024000" cy="5940000"/>
           </a:xfrm>
           <a:prstGeom prst="rect">
@@ -32022,10 +32022,10 @@
       </p:pic>
       <p:pic>
         <p:nvPicPr>
-          <p:cNvPr id="2058" name="Picture 10" descr="No description has been provided for this image">
+          <p:cNvPr id="1032" name="Picture 8" descr="No description has been provided for this image">
             <a:extLst>
               <a:ext uri="{FF2B5EF4-FFF2-40B4-BE49-F238E27FC236}">
-                <a16:creationId xmlns:a16="http://schemas.microsoft.com/office/drawing/2014/main" id="{866475AF-BDFC-EB5A-F56A-C9C92E0D046C}"/>
+                <a16:creationId xmlns:a16="http://schemas.microsoft.com/office/drawing/2014/main" id="{756BC076-5D89-FEEA-11F2-FD6420CBE833}"/>
               </a:ext>
             </a:extLst>
           </p:cNvPr>
@@ -32049,7 +32049,7 @@
         </p:blipFill>
         <p:spPr bwMode="auto">
           <a:xfrm>
-            <a:off x="9156000" y="887296"/>
+            <a:off x="9174000" y="869920"/>
             <a:ext cx="3024000" cy="5940000"/>
           </a:xfrm>
           <a:prstGeom prst="rect">
